--- a/Presentation/Midterm Presentation.pptx
+++ b/Presentation/Midterm Presentation.pptx
@@ -10,16 +10,18 @@
     <p:sldMasterId id="2147483692" r:id="rId6"/>
   </p:sldMasterIdLst>
   <p:notesMasterIdLst>
-    <p:notesMasterId r:id="rId11"/>
+    <p:notesMasterId r:id="rId13"/>
   </p:notesMasterIdLst>
   <p:handoutMasterIdLst>
-    <p:handoutMasterId r:id="rId12"/>
+    <p:handoutMasterId r:id="rId14"/>
   </p:handoutMasterIdLst>
   <p:sldIdLst>
     <p:sldId id="306" r:id="rId7"/>
-    <p:sldId id="309" r:id="rId8"/>
-    <p:sldId id="307" r:id="rId9"/>
-    <p:sldId id="300" r:id="rId10"/>
+    <p:sldId id="311" r:id="rId8"/>
+    <p:sldId id="312" r:id="rId9"/>
+    <p:sldId id="310" r:id="rId10"/>
+    <p:sldId id="307" r:id="rId11"/>
+    <p:sldId id="300" r:id="rId12"/>
   </p:sldIdLst>
   <p:sldSz cx="9144000" cy="5143500" type="screen16x9"/>
   <p:notesSz cx="6858000" cy="9144000"/>
@@ -1715,7 +1717,7 @@
           <a:p>
             <a:fld id="{A70AE70C-D509-4E4B-9352-79C3D11520D1}" type="datetimeFigureOut">
               <a:rPr lang="de-DE" smtClean="0"/>
-              <a:t>12.11.2020</a:t>
+              <a:t>14.11.2020</a:t>
             </a:fld>
             <a:endParaRPr lang="de-DE"/>
           </a:p>
@@ -1893,7 +1895,7 @@
           <a:p>
             <a:fld id="{B77602DA-7CEE-4298-AF4B-1C87D65BAB06}" type="datetimeFigureOut">
               <a:rPr lang="de-CH" smtClean="0"/>
-              <a:t>12.11.2020</a:t>
+              <a:t>14.11.2020</a:t>
             </a:fld>
             <a:endParaRPr lang="de-CH" dirty="0"/>
           </a:p>
@@ -12601,10 +12603,10 @@
       </p:grpSpPr>
       <p:sp>
         <p:nvSpPr>
-          <p:cNvPr id="25" name="Text Placeholder 24">
+          <p:cNvPr id="2" name="Textplatzhalter 1">
             <a:extLst>
               <a:ext uri="{FF2B5EF4-FFF2-40B4-BE49-F238E27FC236}">
-                <a16:creationId xmlns:a16="http://schemas.microsoft.com/office/drawing/2014/main" id="{1D96C830-14AA-41C9-95A1-E2DE662385B5}"/>
+                <a16:creationId xmlns:a16="http://schemas.microsoft.com/office/drawing/2014/main" id="{9DF2D2EF-9BA8-411A-8C49-A736BF649E28}"/>
               </a:ext>
             </a:extLst>
           </p:cNvPr>
@@ -12615,26 +12617,21 @@
             <p:ph type="body" idx="11"/>
           </p:nvPr>
         </p:nvSpPr>
-        <p:spPr>
-          <a:xfrm>
-            <a:off x="540000" y="680400"/>
-            <a:ext cx="7020000" cy="410369"/>
-          </a:xfrm>
-        </p:spPr>
+        <p:spPr/>
         <p:txBody>
           <a:bodyPr/>
           <a:lstStyle/>
           <a:p>
-            <a:endParaRPr lang="en-GB" dirty="0"/>
+            <a:endParaRPr lang="en-GB"/>
           </a:p>
         </p:txBody>
       </p:sp>
       <p:sp>
         <p:nvSpPr>
-          <p:cNvPr id="24" name="Title 23">
+          <p:cNvPr id="3" name="Titel 2">
             <a:extLst>
               <a:ext uri="{FF2B5EF4-FFF2-40B4-BE49-F238E27FC236}">
-                <a16:creationId xmlns:a16="http://schemas.microsoft.com/office/drawing/2014/main" id="{E919C78D-2366-43B6-90AA-19FC1507C038}"/>
+                <a16:creationId xmlns:a16="http://schemas.microsoft.com/office/drawing/2014/main" id="{CCF5DF9F-6C58-4F20-BCF9-074E879804AA}"/>
               </a:ext>
             </a:extLst>
           </p:cNvPr>
@@ -12650,16 +12647,19 @@
           <a:bodyPr/>
           <a:lstStyle/>
           <a:p>
-            <a:endParaRPr lang="en-US" dirty="0"/>
+            <a:r>
+              <a:rPr lang="en-GB" dirty="0"/>
+              <a:t>Introduction</a:t>
+            </a:r>
           </a:p>
         </p:txBody>
       </p:sp>
       <p:sp>
         <p:nvSpPr>
-          <p:cNvPr id="23" name="Content Placeholder 22">
+          <p:cNvPr id="4" name="Inhaltsplatzhalter 3">
             <a:extLst>
               <a:ext uri="{FF2B5EF4-FFF2-40B4-BE49-F238E27FC236}">
-                <a16:creationId xmlns:a16="http://schemas.microsoft.com/office/drawing/2014/main" id="{22E2B98F-DA7C-448F-ACBF-3E4BCA2FF259}"/>
+                <a16:creationId xmlns:a16="http://schemas.microsoft.com/office/drawing/2014/main" id="{C31ADC9B-A79E-4EC8-B885-E92E936A3D8E}"/>
               </a:ext>
             </a:extLst>
           </p:cNvPr>
@@ -12670,28 +12670,46 @@
             <p:ph idx="1"/>
           </p:nvPr>
         </p:nvSpPr>
-        <p:spPr>
-          <a:xfrm>
-            <a:off x="540000" y="1275606"/>
-            <a:ext cx="8496496" cy="3528392"/>
-          </a:xfrm>
-        </p:spPr>
+        <p:spPr/>
         <p:txBody>
           <a:bodyPr/>
           <a:lstStyle/>
           <a:p>
-            <a:pPr marL="342900" indent="-342900" algn="just">
-              <a:buFont typeface="+mj-lt"/>
-              <a:buAutoNum type="arabicPeriod"/>
+            <a:r>
+              <a:rPr lang="en-GB" dirty="0"/>
+              <a:t>What is normalization?</a:t>
+            </a:r>
+          </a:p>
+          <a:p>
+            <a:r>
+              <a:rPr lang="en-GB" dirty="0"/>
+              <a:t>Why we need normalization?</a:t>
+            </a:r>
+          </a:p>
+          <a:p>
+            <a:r>
+              <a:rPr lang="en-GB" dirty="0"/>
+              <a:t>What are the advantages and contras? </a:t>
+            </a:r>
+          </a:p>
+          <a:p>
+            <a:r>
+              <a:rPr lang="en-GB" dirty="0"/>
+              <a:t>Different Methods?</a:t>
+            </a:r>
+          </a:p>
+          <a:p>
+            <a:pPr marL="0" indent="0">
+              <a:buNone/>
             </a:pPr>
-            <a:endParaRPr lang="en-US" dirty="0"/>
+            <a:endParaRPr lang="en-GB" dirty="0"/>
           </a:p>
         </p:txBody>
       </p:sp>
     </p:spTree>
     <p:extLst>
       <p:ext uri="{BB962C8B-B14F-4D97-AF65-F5344CB8AC3E}">
-        <p14:creationId xmlns:p14="http://schemas.microsoft.com/office/powerpoint/2010/main" val="1314966360"/>
+        <p14:creationId xmlns:p14="http://schemas.microsoft.com/office/powerpoint/2010/main" val="3795839589"/>
       </p:ext>
     </p:extLst>
   </p:cSld>
@@ -12702,6 +12720,237 @@
 </file>
 
 <file path=ppt/slides/slide3.xml><?xml version="1.0" encoding="utf-8"?>
+<p:sld xmlns:a="http://schemas.openxmlformats.org/drawingml/2006/main" xmlns:r="http://schemas.openxmlformats.org/officeDocument/2006/relationships" xmlns:p="http://schemas.openxmlformats.org/presentationml/2006/main">
+  <p:cSld>
+    <p:spTree>
+      <p:nvGrpSpPr>
+        <p:cNvPr id="1" name=""/>
+        <p:cNvGrpSpPr/>
+        <p:nvPr/>
+      </p:nvGrpSpPr>
+      <p:grpSpPr>
+        <a:xfrm>
+          <a:off x="0" y="0"/>
+          <a:ext cx="0" cy="0"/>
+          <a:chOff x="0" y="0"/>
+          <a:chExt cx="0" cy="0"/>
+        </a:xfrm>
+      </p:grpSpPr>
+      <p:sp>
+        <p:nvSpPr>
+          <p:cNvPr id="2" name="Textplatzhalter 1">
+            <a:extLst>
+              <a:ext uri="{FF2B5EF4-FFF2-40B4-BE49-F238E27FC236}">
+                <a16:creationId xmlns:a16="http://schemas.microsoft.com/office/drawing/2014/main" id="{A02724B3-7C52-41FA-B41A-4C8EFD48E973}"/>
+              </a:ext>
+            </a:extLst>
+          </p:cNvPr>
+          <p:cNvSpPr>
+            <a:spLocks noGrp="1"/>
+          </p:cNvSpPr>
+          <p:nvPr>
+            <p:ph type="body" idx="11"/>
+          </p:nvPr>
+        </p:nvSpPr>
+        <p:spPr/>
+        <p:txBody>
+          <a:bodyPr/>
+          <a:lstStyle/>
+          <a:p>
+            <a:endParaRPr lang="en-GB"/>
+          </a:p>
+        </p:txBody>
+      </p:sp>
+      <p:sp>
+        <p:nvSpPr>
+          <p:cNvPr id="3" name="Titel 2">
+            <a:extLst>
+              <a:ext uri="{FF2B5EF4-FFF2-40B4-BE49-F238E27FC236}">
+                <a16:creationId xmlns:a16="http://schemas.microsoft.com/office/drawing/2014/main" id="{314A22B0-5D69-48C2-967A-4A637EB1AF7F}"/>
+              </a:ext>
+            </a:extLst>
+          </p:cNvPr>
+          <p:cNvSpPr>
+            <a:spLocks noGrp="1"/>
+          </p:cNvSpPr>
+          <p:nvPr>
+            <p:ph type="title"/>
+          </p:nvPr>
+        </p:nvSpPr>
+        <p:spPr/>
+        <p:txBody>
+          <a:bodyPr/>
+          <a:lstStyle/>
+          <a:p>
+            <a:r>
+              <a:rPr lang="en-GB" dirty="0"/>
+              <a:t>Our Project</a:t>
+            </a:r>
+          </a:p>
+        </p:txBody>
+      </p:sp>
+      <p:sp>
+        <p:nvSpPr>
+          <p:cNvPr id="4" name="Inhaltsplatzhalter 3">
+            <a:extLst>
+              <a:ext uri="{FF2B5EF4-FFF2-40B4-BE49-F238E27FC236}">
+                <a16:creationId xmlns:a16="http://schemas.microsoft.com/office/drawing/2014/main" id="{F8D7353B-DE9F-4B95-96EC-2DD9F2B04E96}"/>
+              </a:ext>
+            </a:extLst>
+          </p:cNvPr>
+          <p:cNvSpPr>
+            <a:spLocks noGrp="1"/>
+          </p:cNvSpPr>
+          <p:nvPr>
+            <p:ph idx="1"/>
+          </p:nvPr>
+        </p:nvSpPr>
+        <p:spPr/>
+        <p:txBody>
+          <a:bodyPr/>
+          <a:lstStyle/>
+          <a:p>
+            <a:r>
+              <a:rPr lang="en-GB" dirty="0"/>
+              <a:t>What have we done so far?</a:t>
+            </a:r>
+          </a:p>
+          <a:p>
+            <a:r>
+              <a:rPr lang="en-GB" dirty="0"/>
+              <a:t>What were the challenges?</a:t>
+            </a:r>
+          </a:p>
+          <a:p>
+            <a:r>
+              <a:rPr lang="en-GB" dirty="0"/>
+              <a:t>You have to sell your project a bit ;) !!!</a:t>
+            </a:r>
+          </a:p>
+        </p:txBody>
+      </p:sp>
+    </p:spTree>
+    <p:extLst>
+      <p:ext uri="{BB962C8B-B14F-4D97-AF65-F5344CB8AC3E}">
+        <p14:creationId xmlns:p14="http://schemas.microsoft.com/office/powerpoint/2010/main" val="2731920850"/>
+      </p:ext>
+    </p:extLst>
+  </p:cSld>
+  <p:clrMapOvr>
+    <a:masterClrMapping/>
+  </p:clrMapOvr>
+</p:sld>
+</file>
+
+<file path=ppt/slides/slide4.xml><?xml version="1.0" encoding="utf-8"?>
+<p:sld xmlns:a="http://schemas.openxmlformats.org/drawingml/2006/main" xmlns:r="http://schemas.openxmlformats.org/officeDocument/2006/relationships" xmlns:p="http://schemas.openxmlformats.org/presentationml/2006/main">
+  <p:cSld>
+    <p:spTree>
+      <p:nvGrpSpPr>
+        <p:cNvPr id="1" name=""/>
+        <p:cNvGrpSpPr/>
+        <p:nvPr/>
+      </p:nvGrpSpPr>
+      <p:grpSpPr>
+        <a:xfrm>
+          <a:off x="0" y="0"/>
+          <a:ext cx="0" cy="0"/>
+          <a:chOff x="0" y="0"/>
+          <a:chExt cx="0" cy="0"/>
+        </a:xfrm>
+      </p:grpSpPr>
+      <p:sp>
+        <p:nvSpPr>
+          <p:cNvPr id="2" name="Textplatzhalter 1">
+            <a:extLst>
+              <a:ext uri="{FF2B5EF4-FFF2-40B4-BE49-F238E27FC236}">
+                <a16:creationId xmlns:a16="http://schemas.microsoft.com/office/drawing/2014/main" id="{29920D21-08D2-4D42-853C-BF0CABF01184}"/>
+              </a:ext>
+            </a:extLst>
+          </p:cNvPr>
+          <p:cNvSpPr>
+            <a:spLocks noGrp="1"/>
+          </p:cNvSpPr>
+          <p:nvPr>
+            <p:ph type="body" idx="11"/>
+          </p:nvPr>
+        </p:nvSpPr>
+        <p:spPr/>
+        <p:txBody>
+          <a:bodyPr/>
+          <a:lstStyle/>
+          <a:p>
+            <a:endParaRPr lang="en-GB"/>
+          </a:p>
+        </p:txBody>
+      </p:sp>
+      <p:sp>
+        <p:nvSpPr>
+          <p:cNvPr id="3" name="Titel 2">
+            <a:extLst>
+              <a:ext uri="{FF2B5EF4-FFF2-40B4-BE49-F238E27FC236}">
+                <a16:creationId xmlns:a16="http://schemas.microsoft.com/office/drawing/2014/main" id="{957B6CB6-22E1-48CC-B21B-DB54150C1026}"/>
+              </a:ext>
+            </a:extLst>
+          </p:cNvPr>
+          <p:cNvSpPr>
+            <a:spLocks noGrp="1"/>
+          </p:cNvSpPr>
+          <p:nvPr>
+            <p:ph type="title"/>
+          </p:nvPr>
+        </p:nvSpPr>
+        <p:spPr/>
+        <p:txBody>
+          <a:bodyPr/>
+          <a:lstStyle/>
+          <a:p>
+            <a:r>
+              <a:rPr lang="en-GB" dirty="0"/>
+              <a:t>Results</a:t>
+            </a:r>
+          </a:p>
+        </p:txBody>
+      </p:sp>
+      <p:sp>
+        <p:nvSpPr>
+          <p:cNvPr id="4" name="Inhaltsplatzhalter 3">
+            <a:extLst>
+              <a:ext uri="{FF2B5EF4-FFF2-40B4-BE49-F238E27FC236}">
+                <a16:creationId xmlns:a16="http://schemas.microsoft.com/office/drawing/2014/main" id="{09A5B473-DD00-4CE3-AA1D-015CE70AE56A}"/>
+              </a:ext>
+            </a:extLst>
+          </p:cNvPr>
+          <p:cNvSpPr>
+            <a:spLocks noGrp="1"/>
+          </p:cNvSpPr>
+          <p:nvPr>
+            <p:ph idx="1"/>
+          </p:nvPr>
+        </p:nvSpPr>
+        <p:spPr/>
+        <p:txBody>
+          <a:bodyPr/>
+          <a:lstStyle/>
+          <a:p>
+            <a:endParaRPr lang="en-GB" dirty="0"/>
+          </a:p>
+        </p:txBody>
+      </p:sp>
+    </p:spTree>
+    <p:extLst>
+      <p:ext uri="{BB962C8B-B14F-4D97-AF65-F5344CB8AC3E}">
+        <p14:creationId xmlns:p14="http://schemas.microsoft.com/office/powerpoint/2010/main" val="442890286"/>
+      </p:ext>
+    </p:extLst>
+  </p:cSld>
+  <p:clrMapOvr>
+    <a:masterClrMapping/>
+  </p:clrMapOvr>
+</p:sld>
+</file>
+
+<file path=ppt/slides/slide5.xml><?xml version="1.0" encoding="utf-8"?>
 <p:sld xmlns:a="http://schemas.openxmlformats.org/drawingml/2006/main" xmlns:r="http://schemas.openxmlformats.org/officeDocument/2006/relationships" xmlns:p="http://schemas.openxmlformats.org/presentationml/2006/main">
   <p:cSld>
     <p:spTree>
@@ -12873,7 +13122,7 @@
 </p:sld>
 </file>
 
-<file path=ppt/slides/slide4.xml><?xml version="1.0" encoding="utf-8"?>
+<file path=ppt/slides/slide6.xml><?xml version="1.0" encoding="utf-8"?>
 <p:sld xmlns:a="http://schemas.openxmlformats.org/drawingml/2006/main" xmlns:r="http://schemas.openxmlformats.org/officeDocument/2006/relationships" xmlns:p="http://schemas.openxmlformats.org/presentationml/2006/main">
   <p:cSld>
     <p:spTree>

--- a/Presentation/Midterm Presentation.pptx
+++ b/Presentation/Midterm Presentation.pptx
@@ -10,18 +10,24 @@
     <p:sldMasterId id="2147483692" r:id="rId6"/>
   </p:sldMasterIdLst>
   <p:notesMasterIdLst>
-    <p:notesMasterId r:id="rId13"/>
+    <p:notesMasterId r:id="rId19"/>
   </p:notesMasterIdLst>
   <p:handoutMasterIdLst>
-    <p:handoutMasterId r:id="rId14"/>
+    <p:handoutMasterId r:id="rId20"/>
   </p:handoutMasterIdLst>
   <p:sldIdLst>
     <p:sldId id="306" r:id="rId7"/>
-    <p:sldId id="311" r:id="rId8"/>
-    <p:sldId id="312" r:id="rId9"/>
-    <p:sldId id="310" r:id="rId10"/>
-    <p:sldId id="307" r:id="rId11"/>
-    <p:sldId id="300" r:id="rId12"/>
+    <p:sldId id="318" r:id="rId8"/>
+    <p:sldId id="319" r:id="rId9"/>
+    <p:sldId id="312" r:id="rId10"/>
+    <p:sldId id="316" r:id="rId11"/>
+    <p:sldId id="317" r:id="rId12"/>
+    <p:sldId id="310" r:id="rId13"/>
+    <p:sldId id="313" r:id="rId14"/>
+    <p:sldId id="314" r:id="rId15"/>
+    <p:sldId id="315" r:id="rId16"/>
+    <p:sldId id="307" r:id="rId17"/>
+    <p:sldId id="300" r:id="rId18"/>
   </p:sldIdLst>
   <p:sldSz cx="9144000" cy="5143500" type="screen16x9"/>
   <p:notesSz cx="6858000" cy="9144000"/>
@@ -128,1499 +134,5354 @@
 </p:presentation>
 </file>
 
-<file path=ppt/revisionInfo.xml><?xml version="1.0" encoding="utf-8"?>
-<p1510:revInfo xmlns:a="http://schemas.openxmlformats.org/drawingml/2006/main" xmlns:r="http://schemas.openxmlformats.org/officeDocument/2006/relationships" xmlns:p1510="http://schemas.microsoft.com/office/powerpoint/2015/10/main">
-  <p1510:revLst>
-    <p1510:client id="{E9D31AD9-BAB2-4385-AC4A-B20BBC9B1C1E}" v="11" dt="2020-11-12T15:21:56.999"/>
-  </p1510:revLst>
-</p1510:revInfo>
+<file path=ppt/charts/chart1.xml><?xml version="1.0" encoding="utf-8"?>
+<c:chartSpace xmlns:c="http://schemas.openxmlformats.org/drawingml/2006/chart" xmlns:a="http://schemas.openxmlformats.org/drawingml/2006/main" xmlns:r="http://schemas.openxmlformats.org/officeDocument/2006/relationships" xmlns:c16r2="http://schemas.microsoft.com/office/drawing/2015/06/chart">
+  <c:date1904 val="0"/>
+  <c:lang val="de-DE"/>
+  <c:roundedCorners val="0"/>
+  <mc:AlternateContent xmlns:mc="http://schemas.openxmlformats.org/markup-compatibility/2006">
+    <mc:Choice xmlns:c14="http://schemas.microsoft.com/office/drawing/2007/8/2/chart" Requires="c14">
+      <c14:style val="102"/>
+    </mc:Choice>
+    <mc:Fallback>
+      <c:style val="2"/>
+    </mc:Fallback>
+  </mc:AlternateContent>
+  <c:chart>
+    <c:autoTitleDeleted val="1"/>
+    <c:plotArea>
+      <c:layout/>
+      <c:lineChart>
+        <c:grouping val="standard"/>
+        <c:varyColors val="0"/>
+        <c:ser>
+          <c:idx val="0"/>
+          <c:order val="0"/>
+          <c:tx>
+            <c:strRef>
+              <c:f>Tabelle1!$A$25</c:f>
+              <c:strCache>
+                <c:ptCount val="1"/>
+                <c:pt idx="0">
+                  <c:v>No Normailization</c:v>
+                </c:pt>
+              </c:strCache>
+            </c:strRef>
+          </c:tx>
+          <c:spPr>
+            <a:ln w="28575" cap="rnd">
+              <a:noFill/>
+              <a:round/>
+            </a:ln>
+            <a:effectLst/>
+          </c:spPr>
+          <c:marker>
+            <c:symbol val="circle"/>
+            <c:size val="5"/>
+            <c:spPr>
+              <a:solidFill>
+                <a:schemeClr val="tx1"/>
+              </a:solidFill>
+              <a:ln w="63500">
+                <a:solidFill>
+                  <a:schemeClr val="tx1"/>
+                </a:solidFill>
+              </a:ln>
+              <a:effectLst/>
+            </c:spPr>
+          </c:marker>
+          <c:cat>
+            <c:strRef>
+              <c:f>Tabelle1!$A$27:$A$31</c:f>
+              <c:strCache>
+                <c:ptCount val="5"/>
+                <c:pt idx="0">
+                  <c:v>Amygdala</c:v>
+                </c:pt>
+                <c:pt idx="1">
+                  <c:v>GreyMatter</c:v>
+                </c:pt>
+                <c:pt idx="2">
+                  <c:v>Hippocampus</c:v>
+                </c:pt>
+                <c:pt idx="3">
+                  <c:v>Thalamus</c:v>
+                </c:pt>
+                <c:pt idx="4">
+                  <c:v>WhiteMatter</c:v>
+                </c:pt>
+              </c:strCache>
+            </c:strRef>
+          </c:cat>
+          <c:val>
+            <c:numRef>
+              <c:f>Tabelle1!$B$27:$B$31</c:f>
+              <c:numCache>
+                <c:formatCode>General</c:formatCode>
+                <c:ptCount val="5"/>
+                <c:pt idx="0">
+                  <c:v>0.37290048964195699</c:v>
+                </c:pt>
+                <c:pt idx="1">
+                  <c:v>0.38586667456610102</c:v>
+                </c:pt>
+                <c:pt idx="2">
+                  <c:v>0.24419649210849101</c:v>
+                </c:pt>
+                <c:pt idx="3">
+                  <c:v>0.64143873100920901</c:v>
+                </c:pt>
+                <c:pt idx="4">
+                  <c:v>0.64551205256440303</c:v>
+                </c:pt>
+              </c:numCache>
+            </c:numRef>
+          </c:val>
+          <c:smooth val="0"/>
+          <c:extLst>
+            <c:ext xmlns:c16="http://schemas.microsoft.com/office/drawing/2014/chart" uri="{C3380CC4-5D6E-409C-BE32-E72D297353CC}">
+              <c16:uniqueId val="{00000000-B3D4-48BF-87FE-72F66DAAE968}"/>
+            </c:ext>
+          </c:extLst>
+        </c:ser>
+        <c:ser>
+          <c:idx val="1"/>
+          <c:order val="1"/>
+          <c:tx>
+            <c:strRef>
+              <c:f>Tabelle1!$F$25</c:f>
+              <c:strCache>
+                <c:ptCount val="1"/>
+                <c:pt idx="0">
+                  <c:v>MinMax</c:v>
+                </c:pt>
+              </c:strCache>
+            </c:strRef>
+          </c:tx>
+          <c:spPr>
+            <a:ln w="25400" cap="rnd">
+              <a:noFill/>
+              <a:round/>
+            </a:ln>
+            <a:effectLst/>
+          </c:spPr>
+          <c:marker>
+            <c:symbol val="circle"/>
+            <c:size val="5"/>
+            <c:spPr>
+              <a:solidFill>
+                <a:schemeClr val="accent2"/>
+              </a:solidFill>
+              <a:ln w="63500">
+                <a:solidFill>
+                  <a:schemeClr val="accent2"/>
+                </a:solidFill>
+              </a:ln>
+              <a:effectLst/>
+            </c:spPr>
+          </c:marker>
+          <c:val>
+            <c:numRef>
+              <c:f>Tabelle1!$G$27:$G$31</c:f>
+              <c:numCache>
+                <c:formatCode>General</c:formatCode>
+                <c:ptCount val="5"/>
+                <c:pt idx="0">
+                  <c:v>0.36765181296020599</c:v>
+                </c:pt>
+                <c:pt idx="1">
+                  <c:v>0.39455843637500798</c:v>
+                </c:pt>
+                <c:pt idx="2">
+                  <c:v>0.24187878150198699</c:v>
+                </c:pt>
+                <c:pt idx="3">
+                  <c:v>0.66459882548391702</c:v>
+                </c:pt>
+                <c:pt idx="4">
+                  <c:v>0.65419441049299298</c:v>
+                </c:pt>
+              </c:numCache>
+            </c:numRef>
+          </c:val>
+          <c:smooth val="0"/>
+          <c:extLst>
+            <c:ext xmlns:c16="http://schemas.microsoft.com/office/drawing/2014/chart" uri="{C3380CC4-5D6E-409C-BE32-E72D297353CC}">
+              <c16:uniqueId val="{00000001-B3D4-48BF-87FE-72F66DAAE968}"/>
+            </c:ext>
+          </c:extLst>
+        </c:ser>
+        <c:ser>
+          <c:idx val="2"/>
+          <c:order val="2"/>
+          <c:tx>
+            <c:strRef>
+              <c:f>Tabelle1!$K$25</c:f>
+              <c:strCache>
+                <c:ptCount val="1"/>
+                <c:pt idx="0">
+                  <c:v>Zscore</c:v>
+                </c:pt>
+              </c:strCache>
+            </c:strRef>
+          </c:tx>
+          <c:spPr>
+            <a:ln w="25400" cap="rnd">
+              <a:noFill/>
+              <a:round/>
+            </a:ln>
+            <a:effectLst/>
+          </c:spPr>
+          <c:marker>
+            <c:symbol val="circle"/>
+            <c:size val="5"/>
+            <c:spPr>
+              <a:solidFill>
+                <a:schemeClr val="accent3"/>
+              </a:solidFill>
+              <a:ln w="63500">
+                <a:solidFill>
+                  <a:schemeClr val="accent3"/>
+                </a:solidFill>
+              </a:ln>
+              <a:effectLst/>
+            </c:spPr>
+          </c:marker>
+          <c:dPt>
+            <c:idx val="1"/>
+            <c:marker>
+              <c:symbol val="circle"/>
+              <c:size val="5"/>
+              <c:spPr>
+                <a:solidFill>
+                  <a:schemeClr val="accent3"/>
+                </a:solidFill>
+                <a:ln w="9525">
+                  <a:solidFill>
+                    <a:schemeClr val="accent3"/>
+                  </a:solidFill>
+                </a:ln>
+                <a:effectLst/>
+              </c:spPr>
+            </c:marker>
+            <c:bubble3D val="0"/>
+            <c:extLst>
+              <c:ext xmlns:c16="http://schemas.microsoft.com/office/drawing/2014/chart" uri="{C3380CC4-5D6E-409C-BE32-E72D297353CC}">
+                <c16:uniqueId val="{00000008-B3D4-48BF-87FE-72F66DAAE968}"/>
+              </c:ext>
+            </c:extLst>
+          </c:dPt>
+          <c:val>
+            <c:numRef>
+              <c:f>Tabelle1!$L$27:$L$31</c:f>
+              <c:numCache>
+                <c:formatCode>General</c:formatCode>
+                <c:ptCount val="5"/>
+                <c:pt idx="0">
+                  <c:v>0.36854468734068602</c:v>
+                </c:pt>
+                <c:pt idx="1">
+                  <c:v>0.40158036720547902</c:v>
+                </c:pt>
+                <c:pt idx="2">
+                  <c:v>0.26158456201554797</c:v>
+                </c:pt>
+                <c:pt idx="3">
+                  <c:v>0.64277521768011603</c:v>
+                </c:pt>
+                <c:pt idx="4">
+                  <c:v>0.6715626393845</c:v>
+                </c:pt>
+              </c:numCache>
+            </c:numRef>
+          </c:val>
+          <c:smooth val="0"/>
+          <c:extLst>
+            <c:ext xmlns:c16="http://schemas.microsoft.com/office/drawing/2014/chart" uri="{C3380CC4-5D6E-409C-BE32-E72D297353CC}">
+              <c16:uniqueId val="{00000002-B3D4-48BF-87FE-72F66DAAE968}"/>
+            </c:ext>
+          </c:extLst>
+        </c:ser>
+        <c:ser>
+          <c:idx val="3"/>
+          <c:order val="3"/>
+          <c:tx>
+            <c:strRef>
+              <c:f>Tabelle1!$P$25</c:f>
+              <c:strCache>
+                <c:ptCount val="1"/>
+                <c:pt idx="0">
+                  <c:v>HistogramMatching</c:v>
+                </c:pt>
+              </c:strCache>
+            </c:strRef>
+          </c:tx>
+          <c:spPr>
+            <a:ln w="25400" cap="rnd">
+              <a:noFill/>
+              <a:round/>
+            </a:ln>
+            <a:effectLst/>
+          </c:spPr>
+          <c:marker>
+            <c:symbol val="circle"/>
+            <c:size val="5"/>
+            <c:spPr>
+              <a:solidFill>
+                <a:schemeClr val="accent4"/>
+              </a:solidFill>
+              <a:ln w="63500">
+                <a:solidFill>
+                  <a:schemeClr val="accent4"/>
+                </a:solidFill>
+              </a:ln>
+              <a:effectLst/>
+            </c:spPr>
+          </c:marker>
+          <c:val>
+            <c:numRef>
+              <c:f>Tabelle1!$Q$27:$Q$31</c:f>
+              <c:numCache>
+                <c:formatCode>General</c:formatCode>
+                <c:ptCount val="5"/>
+                <c:pt idx="0">
+                  <c:v>0.36896693233571998</c:v>
+                </c:pt>
+                <c:pt idx="1">
+                  <c:v>0.40145557048004099</c:v>
+                </c:pt>
+                <c:pt idx="2">
+                  <c:v>0.23803545455119399</c:v>
+                </c:pt>
+                <c:pt idx="3">
+                  <c:v>0.64306275024100101</c:v>
+                </c:pt>
+                <c:pt idx="4">
+                  <c:v>0.66610376338303701</c:v>
+                </c:pt>
+              </c:numCache>
+            </c:numRef>
+          </c:val>
+          <c:smooth val="0"/>
+          <c:extLst>
+            <c:ext xmlns:c16="http://schemas.microsoft.com/office/drawing/2014/chart" uri="{C3380CC4-5D6E-409C-BE32-E72D297353CC}">
+              <c16:uniqueId val="{00000003-B3D4-48BF-87FE-72F66DAAE968}"/>
+            </c:ext>
+          </c:extLst>
+        </c:ser>
+        <c:ser>
+          <c:idx val="4"/>
+          <c:order val="4"/>
+          <c:tx>
+            <c:strRef>
+              <c:f>Tabelle1!$U$25</c:f>
+              <c:strCache>
+                <c:ptCount val="1"/>
+                <c:pt idx="0">
+                  <c:v>FuzzyCmeans</c:v>
+                </c:pt>
+              </c:strCache>
+            </c:strRef>
+          </c:tx>
+          <c:spPr>
+            <a:ln w="25400" cap="rnd">
+              <a:noFill/>
+              <a:round/>
+            </a:ln>
+            <a:effectLst/>
+          </c:spPr>
+          <c:marker>
+            <c:symbol val="circle"/>
+            <c:size val="5"/>
+            <c:spPr>
+              <a:solidFill>
+                <a:schemeClr val="accent5"/>
+              </a:solidFill>
+              <a:ln w="63500">
+                <a:solidFill>
+                  <a:schemeClr val="accent5"/>
+                </a:solidFill>
+              </a:ln>
+              <a:effectLst/>
+            </c:spPr>
+          </c:marker>
+          <c:val>
+            <c:numRef>
+              <c:f>Tabelle1!$V$27:$V$31</c:f>
+              <c:numCache>
+                <c:formatCode>General</c:formatCode>
+                <c:ptCount val="5"/>
+                <c:pt idx="0">
+                  <c:v>0.39087065382731301</c:v>
+                </c:pt>
+                <c:pt idx="1">
+                  <c:v>0.39645952919687499</c:v>
+                </c:pt>
+                <c:pt idx="2">
+                  <c:v>0.25835462154358502</c:v>
+                </c:pt>
+                <c:pt idx="3">
+                  <c:v>0.60597850837420797</c:v>
+                </c:pt>
+                <c:pt idx="4">
+                  <c:v>0.67784891014667803</c:v>
+                </c:pt>
+              </c:numCache>
+            </c:numRef>
+          </c:val>
+          <c:smooth val="0"/>
+          <c:extLst>
+            <c:ext xmlns:c16="http://schemas.microsoft.com/office/drawing/2014/chart" uri="{C3380CC4-5D6E-409C-BE32-E72D297353CC}">
+              <c16:uniqueId val="{00000004-B3D4-48BF-87FE-72F66DAAE968}"/>
+            </c:ext>
+          </c:extLst>
+        </c:ser>
+        <c:ser>
+          <c:idx val="5"/>
+          <c:order val="5"/>
+          <c:tx>
+            <c:strRef>
+              <c:f>Tabelle1!$Z$25</c:f>
+              <c:strCache>
+                <c:ptCount val="1"/>
+                <c:pt idx="0">
+                  <c:v>WhiteStripe</c:v>
+                </c:pt>
+              </c:strCache>
+            </c:strRef>
+          </c:tx>
+          <c:spPr>
+            <a:ln w="25400" cap="rnd">
+              <a:noFill/>
+              <a:round/>
+            </a:ln>
+            <a:effectLst/>
+          </c:spPr>
+          <c:marker>
+            <c:symbol val="circle"/>
+            <c:size val="5"/>
+            <c:spPr>
+              <a:solidFill>
+                <a:schemeClr val="accent6"/>
+              </a:solidFill>
+              <a:ln w="63500">
+                <a:solidFill>
+                  <a:schemeClr val="accent6"/>
+                </a:solidFill>
+              </a:ln>
+              <a:effectLst/>
+            </c:spPr>
+          </c:marker>
+          <c:val>
+            <c:numRef>
+              <c:f>Tabelle1!$AA$27:$AA$31</c:f>
+              <c:numCache>
+                <c:formatCode>General</c:formatCode>
+                <c:ptCount val="5"/>
+                <c:pt idx="0">
+                  <c:v>0.37085596613146499</c:v>
+                </c:pt>
+                <c:pt idx="1">
+                  <c:v>0.39485222804411602</c:v>
+                </c:pt>
+                <c:pt idx="2">
+                  <c:v>0.25383962078626399</c:v>
+                </c:pt>
+                <c:pt idx="3">
+                  <c:v>0.59930162043063695</c:v>
+                </c:pt>
+                <c:pt idx="4">
+                  <c:v>0.63934280988658099</c:v>
+                </c:pt>
+              </c:numCache>
+            </c:numRef>
+          </c:val>
+          <c:smooth val="0"/>
+          <c:extLst>
+            <c:ext xmlns:c16="http://schemas.microsoft.com/office/drawing/2014/chart" uri="{C3380CC4-5D6E-409C-BE32-E72D297353CC}">
+              <c16:uniqueId val="{00000005-B3D4-48BF-87FE-72F66DAAE968}"/>
+            </c:ext>
+          </c:extLst>
+        </c:ser>
+        <c:dLbls>
+          <c:showLegendKey val="0"/>
+          <c:showVal val="0"/>
+          <c:showCatName val="0"/>
+          <c:showSerName val="0"/>
+          <c:showPercent val="0"/>
+          <c:showBubbleSize val="0"/>
+        </c:dLbls>
+        <c:marker val="1"/>
+        <c:smooth val="0"/>
+        <c:axId val="454309632"/>
+        <c:axId val="454307336"/>
+      </c:lineChart>
+      <c:catAx>
+        <c:axId val="454309632"/>
+        <c:scaling>
+          <c:orientation val="minMax"/>
+        </c:scaling>
+        <c:delete val="0"/>
+        <c:axPos val="b"/>
+        <c:numFmt formatCode="General" sourceLinked="1"/>
+        <c:majorTickMark val="none"/>
+        <c:minorTickMark val="none"/>
+        <c:tickLblPos val="nextTo"/>
+        <c:spPr>
+          <a:noFill/>
+          <a:ln w="9525" cap="flat" cmpd="sng" algn="ctr">
+            <a:solidFill>
+              <a:schemeClr val="tx1">
+                <a:lumMod val="15000"/>
+                <a:lumOff val="85000"/>
+              </a:schemeClr>
+            </a:solidFill>
+            <a:round/>
+          </a:ln>
+          <a:effectLst/>
+        </c:spPr>
+        <c:txPr>
+          <a:bodyPr rot="-60000000" spcFirstLastPara="1" vertOverflow="ellipsis" vert="horz" wrap="square" anchor="ctr" anchorCtr="1"/>
+          <a:lstStyle/>
+          <a:p>
+            <a:pPr>
+              <a:defRPr sz="1050" b="1" i="0" u="none" strike="noStrike" kern="1200" baseline="0">
+                <a:solidFill>
+                  <a:schemeClr val="tx1">
+                    <a:lumMod val="65000"/>
+                    <a:lumOff val="35000"/>
+                  </a:schemeClr>
+                </a:solidFill>
+                <a:latin typeface="+mn-lt"/>
+                <a:ea typeface="+mn-ea"/>
+                <a:cs typeface="+mn-cs"/>
+              </a:defRPr>
+            </a:pPr>
+            <a:endParaRPr lang="de-DE"/>
+          </a:p>
+        </c:txPr>
+        <c:crossAx val="454307336"/>
+        <c:crosses val="autoZero"/>
+        <c:auto val="1"/>
+        <c:lblAlgn val="ctr"/>
+        <c:lblOffset val="100"/>
+        <c:noMultiLvlLbl val="0"/>
+      </c:catAx>
+      <c:valAx>
+        <c:axId val="454307336"/>
+        <c:scaling>
+          <c:orientation val="minMax"/>
+        </c:scaling>
+        <c:delete val="0"/>
+        <c:axPos val="l"/>
+        <c:majorGridlines>
+          <c:spPr>
+            <a:ln w="9525" cap="flat" cmpd="sng" algn="ctr">
+              <a:solidFill>
+                <a:schemeClr val="tx1">
+                  <a:lumMod val="15000"/>
+                  <a:lumOff val="85000"/>
+                </a:schemeClr>
+              </a:solidFill>
+              <a:round/>
+            </a:ln>
+            <a:effectLst/>
+          </c:spPr>
+        </c:majorGridlines>
+        <c:title>
+          <c:tx>
+            <c:rich>
+              <a:bodyPr rot="-5400000" spcFirstLastPara="1" vertOverflow="ellipsis" vert="horz" wrap="square" anchor="ctr" anchorCtr="1"/>
+              <a:lstStyle/>
+              <a:p>
+                <a:pPr>
+                  <a:defRPr sz="1200" b="1" i="0" u="none" strike="noStrike" kern="1200" baseline="0">
+                    <a:solidFill>
+                      <a:schemeClr val="tx1">
+                        <a:lumMod val="65000"/>
+                        <a:lumOff val="35000"/>
+                      </a:schemeClr>
+                    </a:solidFill>
+                    <a:latin typeface="+mn-lt"/>
+                    <a:ea typeface="+mn-ea"/>
+                    <a:cs typeface="+mn-cs"/>
+                  </a:defRPr>
+                </a:pPr>
+                <a:r>
+                  <a:rPr lang="en-GB" sz="1200" b="1"/>
+                  <a:t>Dice Coefficient</a:t>
+                </a:r>
+              </a:p>
+            </c:rich>
+          </c:tx>
+          <c:overlay val="0"/>
+          <c:spPr>
+            <a:noFill/>
+            <a:ln>
+              <a:noFill/>
+            </a:ln>
+            <a:effectLst/>
+          </c:spPr>
+          <c:txPr>
+            <a:bodyPr rot="-5400000" spcFirstLastPara="1" vertOverflow="ellipsis" vert="horz" wrap="square" anchor="ctr" anchorCtr="1"/>
+            <a:lstStyle/>
+            <a:p>
+              <a:pPr>
+                <a:defRPr sz="1200" b="1" i="0" u="none" strike="noStrike" kern="1200" baseline="0">
+                  <a:solidFill>
+                    <a:schemeClr val="tx1">
+                      <a:lumMod val="65000"/>
+                      <a:lumOff val="35000"/>
+                    </a:schemeClr>
+                  </a:solidFill>
+                  <a:latin typeface="+mn-lt"/>
+                  <a:ea typeface="+mn-ea"/>
+                  <a:cs typeface="+mn-cs"/>
+                </a:defRPr>
+              </a:pPr>
+              <a:endParaRPr lang="de-DE"/>
+            </a:p>
+          </c:txPr>
+        </c:title>
+        <c:numFmt formatCode="General" sourceLinked="1"/>
+        <c:majorTickMark val="none"/>
+        <c:minorTickMark val="none"/>
+        <c:tickLblPos val="nextTo"/>
+        <c:spPr>
+          <a:noFill/>
+          <a:ln>
+            <a:noFill/>
+          </a:ln>
+          <a:effectLst/>
+        </c:spPr>
+        <c:txPr>
+          <a:bodyPr rot="-60000000" spcFirstLastPara="1" vertOverflow="ellipsis" vert="horz" wrap="square" anchor="ctr" anchorCtr="1"/>
+          <a:lstStyle/>
+          <a:p>
+            <a:pPr>
+              <a:defRPr sz="900" b="0" i="0" u="none" strike="noStrike" kern="1200" baseline="0">
+                <a:solidFill>
+                  <a:schemeClr val="tx1">
+                    <a:lumMod val="65000"/>
+                    <a:lumOff val="35000"/>
+                  </a:schemeClr>
+                </a:solidFill>
+                <a:latin typeface="+mn-lt"/>
+                <a:ea typeface="+mn-ea"/>
+                <a:cs typeface="+mn-cs"/>
+              </a:defRPr>
+            </a:pPr>
+            <a:endParaRPr lang="de-DE"/>
+          </a:p>
+        </c:txPr>
+        <c:crossAx val="454309632"/>
+        <c:crosses val="autoZero"/>
+        <c:crossBetween val="between"/>
+      </c:valAx>
+      <c:spPr>
+        <a:noFill/>
+        <a:ln>
+          <a:noFill/>
+        </a:ln>
+        <a:effectLst/>
+      </c:spPr>
+    </c:plotArea>
+    <c:legend>
+      <c:legendPos val="r"/>
+      <c:overlay val="0"/>
+      <c:spPr>
+        <a:noFill/>
+        <a:ln>
+          <a:noFill/>
+        </a:ln>
+        <a:effectLst/>
+      </c:spPr>
+      <c:txPr>
+        <a:bodyPr rot="0" spcFirstLastPara="1" vertOverflow="ellipsis" vert="horz" wrap="square" anchor="ctr" anchorCtr="1"/>
+        <a:lstStyle/>
+        <a:p>
+          <a:pPr>
+            <a:defRPr sz="1100" b="1" i="0" u="none" strike="noStrike" kern="1200" baseline="0">
+              <a:solidFill>
+                <a:schemeClr val="tx1">
+                  <a:lumMod val="65000"/>
+                  <a:lumOff val="35000"/>
+                </a:schemeClr>
+              </a:solidFill>
+              <a:latin typeface="+mn-lt"/>
+              <a:ea typeface="+mn-ea"/>
+              <a:cs typeface="+mn-cs"/>
+            </a:defRPr>
+          </a:pPr>
+          <a:endParaRPr lang="de-DE"/>
+        </a:p>
+      </c:txPr>
+    </c:legend>
+    <c:plotVisOnly val="1"/>
+    <c:dispBlanksAs val="gap"/>
+    <c:extLst>
+      <c:ext xmlns:c16r3="http://schemas.microsoft.com/office/drawing/2017/03/chart" uri="{56B9EC1D-385E-4148-901F-78D8002777C0}">
+        <c16r3:dataDisplayOptions16>
+          <c16r3:dispNaAsBlank val="1"/>
+        </c16r3:dataDisplayOptions16>
+      </c:ext>
+    </c:extLst>
+    <c:showDLblsOverMax val="0"/>
+  </c:chart>
+  <c:spPr>
+    <a:noFill/>
+    <a:ln>
+      <a:noFill/>
+    </a:ln>
+    <a:effectLst/>
+  </c:spPr>
+  <c:txPr>
+    <a:bodyPr/>
+    <a:lstStyle/>
+    <a:p>
+      <a:pPr>
+        <a:defRPr/>
+      </a:pPr>
+      <a:endParaRPr lang="de-DE"/>
+    </a:p>
+  </c:txPr>
+  <c:externalData r:id="rId3">
+    <c:autoUpdate val="0"/>
+  </c:externalData>
+</c:chartSpace>
 </file>
 
-<file path=ppt/changesInfos/changesInfo1.xml><?xml version="1.0" encoding="utf-8"?>
-<pc:chgInfo xmlns:a="http://schemas.openxmlformats.org/drawingml/2006/main" xmlns:r="http://schemas.openxmlformats.org/officeDocument/2006/relationships" xmlns:ac="http://schemas.microsoft.com/office/drawing/2013/main/command" xmlns:pc="http://schemas.microsoft.com/office/powerpoint/2013/main/command">
-  <pc:docChgLst>
-    <pc:chgData name="Thomas Buchegger" userId="e9d10f62-fa07-4fc1-9248-edcb138c70e1" providerId="ADAL" clId="{E9D31AD9-BAB2-4385-AC4A-B20BBC9B1C1E}"/>
-    <pc:docChg chg="undo custSel addSld delSld modSld">
-      <pc:chgData name="Thomas Buchegger" userId="e9d10f62-fa07-4fc1-9248-edcb138c70e1" providerId="ADAL" clId="{E9D31AD9-BAB2-4385-AC4A-B20BBC9B1C1E}" dt="2020-11-12T15:21:58.475" v="573" actId="2696"/>
-      <pc:docMkLst>
-        <pc:docMk/>
-      </pc:docMkLst>
-      <pc:sldChg chg="addSp delSp modSp">
-        <pc:chgData name="Thomas Buchegger" userId="e9d10f62-fa07-4fc1-9248-edcb138c70e1" providerId="ADAL" clId="{E9D31AD9-BAB2-4385-AC4A-B20BBC9B1C1E}" dt="2020-11-12T15:15:07.054" v="188" actId="20577"/>
-        <pc:sldMkLst>
-          <pc:docMk/>
-          <pc:sldMk cId="4040610606" sldId="300"/>
-        </pc:sldMkLst>
-        <pc:spChg chg="del">
-          <ac:chgData name="Thomas Buchegger" userId="e9d10f62-fa07-4fc1-9248-edcb138c70e1" providerId="ADAL" clId="{E9D31AD9-BAB2-4385-AC4A-B20BBC9B1C1E}" dt="2020-11-12T15:14:38.899" v="120" actId="478"/>
-          <ac:spMkLst>
-            <pc:docMk/>
-            <pc:sldMk cId="4040610606" sldId="300"/>
-            <ac:spMk id="3" creationId="{AB71CEC3-1913-174E-8C92-06ABB4F238B3}"/>
-          </ac:spMkLst>
-        </pc:spChg>
-        <pc:spChg chg="del">
-          <ac:chgData name="Thomas Buchegger" userId="e9d10f62-fa07-4fc1-9248-edcb138c70e1" providerId="ADAL" clId="{E9D31AD9-BAB2-4385-AC4A-B20BBC9B1C1E}" dt="2020-11-12T15:14:58.219" v="169" actId="478"/>
-          <ac:spMkLst>
-            <pc:docMk/>
-            <pc:sldMk cId="4040610606" sldId="300"/>
-            <ac:spMk id="4" creationId="{837EA709-162C-FF46-BA84-7460D3BDD2CB}"/>
-          </ac:spMkLst>
-        </pc:spChg>
-        <pc:spChg chg="add del mod">
-          <ac:chgData name="Thomas Buchegger" userId="e9d10f62-fa07-4fc1-9248-edcb138c70e1" providerId="ADAL" clId="{E9D31AD9-BAB2-4385-AC4A-B20BBC9B1C1E}" dt="2020-11-12T15:14:54.710" v="168" actId="20577"/>
-          <ac:spMkLst>
-            <pc:docMk/>
-            <pc:sldMk cId="4040610606" sldId="300"/>
-            <ac:spMk id="8" creationId="{CCA7C465-3429-4A10-9E6F-351ECE353CFA}"/>
-          </ac:spMkLst>
-        </pc:spChg>
-        <pc:spChg chg="add mod">
-          <ac:chgData name="Thomas Buchegger" userId="e9d10f62-fa07-4fc1-9248-edcb138c70e1" providerId="ADAL" clId="{E9D31AD9-BAB2-4385-AC4A-B20BBC9B1C1E}" dt="2020-11-12T15:15:07.054" v="188" actId="20577"/>
-          <ac:spMkLst>
-            <pc:docMk/>
-            <pc:sldMk cId="4040610606" sldId="300"/>
-            <ac:spMk id="10" creationId="{9D1F3275-E823-4A81-A525-BE4A46BC9ACA}"/>
-          </ac:spMkLst>
-        </pc:spChg>
-      </pc:sldChg>
-      <pc:sldChg chg="modSp">
-        <pc:chgData name="Thomas Buchegger" userId="e9d10f62-fa07-4fc1-9248-edcb138c70e1" providerId="ADAL" clId="{E9D31AD9-BAB2-4385-AC4A-B20BBC9B1C1E}" dt="2020-11-12T15:16:21.374" v="218" actId="255"/>
-        <pc:sldMkLst>
-          <pc:docMk/>
-          <pc:sldMk cId="166772439" sldId="306"/>
-        </pc:sldMkLst>
-        <pc:spChg chg="mod">
-          <ac:chgData name="Thomas Buchegger" userId="e9d10f62-fa07-4fc1-9248-edcb138c70e1" providerId="ADAL" clId="{E9D31AD9-BAB2-4385-AC4A-B20BBC9B1C1E}" dt="2020-11-12T15:12:59.454" v="25" actId="20577"/>
-          <ac:spMkLst>
-            <pc:docMk/>
-            <pc:sldMk cId="166772439" sldId="306"/>
-            <ac:spMk id="2" creationId="{7AC598B0-3F8F-4C32-B35F-6E41BD99143D}"/>
-          </ac:spMkLst>
-        </pc:spChg>
-        <pc:spChg chg="mod">
-          <ac:chgData name="Thomas Buchegger" userId="e9d10f62-fa07-4fc1-9248-edcb138c70e1" providerId="ADAL" clId="{E9D31AD9-BAB2-4385-AC4A-B20BBC9B1C1E}" dt="2020-11-12T15:13:19.598" v="87" actId="20577"/>
-          <ac:spMkLst>
-            <pc:docMk/>
-            <pc:sldMk cId="166772439" sldId="306"/>
-            <ac:spMk id="3" creationId="{52AD7639-120C-4D80-A4A6-8538F605D7B2}"/>
-          </ac:spMkLst>
-        </pc:spChg>
-        <pc:spChg chg="mod">
-          <ac:chgData name="Thomas Buchegger" userId="e9d10f62-fa07-4fc1-9248-edcb138c70e1" providerId="ADAL" clId="{E9D31AD9-BAB2-4385-AC4A-B20BBC9B1C1E}" dt="2020-11-12T15:16:21.374" v="218" actId="255"/>
-          <ac:spMkLst>
-            <pc:docMk/>
-            <pc:sldMk cId="166772439" sldId="306"/>
-            <ac:spMk id="4" creationId="{CAA52565-D83F-4702-9BCB-09A3FCE2FF20}"/>
-          </ac:spMkLst>
-        </pc:spChg>
-        <pc:spChg chg="mod">
-          <ac:chgData name="Thomas Buchegger" userId="e9d10f62-fa07-4fc1-9248-edcb138c70e1" providerId="ADAL" clId="{E9D31AD9-BAB2-4385-AC4A-B20BBC9B1C1E}" dt="2020-11-12T15:13:57.965" v="109" actId="20577"/>
-          <ac:spMkLst>
-            <pc:docMk/>
-            <pc:sldMk cId="166772439" sldId="306"/>
-            <ac:spMk id="5" creationId="{AA2E28B4-FF0A-4FE4-9C21-7744E4304998}"/>
-          </ac:spMkLst>
-        </pc:spChg>
-      </pc:sldChg>
-      <pc:sldChg chg="modSp add del">
-        <pc:chgData name="Thomas Buchegger" userId="e9d10f62-fa07-4fc1-9248-edcb138c70e1" providerId="ADAL" clId="{E9D31AD9-BAB2-4385-AC4A-B20BBC9B1C1E}" dt="2020-11-12T15:21:21.565" v="566" actId="20577"/>
-        <pc:sldMkLst>
-          <pc:docMk/>
-          <pc:sldMk cId="69429724" sldId="307"/>
-        </pc:sldMkLst>
-        <pc:spChg chg="mod">
-          <ac:chgData name="Thomas Buchegger" userId="e9d10f62-fa07-4fc1-9248-edcb138c70e1" providerId="ADAL" clId="{E9D31AD9-BAB2-4385-AC4A-B20BBC9B1C1E}" dt="2020-11-12T15:21:21.565" v="566" actId="20577"/>
-          <ac:spMkLst>
-            <pc:docMk/>
-            <pc:sldMk cId="69429724" sldId="307"/>
-            <ac:spMk id="23" creationId="{22E2B98F-DA7C-448F-ACBF-3E4BCA2FF259}"/>
-          </ac:spMkLst>
-        </pc:spChg>
-        <pc:spChg chg="mod">
-          <ac:chgData name="Thomas Buchegger" userId="e9d10f62-fa07-4fc1-9248-edcb138c70e1" providerId="ADAL" clId="{E9D31AD9-BAB2-4385-AC4A-B20BBC9B1C1E}" dt="2020-11-12T15:18:39.404" v="233" actId="20577"/>
-          <ac:spMkLst>
-            <pc:docMk/>
-            <pc:sldMk cId="69429724" sldId="307"/>
-            <ac:spMk id="24" creationId="{E919C78D-2366-43B6-90AA-19FC1507C038}"/>
-          </ac:spMkLst>
-        </pc:spChg>
-        <pc:spChg chg="mod">
-          <ac:chgData name="Thomas Buchegger" userId="e9d10f62-fa07-4fc1-9248-edcb138c70e1" providerId="ADAL" clId="{E9D31AD9-BAB2-4385-AC4A-B20BBC9B1C1E}" dt="2020-11-12T15:19:16.309" v="287" actId="20577"/>
-          <ac:spMkLst>
-            <pc:docMk/>
-            <pc:sldMk cId="69429724" sldId="307"/>
-            <ac:spMk id="25" creationId="{1D96C830-14AA-41C9-95A1-E2DE662385B5}"/>
-          </ac:spMkLst>
-        </pc:spChg>
-      </pc:sldChg>
-      <pc:sldChg chg="add del">
-        <pc:chgData name="Thomas Buchegger" userId="e9d10f62-fa07-4fc1-9248-edcb138c70e1" providerId="ADAL" clId="{E9D31AD9-BAB2-4385-AC4A-B20BBC9B1C1E}" dt="2020-11-12T15:15:41.130" v="192" actId="2696"/>
-        <pc:sldMkLst>
-          <pc:docMk/>
-          <pc:sldMk cId="2206581257" sldId="307"/>
-        </pc:sldMkLst>
-      </pc:sldChg>
-      <pc:sldChg chg="modSp add del">
-        <pc:chgData name="Thomas Buchegger" userId="e9d10f62-fa07-4fc1-9248-edcb138c70e1" providerId="ADAL" clId="{E9D31AD9-BAB2-4385-AC4A-B20BBC9B1C1E}" dt="2020-11-12T15:21:58.475" v="573" actId="2696"/>
-        <pc:sldMkLst>
-          <pc:docMk/>
-          <pc:sldMk cId="1737714288" sldId="308"/>
-        </pc:sldMkLst>
-        <pc:spChg chg="mod">
-          <ac:chgData name="Thomas Buchegger" userId="e9d10f62-fa07-4fc1-9248-edcb138c70e1" providerId="ADAL" clId="{E9D31AD9-BAB2-4385-AC4A-B20BBC9B1C1E}" dt="2020-11-12T15:21:52.341" v="571" actId="20577"/>
-          <ac:spMkLst>
-            <pc:docMk/>
-            <pc:sldMk cId="1737714288" sldId="308"/>
-            <ac:spMk id="23" creationId="{22E2B98F-DA7C-448F-ACBF-3E4BCA2FF259}"/>
-          </ac:spMkLst>
-        </pc:spChg>
-        <pc:spChg chg="mod">
-          <ac:chgData name="Thomas Buchegger" userId="e9d10f62-fa07-4fc1-9248-edcb138c70e1" providerId="ADAL" clId="{E9D31AD9-BAB2-4385-AC4A-B20BBC9B1C1E}" dt="2020-11-12T15:21:45.348" v="568" actId="20577"/>
-          <ac:spMkLst>
-            <pc:docMk/>
-            <pc:sldMk cId="1737714288" sldId="308"/>
-            <ac:spMk id="24" creationId="{E919C78D-2366-43B6-90AA-19FC1507C038}"/>
-          </ac:spMkLst>
-        </pc:spChg>
-        <pc:spChg chg="mod">
-          <ac:chgData name="Thomas Buchegger" userId="e9d10f62-fa07-4fc1-9248-edcb138c70e1" providerId="ADAL" clId="{E9D31AD9-BAB2-4385-AC4A-B20BBC9B1C1E}" dt="2020-11-12T15:21:48.284" v="570" actId="20577"/>
-          <ac:spMkLst>
-            <pc:docMk/>
-            <pc:sldMk cId="1737714288" sldId="308"/>
-            <ac:spMk id="25" creationId="{1D96C830-14AA-41C9-95A1-E2DE662385B5}"/>
-          </ac:spMkLst>
-        </pc:spChg>
-      </pc:sldChg>
-      <pc:sldChg chg="add del">
-        <pc:chgData name="Thomas Buchegger" userId="e9d10f62-fa07-4fc1-9248-edcb138c70e1" providerId="ADAL" clId="{E9D31AD9-BAB2-4385-AC4A-B20BBC9B1C1E}" dt="2020-11-12T15:15:42.514" v="193" actId="2696"/>
-        <pc:sldMkLst>
-          <pc:docMk/>
-          <pc:sldMk cId="2267923132" sldId="308"/>
-        </pc:sldMkLst>
-      </pc:sldChg>
-      <pc:sldChg chg="del">
-        <pc:chgData name="Thomas Buchegger" userId="e9d10f62-fa07-4fc1-9248-edcb138c70e1" providerId="ADAL" clId="{E9D31AD9-BAB2-4385-AC4A-B20BBC9B1C1E}" dt="2020-11-12T15:14:29.621" v="110" actId="2696"/>
-        <pc:sldMkLst>
-          <pc:docMk/>
-          <pc:sldMk cId="4248381608" sldId="308"/>
-        </pc:sldMkLst>
-      </pc:sldChg>
-      <pc:sldChg chg="addSp delSp modSp add del">
-        <pc:chgData name="Thomas Buchegger" userId="e9d10f62-fa07-4fc1-9248-edcb138c70e1" providerId="ADAL" clId="{E9D31AD9-BAB2-4385-AC4A-B20BBC9B1C1E}" dt="2020-11-12T15:18:34.672" v="226" actId="2696"/>
-        <pc:sldMkLst>
-          <pc:docMk/>
-          <pc:sldMk cId="1221106148" sldId="309"/>
-        </pc:sldMkLst>
-        <pc:spChg chg="add del mod">
-          <ac:chgData name="Thomas Buchegger" userId="e9d10f62-fa07-4fc1-9248-edcb138c70e1" providerId="ADAL" clId="{E9D31AD9-BAB2-4385-AC4A-B20BBC9B1C1E}" dt="2020-11-12T15:18:06.412" v="224"/>
-          <ac:spMkLst>
-            <pc:docMk/>
-            <pc:sldMk cId="1221106148" sldId="309"/>
-            <ac:spMk id="2" creationId="{BEF5F7E6-47FE-47C1-BA45-40AD273DF804}"/>
-          </ac:spMkLst>
-        </pc:spChg>
-        <pc:spChg chg="add del mod">
-          <ac:chgData name="Thomas Buchegger" userId="e9d10f62-fa07-4fc1-9248-edcb138c70e1" providerId="ADAL" clId="{E9D31AD9-BAB2-4385-AC4A-B20BBC9B1C1E}" dt="2020-11-12T15:18:06.412" v="224"/>
-          <ac:spMkLst>
-            <pc:docMk/>
-            <pc:sldMk cId="1221106148" sldId="309"/>
-            <ac:spMk id="3" creationId="{B9B294F5-B9B9-49D0-A3FA-0C0C7D5D51E8}"/>
-          </ac:spMkLst>
-        </pc:spChg>
-        <pc:spChg chg="add del mod">
-          <ac:chgData name="Thomas Buchegger" userId="e9d10f62-fa07-4fc1-9248-edcb138c70e1" providerId="ADAL" clId="{E9D31AD9-BAB2-4385-AC4A-B20BBC9B1C1E}" dt="2020-11-12T15:18:06.412" v="224"/>
-          <ac:spMkLst>
-            <pc:docMk/>
-            <pc:sldMk cId="1221106148" sldId="309"/>
-            <ac:spMk id="4" creationId="{E90BA74F-C71E-4476-88B5-6DDE48E3D45F}"/>
-          </ac:spMkLst>
-        </pc:spChg>
-        <pc:spChg chg="add del mod">
-          <ac:chgData name="Thomas Buchegger" userId="e9d10f62-fa07-4fc1-9248-edcb138c70e1" providerId="ADAL" clId="{E9D31AD9-BAB2-4385-AC4A-B20BBC9B1C1E}" dt="2020-11-12T15:18:06.412" v="224"/>
-          <ac:spMkLst>
-            <pc:docMk/>
-            <pc:sldMk cId="1221106148" sldId="309"/>
-            <ac:spMk id="5" creationId="{DAF7E25E-F1CA-4113-945E-A6C194AD5790}"/>
-          </ac:spMkLst>
-        </pc:spChg>
-        <pc:spChg chg="add del mod">
-          <ac:chgData name="Thomas Buchegger" userId="e9d10f62-fa07-4fc1-9248-edcb138c70e1" providerId="ADAL" clId="{E9D31AD9-BAB2-4385-AC4A-B20BBC9B1C1E}" dt="2020-11-12T15:18:06.412" v="224"/>
-          <ac:spMkLst>
-            <pc:docMk/>
-            <pc:sldMk cId="1221106148" sldId="309"/>
-            <ac:spMk id="6" creationId="{0867A9E1-F0F1-4E20-8AC0-56F16817AF9D}"/>
-          </ac:spMkLst>
-        </pc:spChg>
-        <pc:spChg chg="add del mod">
-          <ac:chgData name="Thomas Buchegger" userId="e9d10f62-fa07-4fc1-9248-edcb138c70e1" providerId="ADAL" clId="{E9D31AD9-BAB2-4385-AC4A-B20BBC9B1C1E}" dt="2020-11-12T15:18:06.412" v="224"/>
-          <ac:spMkLst>
-            <pc:docMk/>
-            <pc:sldMk cId="1221106148" sldId="309"/>
-            <ac:spMk id="7" creationId="{E8FB02CC-72A0-4234-8F24-4909D1BBFDAD}"/>
-          </ac:spMkLst>
-        </pc:spChg>
-        <pc:spChg chg="add del mod">
-          <ac:chgData name="Thomas Buchegger" userId="e9d10f62-fa07-4fc1-9248-edcb138c70e1" providerId="ADAL" clId="{E9D31AD9-BAB2-4385-AC4A-B20BBC9B1C1E}" dt="2020-11-12T15:18:06.412" v="224"/>
-          <ac:spMkLst>
-            <pc:docMk/>
-            <pc:sldMk cId="1221106148" sldId="309"/>
-            <ac:spMk id="8" creationId="{D45BFAA6-7AFF-4140-AC7D-FDB1F342E291}"/>
-          </ac:spMkLst>
-        </pc:spChg>
-        <pc:spChg chg="add del mod">
-          <ac:chgData name="Thomas Buchegger" userId="e9d10f62-fa07-4fc1-9248-edcb138c70e1" providerId="ADAL" clId="{E9D31AD9-BAB2-4385-AC4A-B20BBC9B1C1E}" dt="2020-11-12T15:18:06.412" v="224"/>
-          <ac:spMkLst>
-            <pc:docMk/>
-            <pc:sldMk cId="1221106148" sldId="309"/>
-            <ac:spMk id="9" creationId="{CE9DA911-BA92-4EEF-A95F-52E41F0DB4D6}"/>
-          </ac:spMkLst>
-        </pc:spChg>
-      </pc:sldChg>
-      <pc:sldChg chg="add">
-        <pc:chgData name="Thomas Buchegger" userId="e9d10f62-fa07-4fc1-9248-edcb138c70e1" providerId="ADAL" clId="{E9D31AD9-BAB2-4385-AC4A-B20BBC9B1C1E}" dt="2020-11-12T15:21:56.990" v="572"/>
-        <pc:sldMkLst>
-          <pc:docMk/>
-          <pc:sldMk cId="1314966360" sldId="309"/>
-        </pc:sldMkLst>
-      </pc:sldChg>
-      <pc:sldChg chg="del">
-        <pc:chgData name="Thomas Buchegger" userId="e9d10f62-fa07-4fc1-9248-edcb138c70e1" providerId="ADAL" clId="{E9D31AD9-BAB2-4385-AC4A-B20BBC9B1C1E}" dt="2020-11-12T15:14:30.616" v="112" actId="2696"/>
-        <pc:sldMkLst>
-          <pc:docMk/>
-          <pc:sldMk cId="2970437959" sldId="309"/>
-        </pc:sldMkLst>
-      </pc:sldChg>
-      <pc:sldChg chg="del">
-        <pc:chgData name="Thomas Buchegger" userId="e9d10f62-fa07-4fc1-9248-edcb138c70e1" providerId="ADAL" clId="{E9D31AD9-BAB2-4385-AC4A-B20BBC9B1C1E}" dt="2020-11-12T15:14:32.670" v="117" actId="2696"/>
-        <pc:sldMkLst>
-          <pc:docMk/>
-          <pc:sldMk cId="928452119" sldId="310"/>
-        </pc:sldMkLst>
-      </pc:sldChg>
-      <pc:sldChg chg="del">
-        <pc:chgData name="Thomas Buchegger" userId="e9d10f62-fa07-4fc1-9248-edcb138c70e1" providerId="ADAL" clId="{E9D31AD9-BAB2-4385-AC4A-B20BBC9B1C1E}" dt="2020-11-12T15:14:31.495" v="114" actId="2696"/>
-        <pc:sldMkLst>
-          <pc:docMk/>
-          <pc:sldMk cId="3049244434" sldId="311"/>
-        </pc:sldMkLst>
-      </pc:sldChg>
-      <pc:sldChg chg="del">
-        <pc:chgData name="Thomas Buchegger" userId="e9d10f62-fa07-4fc1-9248-edcb138c70e1" providerId="ADAL" clId="{E9D31AD9-BAB2-4385-AC4A-B20BBC9B1C1E}" dt="2020-11-12T15:14:31.074" v="113" actId="2696"/>
-        <pc:sldMkLst>
-          <pc:docMk/>
-          <pc:sldMk cId="97370756" sldId="312"/>
-        </pc:sldMkLst>
-      </pc:sldChg>
-      <pc:sldChg chg="del">
-        <pc:chgData name="Thomas Buchegger" userId="e9d10f62-fa07-4fc1-9248-edcb138c70e1" providerId="ADAL" clId="{E9D31AD9-BAB2-4385-AC4A-B20BBC9B1C1E}" dt="2020-11-12T15:14:31.896" v="115" actId="2696"/>
-        <pc:sldMkLst>
-          <pc:docMk/>
-          <pc:sldMk cId="2571683137" sldId="313"/>
-        </pc:sldMkLst>
-      </pc:sldChg>
-      <pc:sldChg chg="del">
-        <pc:chgData name="Thomas Buchegger" userId="e9d10f62-fa07-4fc1-9248-edcb138c70e1" providerId="ADAL" clId="{E9D31AD9-BAB2-4385-AC4A-B20BBC9B1C1E}" dt="2020-11-12T15:14:32.234" v="116" actId="2696"/>
-        <pc:sldMkLst>
-          <pc:docMk/>
-          <pc:sldMk cId="2738427084" sldId="314"/>
-        </pc:sldMkLst>
-      </pc:sldChg>
-      <pc:sldChg chg="del">
-        <pc:chgData name="Thomas Buchegger" userId="e9d10f62-fa07-4fc1-9248-edcb138c70e1" providerId="ADAL" clId="{E9D31AD9-BAB2-4385-AC4A-B20BBC9B1C1E}" dt="2020-11-12T15:14:33.280" v="118" actId="2696"/>
-        <pc:sldMkLst>
-          <pc:docMk/>
-          <pc:sldMk cId="1066787363" sldId="315"/>
-        </pc:sldMkLst>
-      </pc:sldChg>
-      <pc:sldChg chg="del">
-        <pc:chgData name="Thomas Buchegger" userId="e9d10f62-fa07-4fc1-9248-edcb138c70e1" providerId="ADAL" clId="{E9D31AD9-BAB2-4385-AC4A-B20BBC9B1C1E}" dt="2020-11-12T15:14:33.836" v="119" actId="2696"/>
-        <pc:sldMkLst>
-          <pc:docMk/>
-          <pc:sldMk cId="3550629950" sldId="318"/>
-        </pc:sldMkLst>
-      </pc:sldChg>
-    </pc:docChg>
-  </pc:docChgLst>
-  <pc:docChgLst>
-    <pc:chgData name="Meinen, Nalet Julian (STUDENTS)" userId="6acb7238-8cec-469d-bf6c-f5c79e61c399" providerId="ADAL" clId="{78398D82-42FB-4F86-8D28-89158DDB111D}"/>
-    <pc:docChg chg="undo custSel addSld delSld modSld delMainMaster modMainMaster">
-      <pc:chgData name="Meinen, Nalet Julian (STUDENTS)" userId="6acb7238-8cec-469d-bf6c-f5c79e61c399" providerId="ADAL" clId="{78398D82-42FB-4F86-8D28-89158DDB111D}" dt="2019-06-18T13:43:05.438" v="2155" actId="2696"/>
-      <pc:docMkLst>
-        <pc:docMk/>
-      </pc:docMkLst>
-      <pc:sldChg chg="addSp delSp modSp add del">
-        <pc:chgData name="Meinen, Nalet Julian (STUDENTS)" userId="6acb7238-8cec-469d-bf6c-f5c79e61c399" providerId="ADAL" clId="{78398D82-42FB-4F86-8D28-89158DDB111D}" dt="2019-06-18T07:25:47.486" v="34"/>
-        <pc:sldMkLst>
-          <pc:docMk/>
-          <pc:sldMk cId="2855290323" sldId="256"/>
-        </pc:sldMkLst>
-        <pc:spChg chg="add del">
-          <ac:chgData name="Meinen, Nalet Julian (STUDENTS)" userId="6acb7238-8cec-469d-bf6c-f5c79e61c399" providerId="ADAL" clId="{78398D82-42FB-4F86-8D28-89158DDB111D}" dt="2019-06-18T07:25:46.979" v="33"/>
-          <ac:spMkLst>
-            <pc:docMk/>
-            <pc:sldMk cId="2855290323" sldId="256"/>
-            <ac:spMk id="2" creationId="{886106B6-0D23-488D-9047-C4188C3E1031}"/>
-          </ac:spMkLst>
-        </pc:spChg>
-        <pc:spChg chg="add del">
-          <ac:chgData name="Meinen, Nalet Julian (STUDENTS)" userId="6acb7238-8cec-469d-bf6c-f5c79e61c399" providerId="ADAL" clId="{78398D82-42FB-4F86-8D28-89158DDB111D}" dt="2019-06-18T07:25:46.979" v="33"/>
-          <ac:spMkLst>
-            <pc:docMk/>
-            <pc:sldMk cId="2855290323" sldId="256"/>
-            <ac:spMk id="3" creationId="{A5C8963F-8185-49F2-94CF-A300E7332937}"/>
-          </ac:spMkLst>
-        </pc:spChg>
-        <pc:spChg chg="add del mod">
-          <ac:chgData name="Meinen, Nalet Julian (STUDENTS)" userId="6acb7238-8cec-469d-bf6c-f5c79e61c399" providerId="ADAL" clId="{78398D82-42FB-4F86-8D28-89158DDB111D}" dt="2019-06-18T07:25:46.979" v="33"/>
-          <ac:spMkLst>
-            <pc:docMk/>
-            <pc:sldMk cId="2855290323" sldId="256"/>
-            <ac:spMk id="4" creationId="{AA36A54E-0EE2-4636-8967-F947DD88DC5F}"/>
-          </ac:spMkLst>
-        </pc:spChg>
-        <pc:spChg chg="add del mod">
-          <ac:chgData name="Meinen, Nalet Julian (STUDENTS)" userId="6acb7238-8cec-469d-bf6c-f5c79e61c399" providerId="ADAL" clId="{78398D82-42FB-4F86-8D28-89158DDB111D}" dt="2019-06-18T07:25:46.979" v="33"/>
-          <ac:spMkLst>
-            <pc:docMk/>
-            <pc:sldMk cId="2855290323" sldId="256"/>
-            <ac:spMk id="5" creationId="{287B4014-E910-4B64-83DB-9D91952D105E}"/>
-          </ac:spMkLst>
-        </pc:spChg>
-      </pc:sldChg>
-      <pc:sldChg chg="add del">
-        <pc:chgData name="Meinen, Nalet Julian (STUDENTS)" userId="6acb7238-8cec-469d-bf6c-f5c79e61c399" providerId="ADAL" clId="{78398D82-42FB-4F86-8D28-89158DDB111D}" dt="2019-06-18T10:52:14.401" v="2016" actId="2696"/>
-        <pc:sldMkLst>
-          <pc:docMk/>
-          <pc:sldMk cId="515300682" sldId="273"/>
-        </pc:sldMkLst>
-      </pc:sldChg>
-      <pc:sldChg chg="add del">
-        <pc:chgData name="Meinen, Nalet Julian (STUDENTS)" userId="6acb7238-8cec-469d-bf6c-f5c79e61c399" providerId="ADAL" clId="{78398D82-42FB-4F86-8D28-89158DDB111D}" dt="2019-06-18T07:30:48.680" v="279" actId="2696"/>
-        <pc:sldMkLst>
-          <pc:docMk/>
-          <pc:sldMk cId="377017842" sldId="274"/>
-        </pc:sldMkLst>
-      </pc:sldChg>
-      <pc:sldChg chg="add del">
-        <pc:chgData name="Meinen, Nalet Julian (STUDENTS)" userId="6acb7238-8cec-469d-bf6c-f5c79e61c399" providerId="ADAL" clId="{78398D82-42FB-4F86-8D28-89158DDB111D}" dt="2019-06-18T07:30:46.854" v="269" actId="2696"/>
-        <pc:sldMkLst>
-          <pc:docMk/>
-          <pc:sldMk cId="2439381609" sldId="283"/>
-        </pc:sldMkLst>
-      </pc:sldChg>
-      <pc:sldChg chg="add del">
-        <pc:chgData name="Meinen, Nalet Julian (STUDENTS)" userId="6acb7238-8cec-469d-bf6c-f5c79e61c399" providerId="ADAL" clId="{78398D82-42FB-4F86-8D28-89158DDB111D}" dt="2019-06-18T07:30:51.689" v="281" actId="2696"/>
-        <pc:sldMkLst>
-          <pc:docMk/>
-          <pc:sldMk cId="2880524280" sldId="284"/>
-        </pc:sldMkLst>
-      </pc:sldChg>
-      <pc:sldChg chg="add del">
-        <pc:chgData name="Meinen, Nalet Julian (STUDENTS)" userId="6acb7238-8cec-469d-bf6c-f5c79e61c399" providerId="ADAL" clId="{78398D82-42FB-4F86-8D28-89158DDB111D}" dt="2019-06-18T07:30:46.862" v="271" actId="2696"/>
-        <pc:sldMkLst>
-          <pc:docMk/>
-          <pc:sldMk cId="2978995615" sldId="290"/>
-        </pc:sldMkLst>
-      </pc:sldChg>
-      <pc:sldChg chg="add del">
-        <pc:chgData name="Meinen, Nalet Julian (STUDENTS)" userId="6acb7238-8cec-469d-bf6c-f5c79e61c399" providerId="ADAL" clId="{78398D82-42FB-4F86-8D28-89158DDB111D}" dt="2019-06-18T07:30:46.874" v="272" actId="2696"/>
-        <pc:sldMkLst>
-          <pc:docMk/>
-          <pc:sldMk cId="1236889567" sldId="295"/>
-        </pc:sldMkLst>
-      </pc:sldChg>
-      <pc:sldChg chg="add del">
-        <pc:chgData name="Meinen, Nalet Julian (STUDENTS)" userId="6acb7238-8cec-469d-bf6c-f5c79e61c399" providerId="ADAL" clId="{78398D82-42FB-4F86-8D28-89158DDB111D}" dt="2019-06-18T07:30:46.886" v="273" actId="2696"/>
-        <pc:sldMkLst>
-          <pc:docMk/>
-          <pc:sldMk cId="2623058601" sldId="296"/>
-        </pc:sldMkLst>
-      </pc:sldChg>
-      <pc:sldChg chg="add del">
-        <pc:chgData name="Meinen, Nalet Julian (STUDENTS)" userId="6acb7238-8cec-469d-bf6c-f5c79e61c399" providerId="ADAL" clId="{78398D82-42FB-4F86-8D28-89158DDB111D}" dt="2019-06-18T07:30:46.904" v="274" actId="2696"/>
-        <pc:sldMkLst>
-          <pc:docMk/>
-          <pc:sldMk cId="603769349" sldId="297"/>
-        </pc:sldMkLst>
-      </pc:sldChg>
-      <pc:sldChg chg="add del">
-        <pc:chgData name="Meinen, Nalet Julian (STUDENTS)" userId="6acb7238-8cec-469d-bf6c-f5c79e61c399" providerId="ADAL" clId="{78398D82-42FB-4F86-8D28-89158DDB111D}" dt="2019-06-18T07:30:46.931" v="276" actId="2696"/>
-        <pc:sldMkLst>
-          <pc:docMk/>
-          <pc:sldMk cId="2122742919" sldId="298"/>
-        </pc:sldMkLst>
-      </pc:sldChg>
-      <pc:sldChg chg="modSp add del">
-        <pc:chgData name="Meinen, Nalet Julian (STUDENTS)" userId="6acb7238-8cec-469d-bf6c-f5c79e61c399" providerId="ADAL" clId="{78398D82-42FB-4F86-8D28-89158DDB111D}" dt="2019-06-18T07:31:55.109" v="314"/>
-        <pc:sldMkLst>
-          <pc:docMk/>
-          <pc:sldMk cId="4040610606" sldId="300"/>
-        </pc:sldMkLst>
-        <pc:spChg chg="mod">
-          <ac:chgData name="Meinen, Nalet Julian (STUDENTS)" userId="6acb7238-8cec-469d-bf6c-f5c79e61c399" providerId="ADAL" clId="{78398D82-42FB-4F86-8D28-89158DDB111D}" dt="2019-06-18T07:31:31.374" v="312" actId="20577"/>
-          <ac:spMkLst>
-            <pc:docMk/>
-            <pc:sldMk cId="4040610606" sldId="300"/>
-            <ac:spMk id="2" creationId="{D1A1A40A-EAB3-9E4B-8D9F-445EABC7084C}"/>
-          </ac:spMkLst>
-        </pc:spChg>
-        <pc:spChg chg="mod">
-          <ac:chgData name="Meinen, Nalet Julian (STUDENTS)" userId="6acb7238-8cec-469d-bf6c-f5c79e61c399" providerId="ADAL" clId="{78398D82-42FB-4F86-8D28-89158DDB111D}" dt="2019-06-18T07:31:48.374" v="313"/>
-          <ac:spMkLst>
-            <pc:docMk/>
-            <pc:sldMk cId="4040610606" sldId="300"/>
-            <ac:spMk id="3" creationId="{AB71CEC3-1913-174E-8C92-06ABB4F238B3}"/>
-          </ac:spMkLst>
-        </pc:spChg>
-        <pc:spChg chg="mod">
-          <ac:chgData name="Meinen, Nalet Julian (STUDENTS)" userId="6acb7238-8cec-469d-bf6c-f5c79e61c399" providerId="ADAL" clId="{78398D82-42FB-4F86-8D28-89158DDB111D}" dt="2019-06-18T07:31:55.109" v="314"/>
-          <ac:spMkLst>
-            <pc:docMk/>
-            <pc:sldMk cId="4040610606" sldId="300"/>
-            <ac:spMk id="4" creationId="{837EA709-162C-FF46-BA84-7460D3BDD2CB}"/>
-          </ac:spMkLst>
-        </pc:spChg>
-        <pc:spChg chg="mod">
-          <ac:chgData name="Meinen, Nalet Julian (STUDENTS)" userId="6acb7238-8cec-469d-bf6c-f5c79e61c399" providerId="ADAL" clId="{78398D82-42FB-4F86-8D28-89158DDB111D}" dt="2019-06-18T07:31:25.057" v="310" actId="20577"/>
-          <ac:spMkLst>
-            <pc:docMk/>
-            <pc:sldMk cId="4040610606" sldId="300"/>
-            <ac:spMk id="5" creationId="{C7FAF644-0AC1-8243-9BA1-9B0B16468C59}"/>
-          </ac:spMkLst>
-        </pc:spChg>
-      </pc:sldChg>
-      <pc:sldChg chg="add del">
-        <pc:chgData name="Meinen, Nalet Julian (STUDENTS)" userId="6acb7238-8cec-469d-bf6c-f5c79e61c399" providerId="ADAL" clId="{78398D82-42FB-4F86-8D28-89158DDB111D}" dt="2019-06-18T07:30:46.917" v="275" actId="2696"/>
-        <pc:sldMkLst>
-          <pc:docMk/>
-          <pc:sldMk cId="2382120416" sldId="302"/>
-        </pc:sldMkLst>
-      </pc:sldChg>
-      <pc:sldChg chg="add del">
-        <pc:chgData name="Meinen, Nalet Julian (STUDENTS)" userId="6acb7238-8cec-469d-bf6c-f5c79e61c399" providerId="ADAL" clId="{78398D82-42FB-4F86-8D28-89158DDB111D}" dt="2019-06-18T07:30:46.948" v="277" actId="2696"/>
-        <pc:sldMkLst>
-          <pc:docMk/>
-          <pc:sldMk cId="3483743185" sldId="303"/>
-        </pc:sldMkLst>
-      </pc:sldChg>
-      <pc:sldChg chg="add del">
-        <pc:chgData name="Meinen, Nalet Julian (STUDENTS)" userId="6acb7238-8cec-469d-bf6c-f5c79e61c399" providerId="ADAL" clId="{78398D82-42FB-4F86-8D28-89158DDB111D}" dt="2019-06-18T07:30:46.962" v="278" actId="2696"/>
-        <pc:sldMkLst>
-          <pc:docMk/>
-          <pc:sldMk cId="1158391526" sldId="304"/>
-        </pc:sldMkLst>
-      </pc:sldChg>
-      <pc:sldChg chg="add del">
-        <pc:chgData name="Meinen, Nalet Julian (STUDENTS)" userId="6acb7238-8cec-469d-bf6c-f5c79e61c399" providerId="ADAL" clId="{78398D82-42FB-4F86-8D28-89158DDB111D}" dt="2019-06-18T07:30:50.840" v="280" actId="2696"/>
-        <pc:sldMkLst>
-          <pc:docMk/>
-          <pc:sldMk cId="287725613" sldId="305"/>
-        </pc:sldMkLst>
-      </pc:sldChg>
-      <pc:sldChg chg="addSp modSp add">
-        <pc:chgData name="Meinen, Nalet Julian (STUDENTS)" userId="6acb7238-8cec-469d-bf6c-f5c79e61c399" providerId="ADAL" clId="{78398D82-42FB-4F86-8D28-89158DDB111D}" dt="2019-06-18T07:29:39.640" v="268" actId="20577"/>
-        <pc:sldMkLst>
-          <pc:docMk/>
-          <pc:sldMk cId="166772439" sldId="306"/>
-        </pc:sldMkLst>
-        <pc:spChg chg="add mod">
-          <ac:chgData name="Meinen, Nalet Julian (STUDENTS)" userId="6acb7238-8cec-469d-bf6c-f5c79e61c399" providerId="ADAL" clId="{78398D82-42FB-4F86-8D28-89158DDB111D}" dt="2019-06-18T07:27:18.314" v="76" actId="20577"/>
-          <ac:spMkLst>
-            <pc:docMk/>
-            <pc:sldMk cId="166772439" sldId="306"/>
-            <ac:spMk id="2" creationId="{7AC598B0-3F8F-4C32-B35F-6E41BD99143D}"/>
-          </ac:spMkLst>
-        </pc:spChg>
-        <pc:spChg chg="add mod">
-          <ac:chgData name="Meinen, Nalet Julian (STUDENTS)" userId="6acb7238-8cec-469d-bf6c-f5c79e61c399" providerId="ADAL" clId="{78398D82-42FB-4F86-8D28-89158DDB111D}" dt="2019-06-18T07:28:12.130" v="194" actId="20577"/>
-          <ac:spMkLst>
-            <pc:docMk/>
-            <pc:sldMk cId="166772439" sldId="306"/>
-            <ac:spMk id="3" creationId="{52AD7639-120C-4D80-A4A6-8538F605D7B2}"/>
-          </ac:spMkLst>
-        </pc:spChg>
-        <pc:spChg chg="add mod">
-          <ac:chgData name="Meinen, Nalet Julian (STUDENTS)" userId="6acb7238-8cec-469d-bf6c-f5c79e61c399" providerId="ADAL" clId="{78398D82-42FB-4F86-8D28-89158DDB111D}" dt="2019-06-18T07:27:36.261" v="119" actId="20577"/>
-          <ac:spMkLst>
-            <pc:docMk/>
-            <pc:sldMk cId="166772439" sldId="306"/>
-            <ac:spMk id="4" creationId="{CAA52565-D83F-4702-9BCB-09A3FCE2FF20}"/>
-          </ac:spMkLst>
-        </pc:spChg>
-        <pc:spChg chg="add mod">
-          <ac:chgData name="Meinen, Nalet Julian (STUDENTS)" userId="6acb7238-8cec-469d-bf6c-f5c79e61c399" providerId="ADAL" clId="{78398D82-42FB-4F86-8D28-89158DDB111D}" dt="2019-06-18T07:29:39.640" v="268" actId="20577"/>
-          <ac:spMkLst>
-            <pc:docMk/>
-            <pc:sldMk cId="166772439" sldId="306"/>
-            <ac:spMk id="5" creationId="{AA2E28B4-FF0A-4FE4-9C21-7744E4304998}"/>
-          </ac:spMkLst>
-        </pc:spChg>
-      </pc:sldChg>
-      <pc:sldChg chg="addSp delSp modSp add">
-        <pc:chgData name="Meinen, Nalet Julian (STUDENTS)" userId="6acb7238-8cec-469d-bf6c-f5c79e61c399" providerId="ADAL" clId="{78398D82-42FB-4F86-8D28-89158DDB111D}" dt="2019-06-18T08:24:37.520" v="527" actId="113"/>
-        <pc:sldMkLst>
-          <pc:docMk/>
-          <pc:sldMk cId="69429724" sldId="307"/>
-        </pc:sldMkLst>
-        <pc:spChg chg="add del mod">
-          <ac:chgData name="Meinen, Nalet Julian (STUDENTS)" userId="6acb7238-8cec-469d-bf6c-f5c79e61c399" providerId="ADAL" clId="{78398D82-42FB-4F86-8D28-89158DDB111D}" dt="2019-06-18T07:46:16.140" v="317"/>
-          <ac:spMkLst>
-            <pc:docMk/>
-            <pc:sldMk cId="69429724" sldId="307"/>
-            <ac:spMk id="2" creationId="{6866B539-B0D6-46DA-87E0-0A8ACC07AAD9}"/>
-          </ac:spMkLst>
-        </pc:spChg>
-        <pc:spChg chg="add del mod">
-          <ac:chgData name="Meinen, Nalet Julian (STUDENTS)" userId="6acb7238-8cec-469d-bf6c-f5c79e61c399" providerId="ADAL" clId="{78398D82-42FB-4F86-8D28-89158DDB111D}" dt="2019-06-18T07:46:16.140" v="317"/>
-          <ac:spMkLst>
-            <pc:docMk/>
-            <pc:sldMk cId="69429724" sldId="307"/>
-            <ac:spMk id="3" creationId="{FE25E8C3-0622-4FCB-8512-F36AD5CF1FB3}"/>
-          </ac:spMkLst>
-        </pc:spChg>
-        <pc:spChg chg="add del mod">
-          <ac:chgData name="Meinen, Nalet Julian (STUDENTS)" userId="6acb7238-8cec-469d-bf6c-f5c79e61c399" providerId="ADAL" clId="{78398D82-42FB-4F86-8D28-89158DDB111D}" dt="2019-06-18T07:46:16.140" v="317"/>
-          <ac:spMkLst>
-            <pc:docMk/>
-            <pc:sldMk cId="69429724" sldId="307"/>
-            <ac:spMk id="4" creationId="{69923284-DA2A-4C70-95BE-93116257E006}"/>
-          </ac:spMkLst>
-        </pc:spChg>
-        <pc:spChg chg="add del mod">
-          <ac:chgData name="Meinen, Nalet Julian (STUDENTS)" userId="6acb7238-8cec-469d-bf6c-f5c79e61c399" providerId="ADAL" clId="{78398D82-42FB-4F86-8D28-89158DDB111D}" dt="2019-06-18T07:46:16.140" v="317"/>
-          <ac:spMkLst>
-            <pc:docMk/>
-            <pc:sldMk cId="69429724" sldId="307"/>
-            <ac:spMk id="5" creationId="{21F3EB89-19A5-474F-A61A-FB1C037E8D66}"/>
-          </ac:spMkLst>
-        </pc:spChg>
-        <pc:spChg chg="add del mod">
-          <ac:chgData name="Meinen, Nalet Julian (STUDENTS)" userId="6acb7238-8cec-469d-bf6c-f5c79e61c399" providerId="ADAL" clId="{78398D82-42FB-4F86-8D28-89158DDB111D}" dt="2019-06-18T07:46:33.010" v="318"/>
-          <ac:spMkLst>
-            <pc:docMk/>
-            <pc:sldMk cId="69429724" sldId="307"/>
-            <ac:spMk id="6" creationId="{A7D26936-4142-4D7B-96BC-AEA3C97A5A53}"/>
-          </ac:spMkLst>
-        </pc:spChg>
-        <pc:spChg chg="add del mod">
-          <ac:chgData name="Meinen, Nalet Julian (STUDENTS)" userId="6acb7238-8cec-469d-bf6c-f5c79e61c399" providerId="ADAL" clId="{78398D82-42FB-4F86-8D28-89158DDB111D}" dt="2019-06-18T07:46:33.010" v="318"/>
-          <ac:spMkLst>
-            <pc:docMk/>
-            <pc:sldMk cId="69429724" sldId="307"/>
-            <ac:spMk id="7" creationId="{60C44A84-C3BF-4B15-81B8-ED51AE3F1FC1}"/>
-          </ac:spMkLst>
-        </pc:spChg>
-        <pc:spChg chg="add del mod">
-          <ac:chgData name="Meinen, Nalet Julian (STUDENTS)" userId="6acb7238-8cec-469d-bf6c-f5c79e61c399" providerId="ADAL" clId="{78398D82-42FB-4F86-8D28-89158DDB111D}" dt="2019-06-18T07:46:33.010" v="318"/>
-          <ac:spMkLst>
-            <pc:docMk/>
-            <pc:sldMk cId="69429724" sldId="307"/>
-            <ac:spMk id="8" creationId="{221B41A6-9E68-4987-A88B-ABF5E31720C6}"/>
-          </ac:spMkLst>
-        </pc:spChg>
-        <pc:spChg chg="add del mod">
-          <ac:chgData name="Meinen, Nalet Julian (STUDENTS)" userId="6acb7238-8cec-469d-bf6c-f5c79e61c399" providerId="ADAL" clId="{78398D82-42FB-4F86-8D28-89158DDB111D}" dt="2019-06-18T07:46:33.010" v="318"/>
-          <ac:spMkLst>
-            <pc:docMk/>
-            <pc:sldMk cId="69429724" sldId="307"/>
-            <ac:spMk id="9" creationId="{D676D703-B83C-4FE0-B7B0-255567BC0C33}"/>
-          </ac:spMkLst>
-        </pc:spChg>
-        <pc:spChg chg="add del mod">
-          <ac:chgData name="Meinen, Nalet Julian (STUDENTS)" userId="6acb7238-8cec-469d-bf6c-f5c79e61c399" providerId="ADAL" clId="{78398D82-42FB-4F86-8D28-89158DDB111D}" dt="2019-06-18T07:46:33.010" v="318"/>
-          <ac:spMkLst>
-            <pc:docMk/>
-            <pc:sldMk cId="69429724" sldId="307"/>
-            <ac:spMk id="10" creationId="{B8909978-1E0B-48C2-BB15-0C5091CC9986}"/>
-          </ac:spMkLst>
-        </pc:spChg>
-        <pc:spChg chg="add del mod">
-          <ac:chgData name="Meinen, Nalet Julian (STUDENTS)" userId="6acb7238-8cec-469d-bf6c-f5c79e61c399" providerId="ADAL" clId="{78398D82-42FB-4F86-8D28-89158DDB111D}" dt="2019-06-18T07:48:12.292" v="320"/>
-          <ac:spMkLst>
-            <pc:docMk/>
-            <pc:sldMk cId="69429724" sldId="307"/>
-            <ac:spMk id="11" creationId="{88B88893-3383-4480-AF69-AEB61B2CAC9A}"/>
-          </ac:spMkLst>
-        </pc:spChg>
-        <pc:spChg chg="add del mod">
-          <ac:chgData name="Meinen, Nalet Julian (STUDENTS)" userId="6acb7238-8cec-469d-bf6c-f5c79e61c399" providerId="ADAL" clId="{78398D82-42FB-4F86-8D28-89158DDB111D}" dt="2019-06-18T07:48:12.292" v="320"/>
-          <ac:spMkLst>
-            <pc:docMk/>
-            <pc:sldMk cId="69429724" sldId="307"/>
-            <ac:spMk id="12" creationId="{8912646C-31C3-4233-8422-59B5C4B12D33}"/>
-          </ac:spMkLst>
-        </pc:spChg>
-        <pc:spChg chg="add del mod">
-          <ac:chgData name="Meinen, Nalet Julian (STUDENTS)" userId="6acb7238-8cec-469d-bf6c-f5c79e61c399" providerId="ADAL" clId="{78398D82-42FB-4F86-8D28-89158DDB111D}" dt="2019-06-18T07:48:12.292" v="320"/>
-          <ac:spMkLst>
-            <pc:docMk/>
-            <pc:sldMk cId="69429724" sldId="307"/>
-            <ac:spMk id="13" creationId="{084C2CF0-D43E-4E81-ACB5-DF2231908A7F}"/>
-          </ac:spMkLst>
-        </pc:spChg>
-        <pc:spChg chg="add del mod">
-          <ac:chgData name="Meinen, Nalet Julian (STUDENTS)" userId="6acb7238-8cec-469d-bf6c-f5c79e61c399" providerId="ADAL" clId="{78398D82-42FB-4F86-8D28-89158DDB111D}" dt="2019-06-18T07:48:12.292" v="320"/>
-          <ac:spMkLst>
-            <pc:docMk/>
-            <pc:sldMk cId="69429724" sldId="307"/>
-            <ac:spMk id="14" creationId="{4518DFF2-2FBA-4320-9FA4-AFE646CBD61B}"/>
-          </ac:spMkLst>
-        </pc:spChg>
-        <pc:spChg chg="add del mod">
-          <ac:chgData name="Meinen, Nalet Julian (STUDENTS)" userId="6acb7238-8cec-469d-bf6c-f5c79e61c399" providerId="ADAL" clId="{78398D82-42FB-4F86-8D28-89158DDB111D}" dt="2019-06-18T07:48:12.292" v="320"/>
-          <ac:spMkLst>
-            <pc:docMk/>
-            <pc:sldMk cId="69429724" sldId="307"/>
-            <ac:spMk id="15" creationId="{841B30C7-D5CE-4D0A-B3C2-AA4075FDA9B9}"/>
-          </ac:spMkLst>
-        </pc:spChg>
-        <pc:spChg chg="add del mod">
-          <ac:chgData name="Meinen, Nalet Julian (STUDENTS)" userId="6acb7238-8cec-469d-bf6c-f5c79e61c399" providerId="ADAL" clId="{78398D82-42FB-4F86-8D28-89158DDB111D}" dt="2019-06-18T07:48:12.292" v="320"/>
-          <ac:spMkLst>
-            <pc:docMk/>
-            <pc:sldMk cId="69429724" sldId="307"/>
-            <ac:spMk id="16" creationId="{56A87D31-5D79-478B-B82C-78573E1C2C47}"/>
-          </ac:spMkLst>
-        </pc:spChg>
-        <pc:spChg chg="add del mod">
-          <ac:chgData name="Meinen, Nalet Julian (STUDENTS)" userId="6acb7238-8cec-469d-bf6c-f5c79e61c399" providerId="ADAL" clId="{78398D82-42FB-4F86-8D28-89158DDB111D}" dt="2019-06-18T07:48:12.292" v="320"/>
-          <ac:spMkLst>
-            <pc:docMk/>
-            <pc:sldMk cId="69429724" sldId="307"/>
-            <ac:spMk id="17" creationId="{7E3D4095-8B78-4A2E-B634-3B3A4717AF23}"/>
-          </ac:spMkLst>
-        </pc:spChg>
-        <pc:spChg chg="add del mod">
-          <ac:chgData name="Meinen, Nalet Julian (STUDENTS)" userId="6acb7238-8cec-469d-bf6c-f5c79e61c399" providerId="ADAL" clId="{78398D82-42FB-4F86-8D28-89158DDB111D}" dt="2019-06-18T07:52:55.587" v="374"/>
-          <ac:spMkLst>
-            <pc:docMk/>
-            <pc:sldMk cId="69429724" sldId="307"/>
-            <ac:spMk id="18" creationId="{76C7861C-DFBE-412C-BCBE-B74C1095B2A0}"/>
-          </ac:spMkLst>
-        </pc:spChg>
-        <pc:spChg chg="add del mod">
-          <ac:chgData name="Meinen, Nalet Julian (STUDENTS)" userId="6acb7238-8cec-469d-bf6c-f5c79e61c399" providerId="ADAL" clId="{78398D82-42FB-4F86-8D28-89158DDB111D}" dt="2019-06-18T07:48:20.047" v="329" actId="478"/>
-          <ac:spMkLst>
-            <pc:docMk/>
-            <pc:sldMk cId="69429724" sldId="307"/>
-            <ac:spMk id="19" creationId="{BE6557A2-CFC4-4076-9BFB-EED27705434C}"/>
-          </ac:spMkLst>
-        </pc:spChg>
-        <pc:spChg chg="add del mod">
-          <ac:chgData name="Meinen, Nalet Julian (STUDENTS)" userId="6acb7238-8cec-469d-bf6c-f5c79e61c399" providerId="ADAL" clId="{78398D82-42FB-4F86-8D28-89158DDB111D}" dt="2019-06-18T07:52:55.587" v="374"/>
-          <ac:spMkLst>
-            <pc:docMk/>
-            <pc:sldMk cId="69429724" sldId="307"/>
-            <ac:spMk id="20" creationId="{3E556A33-FB72-4F04-A627-D8CD0F9BC27D}"/>
-          </ac:spMkLst>
-        </pc:spChg>
-        <pc:spChg chg="add del mod">
-          <ac:chgData name="Meinen, Nalet Julian (STUDENTS)" userId="6acb7238-8cec-469d-bf6c-f5c79e61c399" providerId="ADAL" clId="{78398D82-42FB-4F86-8D28-89158DDB111D}" dt="2019-06-18T07:52:55.587" v="374"/>
-          <ac:spMkLst>
-            <pc:docMk/>
-            <pc:sldMk cId="69429724" sldId="307"/>
-            <ac:spMk id="21" creationId="{87A590AF-E6D2-40AC-B95C-96769C34214C}"/>
-          </ac:spMkLst>
-        </pc:spChg>
-        <pc:spChg chg="add mod">
-          <ac:chgData name="Meinen, Nalet Julian (STUDENTS)" userId="6acb7238-8cec-469d-bf6c-f5c79e61c399" providerId="ADAL" clId="{78398D82-42FB-4F86-8D28-89158DDB111D}" dt="2019-06-18T08:24:37.520" v="527" actId="113"/>
-          <ac:spMkLst>
-            <pc:docMk/>
-            <pc:sldMk cId="69429724" sldId="307"/>
-            <ac:spMk id="23" creationId="{22E2B98F-DA7C-448F-ACBF-3E4BCA2FF259}"/>
-          </ac:spMkLst>
-        </pc:spChg>
-        <pc:spChg chg="add mod">
-          <ac:chgData name="Meinen, Nalet Julian (STUDENTS)" userId="6acb7238-8cec-469d-bf6c-f5c79e61c399" providerId="ADAL" clId="{78398D82-42FB-4F86-8D28-89158DDB111D}" dt="2019-06-18T07:59:02.122" v="479" actId="20577"/>
-          <ac:spMkLst>
-            <pc:docMk/>
-            <pc:sldMk cId="69429724" sldId="307"/>
-            <ac:spMk id="24" creationId="{E919C78D-2366-43B6-90AA-19FC1507C038}"/>
-          </ac:spMkLst>
-        </pc:spChg>
-        <pc:spChg chg="add mod">
-          <ac:chgData name="Meinen, Nalet Julian (STUDENTS)" userId="6acb7238-8cec-469d-bf6c-f5c79e61c399" providerId="ADAL" clId="{78398D82-42FB-4F86-8D28-89158DDB111D}" dt="2019-06-18T07:53:49.578" v="377"/>
-          <ac:spMkLst>
-            <pc:docMk/>
-            <pc:sldMk cId="69429724" sldId="307"/>
-            <ac:spMk id="25" creationId="{1D96C830-14AA-41C9-95A1-E2DE662385B5}"/>
-          </ac:spMkLst>
-        </pc:spChg>
-      </pc:sldChg>
-      <pc:sldChg chg="delSp add del setBg">
-        <pc:chgData name="Meinen, Nalet Julian (STUDENTS)" userId="6acb7238-8cec-469d-bf6c-f5c79e61c399" providerId="ADAL" clId="{78398D82-42FB-4F86-8D28-89158DDB111D}" dt="2019-06-18T07:52:49.401" v="373" actId="2696"/>
-        <pc:sldMkLst>
-          <pc:docMk/>
-          <pc:sldMk cId="387910426" sldId="308"/>
-        </pc:sldMkLst>
-        <pc:spChg chg="del">
-          <ac:chgData name="Meinen, Nalet Julian (STUDENTS)" userId="6acb7238-8cec-469d-bf6c-f5c79e61c399" providerId="ADAL" clId="{78398D82-42FB-4F86-8D28-89158DDB111D}" dt="2019-06-18T07:49:11.685" v="343"/>
-          <ac:spMkLst>
-            <pc:docMk/>
-            <pc:sldMk cId="387910426" sldId="308"/>
-            <ac:spMk id="2" creationId="{80BED818-37D9-4DC8-9A1C-513F60B9E4F7}"/>
-          </ac:spMkLst>
-        </pc:spChg>
-        <pc:spChg chg="del">
-          <ac:chgData name="Meinen, Nalet Julian (STUDENTS)" userId="6acb7238-8cec-469d-bf6c-f5c79e61c399" providerId="ADAL" clId="{78398D82-42FB-4F86-8D28-89158DDB111D}" dt="2019-06-18T07:49:11.685" v="343"/>
-          <ac:spMkLst>
-            <pc:docMk/>
-            <pc:sldMk cId="387910426" sldId="308"/>
-            <ac:spMk id="3" creationId="{61EF6511-3710-4C0B-B5A0-2D1CFA43D9E4}"/>
-          </ac:spMkLst>
-        </pc:spChg>
-        <pc:spChg chg="del">
-          <ac:chgData name="Meinen, Nalet Julian (STUDENTS)" userId="6acb7238-8cec-469d-bf6c-f5c79e61c399" providerId="ADAL" clId="{78398D82-42FB-4F86-8D28-89158DDB111D}" dt="2019-06-18T07:49:11.685" v="343"/>
-          <ac:spMkLst>
-            <pc:docMk/>
-            <pc:sldMk cId="387910426" sldId="308"/>
-            <ac:spMk id="4" creationId="{BC833AEC-E657-4A3C-AF32-308C1BD32B15}"/>
-          </ac:spMkLst>
-        </pc:spChg>
-        <pc:spChg chg="del">
-          <ac:chgData name="Meinen, Nalet Julian (STUDENTS)" userId="6acb7238-8cec-469d-bf6c-f5c79e61c399" providerId="ADAL" clId="{78398D82-42FB-4F86-8D28-89158DDB111D}" dt="2019-06-18T07:49:11.685" v="343"/>
-          <ac:spMkLst>
-            <pc:docMk/>
-            <pc:sldMk cId="387910426" sldId="308"/>
-            <ac:spMk id="5" creationId="{6AB9E853-822A-4938-9027-1B455AB80D23}"/>
-          </ac:spMkLst>
-        </pc:spChg>
-      </pc:sldChg>
-      <pc:sldChg chg="addSp delSp modSp add modNotesTx">
-        <pc:chgData name="Meinen, Nalet Julian (STUDENTS)" userId="6acb7238-8cec-469d-bf6c-f5c79e61c399" providerId="ADAL" clId="{78398D82-42FB-4F86-8D28-89158DDB111D}" dt="2019-06-18T11:08:31.683" v="2036" actId="20577"/>
-        <pc:sldMkLst>
-          <pc:docMk/>
-          <pc:sldMk cId="4248381608" sldId="308"/>
-        </pc:sldMkLst>
-        <pc:spChg chg="add mod">
-          <ac:chgData name="Meinen, Nalet Julian (STUDENTS)" userId="6acb7238-8cec-469d-bf6c-f5c79e61c399" providerId="ADAL" clId="{78398D82-42FB-4F86-8D28-89158DDB111D}" dt="2019-06-18T07:58:43.005" v="455" actId="20577"/>
-          <ac:spMkLst>
-            <pc:docMk/>
-            <pc:sldMk cId="4248381608" sldId="308"/>
-            <ac:spMk id="2" creationId="{C0D1A0EC-6C3B-48F2-9881-C09A5C956DF1}"/>
-          </ac:spMkLst>
-        </pc:spChg>
-        <pc:spChg chg="add mod">
-          <ac:chgData name="Meinen, Nalet Julian (STUDENTS)" userId="6acb7238-8cec-469d-bf6c-f5c79e61c399" providerId="ADAL" clId="{78398D82-42FB-4F86-8D28-89158DDB111D}" dt="2019-06-18T09:21:04.227" v="1270" actId="20577"/>
-          <ac:spMkLst>
-            <pc:docMk/>
-            <pc:sldMk cId="4248381608" sldId="308"/>
-            <ac:spMk id="3" creationId="{38D7E3E9-F0B4-4D27-B057-3F4CF3AE01C2}"/>
-          </ac:spMkLst>
-        </pc:spChg>
-        <pc:spChg chg="add mod">
-          <ac:chgData name="Meinen, Nalet Julian (STUDENTS)" userId="6acb7238-8cec-469d-bf6c-f5c79e61c399" providerId="ADAL" clId="{78398D82-42FB-4F86-8D28-89158DDB111D}" dt="2019-06-18T08:21:00.752" v="512" actId="20577"/>
-          <ac:spMkLst>
-            <pc:docMk/>
-            <pc:sldMk cId="4248381608" sldId="308"/>
-            <ac:spMk id="4" creationId="{4CE102AC-E98F-4DEA-8122-98DD2588FB76}"/>
-          </ac:spMkLst>
-        </pc:spChg>
-        <pc:graphicFrameChg chg="add del modGraphic">
-          <ac:chgData name="Meinen, Nalet Julian (STUDENTS)" userId="6acb7238-8cec-469d-bf6c-f5c79e61c399" providerId="ADAL" clId="{78398D82-42FB-4F86-8D28-89158DDB111D}" dt="2019-06-18T07:58:51.629" v="458" actId="27309"/>
-          <ac:graphicFrameMkLst>
-            <pc:docMk/>
-            <pc:sldMk cId="4248381608" sldId="308"/>
-            <ac:graphicFrameMk id="6" creationId="{7DF8110C-5404-47E2-93C9-A70BB34AE3FC}"/>
-          </ac:graphicFrameMkLst>
-        </pc:graphicFrameChg>
-        <pc:picChg chg="add mod ord">
-          <ac:chgData name="Meinen, Nalet Julian (STUDENTS)" userId="6acb7238-8cec-469d-bf6c-f5c79e61c399" providerId="ADAL" clId="{78398D82-42FB-4F86-8D28-89158DDB111D}" dt="2019-06-18T09:21:16.943" v="1274" actId="1076"/>
-          <ac:picMkLst>
-            <pc:docMk/>
-            <pc:sldMk cId="4248381608" sldId="308"/>
-            <ac:picMk id="7" creationId="{A608FEC6-0DED-43DA-8C43-962832B45200}"/>
-          </ac:picMkLst>
-        </pc:picChg>
-        <pc:picChg chg="add mod">
-          <ac:chgData name="Meinen, Nalet Julian (STUDENTS)" userId="6acb7238-8cec-469d-bf6c-f5c79e61c399" providerId="ADAL" clId="{78398D82-42FB-4F86-8D28-89158DDB111D}" dt="2019-06-18T09:21:08.292" v="1271" actId="1076"/>
-          <ac:picMkLst>
-            <pc:docMk/>
-            <pc:sldMk cId="4248381608" sldId="308"/>
-            <ac:picMk id="8" creationId="{76FABB5D-C21A-4960-B450-BD738BC8530B}"/>
-          </ac:picMkLst>
-        </pc:picChg>
-        <pc:picChg chg="add del">
-          <ac:chgData name="Meinen, Nalet Julian (STUDENTS)" userId="6acb7238-8cec-469d-bf6c-f5c79e61c399" providerId="ADAL" clId="{78398D82-42FB-4F86-8D28-89158DDB111D}" dt="2019-06-18T09:20:51.526" v="1267"/>
-          <ac:picMkLst>
-            <pc:docMk/>
-            <pc:sldMk cId="4248381608" sldId="308"/>
-            <ac:picMk id="9" creationId="{C3227E9C-F154-4D16-AD02-3C888CDCFC14}"/>
-          </ac:picMkLst>
-        </pc:picChg>
-        <pc:picChg chg="add mod">
-          <ac:chgData name="Meinen, Nalet Julian (STUDENTS)" userId="6acb7238-8cec-469d-bf6c-f5c79e61c399" providerId="ADAL" clId="{78398D82-42FB-4F86-8D28-89158DDB111D}" dt="2019-06-18T08:26:37.596" v="578"/>
-          <ac:picMkLst>
-            <pc:docMk/>
-            <pc:sldMk cId="4248381608" sldId="308"/>
-            <ac:picMk id="1026" creationId="{10B76AE6-0226-4C8A-AC02-8BC25360420A}"/>
-          </ac:picMkLst>
-        </pc:picChg>
-        <pc:inkChg chg="add">
-          <ac:chgData name="Meinen, Nalet Julian (STUDENTS)" userId="6acb7238-8cec-469d-bf6c-f5c79e61c399" providerId="ADAL" clId="{78398D82-42FB-4F86-8D28-89158DDB111D}" dt="2019-06-18T11:01:57.849" v="2017" actId="9405"/>
-          <ac:inkMkLst>
-            <pc:docMk/>
-            <pc:sldMk cId="4248381608" sldId="308"/>
-            <ac:inkMk id="10" creationId="{24FD0A28-B18E-4594-9970-874E750FB692}"/>
-          </ac:inkMkLst>
-        </pc:inkChg>
-        <pc:inkChg chg="add">
-          <ac:chgData name="Meinen, Nalet Julian (STUDENTS)" userId="6acb7238-8cec-469d-bf6c-f5c79e61c399" providerId="ADAL" clId="{78398D82-42FB-4F86-8D28-89158DDB111D}" dt="2019-06-18T11:02:00.600" v="2018" actId="9405"/>
-          <ac:inkMkLst>
-            <pc:docMk/>
-            <pc:sldMk cId="4248381608" sldId="308"/>
-            <ac:inkMk id="11" creationId="{4BBB5B7C-BD7B-4FE1-AF30-94431A4B8248}"/>
-          </ac:inkMkLst>
-        </pc:inkChg>
-        <pc:inkChg chg="add">
-          <ac:chgData name="Meinen, Nalet Julian (STUDENTS)" userId="6acb7238-8cec-469d-bf6c-f5c79e61c399" providerId="ADAL" clId="{78398D82-42FB-4F86-8D28-89158DDB111D}" dt="2019-06-18T11:02:03.872" v="2019" actId="9405"/>
-          <ac:inkMkLst>
-            <pc:docMk/>
-            <pc:sldMk cId="4248381608" sldId="308"/>
-            <ac:inkMk id="12" creationId="{3684EE1E-D15A-43F5-9503-8AEEF402E4D2}"/>
-          </ac:inkMkLst>
-        </pc:inkChg>
-        <pc:inkChg chg="add">
-          <ac:chgData name="Meinen, Nalet Julian (STUDENTS)" userId="6acb7238-8cec-469d-bf6c-f5c79e61c399" providerId="ADAL" clId="{78398D82-42FB-4F86-8D28-89158DDB111D}" dt="2019-06-18T11:02:06.473" v="2020" actId="9405"/>
-          <ac:inkMkLst>
-            <pc:docMk/>
-            <pc:sldMk cId="4248381608" sldId="308"/>
-            <ac:inkMk id="13" creationId="{1C6A353F-B8F2-40C1-8BE1-6773F89C0795}"/>
-          </ac:inkMkLst>
-        </pc:inkChg>
-      </pc:sldChg>
-      <pc:sldChg chg="addSp modSp add">
-        <pc:chgData name="Meinen, Nalet Julian (STUDENTS)" userId="6acb7238-8cec-469d-bf6c-f5c79e61c399" providerId="ADAL" clId="{78398D82-42FB-4F86-8D28-89158DDB111D}" dt="2019-06-18T09:18:56.121" v="1232" actId="14100"/>
-        <pc:sldMkLst>
-          <pc:docMk/>
-          <pc:sldMk cId="2970437959" sldId="309"/>
-        </pc:sldMkLst>
-        <pc:spChg chg="mod">
-          <ac:chgData name="Meinen, Nalet Julian (STUDENTS)" userId="6acb7238-8cec-469d-bf6c-f5c79e61c399" providerId="ADAL" clId="{78398D82-42FB-4F86-8D28-89158DDB111D}" dt="2019-06-18T09:18:09.968" v="1227" actId="20577"/>
-          <ac:spMkLst>
-            <pc:docMk/>
-            <pc:sldMk cId="2970437959" sldId="309"/>
-            <ac:spMk id="23" creationId="{22E2B98F-DA7C-448F-ACBF-3E4BCA2FF259}"/>
-          </ac:spMkLst>
-        </pc:spChg>
-        <pc:spChg chg="mod">
-          <ac:chgData name="Meinen, Nalet Julian (STUDENTS)" userId="6acb7238-8cec-469d-bf6c-f5c79e61c399" providerId="ADAL" clId="{78398D82-42FB-4F86-8D28-89158DDB111D}" dt="2019-06-18T08:28:18.760" v="584" actId="20577"/>
-          <ac:spMkLst>
-            <pc:docMk/>
-            <pc:sldMk cId="2970437959" sldId="309"/>
-            <ac:spMk id="24" creationId="{E919C78D-2366-43B6-90AA-19FC1507C038}"/>
-          </ac:spMkLst>
-        </pc:spChg>
-        <pc:spChg chg="mod">
-          <ac:chgData name="Meinen, Nalet Julian (STUDENTS)" userId="6acb7238-8cec-469d-bf6c-f5c79e61c399" providerId="ADAL" clId="{78398D82-42FB-4F86-8D28-89158DDB111D}" dt="2019-06-18T08:28:40.515" v="634" actId="20577"/>
-          <ac:spMkLst>
-            <pc:docMk/>
-            <pc:sldMk cId="2970437959" sldId="309"/>
-            <ac:spMk id="25" creationId="{1D96C830-14AA-41C9-95A1-E2DE662385B5}"/>
-          </ac:spMkLst>
-        </pc:spChg>
-        <pc:picChg chg="add mod">
-          <ac:chgData name="Meinen, Nalet Julian (STUDENTS)" userId="6acb7238-8cec-469d-bf6c-f5c79e61c399" providerId="ADAL" clId="{78398D82-42FB-4F86-8D28-89158DDB111D}" dt="2019-06-18T09:00:33.680" v="1014"/>
-          <ac:picMkLst>
-            <pc:docMk/>
-            <pc:sldMk cId="2970437959" sldId="309"/>
-            <ac:picMk id="2" creationId="{3950EC84-37B0-4738-8B04-DD1183ACE4C1}"/>
-          </ac:picMkLst>
-        </pc:picChg>
-        <pc:picChg chg="add mod">
-          <ac:chgData name="Meinen, Nalet Julian (STUDENTS)" userId="6acb7238-8cec-469d-bf6c-f5c79e61c399" providerId="ADAL" clId="{78398D82-42FB-4F86-8D28-89158DDB111D}" dt="2019-06-18T09:00:24.245" v="1012" actId="1076"/>
-          <ac:picMkLst>
-            <pc:docMk/>
-            <pc:sldMk cId="2970437959" sldId="309"/>
-            <ac:picMk id="3" creationId="{A305FCD0-EA50-44AD-B7FA-2F6D987263FC}"/>
-          </ac:picMkLst>
-        </pc:picChg>
-        <pc:picChg chg="add mod">
-          <ac:chgData name="Meinen, Nalet Julian (STUDENTS)" userId="6acb7238-8cec-469d-bf6c-f5c79e61c399" providerId="ADAL" clId="{78398D82-42FB-4F86-8D28-89158DDB111D}" dt="2019-06-18T09:00:18.997" v="1010" actId="1076"/>
-          <ac:picMkLst>
-            <pc:docMk/>
-            <pc:sldMk cId="2970437959" sldId="309"/>
-            <ac:picMk id="4" creationId="{ECE307C6-0901-40E9-9091-F3768C89810B}"/>
-          </ac:picMkLst>
-        </pc:picChg>
-        <pc:picChg chg="add mod">
-          <ac:chgData name="Meinen, Nalet Julian (STUDENTS)" userId="6acb7238-8cec-469d-bf6c-f5c79e61c399" providerId="ADAL" clId="{78398D82-42FB-4F86-8D28-89158DDB111D}" dt="2019-06-18T09:18:56.121" v="1232" actId="14100"/>
-          <ac:picMkLst>
-            <pc:docMk/>
-            <pc:sldMk cId="2970437959" sldId="309"/>
-            <ac:picMk id="5" creationId="{D4E5FD2C-F7BC-4A50-8840-1B6B5C7B4F44}"/>
-          </ac:picMkLst>
-        </pc:picChg>
-      </pc:sldChg>
-      <pc:sldChg chg="addSp delSp modSp add">
-        <pc:chgData name="Meinen, Nalet Julian (STUDENTS)" userId="6acb7238-8cec-469d-bf6c-f5c79e61c399" providerId="ADAL" clId="{78398D82-42FB-4F86-8D28-89158DDB111D}" dt="2019-06-18T11:31:19.656" v="2046" actId="9405"/>
-        <pc:sldMkLst>
-          <pc:docMk/>
-          <pc:sldMk cId="928452119" sldId="310"/>
-        </pc:sldMkLst>
-        <pc:spChg chg="mod">
-          <ac:chgData name="Meinen, Nalet Julian (STUDENTS)" userId="6acb7238-8cec-469d-bf6c-f5c79e61c399" providerId="ADAL" clId="{78398D82-42FB-4F86-8D28-89158DDB111D}" dt="2019-06-18T09:26:52.536" v="1292" actId="20577"/>
-          <ac:spMkLst>
-            <pc:docMk/>
-            <pc:sldMk cId="928452119" sldId="310"/>
-            <ac:spMk id="2" creationId="{BCA254D4-BBC9-4076-9136-156BFA9C3BFA}"/>
-          </ac:spMkLst>
-        </pc:spChg>
-        <pc:spChg chg="mod">
-          <ac:chgData name="Meinen, Nalet Julian (STUDENTS)" userId="6acb7238-8cec-469d-bf6c-f5c79e61c399" providerId="ADAL" clId="{78398D82-42FB-4F86-8D28-89158DDB111D}" dt="2019-06-18T09:26:49.678" v="1285" actId="20577"/>
-          <ac:spMkLst>
-            <pc:docMk/>
-            <pc:sldMk cId="928452119" sldId="310"/>
-            <ac:spMk id="3" creationId="{69CC0257-5022-49B2-8136-59393DBAEEA8}"/>
-          </ac:spMkLst>
-        </pc:spChg>
-        <pc:spChg chg="del">
-          <ac:chgData name="Meinen, Nalet Julian (STUDENTS)" userId="6acb7238-8cec-469d-bf6c-f5c79e61c399" providerId="ADAL" clId="{78398D82-42FB-4F86-8D28-89158DDB111D}" dt="2019-06-18T09:26:55.779" v="1293"/>
-          <ac:spMkLst>
-            <pc:docMk/>
-            <pc:sldMk cId="928452119" sldId="310"/>
-            <ac:spMk id="4" creationId="{975F9178-9CAD-4175-A8F3-079501494957}"/>
-          </ac:spMkLst>
-        </pc:spChg>
-        <pc:picChg chg="add mod">
-          <ac:chgData name="Meinen, Nalet Julian (STUDENTS)" userId="6acb7238-8cec-469d-bf6c-f5c79e61c399" providerId="ADAL" clId="{78398D82-42FB-4F86-8D28-89158DDB111D}" dt="2019-06-18T09:26:55.779" v="1293"/>
-          <ac:picMkLst>
-            <pc:docMk/>
-            <pc:sldMk cId="928452119" sldId="310"/>
-            <ac:picMk id="5" creationId="{D2B209C2-CAA0-4351-B9CA-FBA8D3DCB32F}"/>
-          </ac:picMkLst>
-        </pc:picChg>
-        <pc:picChg chg="add del">
-          <ac:chgData name="Meinen, Nalet Julian (STUDENTS)" userId="6acb7238-8cec-469d-bf6c-f5c79e61c399" providerId="ADAL" clId="{78398D82-42FB-4F86-8D28-89158DDB111D}" dt="2019-06-18T11:30:47.688" v="2038"/>
-          <ac:picMkLst>
-            <pc:docMk/>
-            <pc:sldMk cId="928452119" sldId="310"/>
-            <ac:picMk id="6" creationId="{AB7D0E18-B8D0-46B5-AD73-FB96B57F1076}"/>
-          </ac:picMkLst>
-        </pc:picChg>
-        <pc:picChg chg="add mod">
-          <ac:chgData name="Meinen, Nalet Julian (STUDENTS)" userId="6acb7238-8cec-469d-bf6c-f5c79e61c399" providerId="ADAL" clId="{78398D82-42FB-4F86-8D28-89158DDB111D}" dt="2019-06-18T11:30:52.323" v="2040" actId="1076"/>
-          <ac:picMkLst>
-            <pc:docMk/>
-            <pc:sldMk cId="928452119" sldId="310"/>
-            <ac:picMk id="7" creationId="{E586BD4D-C7F8-4FA7-908C-C729F00CB416}"/>
-          </ac:picMkLst>
-        </pc:picChg>
-        <pc:inkChg chg="add del">
-          <ac:chgData name="Meinen, Nalet Julian (STUDENTS)" userId="6acb7238-8cec-469d-bf6c-f5c79e61c399" providerId="ADAL" clId="{78398D82-42FB-4F86-8D28-89158DDB111D}" dt="2019-06-18T11:31:02.562" v="2042" actId="9405"/>
-          <ac:inkMkLst>
-            <pc:docMk/>
-            <pc:sldMk cId="928452119" sldId="310"/>
-            <ac:inkMk id="8" creationId="{41A9C242-5D94-44C2-9029-FCE2C96B4383}"/>
-          </ac:inkMkLst>
-        </pc:inkChg>
-        <pc:inkChg chg="add">
-          <ac:chgData name="Meinen, Nalet Julian (STUDENTS)" userId="6acb7238-8cec-469d-bf6c-f5c79e61c399" providerId="ADAL" clId="{78398D82-42FB-4F86-8D28-89158DDB111D}" dt="2019-06-18T11:31:05.406" v="2043" actId="9405"/>
-          <ac:inkMkLst>
-            <pc:docMk/>
-            <pc:sldMk cId="928452119" sldId="310"/>
-            <ac:inkMk id="9" creationId="{115C22B3-635D-46C7-9726-752180798896}"/>
-          </ac:inkMkLst>
-        </pc:inkChg>
-        <pc:inkChg chg="add">
-          <ac:chgData name="Meinen, Nalet Julian (STUDENTS)" userId="6acb7238-8cec-469d-bf6c-f5c79e61c399" providerId="ADAL" clId="{78398D82-42FB-4F86-8D28-89158DDB111D}" dt="2019-06-18T11:31:14.568" v="2044" actId="9405"/>
-          <ac:inkMkLst>
-            <pc:docMk/>
-            <pc:sldMk cId="928452119" sldId="310"/>
-            <ac:inkMk id="10" creationId="{061854CC-9819-4CD6-A9EC-878470D7896A}"/>
-          </ac:inkMkLst>
-        </pc:inkChg>
-        <pc:inkChg chg="add">
-          <ac:chgData name="Meinen, Nalet Julian (STUDENTS)" userId="6acb7238-8cec-469d-bf6c-f5c79e61c399" providerId="ADAL" clId="{78398D82-42FB-4F86-8D28-89158DDB111D}" dt="2019-06-18T11:31:16.983" v="2045" actId="9405"/>
-          <ac:inkMkLst>
-            <pc:docMk/>
-            <pc:sldMk cId="928452119" sldId="310"/>
-            <ac:inkMk id="11" creationId="{10C208ED-005B-46FE-AA69-5FD7F144DB0A}"/>
-          </ac:inkMkLst>
-        </pc:inkChg>
-        <pc:inkChg chg="add">
-          <ac:chgData name="Meinen, Nalet Julian (STUDENTS)" userId="6acb7238-8cec-469d-bf6c-f5c79e61c399" providerId="ADAL" clId="{78398D82-42FB-4F86-8D28-89158DDB111D}" dt="2019-06-18T11:31:19.656" v="2046" actId="9405"/>
-          <ac:inkMkLst>
-            <pc:docMk/>
-            <pc:sldMk cId="928452119" sldId="310"/>
-            <ac:inkMk id="12" creationId="{23D02177-0DC9-44CA-981B-BF168BA3A0F8}"/>
-          </ac:inkMkLst>
-        </pc:inkChg>
-      </pc:sldChg>
-      <pc:sldChg chg="add del">
-        <pc:chgData name="Meinen, Nalet Julian (STUDENTS)" userId="6acb7238-8cec-469d-bf6c-f5c79e61c399" providerId="ADAL" clId="{78398D82-42FB-4F86-8D28-89158DDB111D}" dt="2019-06-18T08:36:01.600" v="693"/>
-        <pc:sldMkLst>
-          <pc:docMk/>
-          <pc:sldMk cId="1668475028" sldId="310"/>
-        </pc:sldMkLst>
-      </pc:sldChg>
-      <pc:sldChg chg="addSp delSp modSp add">
-        <pc:chgData name="Meinen, Nalet Julian (STUDENTS)" userId="6acb7238-8cec-469d-bf6c-f5c79e61c399" providerId="ADAL" clId="{78398D82-42FB-4F86-8D28-89158DDB111D}" dt="2019-06-18T09:29:44.835" v="1362"/>
-        <pc:sldMkLst>
-          <pc:docMk/>
-          <pc:sldMk cId="3049244434" sldId="311"/>
-        </pc:sldMkLst>
-        <pc:spChg chg="mod">
-          <ac:chgData name="Meinen, Nalet Julian (STUDENTS)" userId="6acb7238-8cec-469d-bf6c-f5c79e61c399" providerId="ADAL" clId="{78398D82-42FB-4F86-8D28-89158DDB111D}" dt="2019-06-18T09:27:56.329" v="1327" actId="20577"/>
-          <ac:spMkLst>
-            <pc:docMk/>
-            <pc:sldMk cId="3049244434" sldId="311"/>
-            <ac:spMk id="2" creationId="{B6C29120-1009-495B-863F-5909BB9A5E10}"/>
-          </ac:spMkLst>
-        </pc:spChg>
-        <pc:spChg chg="mod">
-          <ac:chgData name="Meinen, Nalet Julian (STUDENTS)" userId="6acb7238-8cec-469d-bf6c-f5c79e61c399" providerId="ADAL" clId="{78398D82-42FB-4F86-8D28-89158DDB111D}" dt="2019-06-18T09:27:18.234" v="1303" actId="20577"/>
-          <ac:spMkLst>
-            <pc:docMk/>
-            <pc:sldMk cId="3049244434" sldId="311"/>
-            <ac:spMk id="3" creationId="{ABF5453C-A65A-4214-9F59-38F33C720A98}"/>
-          </ac:spMkLst>
-        </pc:spChg>
-        <pc:spChg chg="del">
-          <ac:chgData name="Meinen, Nalet Julian (STUDENTS)" userId="6acb7238-8cec-469d-bf6c-f5c79e61c399" providerId="ADAL" clId="{78398D82-42FB-4F86-8D28-89158DDB111D}" dt="2019-06-18T09:29:44.835" v="1362"/>
-          <ac:spMkLst>
-            <pc:docMk/>
-            <pc:sldMk cId="3049244434" sldId="311"/>
-            <ac:spMk id="4" creationId="{6E448272-9FF2-4E8C-8CA7-F2DA3806FD94}"/>
-          </ac:spMkLst>
-        </pc:spChg>
-        <pc:picChg chg="add mod">
-          <ac:chgData name="Meinen, Nalet Julian (STUDENTS)" userId="6acb7238-8cec-469d-bf6c-f5c79e61c399" providerId="ADAL" clId="{78398D82-42FB-4F86-8D28-89158DDB111D}" dt="2019-06-18T09:29:44.835" v="1362"/>
-          <ac:picMkLst>
-            <pc:docMk/>
-            <pc:sldMk cId="3049244434" sldId="311"/>
-            <ac:picMk id="5" creationId="{11709E22-3F7B-4E10-B83F-470CD80776E1}"/>
-          </ac:picMkLst>
-        </pc:picChg>
-      </pc:sldChg>
-      <pc:sldChg chg="addSp delSp modSp add modNotesTx">
-        <pc:chgData name="Meinen, Nalet Julian (STUDENTS)" userId="6acb7238-8cec-469d-bf6c-f5c79e61c399" providerId="ADAL" clId="{78398D82-42FB-4F86-8D28-89158DDB111D}" dt="2019-06-18T11:42:56.371" v="2108" actId="1076"/>
-        <pc:sldMkLst>
-          <pc:docMk/>
-          <pc:sldMk cId="97370756" sldId="312"/>
-        </pc:sldMkLst>
-        <pc:spChg chg="mod">
-          <ac:chgData name="Meinen, Nalet Julian (STUDENTS)" userId="6acb7238-8cec-469d-bf6c-f5c79e61c399" providerId="ADAL" clId="{78398D82-42FB-4F86-8D28-89158DDB111D}" dt="2019-06-18T09:28:12.475" v="1358" actId="20577"/>
-          <ac:spMkLst>
-            <pc:docMk/>
-            <pc:sldMk cId="97370756" sldId="312"/>
-            <ac:spMk id="2" creationId="{ECDE0DF9-0D1D-4AF3-9676-A14202C416C8}"/>
-          </ac:spMkLst>
-        </pc:spChg>
-        <pc:spChg chg="mod">
-          <ac:chgData name="Meinen, Nalet Julian (STUDENTS)" userId="6acb7238-8cec-469d-bf6c-f5c79e61c399" providerId="ADAL" clId="{78398D82-42FB-4F86-8D28-89158DDB111D}" dt="2019-06-18T09:28:04.849" v="1333" actId="20577"/>
-          <ac:spMkLst>
-            <pc:docMk/>
-            <pc:sldMk cId="97370756" sldId="312"/>
-            <ac:spMk id="3" creationId="{260DFF55-E8BB-4B21-A365-4B86C46059BD}"/>
-          </ac:spMkLst>
-        </pc:spChg>
-        <pc:spChg chg="add del">
-          <ac:chgData name="Meinen, Nalet Julian (STUDENTS)" userId="6acb7238-8cec-469d-bf6c-f5c79e61c399" providerId="ADAL" clId="{78398D82-42FB-4F86-8D28-89158DDB111D}" dt="2019-06-18T09:29:19.533" v="1361"/>
-          <ac:spMkLst>
-            <pc:docMk/>
-            <pc:sldMk cId="97370756" sldId="312"/>
-            <ac:spMk id="4" creationId="{45ACE638-B184-496E-BEC5-FF6C1B2C9DBD}"/>
-          </ac:spMkLst>
-        </pc:spChg>
-        <pc:picChg chg="add del mod">
-          <ac:chgData name="Meinen, Nalet Julian (STUDENTS)" userId="6acb7238-8cec-469d-bf6c-f5c79e61c399" providerId="ADAL" clId="{78398D82-42FB-4F86-8D28-89158DDB111D}" dt="2019-06-18T09:29:13.861" v="1360"/>
-          <ac:picMkLst>
-            <pc:docMk/>
-            <pc:sldMk cId="97370756" sldId="312"/>
-            <ac:picMk id="5" creationId="{4EF857C0-10CF-4A7F-AF39-32CBDA49C841}"/>
-          </ac:picMkLst>
-        </pc:picChg>
-        <pc:picChg chg="add mod">
-          <ac:chgData name="Meinen, Nalet Julian (STUDENTS)" userId="6acb7238-8cec-469d-bf6c-f5c79e61c399" providerId="ADAL" clId="{78398D82-42FB-4F86-8D28-89158DDB111D}" dt="2019-06-18T09:29:19.533" v="1361"/>
-          <ac:picMkLst>
-            <pc:docMk/>
-            <pc:sldMk cId="97370756" sldId="312"/>
-            <ac:picMk id="6" creationId="{7BFA8063-7367-4E6D-BB55-7060B9D7FD21}"/>
-          </ac:picMkLst>
-        </pc:picChg>
-        <pc:picChg chg="add mod">
-          <ac:chgData name="Meinen, Nalet Julian (STUDENTS)" userId="6acb7238-8cec-469d-bf6c-f5c79e61c399" providerId="ADAL" clId="{78398D82-42FB-4F86-8D28-89158DDB111D}" dt="2019-06-18T11:42:56.371" v="2108" actId="1076"/>
-          <ac:picMkLst>
-            <pc:docMk/>
-            <pc:sldMk cId="97370756" sldId="312"/>
-            <ac:picMk id="7" creationId="{DF620908-E7CC-4675-9E3C-BC5DD1F53443}"/>
-          </ac:picMkLst>
-        </pc:picChg>
-      </pc:sldChg>
-      <pc:sldChg chg="modSp add">
-        <pc:chgData name="Meinen, Nalet Julian (STUDENTS)" userId="6acb7238-8cec-469d-bf6c-f5c79e61c399" providerId="ADAL" clId="{78398D82-42FB-4F86-8D28-89158DDB111D}" dt="2019-06-18T09:31:19.250" v="1563" actId="313"/>
-        <pc:sldMkLst>
-          <pc:docMk/>
-          <pc:sldMk cId="2571683137" sldId="313"/>
-        </pc:sldMkLst>
-        <pc:spChg chg="mod">
-          <ac:chgData name="Meinen, Nalet Julian (STUDENTS)" userId="6acb7238-8cec-469d-bf6c-f5c79e61c399" providerId="ADAL" clId="{78398D82-42FB-4F86-8D28-89158DDB111D}" dt="2019-06-18T09:30:13.217" v="1390" actId="20577"/>
-          <ac:spMkLst>
-            <pc:docMk/>
-            <pc:sldMk cId="2571683137" sldId="313"/>
-            <ac:spMk id="2" creationId="{BE76A265-2C3C-47C3-9A75-A67FCE926B66}"/>
-          </ac:spMkLst>
-        </pc:spChg>
-        <pc:spChg chg="mod">
-          <ac:chgData name="Meinen, Nalet Julian (STUDENTS)" userId="6acb7238-8cec-469d-bf6c-f5c79e61c399" providerId="ADAL" clId="{78398D82-42FB-4F86-8D28-89158DDB111D}" dt="2019-06-18T09:30:07.558" v="1374" actId="20577"/>
-          <ac:spMkLst>
-            <pc:docMk/>
-            <pc:sldMk cId="2571683137" sldId="313"/>
-            <ac:spMk id="3" creationId="{2C30D314-D03C-4190-A658-EE62F108A5C6}"/>
-          </ac:spMkLst>
-        </pc:spChg>
-        <pc:spChg chg="mod">
-          <ac:chgData name="Meinen, Nalet Julian (STUDENTS)" userId="6acb7238-8cec-469d-bf6c-f5c79e61c399" providerId="ADAL" clId="{78398D82-42FB-4F86-8D28-89158DDB111D}" dt="2019-06-18T09:31:19.250" v="1563" actId="313"/>
-          <ac:spMkLst>
-            <pc:docMk/>
-            <pc:sldMk cId="2571683137" sldId="313"/>
-            <ac:spMk id="4" creationId="{93947DA2-B83E-47A5-8F80-24B72C396D34}"/>
-          </ac:spMkLst>
-        </pc:spChg>
-      </pc:sldChg>
-      <pc:sldChg chg="addSp delSp modSp add">
-        <pc:chgData name="Meinen, Nalet Julian (STUDENTS)" userId="6acb7238-8cec-469d-bf6c-f5c79e61c399" providerId="ADAL" clId="{78398D82-42FB-4F86-8D28-89158DDB111D}" dt="2019-06-18T13:18:28.532" v="2146" actId="20577"/>
-        <pc:sldMkLst>
-          <pc:docMk/>
-          <pc:sldMk cId="2738427084" sldId="314"/>
-        </pc:sldMkLst>
-        <pc:spChg chg="mod">
-          <ac:chgData name="Meinen, Nalet Julian (STUDENTS)" userId="6acb7238-8cec-469d-bf6c-f5c79e61c399" providerId="ADAL" clId="{78398D82-42FB-4F86-8D28-89158DDB111D}" dt="2019-06-18T09:31:50.828" v="1585" actId="20577"/>
-          <ac:spMkLst>
-            <pc:docMk/>
-            <pc:sldMk cId="2738427084" sldId="314"/>
-            <ac:spMk id="2" creationId="{26977962-3439-4CAC-9BBF-124A1582DE6F}"/>
-          </ac:spMkLst>
-        </pc:spChg>
-        <pc:spChg chg="mod">
-          <ac:chgData name="Meinen, Nalet Julian (STUDENTS)" userId="6acb7238-8cec-469d-bf6c-f5c79e61c399" providerId="ADAL" clId="{78398D82-42FB-4F86-8D28-89158DDB111D}" dt="2019-06-18T09:31:45.589" v="1573" actId="20577"/>
-          <ac:spMkLst>
-            <pc:docMk/>
-            <pc:sldMk cId="2738427084" sldId="314"/>
-            <ac:spMk id="3" creationId="{08805E09-FDA6-484D-89B8-AB177BF4C8E5}"/>
-          </ac:spMkLst>
-        </pc:spChg>
-        <pc:spChg chg="add del mod">
-          <ac:chgData name="Meinen, Nalet Julian (STUDENTS)" userId="6acb7238-8cec-469d-bf6c-f5c79e61c399" providerId="ADAL" clId="{78398D82-42FB-4F86-8D28-89158DDB111D}" dt="2019-06-18T13:18:28.532" v="2146" actId="20577"/>
-          <ac:spMkLst>
-            <pc:docMk/>
-            <pc:sldMk cId="2738427084" sldId="314"/>
-            <ac:spMk id="4" creationId="{4ED43206-4AD0-4386-BF9E-4A6278FBC09F}"/>
-          </ac:spMkLst>
-        </pc:spChg>
-        <pc:picChg chg="add del mod">
-          <ac:chgData name="Meinen, Nalet Julian (STUDENTS)" userId="6acb7238-8cec-469d-bf6c-f5c79e61c399" providerId="ADAL" clId="{78398D82-42FB-4F86-8D28-89158DDB111D}" dt="2019-06-18T09:34:43.213" v="1614"/>
-          <ac:picMkLst>
-            <pc:docMk/>
-            <pc:sldMk cId="2738427084" sldId="314"/>
-            <ac:picMk id="5" creationId="{2EFD035D-9194-4135-A907-9577C7139BE0}"/>
-          </ac:picMkLst>
-        </pc:picChg>
-        <pc:picChg chg="add mod">
-          <ac:chgData name="Meinen, Nalet Julian (STUDENTS)" userId="6acb7238-8cec-469d-bf6c-f5c79e61c399" providerId="ADAL" clId="{78398D82-42FB-4F86-8D28-89158DDB111D}" dt="2019-06-18T13:15:32.111" v="2144" actId="14100"/>
-          <ac:picMkLst>
-            <pc:docMk/>
-            <pc:sldMk cId="2738427084" sldId="314"/>
-            <ac:picMk id="5" creationId="{C2A8F32B-0813-406E-8FD6-298689F208B8}"/>
-          </ac:picMkLst>
-        </pc:picChg>
-        <pc:picChg chg="add del mod">
-          <ac:chgData name="Meinen, Nalet Julian (STUDENTS)" userId="6acb7238-8cec-469d-bf6c-f5c79e61c399" providerId="ADAL" clId="{78398D82-42FB-4F86-8D28-89158DDB111D}" dt="2019-06-18T09:34:42.619" v="1613"/>
-          <ac:picMkLst>
-            <pc:docMk/>
-            <pc:sldMk cId="2738427084" sldId="314"/>
-            <ac:picMk id="6" creationId="{90C6B38F-2436-415B-9297-3C06CA1AECDD}"/>
-          </ac:picMkLst>
-        </pc:picChg>
-        <pc:picChg chg="add">
-          <ac:chgData name="Meinen, Nalet Julian (STUDENTS)" userId="6acb7238-8cec-469d-bf6c-f5c79e61c399" providerId="ADAL" clId="{78398D82-42FB-4F86-8D28-89158DDB111D}" dt="2019-06-18T09:34:46.909" v="1618"/>
-          <ac:picMkLst>
-            <pc:docMk/>
-            <pc:sldMk cId="2738427084" sldId="314"/>
-            <ac:picMk id="7" creationId="{C39CADAB-CC3C-4EFF-8F88-2E92A74467C4}"/>
-          </ac:picMkLst>
-        </pc:picChg>
-        <pc:picChg chg="add">
-          <ac:chgData name="Meinen, Nalet Julian (STUDENTS)" userId="6acb7238-8cec-469d-bf6c-f5c79e61c399" providerId="ADAL" clId="{78398D82-42FB-4F86-8D28-89158DDB111D}" dt="2019-06-18T09:34:46.909" v="1618"/>
-          <ac:picMkLst>
-            <pc:docMk/>
-            <pc:sldMk cId="2738427084" sldId="314"/>
-            <ac:picMk id="8" creationId="{4003FE4B-726E-44C8-9E11-7A73790B065F}"/>
-          </ac:picMkLst>
-        </pc:picChg>
-      </pc:sldChg>
-      <pc:sldChg chg="addSp delSp modSp add modNotesTx">
-        <pc:chgData name="Meinen, Nalet Julian (STUDENTS)" userId="6acb7238-8cec-469d-bf6c-f5c79e61c399" providerId="ADAL" clId="{78398D82-42FB-4F86-8D28-89158DDB111D}" dt="2019-06-18T10:02:57.422" v="2015" actId="20577"/>
-        <pc:sldMkLst>
-          <pc:docMk/>
-          <pc:sldMk cId="1066787363" sldId="315"/>
-        </pc:sldMkLst>
-        <pc:spChg chg="mod">
-          <ac:chgData name="Meinen, Nalet Julian (STUDENTS)" userId="6acb7238-8cec-469d-bf6c-f5c79e61c399" providerId="ADAL" clId="{78398D82-42FB-4F86-8D28-89158DDB111D}" dt="2019-06-18T09:51:12.544" v="1979" actId="20577"/>
-          <ac:spMkLst>
-            <pc:docMk/>
-            <pc:sldMk cId="1066787363" sldId="315"/>
-            <ac:spMk id="2" creationId="{393C6DFE-5301-4326-A6BE-B40488C78216}"/>
-          </ac:spMkLst>
-        </pc:spChg>
-        <pc:spChg chg="mod">
-          <ac:chgData name="Meinen, Nalet Julian (STUDENTS)" userId="6acb7238-8cec-469d-bf6c-f5c79e61c399" providerId="ADAL" clId="{78398D82-42FB-4F86-8D28-89158DDB111D}" dt="2019-06-18T09:50:06.126" v="1923" actId="20577"/>
-          <ac:spMkLst>
-            <pc:docMk/>
-            <pc:sldMk cId="1066787363" sldId="315"/>
-            <ac:spMk id="3" creationId="{8EEF4A49-DCA4-4428-8FBF-D833BFDB7D78}"/>
-          </ac:spMkLst>
-        </pc:spChg>
-        <pc:spChg chg="del">
-          <ac:chgData name="Meinen, Nalet Julian (STUDENTS)" userId="6acb7238-8cec-469d-bf6c-f5c79e61c399" providerId="ADAL" clId="{78398D82-42FB-4F86-8D28-89158DDB111D}" dt="2019-06-18T09:50:56.516" v="1933"/>
-          <ac:spMkLst>
-            <pc:docMk/>
-            <pc:sldMk cId="1066787363" sldId="315"/>
-            <ac:spMk id="4" creationId="{ABD7BFB7-305A-4684-A3CD-47D63AEE8A9C}"/>
-          </ac:spMkLst>
-        </pc:spChg>
-        <pc:picChg chg="add mod">
-          <ac:chgData name="Meinen, Nalet Julian (STUDENTS)" userId="6acb7238-8cec-469d-bf6c-f5c79e61c399" providerId="ADAL" clId="{78398D82-42FB-4F86-8D28-89158DDB111D}" dt="2019-06-18T09:50:56.516" v="1933"/>
-          <ac:picMkLst>
-            <pc:docMk/>
-            <pc:sldMk cId="1066787363" sldId="315"/>
-            <ac:picMk id="5" creationId="{13BBF1D9-3A59-4524-9BDE-9B78E5156BEA}"/>
-          </ac:picMkLst>
-        </pc:picChg>
-      </pc:sldChg>
-      <pc:sldChg chg="modSp add del">
-        <pc:chgData name="Meinen, Nalet Julian (STUDENTS)" userId="6acb7238-8cec-469d-bf6c-f5c79e61c399" providerId="ADAL" clId="{78398D82-42FB-4F86-8D28-89158DDB111D}" dt="2019-06-18T13:43:05.438" v="2155" actId="2696"/>
-        <pc:sldMkLst>
-          <pc:docMk/>
-          <pc:sldMk cId="2801937006" sldId="316"/>
-        </pc:sldMkLst>
-        <pc:spChg chg="mod">
-          <ac:chgData name="Meinen, Nalet Julian (STUDENTS)" userId="6acb7238-8cec-469d-bf6c-f5c79e61c399" providerId="ADAL" clId="{78398D82-42FB-4F86-8D28-89158DDB111D}" dt="2019-06-18T12:45:02.342" v="2141" actId="20577"/>
-          <ac:spMkLst>
-            <pc:docMk/>
-            <pc:sldMk cId="2801937006" sldId="316"/>
-            <ac:spMk id="2" creationId="{ECDE0DF9-0D1D-4AF3-9676-A14202C416C8}"/>
-          </ac:spMkLst>
-        </pc:spChg>
-        <pc:spChg chg="mod">
-          <ac:chgData name="Meinen, Nalet Julian (STUDENTS)" userId="6acb7238-8cec-469d-bf6c-f5c79e61c399" providerId="ADAL" clId="{78398D82-42FB-4F86-8D28-89158DDB111D}" dt="2019-06-18T12:44:52.732" v="2116" actId="20577"/>
-          <ac:spMkLst>
-            <pc:docMk/>
-            <pc:sldMk cId="2801937006" sldId="316"/>
-            <ac:spMk id="3" creationId="{260DFF55-E8BB-4B21-A365-4B86C46059BD}"/>
-          </ac:spMkLst>
-        </pc:spChg>
-      </pc:sldChg>
-      <pc:sldChg chg="add del">
-        <pc:chgData name="Meinen, Nalet Julian (STUDENTS)" userId="6acb7238-8cec-469d-bf6c-f5c79e61c399" providerId="ADAL" clId="{78398D82-42FB-4F86-8D28-89158DDB111D}" dt="2019-06-18T13:35:24.862" v="2149" actId="2696"/>
-        <pc:sldMkLst>
-          <pc:docMk/>
-          <pc:sldMk cId="4022768136" sldId="317"/>
-        </pc:sldMkLst>
-      </pc:sldChg>
-      <pc:sldChg chg="addSp modSp add">
-        <pc:chgData name="Meinen, Nalet Julian (STUDENTS)" userId="6acb7238-8cec-469d-bf6c-f5c79e61c399" providerId="ADAL" clId="{78398D82-42FB-4F86-8D28-89158DDB111D}" dt="2019-06-18T13:35:58.569" v="2154" actId="1076"/>
-        <pc:sldMkLst>
-          <pc:docMk/>
-          <pc:sldMk cId="3550629950" sldId="318"/>
-        </pc:sldMkLst>
-        <pc:picChg chg="add mod">
-          <ac:chgData name="Meinen, Nalet Julian (STUDENTS)" userId="6acb7238-8cec-469d-bf6c-f5c79e61c399" providerId="ADAL" clId="{78398D82-42FB-4F86-8D28-89158DDB111D}" dt="2019-06-18T13:35:58.569" v="2154" actId="1076"/>
-          <ac:picMkLst>
-            <pc:docMk/>
-            <pc:sldMk cId="3550629950" sldId="318"/>
-            <ac:picMk id="4" creationId="{1B5D07B2-B0AC-4AE1-A200-FC539D90BE3B}"/>
-          </ac:picMkLst>
-        </pc:picChg>
-      </pc:sldChg>
-      <pc:sldMasterChg chg="addSldLayout delSldLayout">
-        <pc:chgData name="Meinen, Nalet Julian (STUDENTS)" userId="6acb7238-8cec-469d-bf6c-f5c79e61c399" providerId="ADAL" clId="{78398D82-42FB-4F86-8D28-89158DDB111D}" dt="2019-06-18T07:30:46.855" v="270" actId="2696"/>
-        <pc:sldMasterMkLst>
-          <pc:docMk/>
-          <pc:sldMasterMk cId="3529454249" sldId="2147483747"/>
-        </pc:sldMasterMkLst>
-        <pc:sldLayoutChg chg="add del">
-          <pc:chgData name="Meinen, Nalet Julian (STUDENTS)" userId="6acb7238-8cec-469d-bf6c-f5c79e61c399" providerId="ADAL" clId="{78398D82-42FB-4F86-8D28-89158DDB111D}" dt="2019-06-18T07:30:46.855" v="270" actId="2696"/>
-          <pc:sldLayoutMkLst>
-            <pc:docMk/>
-            <pc:sldMasterMk cId="3529454249" sldId="2147483747"/>
-            <pc:sldLayoutMk cId="464699045" sldId="2147483751"/>
-          </pc:sldLayoutMkLst>
-        </pc:sldLayoutChg>
-      </pc:sldMasterChg>
-      <pc:sldMasterChg chg="modSldLayout">
-        <pc:chgData name="Meinen, Nalet Julian (STUDENTS)" userId="6acb7238-8cec-469d-bf6c-f5c79e61c399" providerId="ADAL" clId="{78398D82-42FB-4F86-8D28-89158DDB111D}" dt="2019-06-18T08:23:43.046" v="525" actId="2710"/>
-        <pc:sldMasterMkLst>
-          <pc:docMk/>
-          <pc:sldMasterMk cId="106798402" sldId="2147483769"/>
-        </pc:sldMasterMkLst>
-        <pc:sldLayoutChg chg="addSp delSp modSp">
-          <pc:chgData name="Meinen, Nalet Julian (STUDENTS)" userId="6acb7238-8cec-469d-bf6c-f5c79e61c399" providerId="ADAL" clId="{78398D82-42FB-4F86-8D28-89158DDB111D}" dt="2019-06-18T08:23:43.046" v="525" actId="2710"/>
-          <pc:sldLayoutMkLst>
-            <pc:docMk/>
-            <pc:sldMasterMk cId="106798402" sldId="2147483769"/>
-            <pc:sldLayoutMk cId="3313239217" sldId="2147483776"/>
-          </pc:sldLayoutMkLst>
-          <pc:spChg chg="del">
-            <ac:chgData name="Meinen, Nalet Julian (STUDENTS)" userId="6acb7238-8cec-469d-bf6c-f5c79e61c399" providerId="ADAL" clId="{78398D82-42FB-4F86-8D28-89158DDB111D}" dt="2019-06-18T07:50:14.417" v="344" actId="478"/>
-            <ac:spMkLst>
-              <pc:docMk/>
-              <pc:sldMasterMk cId="106798402" sldId="2147483769"/>
-              <pc:sldLayoutMk cId="3313239217" sldId="2147483776"/>
-              <ac:spMk id="6" creationId="{90318CE9-39BE-CB41-9E7E-545A530383E2}"/>
-            </ac:spMkLst>
-          </pc:spChg>
-          <pc:spChg chg="add mod">
-            <ac:chgData name="Meinen, Nalet Julian (STUDENTS)" userId="6acb7238-8cec-469d-bf6c-f5c79e61c399" providerId="ADAL" clId="{78398D82-42FB-4F86-8D28-89158DDB111D}" dt="2019-06-18T08:23:43.046" v="525" actId="2710"/>
-            <ac:spMkLst>
-              <pc:docMk/>
-              <pc:sldMasterMk cId="106798402" sldId="2147483769"/>
-              <pc:sldLayoutMk cId="3313239217" sldId="2147483776"/>
-              <ac:spMk id="8" creationId="{AEED1F4E-4168-41EA-9BAB-5ADA53D6788E}"/>
-            </ac:spMkLst>
-          </pc:spChg>
-        </pc:sldLayoutChg>
-      </pc:sldMasterChg>
-      <pc:sldMasterChg chg="addSp modSp del delSldLayout">
-        <pc:chgData name="Meinen, Nalet Julian (STUDENTS)" userId="6acb7238-8cec-469d-bf6c-f5c79e61c399" providerId="ADAL" clId="{78398D82-42FB-4F86-8D28-89158DDB111D}" dt="2019-06-18T07:52:13.809" v="372" actId="2696"/>
-        <pc:sldMasterMkLst>
-          <pc:docMk/>
-          <pc:sldMasterMk cId="478050618" sldId="2147483777"/>
-        </pc:sldMasterMkLst>
-        <pc:spChg chg="add mod">
-          <ac:chgData name="Meinen, Nalet Julian (STUDENTS)" userId="6acb7238-8cec-469d-bf6c-f5c79e61c399" providerId="ADAL" clId="{78398D82-42FB-4F86-8D28-89158DDB111D}" dt="2019-06-18T07:50:18.954" v="345"/>
-          <ac:spMkLst>
-            <pc:docMk/>
-            <pc:sldMasterMk cId="478050618" sldId="2147483777"/>
-            <ac:spMk id="2" creationId="{66392C57-D730-4E7B-B1F8-1B29F20514DD}"/>
-          </ac:spMkLst>
-        </pc:spChg>
-        <pc:spChg chg="add mod">
-          <ac:chgData name="Meinen, Nalet Julian (STUDENTS)" userId="6acb7238-8cec-469d-bf6c-f5c79e61c399" providerId="ADAL" clId="{78398D82-42FB-4F86-8D28-89158DDB111D}" dt="2019-06-18T07:50:18.954" v="345"/>
-          <ac:spMkLst>
-            <pc:docMk/>
-            <pc:sldMasterMk cId="478050618" sldId="2147483777"/>
-            <ac:spMk id="3" creationId="{A06383E2-3A8E-49FE-BC01-058983B0A0D8}"/>
-          </ac:spMkLst>
-        </pc:spChg>
-        <pc:spChg chg="add mod">
-          <ac:chgData name="Meinen, Nalet Julian (STUDENTS)" userId="6acb7238-8cec-469d-bf6c-f5c79e61c399" providerId="ADAL" clId="{78398D82-42FB-4F86-8D28-89158DDB111D}" dt="2019-06-18T07:50:18.954" v="345"/>
-          <ac:spMkLst>
-            <pc:docMk/>
-            <pc:sldMasterMk cId="478050618" sldId="2147483777"/>
-            <ac:spMk id="4" creationId="{36F00C86-A156-42D3-A87D-CC2775131900}"/>
-          </ac:spMkLst>
-        </pc:spChg>
-        <pc:spChg chg="add mod">
-          <ac:chgData name="Meinen, Nalet Julian (STUDENTS)" userId="6acb7238-8cec-469d-bf6c-f5c79e61c399" providerId="ADAL" clId="{78398D82-42FB-4F86-8D28-89158DDB111D}" dt="2019-06-18T07:50:18.954" v="345"/>
-          <ac:spMkLst>
-            <pc:docMk/>
-            <pc:sldMasterMk cId="478050618" sldId="2147483777"/>
-            <ac:spMk id="5" creationId="{AC2BDBF4-E927-4756-9B7C-19D44CFC87DE}"/>
-          </ac:spMkLst>
-        </pc:spChg>
-        <pc:spChg chg="add mod">
-          <ac:chgData name="Meinen, Nalet Julian (STUDENTS)" userId="6acb7238-8cec-469d-bf6c-f5c79e61c399" providerId="ADAL" clId="{78398D82-42FB-4F86-8D28-89158DDB111D}" dt="2019-06-18T07:50:18.954" v="345"/>
-          <ac:spMkLst>
-            <pc:docMk/>
-            <pc:sldMasterMk cId="478050618" sldId="2147483777"/>
-            <ac:spMk id="6" creationId="{C963E6E5-8F03-495C-90C4-A5FA7F25D908}"/>
-          </ac:spMkLst>
-        </pc:spChg>
-        <pc:sldLayoutChg chg="del">
-          <pc:chgData name="Meinen, Nalet Julian (STUDENTS)" userId="6acb7238-8cec-469d-bf6c-f5c79e61c399" providerId="ADAL" clId="{78398D82-42FB-4F86-8D28-89158DDB111D}" dt="2019-06-18T07:52:13.777" v="361" actId="2696"/>
-          <pc:sldLayoutMkLst>
-            <pc:docMk/>
-            <pc:sldMasterMk cId="478050618" sldId="2147483777"/>
-            <pc:sldLayoutMk cId="1068323043" sldId="2147483778"/>
-          </pc:sldLayoutMkLst>
-        </pc:sldLayoutChg>
-        <pc:sldLayoutChg chg="del">
-          <pc:chgData name="Meinen, Nalet Julian (STUDENTS)" userId="6acb7238-8cec-469d-bf6c-f5c79e61c399" providerId="ADAL" clId="{78398D82-42FB-4F86-8D28-89158DDB111D}" dt="2019-06-18T07:52:13.779" v="362" actId="2696"/>
-          <pc:sldLayoutMkLst>
-            <pc:docMk/>
-            <pc:sldMasterMk cId="478050618" sldId="2147483777"/>
-            <pc:sldLayoutMk cId="402849898" sldId="2147483779"/>
-          </pc:sldLayoutMkLst>
-        </pc:sldLayoutChg>
-        <pc:sldLayoutChg chg="del">
-          <pc:chgData name="Meinen, Nalet Julian (STUDENTS)" userId="6acb7238-8cec-469d-bf6c-f5c79e61c399" providerId="ADAL" clId="{78398D82-42FB-4F86-8D28-89158DDB111D}" dt="2019-06-18T07:52:13.782" v="363" actId="2696"/>
-          <pc:sldLayoutMkLst>
-            <pc:docMk/>
-            <pc:sldMasterMk cId="478050618" sldId="2147483777"/>
-            <pc:sldLayoutMk cId="1219299437" sldId="2147483780"/>
-          </pc:sldLayoutMkLst>
-        </pc:sldLayoutChg>
-        <pc:sldLayoutChg chg="del">
-          <pc:chgData name="Meinen, Nalet Julian (STUDENTS)" userId="6acb7238-8cec-469d-bf6c-f5c79e61c399" providerId="ADAL" clId="{78398D82-42FB-4F86-8D28-89158DDB111D}" dt="2019-06-18T07:52:13.784" v="364" actId="2696"/>
-          <pc:sldLayoutMkLst>
-            <pc:docMk/>
-            <pc:sldMasterMk cId="478050618" sldId="2147483777"/>
-            <pc:sldLayoutMk cId="4250719485" sldId="2147483781"/>
-          </pc:sldLayoutMkLst>
-        </pc:sldLayoutChg>
-        <pc:sldLayoutChg chg="del">
-          <pc:chgData name="Meinen, Nalet Julian (STUDENTS)" userId="6acb7238-8cec-469d-bf6c-f5c79e61c399" providerId="ADAL" clId="{78398D82-42FB-4F86-8D28-89158DDB111D}" dt="2019-06-18T07:52:13.786" v="365" actId="2696"/>
-          <pc:sldLayoutMkLst>
-            <pc:docMk/>
-            <pc:sldMasterMk cId="478050618" sldId="2147483777"/>
-            <pc:sldLayoutMk cId="2815035182" sldId="2147483782"/>
-          </pc:sldLayoutMkLst>
-        </pc:sldLayoutChg>
-        <pc:sldLayoutChg chg="del">
-          <pc:chgData name="Meinen, Nalet Julian (STUDENTS)" userId="6acb7238-8cec-469d-bf6c-f5c79e61c399" providerId="ADAL" clId="{78398D82-42FB-4F86-8D28-89158DDB111D}" dt="2019-06-18T07:52:13.789" v="366" actId="2696"/>
-          <pc:sldLayoutMkLst>
-            <pc:docMk/>
-            <pc:sldMasterMk cId="478050618" sldId="2147483777"/>
-            <pc:sldLayoutMk cId="1743294418" sldId="2147483783"/>
-          </pc:sldLayoutMkLst>
-        </pc:sldLayoutChg>
-        <pc:sldLayoutChg chg="del">
-          <pc:chgData name="Meinen, Nalet Julian (STUDENTS)" userId="6acb7238-8cec-469d-bf6c-f5c79e61c399" providerId="ADAL" clId="{78398D82-42FB-4F86-8D28-89158DDB111D}" dt="2019-06-18T07:52:13.793" v="367" actId="2696"/>
-          <pc:sldLayoutMkLst>
-            <pc:docMk/>
-            <pc:sldMasterMk cId="478050618" sldId="2147483777"/>
-            <pc:sldLayoutMk cId="459215282" sldId="2147483784"/>
-          </pc:sldLayoutMkLst>
-        </pc:sldLayoutChg>
-        <pc:sldLayoutChg chg="del">
-          <pc:chgData name="Meinen, Nalet Julian (STUDENTS)" userId="6acb7238-8cec-469d-bf6c-f5c79e61c399" providerId="ADAL" clId="{78398D82-42FB-4F86-8D28-89158DDB111D}" dt="2019-06-18T07:52:13.796" v="368" actId="2696"/>
-          <pc:sldLayoutMkLst>
-            <pc:docMk/>
-            <pc:sldMasterMk cId="478050618" sldId="2147483777"/>
-            <pc:sldLayoutMk cId="330740139" sldId="2147483785"/>
-          </pc:sldLayoutMkLst>
-        </pc:sldLayoutChg>
-        <pc:sldLayoutChg chg="del">
-          <pc:chgData name="Meinen, Nalet Julian (STUDENTS)" userId="6acb7238-8cec-469d-bf6c-f5c79e61c399" providerId="ADAL" clId="{78398D82-42FB-4F86-8D28-89158DDB111D}" dt="2019-06-18T07:52:13.798" v="369" actId="2696"/>
-          <pc:sldLayoutMkLst>
-            <pc:docMk/>
-            <pc:sldMasterMk cId="478050618" sldId="2147483777"/>
-            <pc:sldLayoutMk cId="3598324557" sldId="2147483786"/>
-          </pc:sldLayoutMkLst>
-        </pc:sldLayoutChg>
-        <pc:sldLayoutChg chg="del">
-          <pc:chgData name="Meinen, Nalet Julian (STUDENTS)" userId="6acb7238-8cec-469d-bf6c-f5c79e61c399" providerId="ADAL" clId="{78398D82-42FB-4F86-8D28-89158DDB111D}" dt="2019-06-18T07:52:13.801" v="370" actId="2696"/>
-          <pc:sldLayoutMkLst>
-            <pc:docMk/>
-            <pc:sldMasterMk cId="478050618" sldId="2147483777"/>
-            <pc:sldLayoutMk cId="1386859144" sldId="2147483787"/>
-          </pc:sldLayoutMkLst>
-        </pc:sldLayoutChg>
-        <pc:sldLayoutChg chg="del">
-          <pc:chgData name="Meinen, Nalet Julian (STUDENTS)" userId="6acb7238-8cec-469d-bf6c-f5c79e61c399" providerId="ADAL" clId="{78398D82-42FB-4F86-8D28-89158DDB111D}" dt="2019-06-18T07:52:13.803" v="371" actId="2696"/>
-          <pc:sldLayoutMkLst>
-            <pc:docMk/>
-            <pc:sldMasterMk cId="478050618" sldId="2147483777"/>
-            <pc:sldLayoutMk cId="2078594154" sldId="2147483788"/>
-          </pc:sldLayoutMkLst>
-        </pc:sldLayoutChg>
-      </pc:sldMasterChg>
-    </pc:docChg>
-  </pc:docChgLst>
-</pc:chgInfo>
+<file path=ppt/charts/chart2.xml><?xml version="1.0" encoding="utf-8"?>
+<c:chartSpace xmlns:c="http://schemas.openxmlformats.org/drawingml/2006/chart" xmlns:a="http://schemas.openxmlformats.org/drawingml/2006/main" xmlns:r="http://schemas.openxmlformats.org/officeDocument/2006/relationships" xmlns:c16r2="http://schemas.microsoft.com/office/drawing/2015/06/chart">
+  <c:date1904 val="0"/>
+  <c:lang val="de-DE"/>
+  <c:roundedCorners val="0"/>
+  <mc:AlternateContent xmlns:mc="http://schemas.openxmlformats.org/markup-compatibility/2006">
+    <mc:Choice xmlns:c14="http://schemas.microsoft.com/office/drawing/2007/8/2/chart" Requires="c14">
+      <c14:style val="102"/>
+    </mc:Choice>
+    <mc:Fallback>
+      <c:style val="2"/>
+    </mc:Fallback>
+  </mc:AlternateContent>
+  <c:chart>
+    <c:autoTitleDeleted val="1"/>
+    <c:plotArea>
+      <c:layout/>
+      <c:lineChart>
+        <c:grouping val="standard"/>
+        <c:varyColors val="0"/>
+        <c:ser>
+          <c:idx val="1"/>
+          <c:order val="1"/>
+          <c:tx>
+            <c:strRef>
+              <c:f>Tabelle1!$F$25</c:f>
+              <c:strCache>
+                <c:ptCount val="1"/>
+                <c:pt idx="0">
+                  <c:v>MinMax</c:v>
+                </c:pt>
+              </c:strCache>
+            </c:strRef>
+          </c:tx>
+          <c:spPr>
+            <a:ln w="25400" cap="rnd">
+              <a:noFill/>
+              <a:round/>
+            </a:ln>
+            <a:effectLst/>
+          </c:spPr>
+          <c:marker>
+            <c:symbol val="circle"/>
+            <c:size val="5"/>
+            <c:spPr>
+              <a:solidFill>
+                <a:schemeClr val="accent2"/>
+              </a:solidFill>
+              <a:ln w="63500">
+                <a:solidFill>
+                  <a:schemeClr val="accent2"/>
+                </a:solidFill>
+              </a:ln>
+              <a:effectLst/>
+            </c:spPr>
+          </c:marker>
+          <c:cat>
+            <c:strRef>
+              <c:f>Tabelle1!$F$35:$F$40</c:f>
+              <c:strCache>
+                <c:ptCount val="6"/>
+                <c:pt idx="0">
+                  <c:v>Amygdala</c:v>
+                </c:pt>
+                <c:pt idx="1">
+                  <c:v>GreyMatter</c:v>
+                </c:pt>
+                <c:pt idx="2">
+                  <c:v>Hippocampus</c:v>
+                </c:pt>
+                <c:pt idx="3">
+                  <c:v>Thalamus</c:v>
+                </c:pt>
+                <c:pt idx="4">
+                  <c:v>WhiteMatter</c:v>
+                </c:pt>
+                <c:pt idx="5">
+                  <c:v>Mean</c:v>
+                </c:pt>
+              </c:strCache>
+            </c:strRef>
+          </c:cat>
+          <c:val>
+            <c:numRef>
+              <c:f>Tabelle1!$H$27:$H$32</c:f>
+              <c:numCache>
+                <c:formatCode>General</c:formatCode>
+                <c:ptCount val="6"/>
+                <c:pt idx="0">
+                  <c:v>-1.4075274309214638</c:v>
+                </c:pt>
+                <c:pt idx="1">
+                  <c:v>2.2525297937896984</c:v>
+                </c:pt>
+                <c:pt idx="2">
+                  <c:v>-0.94911707637237785</c:v>
+                </c:pt>
+                <c:pt idx="3">
+                  <c:v>3.6106479629424668</c:v>
+                </c:pt>
+                <c:pt idx="4">
+                  <c:v>1.3450342087491409</c:v>
+                </c:pt>
+                <c:pt idx="5">
+                  <c:v>0.97031349163749281</c:v>
+                </c:pt>
+              </c:numCache>
+            </c:numRef>
+          </c:val>
+          <c:smooth val="0"/>
+          <c:extLst>
+            <c:ext xmlns:c16="http://schemas.microsoft.com/office/drawing/2014/chart" uri="{C3380CC4-5D6E-409C-BE32-E72D297353CC}">
+              <c16:uniqueId val="{00000000-18B8-48D8-9C2D-1F49E9E4D799}"/>
+            </c:ext>
+          </c:extLst>
+        </c:ser>
+        <c:ser>
+          <c:idx val="2"/>
+          <c:order val="2"/>
+          <c:tx>
+            <c:strRef>
+              <c:f>Tabelle1!$K$25</c:f>
+              <c:strCache>
+                <c:ptCount val="1"/>
+                <c:pt idx="0">
+                  <c:v>Zscore</c:v>
+                </c:pt>
+              </c:strCache>
+            </c:strRef>
+          </c:tx>
+          <c:spPr>
+            <a:ln w="25400" cap="rnd">
+              <a:noFill/>
+              <a:round/>
+            </a:ln>
+            <a:effectLst/>
+          </c:spPr>
+          <c:marker>
+            <c:symbol val="circle"/>
+            <c:size val="5"/>
+            <c:spPr>
+              <a:solidFill>
+                <a:schemeClr val="accent3"/>
+              </a:solidFill>
+              <a:ln w="63500">
+                <a:solidFill>
+                  <a:schemeClr val="accent3"/>
+                </a:solidFill>
+              </a:ln>
+              <a:effectLst/>
+            </c:spPr>
+          </c:marker>
+          <c:cat>
+            <c:strRef>
+              <c:f>Tabelle1!$F$35:$F$40</c:f>
+              <c:strCache>
+                <c:ptCount val="6"/>
+                <c:pt idx="0">
+                  <c:v>Amygdala</c:v>
+                </c:pt>
+                <c:pt idx="1">
+                  <c:v>GreyMatter</c:v>
+                </c:pt>
+                <c:pt idx="2">
+                  <c:v>Hippocampus</c:v>
+                </c:pt>
+                <c:pt idx="3">
+                  <c:v>Thalamus</c:v>
+                </c:pt>
+                <c:pt idx="4">
+                  <c:v>WhiteMatter</c:v>
+                </c:pt>
+                <c:pt idx="5">
+                  <c:v>Mean</c:v>
+                </c:pt>
+              </c:strCache>
+            </c:strRef>
+          </c:cat>
+          <c:val>
+            <c:numRef>
+              <c:f>Tabelle1!$M$27:$M$32</c:f>
+              <c:numCache>
+                <c:formatCode>General</c:formatCode>
+                <c:ptCount val="6"/>
+                <c:pt idx="0">
+                  <c:v>-1.1680870425923082</c:v>
+                </c:pt>
+                <c:pt idx="1">
+                  <c:v>4.0723114161251974</c:v>
+                </c:pt>
+                <c:pt idx="2">
+                  <c:v>7.1205240324794818</c:v>
+                </c:pt>
+                <c:pt idx="3">
+                  <c:v>0.20835765074619958</c:v>
+                </c:pt>
+                <c:pt idx="4">
+                  <c:v>4.0356468506833805</c:v>
+                </c:pt>
+                <c:pt idx="5">
+                  <c:v>2.8537505814883901</c:v>
+                </c:pt>
+              </c:numCache>
+            </c:numRef>
+          </c:val>
+          <c:smooth val="0"/>
+          <c:extLst>
+            <c:ext xmlns:c16="http://schemas.microsoft.com/office/drawing/2014/chart" uri="{C3380CC4-5D6E-409C-BE32-E72D297353CC}">
+              <c16:uniqueId val="{00000001-18B8-48D8-9C2D-1F49E9E4D799}"/>
+            </c:ext>
+          </c:extLst>
+        </c:ser>
+        <c:ser>
+          <c:idx val="3"/>
+          <c:order val="3"/>
+          <c:tx>
+            <c:strRef>
+              <c:f>Tabelle1!$P$25</c:f>
+              <c:strCache>
+                <c:ptCount val="1"/>
+                <c:pt idx="0">
+                  <c:v>HistogramMatching</c:v>
+                </c:pt>
+              </c:strCache>
+            </c:strRef>
+          </c:tx>
+          <c:spPr>
+            <a:ln w="25400" cap="rnd">
+              <a:noFill/>
+              <a:round/>
+            </a:ln>
+            <a:effectLst/>
+          </c:spPr>
+          <c:marker>
+            <c:symbol val="circle"/>
+            <c:size val="5"/>
+            <c:spPr>
+              <a:solidFill>
+                <a:schemeClr val="accent4"/>
+              </a:solidFill>
+              <a:ln w="63500">
+                <a:solidFill>
+                  <a:schemeClr val="accent4"/>
+                </a:solidFill>
+              </a:ln>
+              <a:effectLst/>
+            </c:spPr>
+          </c:marker>
+          <c:cat>
+            <c:strRef>
+              <c:f>Tabelle1!$F$35:$F$40</c:f>
+              <c:strCache>
+                <c:ptCount val="6"/>
+                <c:pt idx="0">
+                  <c:v>Amygdala</c:v>
+                </c:pt>
+                <c:pt idx="1">
+                  <c:v>GreyMatter</c:v>
+                </c:pt>
+                <c:pt idx="2">
+                  <c:v>Hippocampus</c:v>
+                </c:pt>
+                <c:pt idx="3">
+                  <c:v>Thalamus</c:v>
+                </c:pt>
+                <c:pt idx="4">
+                  <c:v>WhiteMatter</c:v>
+                </c:pt>
+                <c:pt idx="5">
+                  <c:v>Mean</c:v>
+                </c:pt>
+              </c:strCache>
+            </c:strRef>
+          </c:cat>
+          <c:val>
+            <c:numRef>
+              <c:f>Tabelle1!$R$27:$R$32</c:f>
+              <c:numCache>
+                <c:formatCode>General</c:formatCode>
+                <c:ptCount val="6"/>
+                <c:pt idx="0">
+                  <c:v>-1.0548544224261664</c:v>
+                </c:pt>
+                <c:pt idx="1">
+                  <c:v>4.039969487250838</c:v>
+                </c:pt>
+                <c:pt idx="2">
+                  <c:v>-2.5229836448919225</c:v>
+                </c:pt>
+                <c:pt idx="3">
+                  <c:v>0.25318384333244931</c:v>
+                </c:pt>
+                <c:pt idx="4">
+                  <c:v>3.1899808433986654</c:v>
+                </c:pt>
+                <c:pt idx="5">
+                  <c:v>0.78105922133277272</c:v>
+                </c:pt>
+              </c:numCache>
+            </c:numRef>
+          </c:val>
+          <c:smooth val="0"/>
+          <c:extLst>
+            <c:ext xmlns:c16="http://schemas.microsoft.com/office/drawing/2014/chart" uri="{C3380CC4-5D6E-409C-BE32-E72D297353CC}">
+              <c16:uniqueId val="{00000002-18B8-48D8-9C2D-1F49E9E4D799}"/>
+            </c:ext>
+          </c:extLst>
+        </c:ser>
+        <c:ser>
+          <c:idx val="4"/>
+          <c:order val="4"/>
+          <c:tx>
+            <c:strRef>
+              <c:f>Tabelle1!$U$25</c:f>
+              <c:strCache>
+                <c:ptCount val="1"/>
+                <c:pt idx="0">
+                  <c:v>FuzzyCmeans</c:v>
+                </c:pt>
+              </c:strCache>
+            </c:strRef>
+          </c:tx>
+          <c:spPr>
+            <a:ln w="25400" cap="rnd">
+              <a:noFill/>
+              <a:round/>
+            </a:ln>
+            <a:effectLst/>
+          </c:spPr>
+          <c:marker>
+            <c:symbol val="circle"/>
+            <c:size val="5"/>
+            <c:spPr>
+              <a:solidFill>
+                <a:schemeClr val="accent5"/>
+              </a:solidFill>
+              <a:ln w="63500">
+                <a:solidFill>
+                  <a:schemeClr val="accent5"/>
+                </a:solidFill>
+              </a:ln>
+              <a:effectLst/>
+            </c:spPr>
+          </c:marker>
+          <c:cat>
+            <c:strRef>
+              <c:f>Tabelle1!$F$35:$F$40</c:f>
+              <c:strCache>
+                <c:ptCount val="6"/>
+                <c:pt idx="0">
+                  <c:v>Amygdala</c:v>
+                </c:pt>
+                <c:pt idx="1">
+                  <c:v>GreyMatter</c:v>
+                </c:pt>
+                <c:pt idx="2">
+                  <c:v>Hippocampus</c:v>
+                </c:pt>
+                <c:pt idx="3">
+                  <c:v>Thalamus</c:v>
+                </c:pt>
+                <c:pt idx="4">
+                  <c:v>WhiteMatter</c:v>
+                </c:pt>
+                <c:pt idx="5">
+                  <c:v>Mean</c:v>
+                </c:pt>
+              </c:strCache>
+            </c:strRef>
+          </c:cat>
+          <c:val>
+            <c:numRef>
+              <c:f>Tabelle1!$W$27:$W$32</c:f>
+              <c:numCache>
+                <c:formatCode>General</c:formatCode>
+                <c:ptCount val="6"/>
+                <c:pt idx="0">
+                  <c:v>4.8190240250449117</c:v>
+                </c:pt>
+                <c:pt idx="1">
+                  <c:v>2.7452110609669562</c:v>
+                </c:pt>
+                <c:pt idx="2">
+                  <c:v>5.797843086461647</c:v>
+                </c:pt>
+                <c:pt idx="3">
+                  <c:v>-5.5282322255797709</c:v>
+                </c:pt>
+                <c:pt idx="4">
+                  <c:v>5.009489358689974</c:v>
+                </c:pt>
+                <c:pt idx="5">
+                  <c:v>2.5686670611167437</c:v>
+                </c:pt>
+              </c:numCache>
+            </c:numRef>
+          </c:val>
+          <c:smooth val="0"/>
+          <c:extLst>
+            <c:ext xmlns:c16="http://schemas.microsoft.com/office/drawing/2014/chart" uri="{C3380CC4-5D6E-409C-BE32-E72D297353CC}">
+              <c16:uniqueId val="{00000003-18B8-48D8-9C2D-1F49E9E4D799}"/>
+            </c:ext>
+          </c:extLst>
+        </c:ser>
+        <c:ser>
+          <c:idx val="5"/>
+          <c:order val="5"/>
+          <c:tx>
+            <c:strRef>
+              <c:f>Tabelle1!$Z$25</c:f>
+              <c:strCache>
+                <c:ptCount val="1"/>
+                <c:pt idx="0">
+                  <c:v>WhiteStripe</c:v>
+                </c:pt>
+              </c:strCache>
+            </c:strRef>
+          </c:tx>
+          <c:spPr>
+            <a:ln w="25400" cap="rnd">
+              <a:noFill/>
+              <a:round/>
+            </a:ln>
+            <a:effectLst/>
+          </c:spPr>
+          <c:marker>
+            <c:symbol val="circle"/>
+            <c:size val="5"/>
+            <c:spPr>
+              <a:solidFill>
+                <a:schemeClr val="accent6"/>
+              </a:solidFill>
+              <a:ln w="63500">
+                <a:solidFill>
+                  <a:schemeClr val="accent6"/>
+                </a:solidFill>
+              </a:ln>
+              <a:effectLst/>
+            </c:spPr>
+          </c:marker>
+          <c:cat>
+            <c:strRef>
+              <c:f>Tabelle1!$F$35:$F$40</c:f>
+              <c:strCache>
+                <c:ptCount val="6"/>
+                <c:pt idx="0">
+                  <c:v>Amygdala</c:v>
+                </c:pt>
+                <c:pt idx="1">
+                  <c:v>GreyMatter</c:v>
+                </c:pt>
+                <c:pt idx="2">
+                  <c:v>Hippocampus</c:v>
+                </c:pt>
+                <c:pt idx="3">
+                  <c:v>Thalamus</c:v>
+                </c:pt>
+                <c:pt idx="4">
+                  <c:v>WhiteMatter</c:v>
+                </c:pt>
+                <c:pt idx="5">
+                  <c:v>Mean</c:v>
+                </c:pt>
+              </c:strCache>
+            </c:strRef>
+          </c:cat>
+          <c:val>
+            <c:numRef>
+              <c:f>Tabelle1!$AB$27:$AB$32</c:f>
+              <c:numCache>
+                <c:formatCode>General</c:formatCode>
+                <c:ptCount val="6"/>
+                <c:pt idx="0">
+                  <c:v>-0.54827589860637238</c:v>
+                </c:pt>
+                <c:pt idx="1">
+                  <c:v>2.3286679234787671</c:v>
+                </c:pt>
+                <c:pt idx="2">
+                  <c:v>3.9489218680048657</c:v>
+                </c:pt>
+                <c:pt idx="3">
+                  <c:v>-6.5691559523191776</c:v>
+                </c:pt>
+                <c:pt idx="4">
+                  <c:v>-0.9557130116027589</c:v>
+                </c:pt>
+                <c:pt idx="5">
+                  <c:v>-0.35911101420893521</c:v>
+                </c:pt>
+              </c:numCache>
+            </c:numRef>
+          </c:val>
+          <c:smooth val="0"/>
+          <c:extLst>
+            <c:ext xmlns:c16="http://schemas.microsoft.com/office/drawing/2014/chart" uri="{C3380CC4-5D6E-409C-BE32-E72D297353CC}">
+              <c16:uniqueId val="{00000004-18B8-48D8-9C2D-1F49E9E4D799}"/>
+            </c:ext>
+          </c:extLst>
+        </c:ser>
+        <c:dLbls>
+          <c:showLegendKey val="0"/>
+          <c:showVal val="0"/>
+          <c:showCatName val="0"/>
+          <c:showSerName val="0"/>
+          <c:showPercent val="0"/>
+          <c:showBubbleSize val="0"/>
+        </c:dLbls>
+        <c:marker val="1"/>
+        <c:smooth val="0"/>
+        <c:axId val="454309632"/>
+        <c:axId val="454307336"/>
+        <c:extLst>
+          <c:ext xmlns:c15="http://schemas.microsoft.com/office/drawing/2012/chart" uri="{02D57815-91ED-43cb-92C2-25804820EDAC}">
+            <c15:filteredLineSeries>
+              <c15:ser>
+                <c:idx val="0"/>
+                <c:order val="0"/>
+                <c:tx>
+                  <c:strRef>
+                    <c:extLst>
+                      <c:ext uri="{02D57815-91ED-43cb-92C2-25804820EDAC}">
+                        <c15:formulaRef>
+                          <c15:sqref>Tabelle1!$B$25:$B$26</c15:sqref>
+                        </c15:formulaRef>
+                      </c:ext>
+                    </c:extLst>
+                    <c:strCache>
+                      <c:ptCount val="2"/>
+                      <c:pt idx="1">
+                        <c:v>VALUE</c:v>
+                      </c:pt>
+                    </c:strCache>
+                  </c:strRef>
+                </c:tx>
+                <c:spPr>
+                  <a:ln w="25400" cap="rnd">
+                    <a:noFill/>
+                    <a:round/>
+                  </a:ln>
+                  <a:effectLst/>
+                </c:spPr>
+                <c:marker>
+                  <c:symbol val="circle"/>
+                  <c:size val="5"/>
+                  <c:spPr>
+                    <a:solidFill>
+                      <a:schemeClr val="accent1"/>
+                    </a:solidFill>
+                    <a:ln w="9525">
+                      <a:solidFill>
+                        <a:schemeClr val="accent1"/>
+                      </a:solidFill>
+                    </a:ln>
+                    <a:effectLst/>
+                  </c:spPr>
+                </c:marker>
+                <c:cat>
+                  <c:strRef>
+                    <c:extLst>
+                      <c:ext uri="{02D57815-91ED-43cb-92C2-25804820EDAC}">
+                        <c15:formulaRef>
+                          <c15:sqref>Tabelle1!$F$35:$F$40</c15:sqref>
+                        </c15:formulaRef>
+                      </c:ext>
+                    </c:extLst>
+                    <c:strCache>
+                      <c:ptCount val="6"/>
+                      <c:pt idx="0">
+                        <c:v>Amygdala</c:v>
+                      </c:pt>
+                      <c:pt idx="1">
+                        <c:v>GreyMatter</c:v>
+                      </c:pt>
+                      <c:pt idx="2">
+                        <c:v>Hippocampus</c:v>
+                      </c:pt>
+                      <c:pt idx="3">
+                        <c:v>Thalamus</c:v>
+                      </c:pt>
+                      <c:pt idx="4">
+                        <c:v>WhiteMatter</c:v>
+                      </c:pt>
+                      <c:pt idx="5">
+                        <c:v>Mean</c:v>
+                      </c:pt>
+                    </c:strCache>
+                  </c:strRef>
+                </c:cat>
+                <c:val>
+                  <c:numRef>
+                    <c:extLst>
+                      <c:ext uri="{02D57815-91ED-43cb-92C2-25804820EDAC}">
+                        <c15:formulaRef>
+                          <c15:sqref>Tabelle1!$B$35:$B$39</c15:sqref>
+                        </c15:formulaRef>
+                      </c:ext>
+                    </c:extLst>
+                    <c:numCache>
+                      <c:formatCode>General</c:formatCode>
+                      <c:ptCount val="5"/>
+                      <c:pt idx="0">
+                        <c:v>18.584873631809899</c:v>
+                      </c:pt>
+                      <c:pt idx="1">
+                        <c:v>5.4109245088060698</c:v>
+                      </c:pt>
+                      <c:pt idx="2">
+                        <c:v>22.308032246326899</c:v>
+                      </c:pt>
+                      <c:pt idx="3">
+                        <c:v>24.576771100945201</c:v>
+                      </c:pt>
+                      <c:pt idx="4">
+                        <c:v>4.9395457378701897</c:v>
+                      </c:pt>
+                    </c:numCache>
+                  </c:numRef>
+                </c:val>
+                <c:smooth val="0"/>
+                <c:extLst>
+                  <c:ext xmlns:c16="http://schemas.microsoft.com/office/drawing/2014/chart" uri="{C3380CC4-5D6E-409C-BE32-E72D297353CC}">
+                    <c16:uniqueId val="{00000005-18B8-48D8-9C2D-1F49E9E4D799}"/>
+                  </c:ext>
+                </c:extLst>
+              </c15:ser>
+            </c15:filteredLineSeries>
+          </c:ext>
+        </c:extLst>
+      </c:lineChart>
+      <c:catAx>
+        <c:axId val="454309632"/>
+        <c:scaling>
+          <c:orientation val="minMax"/>
+        </c:scaling>
+        <c:delete val="0"/>
+        <c:axPos val="b"/>
+        <c:numFmt formatCode="General" sourceLinked="1"/>
+        <c:majorTickMark val="none"/>
+        <c:minorTickMark val="none"/>
+        <c:tickLblPos val="nextTo"/>
+        <c:spPr>
+          <a:noFill/>
+          <a:ln w="9525" cap="flat" cmpd="sng" algn="ctr">
+            <a:solidFill>
+              <a:schemeClr val="tx1">
+                <a:lumMod val="15000"/>
+                <a:lumOff val="85000"/>
+              </a:schemeClr>
+            </a:solidFill>
+            <a:round/>
+          </a:ln>
+          <a:effectLst/>
+        </c:spPr>
+        <c:txPr>
+          <a:bodyPr rot="-60000000" spcFirstLastPara="1" vertOverflow="ellipsis" vert="horz" wrap="square" anchor="b" anchorCtr="1"/>
+          <a:lstStyle/>
+          <a:p>
+            <a:pPr algn="ctr">
+              <a:defRPr lang="en-US" sz="1050" b="1" i="0" u="none" strike="noStrike" kern="1200" baseline="0">
+                <a:solidFill>
+                  <a:schemeClr val="tx1">
+                    <a:lumMod val="65000"/>
+                    <a:lumOff val="35000"/>
+                  </a:schemeClr>
+                </a:solidFill>
+                <a:latin typeface="+mn-lt"/>
+                <a:ea typeface="+mn-ea"/>
+                <a:cs typeface="+mn-cs"/>
+              </a:defRPr>
+            </a:pPr>
+            <a:endParaRPr lang="de-DE"/>
+          </a:p>
+        </c:txPr>
+        <c:crossAx val="454307336"/>
+        <c:crosses val="autoZero"/>
+        <c:auto val="1"/>
+        <c:lblAlgn val="ctr"/>
+        <c:lblOffset val="100"/>
+        <c:noMultiLvlLbl val="0"/>
+      </c:catAx>
+      <c:valAx>
+        <c:axId val="454307336"/>
+        <c:scaling>
+          <c:orientation val="minMax"/>
+        </c:scaling>
+        <c:delete val="0"/>
+        <c:axPos val="l"/>
+        <c:majorGridlines>
+          <c:spPr>
+            <a:ln w="9525" cap="flat" cmpd="sng" algn="ctr">
+              <a:solidFill>
+                <a:schemeClr val="tx1">
+                  <a:lumMod val="15000"/>
+                  <a:lumOff val="85000"/>
+                </a:schemeClr>
+              </a:solidFill>
+              <a:round/>
+            </a:ln>
+            <a:effectLst/>
+          </c:spPr>
+        </c:majorGridlines>
+        <c:title>
+          <c:tx>
+            <c:rich>
+              <a:bodyPr rot="-5400000" spcFirstLastPara="1" vertOverflow="ellipsis" vert="horz" wrap="square" anchor="ctr" anchorCtr="1"/>
+              <a:lstStyle/>
+              <a:p>
+                <a:pPr algn="ctr" rtl="0">
+                  <a:defRPr lang="en-GB" sz="1200" b="1" i="0" u="none" strike="noStrike" kern="1200" baseline="0">
+                    <a:solidFill>
+                      <a:sysClr val="windowText" lastClr="000000">
+                        <a:lumMod val="65000"/>
+                        <a:lumOff val="35000"/>
+                      </a:sysClr>
+                    </a:solidFill>
+                    <a:latin typeface="+mn-lt"/>
+                    <a:ea typeface="+mn-ea"/>
+                    <a:cs typeface="+mn-cs"/>
+                  </a:defRPr>
+                </a:pPr>
+                <a:r>
+                  <a:rPr lang="en-GB" sz="1200" b="1" i="0" u="none" strike="noStrike" kern="1200" baseline="0">
+                    <a:solidFill>
+                      <a:sysClr val="windowText" lastClr="000000">
+                        <a:lumMod val="65000"/>
+                        <a:lumOff val="35000"/>
+                      </a:sysClr>
+                    </a:solidFill>
+                    <a:latin typeface="+mn-lt"/>
+                    <a:ea typeface="+mn-ea"/>
+                    <a:cs typeface="+mn-cs"/>
+                  </a:rPr>
+                  <a:t>Improvement [%]</a:t>
+                </a:r>
+              </a:p>
+            </c:rich>
+          </c:tx>
+          <c:overlay val="0"/>
+          <c:spPr>
+            <a:noFill/>
+            <a:ln>
+              <a:noFill/>
+            </a:ln>
+            <a:effectLst/>
+          </c:spPr>
+          <c:txPr>
+            <a:bodyPr rot="-5400000" spcFirstLastPara="1" vertOverflow="ellipsis" vert="horz" wrap="square" anchor="ctr" anchorCtr="1"/>
+            <a:lstStyle/>
+            <a:p>
+              <a:pPr algn="ctr" rtl="0">
+                <a:defRPr lang="en-GB" sz="1200" b="1" i="0" u="none" strike="noStrike" kern="1200" baseline="0">
+                  <a:solidFill>
+                    <a:sysClr val="windowText" lastClr="000000">
+                      <a:lumMod val="65000"/>
+                      <a:lumOff val="35000"/>
+                    </a:sysClr>
+                  </a:solidFill>
+                  <a:latin typeface="+mn-lt"/>
+                  <a:ea typeface="+mn-ea"/>
+                  <a:cs typeface="+mn-cs"/>
+                </a:defRPr>
+              </a:pPr>
+              <a:endParaRPr lang="de-DE"/>
+            </a:p>
+          </c:txPr>
+        </c:title>
+        <c:numFmt formatCode="General" sourceLinked="1"/>
+        <c:majorTickMark val="none"/>
+        <c:minorTickMark val="none"/>
+        <c:tickLblPos val="nextTo"/>
+        <c:spPr>
+          <a:noFill/>
+          <a:ln>
+            <a:noFill/>
+          </a:ln>
+          <a:effectLst/>
+        </c:spPr>
+        <c:txPr>
+          <a:bodyPr rot="-60000000" spcFirstLastPara="1" vertOverflow="ellipsis" vert="horz" wrap="square" anchor="ctr" anchorCtr="1"/>
+          <a:lstStyle/>
+          <a:p>
+            <a:pPr>
+              <a:defRPr lang="en-US" sz="1000" b="0" i="0" u="none" strike="noStrike" kern="1200" baseline="0">
+                <a:solidFill>
+                  <a:schemeClr val="tx1"/>
+                </a:solidFill>
+                <a:latin typeface="+mn-lt"/>
+                <a:ea typeface="+mn-ea"/>
+                <a:cs typeface="+mn-cs"/>
+              </a:defRPr>
+            </a:pPr>
+            <a:endParaRPr lang="de-DE"/>
+          </a:p>
+        </c:txPr>
+        <c:crossAx val="454309632"/>
+        <c:crosses val="autoZero"/>
+        <c:crossBetween val="between"/>
+      </c:valAx>
+      <c:spPr>
+        <a:noFill/>
+        <a:ln>
+          <a:noFill/>
+        </a:ln>
+        <a:effectLst/>
+      </c:spPr>
+    </c:plotArea>
+    <c:legend>
+      <c:legendPos val="r"/>
+      <c:overlay val="0"/>
+      <c:spPr>
+        <a:noFill/>
+        <a:ln>
+          <a:noFill/>
+        </a:ln>
+        <a:effectLst/>
+      </c:spPr>
+      <c:txPr>
+        <a:bodyPr rot="0" spcFirstLastPara="1" vertOverflow="ellipsis" vert="horz" wrap="square" anchor="ctr" anchorCtr="1"/>
+        <a:lstStyle/>
+        <a:p>
+          <a:pPr>
+            <a:defRPr lang="en-US" sz="1100" b="1" i="0" u="none" strike="noStrike" kern="1200" baseline="0">
+              <a:solidFill>
+                <a:schemeClr val="tx1">
+                  <a:lumMod val="65000"/>
+                  <a:lumOff val="35000"/>
+                </a:schemeClr>
+              </a:solidFill>
+              <a:latin typeface="+mn-lt"/>
+              <a:ea typeface="+mn-ea"/>
+              <a:cs typeface="+mn-cs"/>
+            </a:defRPr>
+          </a:pPr>
+          <a:endParaRPr lang="de-DE"/>
+        </a:p>
+      </c:txPr>
+    </c:legend>
+    <c:plotVisOnly val="1"/>
+    <c:dispBlanksAs val="gap"/>
+    <c:extLst>
+      <c:ext xmlns:c16r3="http://schemas.microsoft.com/office/drawing/2017/03/chart" uri="{56B9EC1D-385E-4148-901F-78D8002777C0}">
+        <c16r3:dataDisplayOptions16>
+          <c16r3:dispNaAsBlank val="1"/>
+        </c16r3:dataDisplayOptions16>
+      </c:ext>
+    </c:extLst>
+    <c:showDLblsOverMax val="0"/>
+  </c:chart>
+  <c:spPr>
+    <a:noFill/>
+    <a:ln>
+      <a:noFill/>
+    </a:ln>
+    <a:effectLst/>
+  </c:spPr>
+  <c:txPr>
+    <a:bodyPr/>
+    <a:lstStyle/>
+    <a:p>
+      <a:pPr>
+        <a:defRPr lang="en-US" sz="1000" b="0" i="0" u="none" strike="noStrike" kern="1200" baseline="0">
+          <a:solidFill>
+            <a:schemeClr val="tx1"/>
+          </a:solidFill>
+          <a:latin typeface="+mn-lt"/>
+          <a:ea typeface="+mn-ea"/>
+          <a:cs typeface="+mn-cs"/>
+        </a:defRPr>
+      </a:pPr>
+      <a:endParaRPr lang="de-DE"/>
+    </a:p>
+  </c:txPr>
+  <c:externalData r:id="rId3">
+    <c:autoUpdate val="0"/>
+  </c:externalData>
+</c:chartSpace>
+</file>
+
+<file path=ppt/charts/chart3.xml><?xml version="1.0" encoding="utf-8"?>
+<c:chartSpace xmlns:c="http://schemas.openxmlformats.org/drawingml/2006/chart" xmlns:a="http://schemas.openxmlformats.org/drawingml/2006/main" xmlns:r="http://schemas.openxmlformats.org/officeDocument/2006/relationships" xmlns:c16r2="http://schemas.microsoft.com/office/drawing/2015/06/chart">
+  <c:date1904 val="0"/>
+  <c:lang val="de-DE"/>
+  <c:roundedCorners val="0"/>
+  <mc:AlternateContent xmlns:mc="http://schemas.openxmlformats.org/markup-compatibility/2006">
+    <mc:Choice xmlns:c14="http://schemas.microsoft.com/office/drawing/2007/8/2/chart" Requires="c14">
+      <c14:style val="102"/>
+    </mc:Choice>
+    <mc:Fallback>
+      <c:style val="2"/>
+    </mc:Fallback>
+  </mc:AlternateContent>
+  <c:chart>
+    <c:autoTitleDeleted val="1"/>
+    <c:plotArea>
+      <c:layout/>
+      <c:lineChart>
+        <c:grouping val="standard"/>
+        <c:varyColors val="0"/>
+        <c:ser>
+          <c:idx val="0"/>
+          <c:order val="0"/>
+          <c:tx>
+            <c:strRef>
+              <c:f>Tabelle1!$A$25</c:f>
+              <c:strCache>
+                <c:ptCount val="1"/>
+                <c:pt idx="0">
+                  <c:v>No Normailization</c:v>
+                </c:pt>
+              </c:strCache>
+            </c:strRef>
+          </c:tx>
+          <c:spPr>
+            <a:ln w="25400" cap="rnd">
+              <a:noFill/>
+              <a:round/>
+            </a:ln>
+            <a:effectLst/>
+          </c:spPr>
+          <c:marker>
+            <c:symbol val="circle"/>
+            <c:size val="5"/>
+            <c:spPr>
+              <a:solidFill>
+                <a:schemeClr val="tx1"/>
+              </a:solidFill>
+              <a:ln w="63500">
+                <a:solidFill>
+                  <a:schemeClr val="tx1"/>
+                </a:solidFill>
+              </a:ln>
+              <a:effectLst/>
+            </c:spPr>
+          </c:marker>
+          <c:cat>
+            <c:strRef>
+              <c:f>Tabelle1!$A$27:$A$31</c:f>
+              <c:strCache>
+                <c:ptCount val="5"/>
+                <c:pt idx="0">
+                  <c:v>Amygdala</c:v>
+                </c:pt>
+                <c:pt idx="1">
+                  <c:v>GreyMatter</c:v>
+                </c:pt>
+                <c:pt idx="2">
+                  <c:v>Hippocampus</c:v>
+                </c:pt>
+                <c:pt idx="3">
+                  <c:v>Thalamus</c:v>
+                </c:pt>
+                <c:pt idx="4">
+                  <c:v>WhiteMatter</c:v>
+                </c:pt>
+              </c:strCache>
+            </c:strRef>
+          </c:cat>
+          <c:val>
+            <c:numRef>
+              <c:f>Tabelle1!$B$35:$B$39</c:f>
+              <c:numCache>
+                <c:formatCode>General</c:formatCode>
+                <c:ptCount val="5"/>
+                <c:pt idx="0">
+                  <c:v>18.584873631809899</c:v>
+                </c:pt>
+                <c:pt idx="1">
+                  <c:v>5.4109245088060698</c:v>
+                </c:pt>
+                <c:pt idx="2">
+                  <c:v>22.308032246326899</c:v>
+                </c:pt>
+                <c:pt idx="3">
+                  <c:v>24.576771100945201</c:v>
+                </c:pt>
+                <c:pt idx="4">
+                  <c:v>4.9395457378701897</c:v>
+                </c:pt>
+              </c:numCache>
+            </c:numRef>
+          </c:val>
+          <c:smooth val="0"/>
+          <c:extLst>
+            <c:ext xmlns:c16="http://schemas.microsoft.com/office/drawing/2014/chart" uri="{C3380CC4-5D6E-409C-BE32-E72D297353CC}">
+              <c16:uniqueId val="{00000000-01E2-4088-A341-5DAD31233508}"/>
+            </c:ext>
+          </c:extLst>
+        </c:ser>
+        <c:ser>
+          <c:idx val="1"/>
+          <c:order val="1"/>
+          <c:tx>
+            <c:strRef>
+              <c:f>Tabelle1!$F$25</c:f>
+              <c:strCache>
+                <c:ptCount val="1"/>
+                <c:pt idx="0">
+                  <c:v>MinMax</c:v>
+                </c:pt>
+              </c:strCache>
+            </c:strRef>
+          </c:tx>
+          <c:spPr>
+            <a:ln w="25400" cap="rnd">
+              <a:noFill/>
+              <a:round/>
+            </a:ln>
+            <a:effectLst/>
+          </c:spPr>
+          <c:marker>
+            <c:symbol val="circle"/>
+            <c:size val="5"/>
+            <c:spPr>
+              <a:solidFill>
+                <a:schemeClr val="accent2"/>
+              </a:solidFill>
+              <a:ln w="63500">
+                <a:solidFill>
+                  <a:schemeClr val="accent2"/>
+                </a:solidFill>
+              </a:ln>
+              <a:effectLst/>
+            </c:spPr>
+          </c:marker>
+          <c:val>
+            <c:numRef>
+              <c:f>Tabelle1!$G$35:$G$39</c:f>
+              <c:numCache>
+                <c:formatCode>General</c:formatCode>
+                <c:ptCount val="5"/>
+                <c:pt idx="0">
+                  <c:v>17.452333944031501</c:v>
+                </c:pt>
+                <c:pt idx="1">
+                  <c:v>5.0444051312021596</c:v>
+                </c:pt>
+                <c:pt idx="2">
+                  <c:v>20.426850787886899</c:v>
+                </c:pt>
+                <c:pt idx="3">
+                  <c:v>21.042868459493299</c:v>
+                </c:pt>
+                <c:pt idx="4">
+                  <c:v>5.5318996555595703</c:v>
+                </c:pt>
+              </c:numCache>
+            </c:numRef>
+          </c:val>
+          <c:smooth val="0"/>
+          <c:extLst>
+            <c:ext xmlns:c16="http://schemas.microsoft.com/office/drawing/2014/chart" uri="{C3380CC4-5D6E-409C-BE32-E72D297353CC}">
+              <c16:uniqueId val="{00000001-01E2-4088-A341-5DAD31233508}"/>
+            </c:ext>
+          </c:extLst>
+        </c:ser>
+        <c:ser>
+          <c:idx val="2"/>
+          <c:order val="2"/>
+          <c:tx>
+            <c:strRef>
+              <c:f>Tabelle1!$K$25</c:f>
+              <c:strCache>
+                <c:ptCount val="1"/>
+                <c:pt idx="0">
+                  <c:v>Zscore</c:v>
+                </c:pt>
+              </c:strCache>
+            </c:strRef>
+          </c:tx>
+          <c:spPr>
+            <a:ln w="25400" cap="rnd">
+              <a:noFill/>
+              <a:round/>
+            </a:ln>
+            <a:effectLst/>
+          </c:spPr>
+          <c:marker>
+            <c:symbol val="circle"/>
+            <c:size val="5"/>
+            <c:spPr>
+              <a:solidFill>
+                <a:schemeClr val="accent3"/>
+              </a:solidFill>
+              <a:ln w="63500">
+                <a:solidFill>
+                  <a:schemeClr val="accent3"/>
+                </a:solidFill>
+              </a:ln>
+              <a:effectLst/>
+            </c:spPr>
+          </c:marker>
+          <c:val>
+            <c:numRef>
+              <c:f>Tabelle1!$L$35:$L$39</c:f>
+              <c:numCache>
+                <c:formatCode>General</c:formatCode>
+                <c:ptCount val="5"/>
+                <c:pt idx="0">
+                  <c:v>15.8159946486105</c:v>
+                </c:pt>
+                <c:pt idx="1">
+                  <c:v>4.6017028685912003</c:v>
+                </c:pt>
+                <c:pt idx="2">
+                  <c:v>20.650737236982</c:v>
+                </c:pt>
+                <c:pt idx="3">
+                  <c:v>39.2713880608338</c:v>
+                </c:pt>
+                <c:pt idx="4">
+                  <c:v>4.2401624165051999</c:v>
+                </c:pt>
+              </c:numCache>
+            </c:numRef>
+          </c:val>
+          <c:smooth val="0"/>
+          <c:extLst>
+            <c:ext xmlns:c16="http://schemas.microsoft.com/office/drawing/2014/chart" uri="{C3380CC4-5D6E-409C-BE32-E72D297353CC}">
+              <c16:uniqueId val="{00000002-01E2-4088-A341-5DAD31233508}"/>
+            </c:ext>
+          </c:extLst>
+        </c:ser>
+        <c:ser>
+          <c:idx val="3"/>
+          <c:order val="3"/>
+          <c:tx>
+            <c:strRef>
+              <c:f>Tabelle1!$P$25</c:f>
+              <c:strCache>
+                <c:ptCount val="1"/>
+                <c:pt idx="0">
+                  <c:v>HistogramMatching</c:v>
+                </c:pt>
+              </c:strCache>
+            </c:strRef>
+          </c:tx>
+          <c:spPr>
+            <a:ln w="25400" cap="rnd">
+              <a:noFill/>
+              <a:round/>
+            </a:ln>
+            <a:effectLst/>
+          </c:spPr>
+          <c:marker>
+            <c:symbol val="circle"/>
+            <c:size val="5"/>
+            <c:spPr>
+              <a:solidFill>
+                <a:schemeClr val="accent4"/>
+              </a:solidFill>
+              <a:ln w="63500">
+                <a:solidFill>
+                  <a:schemeClr val="accent4"/>
+                </a:solidFill>
+              </a:ln>
+              <a:effectLst/>
+            </c:spPr>
+          </c:marker>
+          <c:val>
+            <c:numRef>
+              <c:f>Tabelle1!$Q$35:$Q$39</c:f>
+              <c:numCache>
+                <c:formatCode>General</c:formatCode>
+                <c:ptCount val="5"/>
+                <c:pt idx="0">
+                  <c:v>17.634165869606001</c:v>
+                </c:pt>
+                <c:pt idx="1">
+                  <c:v>4.3167370877009201</c:v>
+                </c:pt>
+                <c:pt idx="2">
+                  <c:v>24.730909863014201</c:v>
+                </c:pt>
+                <c:pt idx="3">
+                  <c:v>32.9383308359889</c:v>
+                </c:pt>
+                <c:pt idx="4">
+                  <c:v>4.52388269755712</c:v>
+                </c:pt>
+              </c:numCache>
+            </c:numRef>
+          </c:val>
+          <c:smooth val="0"/>
+          <c:extLst>
+            <c:ext xmlns:c16="http://schemas.microsoft.com/office/drawing/2014/chart" uri="{C3380CC4-5D6E-409C-BE32-E72D297353CC}">
+              <c16:uniqueId val="{00000003-01E2-4088-A341-5DAD31233508}"/>
+            </c:ext>
+          </c:extLst>
+        </c:ser>
+        <c:ser>
+          <c:idx val="4"/>
+          <c:order val="4"/>
+          <c:tx>
+            <c:strRef>
+              <c:f>Tabelle1!$U$25</c:f>
+              <c:strCache>
+                <c:ptCount val="1"/>
+                <c:pt idx="0">
+                  <c:v>FuzzyCmeans</c:v>
+                </c:pt>
+              </c:strCache>
+            </c:strRef>
+          </c:tx>
+          <c:spPr>
+            <a:ln w="25400" cap="rnd">
+              <a:noFill/>
+              <a:round/>
+            </a:ln>
+            <a:effectLst/>
+          </c:spPr>
+          <c:marker>
+            <c:symbol val="circle"/>
+            <c:size val="5"/>
+            <c:spPr>
+              <a:solidFill>
+                <a:schemeClr val="accent5"/>
+              </a:solidFill>
+              <a:ln w="63500">
+                <a:solidFill>
+                  <a:schemeClr val="accent5"/>
+                </a:solidFill>
+              </a:ln>
+              <a:effectLst/>
+            </c:spPr>
+          </c:marker>
+          <c:val>
+            <c:numRef>
+              <c:f>Tabelle1!$V$35:$V$39</c:f>
+              <c:numCache>
+                <c:formatCode>General</c:formatCode>
+                <c:ptCount val="5"/>
+                <c:pt idx="0">
+                  <c:v>17.463679125056501</c:v>
+                </c:pt>
+                <c:pt idx="1">
+                  <c:v>4.8018352230427697</c:v>
+                </c:pt>
+                <c:pt idx="2">
+                  <c:v>20.353579260186699</c:v>
+                </c:pt>
+                <c:pt idx="3">
+                  <c:v>41.405244685245997</c:v>
+                </c:pt>
+                <c:pt idx="4">
+                  <c:v>4.0114704755647796</c:v>
+                </c:pt>
+              </c:numCache>
+            </c:numRef>
+          </c:val>
+          <c:smooth val="0"/>
+          <c:extLst>
+            <c:ext xmlns:c16="http://schemas.microsoft.com/office/drawing/2014/chart" uri="{C3380CC4-5D6E-409C-BE32-E72D297353CC}">
+              <c16:uniqueId val="{00000004-01E2-4088-A341-5DAD31233508}"/>
+            </c:ext>
+          </c:extLst>
+        </c:ser>
+        <c:ser>
+          <c:idx val="5"/>
+          <c:order val="5"/>
+          <c:tx>
+            <c:strRef>
+              <c:f>Tabelle1!$Z$25</c:f>
+              <c:strCache>
+                <c:ptCount val="1"/>
+                <c:pt idx="0">
+                  <c:v>WhiteStripe</c:v>
+                </c:pt>
+              </c:strCache>
+            </c:strRef>
+          </c:tx>
+          <c:spPr>
+            <a:ln w="25400" cap="rnd">
+              <a:noFill/>
+              <a:round/>
+            </a:ln>
+            <a:effectLst/>
+          </c:spPr>
+          <c:marker>
+            <c:symbol val="circle"/>
+            <c:size val="5"/>
+            <c:spPr>
+              <a:solidFill>
+                <a:schemeClr val="accent6"/>
+              </a:solidFill>
+              <a:ln w="63500">
+                <a:solidFill>
+                  <a:schemeClr val="accent6"/>
+                </a:solidFill>
+              </a:ln>
+              <a:effectLst/>
+            </c:spPr>
+          </c:marker>
+          <c:val>
+            <c:numRef>
+              <c:f>Tabelle1!$AA$35:$AA$39</c:f>
+              <c:numCache>
+                <c:formatCode>General</c:formatCode>
+                <c:ptCount val="5"/>
+                <c:pt idx="0">
+                  <c:v>20.101998735383098</c:v>
+                </c:pt>
+                <c:pt idx="1">
+                  <c:v>4.7761949870707596</c:v>
+                </c:pt>
+                <c:pt idx="2">
+                  <c:v>22.240401758548099</c:v>
+                </c:pt>
+                <c:pt idx="3">
+                  <c:v>38.194961504858597</c:v>
+                </c:pt>
+                <c:pt idx="4">
+                  <c:v>4.3943217819702998</c:v>
+                </c:pt>
+              </c:numCache>
+            </c:numRef>
+          </c:val>
+          <c:smooth val="0"/>
+          <c:extLst>
+            <c:ext xmlns:c16="http://schemas.microsoft.com/office/drawing/2014/chart" uri="{C3380CC4-5D6E-409C-BE32-E72D297353CC}">
+              <c16:uniqueId val="{00000005-01E2-4088-A341-5DAD31233508}"/>
+            </c:ext>
+          </c:extLst>
+        </c:ser>
+        <c:dLbls>
+          <c:showLegendKey val="0"/>
+          <c:showVal val="0"/>
+          <c:showCatName val="0"/>
+          <c:showSerName val="0"/>
+          <c:showPercent val="0"/>
+          <c:showBubbleSize val="0"/>
+        </c:dLbls>
+        <c:marker val="1"/>
+        <c:smooth val="0"/>
+        <c:axId val="454309632"/>
+        <c:axId val="454307336"/>
+      </c:lineChart>
+      <c:catAx>
+        <c:axId val="454309632"/>
+        <c:scaling>
+          <c:orientation val="minMax"/>
+        </c:scaling>
+        <c:delete val="0"/>
+        <c:axPos val="b"/>
+        <c:numFmt formatCode="General" sourceLinked="1"/>
+        <c:majorTickMark val="none"/>
+        <c:minorTickMark val="none"/>
+        <c:tickLblPos val="nextTo"/>
+        <c:spPr>
+          <a:noFill/>
+          <a:ln w="9525" cap="flat" cmpd="sng" algn="ctr">
+            <a:solidFill>
+              <a:schemeClr val="tx1">
+                <a:lumMod val="15000"/>
+                <a:lumOff val="85000"/>
+              </a:schemeClr>
+            </a:solidFill>
+            <a:round/>
+          </a:ln>
+          <a:effectLst/>
+        </c:spPr>
+        <c:txPr>
+          <a:bodyPr rot="-60000000" spcFirstLastPara="1" vertOverflow="ellipsis" vert="horz" wrap="square" anchor="ctr" anchorCtr="1"/>
+          <a:lstStyle/>
+          <a:p>
+            <a:pPr algn="ctr">
+              <a:defRPr lang="en-US" sz="1050" b="1" i="0" u="none" strike="noStrike" kern="1200" baseline="0">
+                <a:solidFill>
+                  <a:schemeClr val="tx1">
+                    <a:lumMod val="65000"/>
+                    <a:lumOff val="35000"/>
+                  </a:schemeClr>
+                </a:solidFill>
+                <a:latin typeface="+mn-lt"/>
+                <a:ea typeface="+mn-ea"/>
+                <a:cs typeface="+mn-cs"/>
+              </a:defRPr>
+            </a:pPr>
+            <a:endParaRPr lang="de-DE"/>
+          </a:p>
+        </c:txPr>
+        <c:crossAx val="454307336"/>
+        <c:crosses val="autoZero"/>
+        <c:auto val="1"/>
+        <c:lblAlgn val="ctr"/>
+        <c:lblOffset val="100"/>
+        <c:noMultiLvlLbl val="0"/>
+      </c:catAx>
+      <c:valAx>
+        <c:axId val="454307336"/>
+        <c:scaling>
+          <c:orientation val="minMax"/>
+        </c:scaling>
+        <c:delete val="0"/>
+        <c:axPos val="l"/>
+        <c:majorGridlines>
+          <c:spPr>
+            <a:ln w="9525" cap="flat" cmpd="sng" algn="ctr">
+              <a:solidFill>
+                <a:schemeClr val="tx1">
+                  <a:lumMod val="15000"/>
+                  <a:lumOff val="85000"/>
+                </a:schemeClr>
+              </a:solidFill>
+              <a:round/>
+            </a:ln>
+            <a:effectLst/>
+          </c:spPr>
+        </c:majorGridlines>
+        <c:title>
+          <c:tx>
+            <c:rich>
+              <a:bodyPr rot="-5400000" spcFirstLastPara="1" vertOverflow="ellipsis" vert="horz" wrap="square" anchor="ctr" anchorCtr="1"/>
+              <a:lstStyle/>
+              <a:p>
+                <a:pPr algn="ctr" rtl="0">
+                  <a:defRPr lang="en-GB" sz="1200" b="1" i="0" u="none" strike="noStrike" kern="1200" baseline="0">
+                    <a:solidFill>
+                      <a:sysClr val="windowText" lastClr="000000">
+                        <a:lumMod val="65000"/>
+                        <a:lumOff val="35000"/>
+                      </a:sysClr>
+                    </a:solidFill>
+                    <a:latin typeface="+mn-lt"/>
+                    <a:ea typeface="+mn-ea"/>
+                    <a:cs typeface="+mn-cs"/>
+                  </a:defRPr>
+                </a:pPr>
+                <a:r>
+                  <a:rPr lang="en-GB" sz="1200" b="1" i="0" u="none" strike="noStrike" kern="1200" baseline="0">
+                    <a:solidFill>
+                      <a:sysClr val="windowText" lastClr="000000">
+                        <a:lumMod val="65000"/>
+                        <a:lumOff val="35000"/>
+                      </a:sysClr>
+                    </a:solidFill>
+                    <a:latin typeface="+mn-lt"/>
+                    <a:ea typeface="+mn-ea"/>
+                    <a:cs typeface="+mn-cs"/>
+                  </a:rPr>
+                  <a:t>Hausdorff Distance</a:t>
+                </a:r>
+              </a:p>
+            </c:rich>
+          </c:tx>
+          <c:overlay val="0"/>
+          <c:spPr>
+            <a:noFill/>
+            <a:ln>
+              <a:noFill/>
+            </a:ln>
+            <a:effectLst/>
+          </c:spPr>
+          <c:txPr>
+            <a:bodyPr rot="-5400000" spcFirstLastPara="1" vertOverflow="ellipsis" vert="horz" wrap="square" anchor="ctr" anchorCtr="1"/>
+            <a:lstStyle/>
+            <a:p>
+              <a:pPr algn="ctr" rtl="0">
+                <a:defRPr lang="en-GB" sz="1200" b="1" i="0" u="none" strike="noStrike" kern="1200" baseline="0">
+                  <a:solidFill>
+                    <a:sysClr val="windowText" lastClr="000000">
+                      <a:lumMod val="65000"/>
+                      <a:lumOff val="35000"/>
+                    </a:sysClr>
+                  </a:solidFill>
+                  <a:latin typeface="+mn-lt"/>
+                  <a:ea typeface="+mn-ea"/>
+                  <a:cs typeface="+mn-cs"/>
+                </a:defRPr>
+              </a:pPr>
+              <a:endParaRPr lang="de-DE"/>
+            </a:p>
+          </c:txPr>
+        </c:title>
+        <c:numFmt formatCode="General" sourceLinked="1"/>
+        <c:majorTickMark val="none"/>
+        <c:minorTickMark val="none"/>
+        <c:tickLblPos val="nextTo"/>
+        <c:spPr>
+          <a:noFill/>
+          <a:ln>
+            <a:noFill/>
+          </a:ln>
+          <a:effectLst/>
+        </c:spPr>
+        <c:txPr>
+          <a:bodyPr rot="-60000000" spcFirstLastPara="1" vertOverflow="ellipsis" vert="horz" wrap="square" anchor="ctr" anchorCtr="1"/>
+          <a:lstStyle/>
+          <a:p>
+            <a:pPr>
+              <a:defRPr sz="900" b="0" i="0" u="none" strike="noStrike" kern="1200" baseline="0">
+                <a:solidFill>
+                  <a:schemeClr val="tx1">
+                    <a:lumMod val="65000"/>
+                    <a:lumOff val="35000"/>
+                  </a:schemeClr>
+                </a:solidFill>
+                <a:latin typeface="+mn-lt"/>
+                <a:ea typeface="+mn-ea"/>
+                <a:cs typeface="+mn-cs"/>
+              </a:defRPr>
+            </a:pPr>
+            <a:endParaRPr lang="de-DE"/>
+          </a:p>
+        </c:txPr>
+        <c:crossAx val="454309632"/>
+        <c:crosses val="autoZero"/>
+        <c:crossBetween val="between"/>
+      </c:valAx>
+      <c:spPr>
+        <a:noFill/>
+        <a:ln>
+          <a:noFill/>
+        </a:ln>
+        <a:effectLst/>
+      </c:spPr>
+    </c:plotArea>
+    <c:legend>
+      <c:legendPos val="r"/>
+      <c:overlay val="0"/>
+      <c:spPr>
+        <a:noFill/>
+        <a:ln>
+          <a:noFill/>
+        </a:ln>
+        <a:effectLst/>
+      </c:spPr>
+      <c:txPr>
+        <a:bodyPr rot="0" spcFirstLastPara="1" vertOverflow="ellipsis" vert="horz" wrap="square" anchor="ctr" anchorCtr="1"/>
+        <a:lstStyle/>
+        <a:p>
+          <a:pPr>
+            <a:defRPr lang="en-US" sz="1100" b="1" i="0" u="none" strike="noStrike" kern="1200" baseline="0">
+              <a:solidFill>
+                <a:schemeClr val="tx1">
+                  <a:lumMod val="65000"/>
+                  <a:lumOff val="35000"/>
+                </a:schemeClr>
+              </a:solidFill>
+              <a:latin typeface="+mn-lt"/>
+              <a:ea typeface="+mn-ea"/>
+              <a:cs typeface="+mn-cs"/>
+            </a:defRPr>
+          </a:pPr>
+          <a:endParaRPr lang="de-DE"/>
+        </a:p>
+      </c:txPr>
+    </c:legend>
+    <c:plotVisOnly val="1"/>
+    <c:dispBlanksAs val="gap"/>
+    <c:extLst>
+      <c:ext xmlns:c16r3="http://schemas.microsoft.com/office/drawing/2017/03/chart" uri="{56B9EC1D-385E-4148-901F-78D8002777C0}">
+        <c16r3:dataDisplayOptions16>
+          <c16r3:dispNaAsBlank val="1"/>
+        </c16r3:dataDisplayOptions16>
+      </c:ext>
+    </c:extLst>
+    <c:showDLblsOverMax val="0"/>
+  </c:chart>
+  <c:spPr>
+    <a:noFill/>
+    <a:ln>
+      <a:noFill/>
+    </a:ln>
+    <a:effectLst/>
+  </c:spPr>
+  <c:txPr>
+    <a:bodyPr/>
+    <a:lstStyle/>
+    <a:p>
+      <a:pPr>
+        <a:defRPr/>
+      </a:pPr>
+      <a:endParaRPr lang="de-DE"/>
+    </a:p>
+  </c:txPr>
+  <c:externalData r:id="rId3">
+    <c:autoUpdate val="0"/>
+  </c:externalData>
+</c:chartSpace>
+</file>
+
+<file path=ppt/charts/chart4.xml><?xml version="1.0" encoding="utf-8"?>
+<c:chartSpace xmlns:c="http://schemas.openxmlformats.org/drawingml/2006/chart" xmlns:a="http://schemas.openxmlformats.org/drawingml/2006/main" xmlns:r="http://schemas.openxmlformats.org/officeDocument/2006/relationships" xmlns:c16r2="http://schemas.microsoft.com/office/drawing/2015/06/chart">
+  <c:date1904 val="0"/>
+  <c:lang val="de-DE"/>
+  <c:roundedCorners val="0"/>
+  <mc:AlternateContent xmlns:mc="http://schemas.openxmlformats.org/markup-compatibility/2006">
+    <mc:Choice xmlns:c14="http://schemas.microsoft.com/office/drawing/2007/8/2/chart" Requires="c14">
+      <c14:style val="102"/>
+    </mc:Choice>
+    <mc:Fallback>
+      <c:style val="2"/>
+    </mc:Fallback>
+  </mc:AlternateContent>
+  <c:chart>
+    <c:autoTitleDeleted val="1"/>
+    <c:plotArea>
+      <c:layout/>
+      <c:lineChart>
+        <c:grouping val="standard"/>
+        <c:varyColors val="0"/>
+        <c:ser>
+          <c:idx val="1"/>
+          <c:order val="1"/>
+          <c:tx>
+            <c:strRef>
+              <c:f>Tabelle1!$F$25</c:f>
+              <c:strCache>
+                <c:ptCount val="1"/>
+                <c:pt idx="0">
+                  <c:v>MinMax</c:v>
+                </c:pt>
+              </c:strCache>
+            </c:strRef>
+          </c:tx>
+          <c:spPr>
+            <a:ln w="25400" cap="rnd">
+              <a:noFill/>
+              <a:round/>
+            </a:ln>
+            <a:effectLst/>
+          </c:spPr>
+          <c:marker>
+            <c:symbol val="circle"/>
+            <c:size val="5"/>
+            <c:spPr>
+              <a:solidFill>
+                <a:schemeClr val="accent2"/>
+              </a:solidFill>
+              <a:ln w="63500">
+                <a:solidFill>
+                  <a:schemeClr val="accent2"/>
+                </a:solidFill>
+              </a:ln>
+              <a:effectLst/>
+            </c:spPr>
+          </c:marker>
+          <c:cat>
+            <c:strRef>
+              <c:f>Tabelle1!$F$35:$F$40</c:f>
+              <c:strCache>
+                <c:ptCount val="6"/>
+                <c:pt idx="0">
+                  <c:v>Amygdala</c:v>
+                </c:pt>
+                <c:pt idx="1">
+                  <c:v>GreyMatter</c:v>
+                </c:pt>
+                <c:pt idx="2">
+                  <c:v>Hippocampus</c:v>
+                </c:pt>
+                <c:pt idx="3">
+                  <c:v>Thalamus</c:v>
+                </c:pt>
+                <c:pt idx="4">
+                  <c:v>WhiteMatter</c:v>
+                </c:pt>
+                <c:pt idx="5">
+                  <c:v>Mean</c:v>
+                </c:pt>
+              </c:strCache>
+            </c:strRef>
+          </c:cat>
+          <c:val>
+            <c:numRef>
+              <c:f>Tabelle1!$H$35:$H$40</c:f>
+              <c:numCache>
+                <c:formatCode>General</c:formatCode>
+                <c:ptCount val="6"/>
+                <c:pt idx="0">
+                  <c:v>6.0938788727620974</c:v>
+                </c:pt>
+                <c:pt idx="1">
+                  <c:v>6.7736923146389154</c:v>
+                </c:pt>
+                <c:pt idx="2">
+                  <c:v>8.4327538963000368</c:v>
+                </c:pt>
+                <c:pt idx="3">
+                  <c:v>14.379035500379429</c:v>
+                </c:pt>
+                <c:pt idx="4">
+                  <c:v>-11.992072735514116</c:v>
+                </c:pt>
+                <c:pt idx="5">
+                  <c:v>4.737457569713273</c:v>
+                </c:pt>
+              </c:numCache>
+            </c:numRef>
+          </c:val>
+          <c:smooth val="0"/>
+          <c:extLst>
+            <c:ext xmlns:c16="http://schemas.microsoft.com/office/drawing/2014/chart" uri="{C3380CC4-5D6E-409C-BE32-E72D297353CC}">
+              <c16:uniqueId val="{00000000-6B2D-4A9E-93BD-5F09A75D70F1}"/>
+            </c:ext>
+          </c:extLst>
+        </c:ser>
+        <c:ser>
+          <c:idx val="2"/>
+          <c:order val="2"/>
+          <c:tx>
+            <c:strRef>
+              <c:f>Tabelle1!$K$25</c:f>
+              <c:strCache>
+                <c:ptCount val="1"/>
+                <c:pt idx="0">
+                  <c:v>Zscore</c:v>
+                </c:pt>
+              </c:strCache>
+            </c:strRef>
+          </c:tx>
+          <c:spPr>
+            <a:ln w="25400" cap="rnd">
+              <a:noFill/>
+              <a:round/>
+            </a:ln>
+            <a:effectLst/>
+          </c:spPr>
+          <c:marker>
+            <c:symbol val="circle"/>
+            <c:size val="5"/>
+            <c:spPr>
+              <a:solidFill>
+                <a:schemeClr val="accent3"/>
+              </a:solidFill>
+              <a:ln w="38100">
+                <a:solidFill>
+                  <a:schemeClr val="accent3"/>
+                </a:solidFill>
+              </a:ln>
+              <a:effectLst/>
+            </c:spPr>
+          </c:marker>
+          <c:cat>
+            <c:strRef>
+              <c:f>Tabelle1!$F$35:$F$40</c:f>
+              <c:strCache>
+                <c:ptCount val="6"/>
+                <c:pt idx="0">
+                  <c:v>Amygdala</c:v>
+                </c:pt>
+                <c:pt idx="1">
+                  <c:v>GreyMatter</c:v>
+                </c:pt>
+                <c:pt idx="2">
+                  <c:v>Hippocampus</c:v>
+                </c:pt>
+                <c:pt idx="3">
+                  <c:v>Thalamus</c:v>
+                </c:pt>
+                <c:pt idx="4">
+                  <c:v>WhiteMatter</c:v>
+                </c:pt>
+                <c:pt idx="5">
+                  <c:v>Mean</c:v>
+                </c:pt>
+              </c:strCache>
+            </c:strRef>
+          </c:cat>
+          <c:val>
+            <c:numRef>
+              <c:f>Tabelle1!$M$35:$M$40</c:f>
+              <c:numCache>
+                <c:formatCode>General</c:formatCode>
+                <c:ptCount val="6"/>
+                <c:pt idx="0">
+                  <c:v>14.898562336523939</c:v>
+                </c:pt>
+                <c:pt idx="1">
+                  <c:v>14.955330441182328</c:v>
+                </c:pt>
+                <c:pt idx="2">
+                  <c:v>7.4291402802583777</c:v>
+                </c:pt>
+                <c:pt idx="3">
+                  <c:v>-59.790673475912612</c:v>
+                </c:pt>
+                <c:pt idx="4">
+                  <c:v>14.158859103237026</c:v>
+                </c:pt>
+                <c:pt idx="5">
+                  <c:v>-1.6697562629421885</c:v>
+                </c:pt>
+              </c:numCache>
+            </c:numRef>
+          </c:val>
+          <c:smooth val="0"/>
+          <c:extLst>
+            <c:ext xmlns:c16="http://schemas.microsoft.com/office/drawing/2014/chart" uri="{C3380CC4-5D6E-409C-BE32-E72D297353CC}">
+              <c16:uniqueId val="{00000001-6B2D-4A9E-93BD-5F09A75D70F1}"/>
+            </c:ext>
+          </c:extLst>
+        </c:ser>
+        <c:ser>
+          <c:idx val="3"/>
+          <c:order val="3"/>
+          <c:tx>
+            <c:strRef>
+              <c:f>Tabelle1!$P$25</c:f>
+              <c:strCache>
+                <c:ptCount val="1"/>
+                <c:pt idx="0">
+                  <c:v>HistogramMatching</c:v>
+                </c:pt>
+              </c:strCache>
+            </c:strRef>
+          </c:tx>
+          <c:spPr>
+            <a:ln w="25400" cap="rnd">
+              <a:noFill/>
+              <a:round/>
+            </a:ln>
+            <a:effectLst/>
+          </c:spPr>
+          <c:marker>
+            <c:symbol val="circle"/>
+            <c:size val="5"/>
+            <c:spPr>
+              <a:solidFill>
+                <a:schemeClr val="accent4"/>
+              </a:solidFill>
+              <a:ln w="63500">
+                <a:solidFill>
+                  <a:schemeClr val="accent4"/>
+                </a:solidFill>
+              </a:ln>
+              <a:effectLst/>
+            </c:spPr>
+          </c:marker>
+          <c:cat>
+            <c:strRef>
+              <c:f>Tabelle1!$F$35:$F$40</c:f>
+              <c:strCache>
+                <c:ptCount val="6"/>
+                <c:pt idx="0">
+                  <c:v>Amygdala</c:v>
+                </c:pt>
+                <c:pt idx="1">
+                  <c:v>GreyMatter</c:v>
+                </c:pt>
+                <c:pt idx="2">
+                  <c:v>Hippocampus</c:v>
+                </c:pt>
+                <c:pt idx="3">
+                  <c:v>Thalamus</c:v>
+                </c:pt>
+                <c:pt idx="4">
+                  <c:v>WhiteMatter</c:v>
+                </c:pt>
+                <c:pt idx="5">
+                  <c:v>Mean</c:v>
+                </c:pt>
+              </c:strCache>
+            </c:strRef>
+          </c:cat>
+          <c:val>
+            <c:numRef>
+              <c:f>Tabelle1!$R$35:$R$40</c:f>
+              <c:numCache>
+                <c:formatCode>General</c:formatCode>
+                <c:ptCount val="6"/>
+                <c:pt idx="0">
+                  <c:v>5.1154922063966302</c:v>
+                </c:pt>
+                <c:pt idx="1">
+                  <c:v>20.221820121947776</c:v>
+                </c:pt>
+                <c:pt idx="2">
+                  <c:v>-10.86101001618481</c:v>
+                </c:pt>
+                <c:pt idx="3">
+                  <c:v>-34.022206174683866</c:v>
+                </c:pt>
+                <c:pt idx="4">
+                  <c:v>8.4150053946518035</c:v>
+                </c:pt>
+                <c:pt idx="5">
+                  <c:v>-2.2261796935744931</c:v>
+                </c:pt>
+              </c:numCache>
+            </c:numRef>
+          </c:val>
+          <c:smooth val="0"/>
+          <c:extLst>
+            <c:ext xmlns:c16="http://schemas.microsoft.com/office/drawing/2014/chart" uri="{C3380CC4-5D6E-409C-BE32-E72D297353CC}">
+              <c16:uniqueId val="{00000002-6B2D-4A9E-93BD-5F09A75D70F1}"/>
+            </c:ext>
+          </c:extLst>
+        </c:ser>
+        <c:ser>
+          <c:idx val="4"/>
+          <c:order val="4"/>
+          <c:tx>
+            <c:strRef>
+              <c:f>Tabelle1!$U$25</c:f>
+              <c:strCache>
+                <c:ptCount val="1"/>
+                <c:pt idx="0">
+                  <c:v>FuzzyCmeans</c:v>
+                </c:pt>
+              </c:strCache>
+            </c:strRef>
+          </c:tx>
+          <c:spPr>
+            <a:ln w="25400" cap="rnd">
+              <a:noFill/>
+              <a:round/>
+            </a:ln>
+            <a:effectLst/>
+          </c:spPr>
+          <c:marker>
+            <c:symbol val="circle"/>
+            <c:size val="5"/>
+            <c:spPr>
+              <a:solidFill>
+                <a:schemeClr val="accent5"/>
+              </a:solidFill>
+              <a:ln w="38100">
+                <a:solidFill>
+                  <a:schemeClr val="accent5"/>
+                </a:solidFill>
+              </a:ln>
+              <a:effectLst/>
+            </c:spPr>
+          </c:marker>
+          <c:cat>
+            <c:strRef>
+              <c:f>Tabelle1!$F$35:$F$40</c:f>
+              <c:strCache>
+                <c:ptCount val="6"/>
+                <c:pt idx="0">
+                  <c:v>Amygdala</c:v>
+                </c:pt>
+                <c:pt idx="1">
+                  <c:v>GreyMatter</c:v>
+                </c:pt>
+                <c:pt idx="2">
+                  <c:v>Hippocampus</c:v>
+                </c:pt>
+                <c:pt idx="3">
+                  <c:v>Thalamus</c:v>
+                </c:pt>
+                <c:pt idx="4">
+                  <c:v>WhiteMatter</c:v>
+                </c:pt>
+                <c:pt idx="5">
+                  <c:v>Mean</c:v>
+                </c:pt>
+              </c:strCache>
+            </c:strRef>
+          </c:cat>
+          <c:val>
+            <c:numRef>
+              <c:f>Tabelle1!$W$35:$W$40</c:f>
+              <c:numCache>
+                <c:formatCode>General</c:formatCode>
+                <c:ptCount val="6"/>
+                <c:pt idx="0">
+                  <c:v>6.0328336310791979</c:v>
+                </c:pt>
+                <c:pt idx="1">
+                  <c:v>11.256658354261475</c:v>
+                </c:pt>
+                <c:pt idx="2">
+                  <c:v>8.7612074635673363</c:v>
+                </c:pt>
+                <c:pt idx="3">
+                  <c:v>-68.473085887403599</c:v>
+                </c:pt>
+                <c:pt idx="4">
+                  <c:v>18.788676359247017</c:v>
+                </c:pt>
+                <c:pt idx="5">
+                  <c:v>-4.7267420158497142</c:v>
+                </c:pt>
+              </c:numCache>
+            </c:numRef>
+          </c:val>
+          <c:smooth val="0"/>
+          <c:extLst>
+            <c:ext xmlns:c16="http://schemas.microsoft.com/office/drawing/2014/chart" uri="{C3380CC4-5D6E-409C-BE32-E72D297353CC}">
+              <c16:uniqueId val="{00000003-6B2D-4A9E-93BD-5F09A75D70F1}"/>
+            </c:ext>
+          </c:extLst>
+        </c:ser>
+        <c:ser>
+          <c:idx val="5"/>
+          <c:order val="5"/>
+          <c:tx>
+            <c:strRef>
+              <c:f>Tabelle1!$Z$25</c:f>
+              <c:strCache>
+                <c:ptCount val="1"/>
+                <c:pt idx="0">
+                  <c:v>WhiteStripe</c:v>
+                </c:pt>
+              </c:strCache>
+            </c:strRef>
+          </c:tx>
+          <c:spPr>
+            <a:ln w="25400" cap="rnd">
+              <a:noFill/>
+              <a:round/>
+            </a:ln>
+            <a:effectLst/>
+          </c:spPr>
+          <c:marker>
+            <c:symbol val="circle"/>
+            <c:size val="5"/>
+            <c:spPr>
+              <a:solidFill>
+                <a:schemeClr val="accent6"/>
+              </a:solidFill>
+              <a:ln w="63500">
+                <a:solidFill>
+                  <a:schemeClr val="accent6"/>
+                </a:solidFill>
+              </a:ln>
+              <a:effectLst/>
+            </c:spPr>
+          </c:marker>
+          <c:cat>
+            <c:strRef>
+              <c:f>Tabelle1!$F$35:$F$40</c:f>
+              <c:strCache>
+                <c:ptCount val="6"/>
+                <c:pt idx="0">
+                  <c:v>Amygdala</c:v>
+                </c:pt>
+                <c:pt idx="1">
+                  <c:v>GreyMatter</c:v>
+                </c:pt>
+                <c:pt idx="2">
+                  <c:v>Hippocampus</c:v>
+                </c:pt>
+                <c:pt idx="3">
+                  <c:v>Thalamus</c:v>
+                </c:pt>
+                <c:pt idx="4">
+                  <c:v>WhiteMatter</c:v>
+                </c:pt>
+                <c:pt idx="5">
+                  <c:v>Mean</c:v>
+                </c:pt>
+              </c:strCache>
+            </c:strRef>
+          </c:cat>
+          <c:val>
+            <c:numRef>
+              <c:f>Tabelle1!$AB$35:$AB$40</c:f>
+              <c:numCache>
+                <c:formatCode>General</c:formatCode>
+                <c:ptCount val="6"/>
+                <c:pt idx="0">
+                  <c:v>-8.1632252854089149</c:v>
+                </c:pt>
+                <c:pt idx="1">
+                  <c:v>11.730518891962223</c:v>
+                </c:pt>
+                <c:pt idx="2">
+                  <c:v>0.30316653226971862</c:v>
+                </c:pt>
+                <c:pt idx="3">
+                  <c:v>-55.410820029933269</c:v>
+                </c:pt>
+                <c:pt idx="4">
+                  <c:v>11.037937187620354</c:v>
+                </c:pt>
+                <c:pt idx="5">
+                  <c:v>-8.1004845406979769</c:v>
+                </c:pt>
+              </c:numCache>
+            </c:numRef>
+          </c:val>
+          <c:smooth val="0"/>
+          <c:extLst>
+            <c:ext xmlns:c16="http://schemas.microsoft.com/office/drawing/2014/chart" uri="{C3380CC4-5D6E-409C-BE32-E72D297353CC}">
+              <c16:uniqueId val="{00000004-6B2D-4A9E-93BD-5F09A75D70F1}"/>
+            </c:ext>
+          </c:extLst>
+        </c:ser>
+        <c:dLbls>
+          <c:showLegendKey val="0"/>
+          <c:showVal val="0"/>
+          <c:showCatName val="0"/>
+          <c:showSerName val="0"/>
+          <c:showPercent val="0"/>
+          <c:showBubbleSize val="0"/>
+        </c:dLbls>
+        <c:marker val="1"/>
+        <c:smooth val="0"/>
+        <c:axId val="454309632"/>
+        <c:axId val="454307336"/>
+        <c:extLst>
+          <c:ext xmlns:c15="http://schemas.microsoft.com/office/drawing/2012/chart" uri="{02D57815-91ED-43cb-92C2-25804820EDAC}">
+            <c15:filteredLineSeries>
+              <c15:ser>
+                <c:idx val="0"/>
+                <c:order val="0"/>
+                <c:tx>
+                  <c:strRef>
+                    <c:extLst>
+                      <c:ext uri="{02D57815-91ED-43cb-92C2-25804820EDAC}">
+                        <c15:formulaRef>
+                          <c15:sqref>Tabelle1!$B$25:$B$26</c15:sqref>
+                        </c15:formulaRef>
+                      </c:ext>
+                    </c:extLst>
+                    <c:strCache>
+                      <c:ptCount val="2"/>
+                      <c:pt idx="1">
+                        <c:v>VALUE</c:v>
+                      </c:pt>
+                    </c:strCache>
+                  </c:strRef>
+                </c:tx>
+                <c:spPr>
+                  <a:ln w="25400" cap="rnd">
+                    <a:noFill/>
+                    <a:round/>
+                  </a:ln>
+                  <a:effectLst/>
+                </c:spPr>
+                <c:marker>
+                  <c:symbol val="circle"/>
+                  <c:size val="5"/>
+                  <c:spPr>
+                    <a:solidFill>
+                      <a:schemeClr val="accent1"/>
+                    </a:solidFill>
+                    <a:ln w="9525">
+                      <a:solidFill>
+                        <a:schemeClr val="accent1"/>
+                      </a:solidFill>
+                    </a:ln>
+                    <a:effectLst/>
+                  </c:spPr>
+                </c:marker>
+                <c:cat>
+                  <c:strRef>
+                    <c:extLst>
+                      <c:ext uri="{02D57815-91ED-43cb-92C2-25804820EDAC}">
+                        <c15:formulaRef>
+                          <c15:sqref>Tabelle1!$F$35:$F$40</c15:sqref>
+                        </c15:formulaRef>
+                      </c:ext>
+                    </c:extLst>
+                    <c:strCache>
+                      <c:ptCount val="6"/>
+                      <c:pt idx="0">
+                        <c:v>Amygdala</c:v>
+                      </c:pt>
+                      <c:pt idx="1">
+                        <c:v>GreyMatter</c:v>
+                      </c:pt>
+                      <c:pt idx="2">
+                        <c:v>Hippocampus</c:v>
+                      </c:pt>
+                      <c:pt idx="3">
+                        <c:v>Thalamus</c:v>
+                      </c:pt>
+                      <c:pt idx="4">
+                        <c:v>WhiteMatter</c:v>
+                      </c:pt>
+                      <c:pt idx="5">
+                        <c:v>Mean</c:v>
+                      </c:pt>
+                    </c:strCache>
+                  </c:strRef>
+                </c:cat>
+                <c:val>
+                  <c:numRef>
+                    <c:extLst>
+                      <c:ext uri="{02D57815-91ED-43cb-92C2-25804820EDAC}">
+                        <c15:formulaRef>
+                          <c15:sqref>Tabelle1!$B$35:$B$39</c15:sqref>
+                        </c15:formulaRef>
+                      </c:ext>
+                    </c:extLst>
+                    <c:numCache>
+                      <c:formatCode>General</c:formatCode>
+                      <c:ptCount val="5"/>
+                      <c:pt idx="0">
+                        <c:v>18.584873631809899</c:v>
+                      </c:pt>
+                      <c:pt idx="1">
+                        <c:v>5.4109245088060698</c:v>
+                      </c:pt>
+                      <c:pt idx="2">
+                        <c:v>22.308032246326899</c:v>
+                      </c:pt>
+                      <c:pt idx="3">
+                        <c:v>24.576771100945201</c:v>
+                      </c:pt>
+                      <c:pt idx="4">
+                        <c:v>4.9395457378701897</c:v>
+                      </c:pt>
+                    </c:numCache>
+                  </c:numRef>
+                </c:val>
+                <c:smooth val="0"/>
+                <c:extLst>
+                  <c:ext xmlns:c16="http://schemas.microsoft.com/office/drawing/2014/chart" uri="{C3380CC4-5D6E-409C-BE32-E72D297353CC}">
+                    <c16:uniqueId val="{00000005-6B2D-4A9E-93BD-5F09A75D70F1}"/>
+                  </c:ext>
+                </c:extLst>
+              </c15:ser>
+            </c15:filteredLineSeries>
+          </c:ext>
+        </c:extLst>
+      </c:lineChart>
+      <c:catAx>
+        <c:axId val="454309632"/>
+        <c:scaling>
+          <c:orientation val="minMax"/>
+        </c:scaling>
+        <c:delete val="0"/>
+        <c:axPos val="b"/>
+        <c:numFmt formatCode="General" sourceLinked="1"/>
+        <c:majorTickMark val="none"/>
+        <c:minorTickMark val="none"/>
+        <c:tickLblPos val="nextTo"/>
+        <c:spPr>
+          <a:noFill/>
+          <a:ln w="9525" cap="flat" cmpd="sng" algn="ctr">
+            <a:solidFill>
+              <a:schemeClr val="tx1">
+                <a:lumMod val="15000"/>
+                <a:lumOff val="85000"/>
+              </a:schemeClr>
+            </a:solidFill>
+            <a:round/>
+          </a:ln>
+          <a:effectLst/>
+        </c:spPr>
+        <c:txPr>
+          <a:bodyPr rot="-60000000" spcFirstLastPara="1" vertOverflow="ellipsis" vert="horz" wrap="square" anchor="ctr" anchorCtr="1"/>
+          <a:lstStyle/>
+          <a:p>
+            <a:pPr algn="ctr">
+              <a:defRPr lang="en-US" sz="1050" b="1" i="0" u="none" strike="noStrike" kern="1200" baseline="0">
+                <a:solidFill>
+                  <a:schemeClr val="tx1">
+                    <a:lumMod val="65000"/>
+                    <a:lumOff val="35000"/>
+                  </a:schemeClr>
+                </a:solidFill>
+                <a:latin typeface="+mn-lt"/>
+                <a:ea typeface="+mn-ea"/>
+                <a:cs typeface="+mn-cs"/>
+              </a:defRPr>
+            </a:pPr>
+            <a:endParaRPr lang="de-DE"/>
+          </a:p>
+        </c:txPr>
+        <c:crossAx val="454307336"/>
+        <c:crosses val="autoZero"/>
+        <c:auto val="1"/>
+        <c:lblAlgn val="ctr"/>
+        <c:lblOffset val="100"/>
+        <c:noMultiLvlLbl val="0"/>
+      </c:catAx>
+      <c:valAx>
+        <c:axId val="454307336"/>
+        <c:scaling>
+          <c:orientation val="minMax"/>
+        </c:scaling>
+        <c:delete val="0"/>
+        <c:axPos val="l"/>
+        <c:majorGridlines>
+          <c:spPr>
+            <a:ln w="9525" cap="flat" cmpd="sng" algn="ctr">
+              <a:solidFill>
+                <a:schemeClr val="tx1">
+                  <a:lumMod val="15000"/>
+                  <a:lumOff val="85000"/>
+                </a:schemeClr>
+              </a:solidFill>
+              <a:round/>
+            </a:ln>
+            <a:effectLst/>
+          </c:spPr>
+        </c:majorGridlines>
+        <c:title>
+          <c:tx>
+            <c:rich>
+              <a:bodyPr rot="-5400000" spcFirstLastPara="1" vertOverflow="ellipsis" vert="horz" wrap="square" anchor="ctr" anchorCtr="1"/>
+              <a:lstStyle/>
+              <a:p>
+                <a:pPr algn="ctr" rtl="0">
+                  <a:defRPr lang="en-GB" sz="1200" b="1" i="0" u="none" strike="noStrike" kern="1200" baseline="0">
+                    <a:solidFill>
+                      <a:sysClr val="windowText" lastClr="000000">
+                        <a:lumMod val="65000"/>
+                        <a:lumOff val="35000"/>
+                      </a:sysClr>
+                    </a:solidFill>
+                    <a:latin typeface="+mn-lt"/>
+                    <a:ea typeface="+mn-ea"/>
+                    <a:cs typeface="+mn-cs"/>
+                  </a:defRPr>
+                </a:pPr>
+                <a:r>
+                  <a:rPr lang="en-GB" sz="1200" b="1" i="0" u="none" strike="noStrike" kern="1200" baseline="0">
+                    <a:solidFill>
+                      <a:sysClr val="windowText" lastClr="000000">
+                        <a:lumMod val="65000"/>
+                        <a:lumOff val="35000"/>
+                      </a:sysClr>
+                    </a:solidFill>
+                    <a:latin typeface="+mn-lt"/>
+                    <a:ea typeface="+mn-ea"/>
+                    <a:cs typeface="+mn-cs"/>
+                  </a:rPr>
+                  <a:t>Improvement [%]</a:t>
+                </a:r>
+              </a:p>
+            </c:rich>
+          </c:tx>
+          <c:overlay val="0"/>
+          <c:spPr>
+            <a:noFill/>
+            <a:ln>
+              <a:noFill/>
+            </a:ln>
+            <a:effectLst/>
+          </c:spPr>
+          <c:txPr>
+            <a:bodyPr rot="-5400000" spcFirstLastPara="1" vertOverflow="ellipsis" vert="horz" wrap="square" anchor="ctr" anchorCtr="1"/>
+            <a:lstStyle/>
+            <a:p>
+              <a:pPr algn="ctr" rtl="0">
+                <a:defRPr lang="en-GB" sz="1200" b="1" i="0" u="none" strike="noStrike" kern="1200" baseline="0">
+                  <a:solidFill>
+                    <a:sysClr val="windowText" lastClr="000000">
+                      <a:lumMod val="65000"/>
+                      <a:lumOff val="35000"/>
+                    </a:sysClr>
+                  </a:solidFill>
+                  <a:latin typeface="+mn-lt"/>
+                  <a:ea typeface="+mn-ea"/>
+                  <a:cs typeface="+mn-cs"/>
+                </a:defRPr>
+              </a:pPr>
+              <a:endParaRPr lang="de-DE"/>
+            </a:p>
+          </c:txPr>
+        </c:title>
+        <c:numFmt formatCode="General" sourceLinked="1"/>
+        <c:majorTickMark val="none"/>
+        <c:minorTickMark val="none"/>
+        <c:tickLblPos val="nextTo"/>
+        <c:spPr>
+          <a:noFill/>
+          <a:ln>
+            <a:noFill/>
+          </a:ln>
+          <a:effectLst/>
+        </c:spPr>
+        <c:txPr>
+          <a:bodyPr rot="-60000000" spcFirstLastPara="1" vertOverflow="ellipsis" vert="horz" wrap="square" anchor="ctr" anchorCtr="1"/>
+          <a:lstStyle/>
+          <a:p>
+            <a:pPr>
+              <a:defRPr lang="en-US" sz="1000" b="0" i="0" u="none" strike="noStrike" kern="1200" baseline="0">
+                <a:solidFill>
+                  <a:schemeClr val="tx1"/>
+                </a:solidFill>
+                <a:latin typeface="+mn-lt"/>
+                <a:ea typeface="+mn-ea"/>
+                <a:cs typeface="+mn-cs"/>
+              </a:defRPr>
+            </a:pPr>
+            <a:endParaRPr lang="de-DE"/>
+          </a:p>
+        </c:txPr>
+        <c:crossAx val="454309632"/>
+        <c:crosses val="autoZero"/>
+        <c:crossBetween val="between"/>
+      </c:valAx>
+      <c:spPr>
+        <a:noFill/>
+        <a:ln>
+          <a:noFill/>
+        </a:ln>
+        <a:effectLst/>
+      </c:spPr>
+    </c:plotArea>
+    <c:legend>
+      <c:legendPos val="r"/>
+      <c:overlay val="0"/>
+      <c:spPr>
+        <a:noFill/>
+        <a:ln>
+          <a:noFill/>
+        </a:ln>
+        <a:effectLst/>
+      </c:spPr>
+      <c:txPr>
+        <a:bodyPr rot="0" spcFirstLastPara="1" vertOverflow="ellipsis" vert="horz" wrap="square" anchor="ctr" anchorCtr="1"/>
+        <a:lstStyle/>
+        <a:p>
+          <a:pPr>
+            <a:defRPr lang="en-US" sz="1100" b="1" i="0" u="none" strike="noStrike" kern="1200" baseline="0">
+              <a:solidFill>
+                <a:schemeClr val="tx1">
+                  <a:lumMod val="65000"/>
+                  <a:lumOff val="35000"/>
+                </a:schemeClr>
+              </a:solidFill>
+              <a:latin typeface="+mn-lt"/>
+              <a:ea typeface="+mn-ea"/>
+              <a:cs typeface="+mn-cs"/>
+            </a:defRPr>
+          </a:pPr>
+          <a:endParaRPr lang="de-DE"/>
+        </a:p>
+      </c:txPr>
+    </c:legend>
+    <c:plotVisOnly val="1"/>
+    <c:dispBlanksAs val="gap"/>
+    <c:extLst>
+      <c:ext xmlns:c16r3="http://schemas.microsoft.com/office/drawing/2017/03/chart" uri="{56B9EC1D-385E-4148-901F-78D8002777C0}">
+        <c16r3:dataDisplayOptions16>
+          <c16r3:dispNaAsBlank val="1"/>
+        </c16r3:dataDisplayOptions16>
+      </c:ext>
+    </c:extLst>
+    <c:showDLblsOverMax val="0"/>
+  </c:chart>
+  <c:spPr>
+    <a:noFill/>
+    <a:ln>
+      <a:noFill/>
+    </a:ln>
+    <a:effectLst/>
+  </c:spPr>
+  <c:txPr>
+    <a:bodyPr/>
+    <a:lstStyle/>
+    <a:p>
+      <a:pPr>
+        <a:defRPr lang="en-US" sz="1000" b="0" i="0" u="none" strike="noStrike" kern="1200" baseline="0">
+          <a:solidFill>
+            <a:schemeClr val="tx1"/>
+          </a:solidFill>
+          <a:latin typeface="+mn-lt"/>
+          <a:ea typeface="+mn-ea"/>
+          <a:cs typeface="+mn-cs"/>
+        </a:defRPr>
+      </a:pPr>
+      <a:endParaRPr lang="de-DE"/>
+    </a:p>
+  </c:txPr>
+  <c:externalData r:id="rId3">
+    <c:autoUpdate val="0"/>
+  </c:externalData>
+</c:chartSpace>
+</file>
+
+<file path=ppt/charts/colors1.xml><?xml version="1.0" encoding="utf-8"?>
+<cs:colorStyle xmlns:cs="http://schemas.microsoft.com/office/drawing/2012/chartStyle" xmlns:a="http://schemas.openxmlformats.org/drawingml/2006/main" meth="cycle" id="10">
+  <a:schemeClr val="accent1"/>
+  <a:schemeClr val="accent2"/>
+  <a:schemeClr val="accent3"/>
+  <a:schemeClr val="accent4"/>
+  <a:schemeClr val="accent5"/>
+  <a:schemeClr val="accent6"/>
+  <cs:variation/>
+  <cs:variation>
+    <a:lumMod val="60000"/>
+  </cs:variation>
+  <cs:variation>
+    <a:lumMod val="80000"/>
+    <a:lumOff val="20000"/>
+  </cs:variation>
+  <cs:variation>
+    <a:lumMod val="80000"/>
+  </cs:variation>
+  <cs:variation>
+    <a:lumMod val="60000"/>
+    <a:lumOff val="40000"/>
+  </cs:variation>
+  <cs:variation>
+    <a:lumMod val="50000"/>
+  </cs:variation>
+  <cs:variation>
+    <a:lumMod val="70000"/>
+    <a:lumOff val="30000"/>
+  </cs:variation>
+  <cs:variation>
+    <a:lumMod val="70000"/>
+  </cs:variation>
+  <cs:variation>
+    <a:lumMod val="50000"/>
+    <a:lumOff val="50000"/>
+  </cs:variation>
+</cs:colorStyle>
+</file>
+
+<file path=ppt/charts/colors2.xml><?xml version="1.0" encoding="utf-8"?>
+<cs:colorStyle xmlns:cs="http://schemas.microsoft.com/office/drawing/2012/chartStyle" xmlns:a="http://schemas.openxmlformats.org/drawingml/2006/main" meth="cycle" id="10">
+  <a:schemeClr val="accent1"/>
+  <a:schemeClr val="accent2"/>
+  <a:schemeClr val="accent3"/>
+  <a:schemeClr val="accent4"/>
+  <a:schemeClr val="accent5"/>
+  <a:schemeClr val="accent6"/>
+  <cs:variation/>
+  <cs:variation>
+    <a:lumMod val="60000"/>
+  </cs:variation>
+  <cs:variation>
+    <a:lumMod val="80000"/>
+    <a:lumOff val="20000"/>
+  </cs:variation>
+  <cs:variation>
+    <a:lumMod val="80000"/>
+  </cs:variation>
+  <cs:variation>
+    <a:lumMod val="60000"/>
+    <a:lumOff val="40000"/>
+  </cs:variation>
+  <cs:variation>
+    <a:lumMod val="50000"/>
+  </cs:variation>
+  <cs:variation>
+    <a:lumMod val="70000"/>
+    <a:lumOff val="30000"/>
+  </cs:variation>
+  <cs:variation>
+    <a:lumMod val="70000"/>
+  </cs:variation>
+  <cs:variation>
+    <a:lumMod val="50000"/>
+    <a:lumOff val="50000"/>
+  </cs:variation>
+</cs:colorStyle>
+</file>
+
+<file path=ppt/charts/colors3.xml><?xml version="1.0" encoding="utf-8"?>
+<cs:colorStyle xmlns:cs="http://schemas.microsoft.com/office/drawing/2012/chartStyle" xmlns:a="http://schemas.openxmlformats.org/drawingml/2006/main" meth="cycle" id="10">
+  <a:schemeClr val="accent1"/>
+  <a:schemeClr val="accent2"/>
+  <a:schemeClr val="accent3"/>
+  <a:schemeClr val="accent4"/>
+  <a:schemeClr val="accent5"/>
+  <a:schemeClr val="accent6"/>
+  <cs:variation/>
+  <cs:variation>
+    <a:lumMod val="60000"/>
+  </cs:variation>
+  <cs:variation>
+    <a:lumMod val="80000"/>
+    <a:lumOff val="20000"/>
+  </cs:variation>
+  <cs:variation>
+    <a:lumMod val="80000"/>
+  </cs:variation>
+  <cs:variation>
+    <a:lumMod val="60000"/>
+    <a:lumOff val="40000"/>
+  </cs:variation>
+  <cs:variation>
+    <a:lumMod val="50000"/>
+  </cs:variation>
+  <cs:variation>
+    <a:lumMod val="70000"/>
+    <a:lumOff val="30000"/>
+  </cs:variation>
+  <cs:variation>
+    <a:lumMod val="70000"/>
+  </cs:variation>
+  <cs:variation>
+    <a:lumMod val="50000"/>
+    <a:lumOff val="50000"/>
+  </cs:variation>
+</cs:colorStyle>
+</file>
+
+<file path=ppt/charts/colors4.xml><?xml version="1.0" encoding="utf-8"?>
+<cs:colorStyle xmlns:cs="http://schemas.microsoft.com/office/drawing/2012/chartStyle" xmlns:a="http://schemas.openxmlformats.org/drawingml/2006/main" meth="cycle" id="10">
+  <a:schemeClr val="accent1"/>
+  <a:schemeClr val="accent2"/>
+  <a:schemeClr val="accent3"/>
+  <a:schemeClr val="accent4"/>
+  <a:schemeClr val="accent5"/>
+  <a:schemeClr val="accent6"/>
+  <cs:variation/>
+  <cs:variation>
+    <a:lumMod val="60000"/>
+  </cs:variation>
+  <cs:variation>
+    <a:lumMod val="80000"/>
+    <a:lumOff val="20000"/>
+  </cs:variation>
+  <cs:variation>
+    <a:lumMod val="80000"/>
+  </cs:variation>
+  <cs:variation>
+    <a:lumMod val="60000"/>
+    <a:lumOff val="40000"/>
+  </cs:variation>
+  <cs:variation>
+    <a:lumMod val="50000"/>
+  </cs:variation>
+  <cs:variation>
+    <a:lumMod val="70000"/>
+    <a:lumOff val="30000"/>
+  </cs:variation>
+  <cs:variation>
+    <a:lumMod val="70000"/>
+  </cs:variation>
+  <cs:variation>
+    <a:lumMod val="50000"/>
+    <a:lumOff val="50000"/>
+  </cs:variation>
+</cs:colorStyle>
+</file>
+
+<file path=ppt/charts/style1.xml><?xml version="1.0" encoding="utf-8"?>
+<cs:chartStyle xmlns:cs="http://schemas.microsoft.com/office/drawing/2012/chartStyle" xmlns:a="http://schemas.openxmlformats.org/drawingml/2006/main" id="332">
+  <cs:axisTitle>
+    <cs:lnRef idx="0"/>
+    <cs:fillRef idx="0"/>
+    <cs:effectRef idx="0"/>
+    <cs:fontRef idx="minor">
+      <a:schemeClr val="tx1">
+        <a:lumMod val="65000"/>
+        <a:lumOff val="35000"/>
+      </a:schemeClr>
+    </cs:fontRef>
+    <cs:defRPr sz="1000" kern="1200"/>
+  </cs:axisTitle>
+  <cs:categoryAxis>
+    <cs:lnRef idx="0"/>
+    <cs:fillRef idx="0"/>
+    <cs:effectRef idx="0"/>
+    <cs:fontRef idx="minor">
+      <a:schemeClr val="tx1">
+        <a:lumMod val="65000"/>
+        <a:lumOff val="35000"/>
+      </a:schemeClr>
+    </cs:fontRef>
+    <cs:spPr>
+      <a:ln w="9525" cap="flat" cmpd="sng" algn="ctr">
+        <a:solidFill>
+          <a:schemeClr val="tx1">
+            <a:lumMod val="15000"/>
+            <a:lumOff val="85000"/>
+          </a:schemeClr>
+        </a:solidFill>
+        <a:round/>
+      </a:ln>
+    </cs:spPr>
+    <cs:defRPr sz="900" kern="1200"/>
+  </cs:categoryAxis>
+  <cs:chartArea mods="allowNoFillOverride allowNoLineOverride">
+    <cs:lnRef idx="0"/>
+    <cs:fillRef idx="0"/>
+    <cs:effectRef idx="0"/>
+    <cs:fontRef idx="minor">
+      <a:schemeClr val="tx1"/>
+    </cs:fontRef>
+    <cs:spPr>
+      <a:solidFill>
+        <a:schemeClr val="bg1"/>
+      </a:solidFill>
+      <a:ln w="9525" cap="flat" cmpd="sng" algn="ctr">
+        <a:solidFill>
+          <a:schemeClr val="tx1">
+            <a:lumMod val="15000"/>
+            <a:lumOff val="85000"/>
+          </a:schemeClr>
+        </a:solidFill>
+        <a:round/>
+      </a:ln>
+    </cs:spPr>
+    <cs:defRPr sz="1000" kern="1200"/>
+  </cs:chartArea>
+  <cs:dataLabel>
+    <cs:lnRef idx="0"/>
+    <cs:fillRef idx="0"/>
+    <cs:effectRef idx="0"/>
+    <cs:fontRef idx="minor">
+      <a:schemeClr val="tx1">
+        <a:lumMod val="75000"/>
+        <a:lumOff val="25000"/>
+      </a:schemeClr>
+    </cs:fontRef>
+    <cs:defRPr sz="900" kern="1200"/>
+  </cs:dataLabel>
+  <cs:dataLabelCallout>
+    <cs:lnRef idx="0"/>
+    <cs:fillRef idx="0"/>
+    <cs:effectRef idx="0"/>
+    <cs:fontRef idx="minor">
+      <a:schemeClr val="dk1">
+        <a:lumMod val="65000"/>
+        <a:lumOff val="35000"/>
+      </a:schemeClr>
+    </cs:fontRef>
+    <cs:spPr>
+      <a:solidFill>
+        <a:schemeClr val="lt1"/>
+      </a:solidFill>
+      <a:ln>
+        <a:solidFill>
+          <a:schemeClr val="dk1">
+            <a:lumMod val="25000"/>
+            <a:lumOff val="75000"/>
+          </a:schemeClr>
+        </a:solidFill>
+      </a:ln>
+    </cs:spPr>
+    <cs:defRPr sz="900" kern="1200"/>
+    <cs:bodyPr rot="0" spcFirstLastPara="1" vertOverflow="clip" horzOverflow="clip" vert="horz" wrap="square" lIns="36576" tIns="18288" rIns="36576" bIns="18288" anchor="ctr" anchorCtr="1">
+      <a:spAutoFit/>
+    </cs:bodyPr>
+  </cs:dataLabelCallout>
+  <cs:dataPoint>
+    <cs:lnRef idx="0"/>
+    <cs:fillRef idx="1">
+      <cs:styleClr val="auto"/>
+    </cs:fillRef>
+    <cs:effectRef idx="0"/>
+    <cs:fontRef idx="minor">
+      <a:schemeClr val="tx1"/>
+    </cs:fontRef>
+  </cs:dataPoint>
+  <cs:dataPoint3D>
+    <cs:lnRef idx="0"/>
+    <cs:fillRef idx="1">
+      <cs:styleClr val="auto"/>
+    </cs:fillRef>
+    <cs:effectRef idx="0"/>
+    <cs:fontRef idx="minor">
+      <a:schemeClr val="tx1"/>
+    </cs:fontRef>
+  </cs:dataPoint3D>
+  <cs:dataPointLine>
+    <cs:lnRef idx="0">
+      <cs:styleClr val="auto"/>
+    </cs:lnRef>
+    <cs:fillRef idx="1"/>
+    <cs:effectRef idx="0"/>
+    <cs:fontRef idx="minor">
+      <a:schemeClr val="tx1"/>
+    </cs:fontRef>
+    <cs:spPr>
+      <a:ln w="28575" cap="rnd">
+        <a:solidFill>
+          <a:schemeClr val="phClr"/>
+        </a:solidFill>
+        <a:round/>
+      </a:ln>
+    </cs:spPr>
+  </cs:dataPointLine>
+  <cs:dataPointMarker>
+    <cs:lnRef idx="0">
+      <cs:styleClr val="auto"/>
+    </cs:lnRef>
+    <cs:fillRef idx="1">
+      <cs:styleClr val="auto"/>
+    </cs:fillRef>
+    <cs:effectRef idx="0"/>
+    <cs:fontRef idx="minor">
+      <a:schemeClr val="tx1"/>
+    </cs:fontRef>
+    <cs:spPr>
+      <a:ln w="9525">
+        <a:solidFill>
+          <a:schemeClr val="phClr"/>
+        </a:solidFill>
+      </a:ln>
+    </cs:spPr>
+  </cs:dataPointMarker>
+  <cs:dataPointMarkerLayout symbol="circle" size="5"/>
+  <cs:dataPointWireframe>
+    <cs:lnRef idx="0">
+      <cs:styleClr val="auto"/>
+    </cs:lnRef>
+    <cs:fillRef idx="1"/>
+    <cs:effectRef idx="0"/>
+    <cs:fontRef idx="minor">
+      <a:schemeClr val="tx1"/>
+    </cs:fontRef>
+    <cs:spPr>
+      <a:ln w="9525" cap="rnd">
+        <a:solidFill>
+          <a:schemeClr val="phClr"/>
+        </a:solidFill>
+        <a:round/>
+      </a:ln>
+    </cs:spPr>
+  </cs:dataPointWireframe>
+  <cs:dataTable>
+    <cs:lnRef idx="0"/>
+    <cs:fillRef idx="0"/>
+    <cs:effectRef idx="0"/>
+    <cs:fontRef idx="minor">
+      <a:schemeClr val="tx1">
+        <a:lumMod val="65000"/>
+        <a:lumOff val="35000"/>
+      </a:schemeClr>
+    </cs:fontRef>
+    <cs:spPr>
+      <a:noFill/>
+      <a:ln w="9525" cap="flat" cmpd="sng" algn="ctr">
+        <a:solidFill>
+          <a:schemeClr val="tx1">
+            <a:lumMod val="15000"/>
+            <a:lumOff val="85000"/>
+          </a:schemeClr>
+        </a:solidFill>
+        <a:round/>
+      </a:ln>
+    </cs:spPr>
+    <cs:defRPr sz="900" kern="1200"/>
+  </cs:dataTable>
+  <cs:downBar>
+    <cs:lnRef idx="0"/>
+    <cs:fillRef idx="0"/>
+    <cs:effectRef idx="0"/>
+    <cs:fontRef idx="minor">
+      <a:schemeClr val="dk1"/>
+    </cs:fontRef>
+    <cs:spPr>
+      <a:solidFill>
+        <a:schemeClr val="dk1">
+          <a:lumMod val="65000"/>
+          <a:lumOff val="35000"/>
+        </a:schemeClr>
+      </a:solidFill>
+      <a:ln w="9525">
+        <a:solidFill>
+          <a:schemeClr val="tx1">
+            <a:lumMod val="65000"/>
+            <a:lumOff val="35000"/>
+          </a:schemeClr>
+        </a:solidFill>
+      </a:ln>
+    </cs:spPr>
+  </cs:downBar>
+  <cs:dropLine>
+    <cs:lnRef idx="0"/>
+    <cs:fillRef idx="0"/>
+    <cs:effectRef idx="0"/>
+    <cs:fontRef idx="minor">
+      <a:schemeClr val="tx1"/>
+    </cs:fontRef>
+    <cs:spPr>
+      <a:ln w="9525" cap="flat" cmpd="sng" algn="ctr">
+        <a:solidFill>
+          <a:schemeClr val="tx1">
+            <a:lumMod val="35000"/>
+            <a:lumOff val="65000"/>
+          </a:schemeClr>
+        </a:solidFill>
+        <a:round/>
+      </a:ln>
+    </cs:spPr>
+  </cs:dropLine>
+  <cs:errorBar>
+    <cs:lnRef idx="0"/>
+    <cs:fillRef idx="0"/>
+    <cs:effectRef idx="0"/>
+    <cs:fontRef idx="minor">
+      <a:schemeClr val="tx1"/>
+    </cs:fontRef>
+    <cs:spPr>
+      <a:ln w="9525" cap="flat" cmpd="sng" algn="ctr">
+        <a:solidFill>
+          <a:schemeClr val="tx1">
+            <a:lumMod val="65000"/>
+            <a:lumOff val="35000"/>
+          </a:schemeClr>
+        </a:solidFill>
+        <a:round/>
+      </a:ln>
+    </cs:spPr>
+  </cs:errorBar>
+  <cs:floor>
+    <cs:lnRef idx="0"/>
+    <cs:fillRef idx="0"/>
+    <cs:effectRef idx="0"/>
+    <cs:fontRef idx="minor">
+      <a:schemeClr val="tx1"/>
+    </cs:fontRef>
+    <cs:spPr>
+      <a:noFill/>
+      <a:ln>
+        <a:noFill/>
+      </a:ln>
+    </cs:spPr>
+  </cs:floor>
+  <cs:gridlineMajor>
+    <cs:lnRef idx="0"/>
+    <cs:fillRef idx="0"/>
+    <cs:effectRef idx="0"/>
+    <cs:fontRef idx="minor">
+      <a:schemeClr val="tx1"/>
+    </cs:fontRef>
+    <cs:spPr>
+      <a:ln w="9525" cap="flat" cmpd="sng" algn="ctr">
+        <a:solidFill>
+          <a:schemeClr val="tx1">
+            <a:lumMod val="15000"/>
+            <a:lumOff val="85000"/>
+          </a:schemeClr>
+        </a:solidFill>
+        <a:round/>
+      </a:ln>
+    </cs:spPr>
+  </cs:gridlineMajor>
+  <cs:gridlineMinor>
+    <cs:lnRef idx="0"/>
+    <cs:fillRef idx="0"/>
+    <cs:effectRef idx="0"/>
+    <cs:fontRef idx="minor">
+      <a:schemeClr val="tx1"/>
+    </cs:fontRef>
+    <cs:spPr>
+      <a:ln w="9525" cap="flat" cmpd="sng" algn="ctr">
+        <a:solidFill>
+          <a:schemeClr val="tx1">
+            <a:lumMod val="5000"/>
+            <a:lumOff val="95000"/>
+          </a:schemeClr>
+        </a:solidFill>
+        <a:round/>
+      </a:ln>
+    </cs:spPr>
+  </cs:gridlineMinor>
+  <cs:hiLoLine>
+    <cs:lnRef idx="0"/>
+    <cs:fillRef idx="0"/>
+    <cs:effectRef idx="0"/>
+    <cs:fontRef idx="minor">
+      <a:schemeClr val="tx1"/>
+    </cs:fontRef>
+    <cs:spPr>
+      <a:ln w="9525" cap="flat" cmpd="sng" algn="ctr">
+        <a:solidFill>
+          <a:schemeClr val="tx1">
+            <a:lumMod val="75000"/>
+            <a:lumOff val="25000"/>
+          </a:schemeClr>
+        </a:solidFill>
+        <a:round/>
+      </a:ln>
+    </cs:spPr>
+  </cs:hiLoLine>
+  <cs:leaderLine>
+    <cs:lnRef idx="0"/>
+    <cs:fillRef idx="0"/>
+    <cs:effectRef idx="0"/>
+    <cs:fontRef idx="minor">
+      <a:schemeClr val="tx1"/>
+    </cs:fontRef>
+    <cs:spPr>
+      <a:ln w="9525" cap="flat" cmpd="sng" algn="ctr">
+        <a:solidFill>
+          <a:schemeClr val="tx1">
+            <a:lumMod val="35000"/>
+            <a:lumOff val="65000"/>
+          </a:schemeClr>
+        </a:solidFill>
+        <a:round/>
+      </a:ln>
+    </cs:spPr>
+  </cs:leaderLine>
+  <cs:legend>
+    <cs:lnRef idx="0"/>
+    <cs:fillRef idx="0"/>
+    <cs:effectRef idx="0"/>
+    <cs:fontRef idx="minor">
+      <a:schemeClr val="tx1">
+        <a:lumMod val="65000"/>
+        <a:lumOff val="35000"/>
+      </a:schemeClr>
+    </cs:fontRef>
+    <cs:defRPr sz="900" kern="1200"/>
+  </cs:legend>
+  <cs:plotArea mods="allowNoFillOverride allowNoLineOverride">
+    <cs:lnRef idx="0"/>
+    <cs:fillRef idx="0"/>
+    <cs:effectRef idx="0"/>
+    <cs:fontRef idx="minor">
+      <a:schemeClr val="tx1"/>
+    </cs:fontRef>
+  </cs:plotArea>
+  <cs:plotArea3D mods="allowNoFillOverride allowNoLineOverride">
+    <cs:lnRef idx="0"/>
+    <cs:fillRef idx="0"/>
+    <cs:effectRef idx="0"/>
+    <cs:fontRef idx="minor">
+      <a:schemeClr val="tx1"/>
+    </cs:fontRef>
+  </cs:plotArea3D>
+  <cs:seriesAxis>
+    <cs:lnRef idx="0"/>
+    <cs:fillRef idx="0"/>
+    <cs:effectRef idx="0"/>
+    <cs:fontRef idx="minor">
+      <a:schemeClr val="tx1">
+        <a:lumMod val="65000"/>
+        <a:lumOff val="35000"/>
+      </a:schemeClr>
+    </cs:fontRef>
+    <cs:defRPr sz="900" kern="1200"/>
+  </cs:seriesAxis>
+  <cs:seriesLine>
+    <cs:lnRef idx="0"/>
+    <cs:fillRef idx="0"/>
+    <cs:effectRef idx="0"/>
+    <cs:fontRef idx="minor">
+      <a:schemeClr val="tx1"/>
+    </cs:fontRef>
+    <cs:spPr>
+      <a:ln w="9525" cap="flat" cmpd="sng" algn="ctr">
+        <a:solidFill>
+          <a:schemeClr val="tx1">
+            <a:lumMod val="35000"/>
+            <a:lumOff val="65000"/>
+          </a:schemeClr>
+        </a:solidFill>
+        <a:round/>
+      </a:ln>
+    </cs:spPr>
+  </cs:seriesLine>
+  <cs:title>
+    <cs:lnRef idx="0"/>
+    <cs:fillRef idx="0"/>
+    <cs:effectRef idx="0"/>
+    <cs:fontRef idx="minor">
+      <a:schemeClr val="tx1">
+        <a:lumMod val="65000"/>
+        <a:lumOff val="35000"/>
+      </a:schemeClr>
+    </cs:fontRef>
+    <cs:defRPr sz="1400" b="0" kern="1200" spc="0" baseline="0"/>
+  </cs:title>
+  <cs:trendline>
+    <cs:lnRef idx="0">
+      <cs:styleClr val="auto"/>
+    </cs:lnRef>
+    <cs:fillRef idx="0"/>
+    <cs:effectRef idx="0"/>
+    <cs:fontRef idx="minor">
+      <a:schemeClr val="tx1"/>
+    </cs:fontRef>
+    <cs:spPr>
+      <a:ln w="19050" cap="rnd">
+        <a:solidFill>
+          <a:schemeClr val="phClr"/>
+        </a:solidFill>
+        <a:prstDash val="sysDot"/>
+      </a:ln>
+    </cs:spPr>
+  </cs:trendline>
+  <cs:trendlineLabel>
+    <cs:lnRef idx="0"/>
+    <cs:fillRef idx="0"/>
+    <cs:effectRef idx="0"/>
+    <cs:fontRef idx="minor">
+      <a:schemeClr val="tx1">
+        <a:lumMod val="65000"/>
+        <a:lumOff val="35000"/>
+      </a:schemeClr>
+    </cs:fontRef>
+    <cs:defRPr sz="900" kern="1200"/>
+  </cs:trendlineLabel>
+  <cs:upBar>
+    <cs:lnRef idx="0"/>
+    <cs:fillRef idx="0"/>
+    <cs:effectRef idx="0"/>
+    <cs:fontRef idx="minor">
+      <a:schemeClr val="dk1"/>
+    </cs:fontRef>
+    <cs:spPr>
+      <a:solidFill>
+        <a:schemeClr val="lt1"/>
+      </a:solidFill>
+      <a:ln w="9525">
+        <a:solidFill>
+          <a:schemeClr val="tx1">
+            <a:lumMod val="15000"/>
+            <a:lumOff val="85000"/>
+          </a:schemeClr>
+        </a:solidFill>
+      </a:ln>
+    </cs:spPr>
+  </cs:upBar>
+  <cs:valueAxis>
+    <cs:lnRef idx="0"/>
+    <cs:fillRef idx="0"/>
+    <cs:effectRef idx="0"/>
+    <cs:fontRef idx="minor">
+      <a:schemeClr val="tx1">
+        <a:lumMod val="65000"/>
+        <a:lumOff val="35000"/>
+      </a:schemeClr>
+    </cs:fontRef>
+    <cs:defRPr sz="900" kern="1200"/>
+  </cs:valueAxis>
+  <cs:wall>
+    <cs:lnRef idx="0"/>
+    <cs:fillRef idx="0"/>
+    <cs:effectRef idx="0"/>
+    <cs:fontRef idx="minor">
+      <a:schemeClr val="tx1"/>
+    </cs:fontRef>
+    <cs:spPr>
+      <a:noFill/>
+      <a:ln>
+        <a:noFill/>
+      </a:ln>
+    </cs:spPr>
+  </cs:wall>
+</cs:chartStyle>
+</file>
+
+<file path=ppt/charts/style2.xml><?xml version="1.0" encoding="utf-8"?>
+<cs:chartStyle xmlns:cs="http://schemas.microsoft.com/office/drawing/2012/chartStyle" xmlns:a="http://schemas.openxmlformats.org/drawingml/2006/main" id="332">
+  <cs:axisTitle>
+    <cs:lnRef idx="0"/>
+    <cs:fillRef idx="0"/>
+    <cs:effectRef idx="0"/>
+    <cs:fontRef idx="minor">
+      <a:schemeClr val="tx1">
+        <a:lumMod val="65000"/>
+        <a:lumOff val="35000"/>
+      </a:schemeClr>
+    </cs:fontRef>
+    <cs:defRPr sz="1000" kern="1200"/>
+  </cs:axisTitle>
+  <cs:categoryAxis>
+    <cs:lnRef idx="0"/>
+    <cs:fillRef idx="0"/>
+    <cs:effectRef idx="0"/>
+    <cs:fontRef idx="minor">
+      <a:schemeClr val="tx1">
+        <a:lumMod val="65000"/>
+        <a:lumOff val="35000"/>
+      </a:schemeClr>
+    </cs:fontRef>
+    <cs:spPr>
+      <a:ln w="9525" cap="flat" cmpd="sng" algn="ctr">
+        <a:solidFill>
+          <a:schemeClr val="tx1">
+            <a:lumMod val="15000"/>
+            <a:lumOff val="85000"/>
+          </a:schemeClr>
+        </a:solidFill>
+        <a:round/>
+      </a:ln>
+    </cs:spPr>
+    <cs:defRPr sz="900" kern="1200"/>
+  </cs:categoryAxis>
+  <cs:chartArea mods="allowNoFillOverride allowNoLineOverride">
+    <cs:lnRef idx="0"/>
+    <cs:fillRef idx="0"/>
+    <cs:effectRef idx="0"/>
+    <cs:fontRef idx="minor">
+      <a:schemeClr val="tx1"/>
+    </cs:fontRef>
+    <cs:spPr>
+      <a:solidFill>
+        <a:schemeClr val="bg1"/>
+      </a:solidFill>
+      <a:ln w="9525" cap="flat" cmpd="sng" algn="ctr">
+        <a:solidFill>
+          <a:schemeClr val="tx1">
+            <a:lumMod val="15000"/>
+            <a:lumOff val="85000"/>
+          </a:schemeClr>
+        </a:solidFill>
+        <a:round/>
+      </a:ln>
+    </cs:spPr>
+    <cs:defRPr sz="1000" kern="1200"/>
+  </cs:chartArea>
+  <cs:dataLabel>
+    <cs:lnRef idx="0"/>
+    <cs:fillRef idx="0"/>
+    <cs:effectRef idx="0"/>
+    <cs:fontRef idx="minor">
+      <a:schemeClr val="tx1">
+        <a:lumMod val="75000"/>
+        <a:lumOff val="25000"/>
+      </a:schemeClr>
+    </cs:fontRef>
+    <cs:defRPr sz="900" kern="1200"/>
+  </cs:dataLabel>
+  <cs:dataLabelCallout>
+    <cs:lnRef idx="0"/>
+    <cs:fillRef idx="0"/>
+    <cs:effectRef idx="0"/>
+    <cs:fontRef idx="minor">
+      <a:schemeClr val="dk1">
+        <a:lumMod val="65000"/>
+        <a:lumOff val="35000"/>
+      </a:schemeClr>
+    </cs:fontRef>
+    <cs:spPr>
+      <a:solidFill>
+        <a:schemeClr val="lt1"/>
+      </a:solidFill>
+      <a:ln>
+        <a:solidFill>
+          <a:schemeClr val="dk1">
+            <a:lumMod val="25000"/>
+            <a:lumOff val="75000"/>
+          </a:schemeClr>
+        </a:solidFill>
+      </a:ln>
+    </cs:spPr>
+    <cs:defRPr sz="900" kern="1200"/>
+    <cs:bodyPr rot="0" spcFirstLastPara="1" vertOverflow="clip" horzOverflow="clip" vert="horz" wrap="square" lIns="36576" tIns="18288" rIns="36576" bIns="18288" anchor="ctr" anchorCtr="1">
+      <a:spAutoFit/>
+    </cs:bodyPr>
+  </cs:dataLabelCallout>
+  <cs:dataPoint>
+    <cs:lnRef idx="0"/>
+    <cs:fillRef idx="1">
+      <cs:styleClr val="auto"/>
+    </cs:fillRef>
+    <cs:effectRef idx="0"/>
+    <cs:fontRef idx="minor">
+      <a:schemeClr val="tx1"/>
+    </cs:fontRef>
+  </cs:dataPoint>
+  <cs:dataPoint3D>
+    <cs:lnRef idx="0"/>
+    <cs:fillRef idx="1">
+      <cs:styleClr val="auto"/>
+    </cs:fillRef>
+    <cs:effectRef idx="0"/>
+    <cs:fontRef idx="minor">
+      <a:schemeClr val="tx1"/>
+    </cs:fontRef>
+  </cs:dataPoint3D>
+  <cs:dataPointLine>
+    <cs:lnRef idx="0">
+      <cs:styleClr val="auto"/>
+    </cs:lnRef>
+    <cs:fillRef idx="1"/>
+    <cs:effectRef idx="0"/>
+    <cs:fontRef idx="minor">
+      <a:schemeClr val="tx1"/>
+    </cs:fontRef>
+    <cs:spPr>
+      <a:ln w="28575" cap="rnd">
+        <a:solidFill>
+          <a:schemeClr val="phClr"/>
+        </a:solidFill>
+        <a:round/>
+      </a:ln>
+    </cs:spPr>
+  </cs:dataPointLine>
+  <cs:dataPointMarker>
+    <cs:lnRef idx="0">
+      <cs:styleClr val="auto"/>
+    </cs:lnRef>
+    <cs:fillRef idx="1">
+      <cs:styleClr val="auto"/>
+    </cs:fillRef>
+    <cs:effectRef idx="0"/>
+    <cs:fontRef idx="minor">
+      <a:schemeClr val="tx1"/>
+    </cs:fontRef>
+    <cs:spPr>
+      <a:ln w="9525">
+        <a:solidFill>
+          <a:schemeClr val="phClr"/>
+        </a:solidFill>
+      </a:ln>
+    </cs:spPr>
+  </cs:dataPointMarker>
+  <cs:dataPointMarkerLayout symbol="circle" size="5"/>
+  <cs:dataPointWireframe>
+    <cs:lnRef idx="0">
+      <cs:styleClr val="auto"/>
+    </cs:lnRef>
+    <cs:fillRef idx="1"/>
+    <cs:effectRef idx="0"/>
+    <cs:fontRef idx="minor">
+      <a:schemeClr val="tx1"/>
+    </cs:fontRef>
+    <cs:spPr>
+      <a:ln w="9525" cap="rnd">
+        <a:solidFill>
+          <a:schemeClr val="phClr"/>
+        </a:solidFill>
+        <a:round/>
+      </a:ln>
+    </cs:spPr>
+  </cs:dataPointWireframe>
+  <cs:dataTable>
+    <cs:lnRef idx="0"/>
+    <cs:fillRef idx="0"/>
+    <cs:effectRef idx="0"/>
+    <cs:fontRef idx="minor">
+      <a:schemeClr val="tx1">
+        <a:lumMod val="65000"/>
+        <a:lumOff val="35000"/>
+      </a:schemeClr>
+    </cs:fontRef>
+    <cs:spPr>
+      <a:noFill/>
+      <a:ln w="9525" cap="flat" cmpd="sng" algn="ctr">
+        <a:solidFill>
+          <a:schemeClr val="tx1">
+            <a:lumMod val="15000"/>
+            <a:lumOff val="85000"/>
+          </a:schemeClr>
+        </a:solidFill>
+        <a:round/>
+      </a:ln>
+    </cs:spPr>
+    <cs:defRPr sz="900" kern="1200"/>
+  </cs:dataTable>
+  <cs:downBar>
+    <cs:lnRef idx="0"/>
+    <cs:fillRef idx="0"/>
+    <cs:effectRef idx="0"/>
+    <cs:fontRef idx="minor">
+      <a:schemeClr val="dk1"/>
+    </cs:fontRef>
+    <cs:spPr>
+      <a:solidFill>
+        <a:schemeClr val="dk1">
+          <a:lumMod val="65000"/>
+          <a:lumOff val="35000"/>
+        </a:schemeClr>
+      </a:solidFill>
+      <a:ln w="9525">
+        <a:solidFill>
+          <a:schemeClr val="tx1">
+            <a:lumMod val="65000"/>
+            <a:lumOff val="35000"/>
+          </a:schemeClr>
+        </a:solidFill>
+      </a:ln>
+    </cs:spPr>
+  </cs:downBar>
+  <cs:dropLine>
+    <cs:lnRef idx="0"/>
+    <cs:fillRef idx="0"/>
+    <cs:effectRef idx="0"/>
+    <cs:fontRef idx="minor">
+      <a:schemeClr val="tx1"/>
+    </cs:fontRef>
+    <cs:spPr>
+      <a:ln w="9525" cap="flat" cmpd="sng" algn="ctr">
+        <a:solidFill>
+          <a:schemeClr val="tx1">
+            <a:lumMod val="35000"/>
+            <a:lumOff val="65000"/>
+          </a:schemeClr>
+        </a:solidFill>
+        <a:round/>
+      </a:ln>
+    </cs:spPr>
+  </cs:dropLine>
+  <cs:errorBar>
+    <cs:lnRef idx="0"/>
+    <cs:fillRef idx="0"/>
+    <cs:effectRef idx="0"/>
+    <cs:fontRef idx="minor">
+      <a:schemeClr val="tx1"/>
+    </cs:fontRef>
+    <cs:spPr>
+      <a:ln w="9525" cap="flat" cmpd="sng" algn="ctr">
+        <a:solidFill>
+          <a:schemeClr val="tx1">
+            <a:lumMod val="65000"/>
+            <a:lumOff val="35000"/>
+          </a:schemeClr>
+        </a:solidFill>
+        <a:round/>
+      </a:ln>
+    </cs:spPr>
+  </cs:errorBar>
+  <cs:floor>
+    <cs:lnRef idx="0"/>
+    <cs:fillRef idx="0"/>
+    <cs:effectRef idx="0"/>
+    <cs:fontRef idx="minor">
+      <a:schemeClr val="tx1"/>
+    </cs:fontRef>
+    <cs:spPr>
+      <a:noFill/>
+      <a:ln>
+        <a:noFill/>
+      </a:ln>
+    </cs:spPr>
+  </cs:floor>
+  <cs:gridlineMajor>
+    <cs:lnRef idx="0"/>
+    <cs:fillRef idx="0"/>
+    <cs:effectRef idx="0"/>
+    <cs:fontRef idx="minor">
+      <a:schemeClr val="tx1"/>
+    </cs:fontRef>
+    <cs:spPr>
+      <a:ln w="9525" cap="flat" cmpd="sng" algn="ctr">
+        <a:solidFill>
+          <a:schemeClr val="tx1">
+            <a:lumMod val="15000"/>
+            <a:lumOff val="85000"/>
+          </a:schemeClr>
+        </a:solidFill>
+        <a:round/>
+      </a:ln>
+    </cs:spPr>
+  </cs:gridlineMajor>
+  <cs:gridlineMinor>
+    <cs:lnRef idx="0"/>
+    <cs:fillRef idx="0"/>
+    <cs:effectRef idx="0"/>
+    <cs:fontRef idx="minor">
+      <a:schemeClr val="tx1"/>
+    </cs:fontRef>
+    <cs:spPr>
+      <a:ln w="9525" cap="flat" cmpd="sng" algn="ctr">
+        <a:solidFill>
+          <a:schemeClr val="tx1">
+            <a:lumMod val="5000"/>
+            <a:lumOff val="95000"/>
+          </a:schemeClr>
+        </a:solidFill>
+        <a:round/>
+      </a:ln>
+    </cs:spPr>
+  </cs:gridlineMinor>
+  <cs:hiLoLine>
+    <cs:lnRef idx="0"/>
+    <cs:fillRef idx="0"/>
+    <cs:effectRef idx="0"/>
+    <cs:fontRef idx="minor">
+      <a:schemeClr val="tx1"/>
+    </cs:fontRef>
+    <cs:spPr>
+      <a:ln w="9525" cap="flat" cmpd="sng" algn="ctr">
+        <a:solidFill>
+          <a:schemeClr val="tx1">
+            <a:lumMod val="75000"/>
+            <a:lumOff val="25000"/>
+          </a:schemeClr>
+        </a:solidFill>
+        <a:round/>
+      </a:ln>
+    </cs:spPr>
+  </cs:hiLoLine>
+  <cs:leaderLine>
+    <cs:lnRef idx="0"/>
+    <cs:fillRef idx="0"/>
+    <cs:effectRef idx="0"/>
+    <cs:fontRef idx="minor">
+      <a:schemeClr val="tx1"/>
+    </cs:fontRef>
+    <cs:spPr>
+      <a:ln w="9525" cap="flat" cmpd="sng" algn="ctr">
+        <a:solidFill>
+          <a:schemeClr val="tx1">
+            <a:lumMod val="35000"/>
+            <a:lumOff val="65000"/>
+          </a:schemeClr>
+        </a:solidFill>
+        <a:round/>
+      </a:ln>
+    </cs:spPr>
+  </cs:leaderLine>
+  <cs:legend>
+    <cs:lnRef idx="0"/>
+    <cs:fillRef idx="0"/>
+    <cs:effectRef idx="0"/>
+    <cs:fontRef idx="minor">
+      <a:schemeClr val="tx1">
+        <a:lumMod val="65000"/>
+        <a:lumOff val="35000"/>
+      </a:schemeClr>
+    </cs:fontRef>
+    <cs:defRPr sz="900" kern="1200"/>
+  </cs:legend>
+  <cs:plotArea mods="allowNoFillOverride allowNoLineOverride">
+    <cs:lnRef idx="0"/>
+    <cs:fillRef idx="0"/>
+    <cs:effectRef idx="0"/>
+    <cs:fontRef idx="minor">
+      <a:schemeClr val="tx1"/>
+    </cs:fontRef>
+  </cs:plotArea>
+  <cs:plotArea3D mods="allowNoFillOverride allowNoLineOverride">
+    <cs:lnRef idx="0"/>
+    <cs:fillRef idx="0"/>
+    <cs:effectRef idx="0"/>
+    <cs:fontRef idx="minor">
+      <a:schemeClr val="tx1"/>
+    </cs:fontRef>
+  </cs:plotArea3D>
+  <cs:seriesAxis>
+    <cs:lnRef idx="0"/>
+    <cs:fillRef idx="0"/>
+    <cs:effectRef idx="0"/>
+    <cs:fontRef idx="minor">
+      <a:schemeClr val="tx1">
+        <a:lumMod val="65000"/>
+        <a:lumOff val="35000"/>
+      </a:schemeClr>
+    </cs:fontRef>
+    <cs:defRPr sz="900" kern="1200"/>
+  </cs:seriesAxis>
+  <cs:seriesLine>
+    <cs:lnRef idx="0"/>
+    <cs:fillRef idx="0"/>
+    <cs:effectRef idx="0"/>
+    <cs:fontRef idx="minor">
+      <a:schemeClr val="tx1"/>
+    </cs:fontRef>
+    <cs:spPr>
+      <a:ln w="9525" cap="flat" cmpd="sng" algn="ctr">
+        <a:solidFill>
+          <a:schemeClr val="tx1">
+            <a:lumMod val="35000"/>
+            <a:lumOff val="65000"/>
+          </a:schemeClr>
+        </a:solidFill>
+        <a:round/>
+      </a:ln>
+    </cs:spPr>
+  </cs:seriesLine>
+  <cs:title>
+    <cs:lnRef idx="0"/>
+    <cs:fillRef idx="0"/>
+    <cs:effectRef idx="0"/>
+    <cs:fontRef idx="minor">
+      <a:schemeClr val="tx1">
+        <a:lumMod val="65000"/>
+        <a:lumOff val="35000"/>
+      </a:schemeClr>
+    </cs:fontRef>
+    <cs:defRPr sz="1400" b="0" kern="1200" spc="0" baseline="0"/>
+  </cs:title>
+  <cs:trendline>
+    <cs:lnRef idx="0">
+      <cs:styleClr val="auto"/>
+    </cs:lnRef>
+    <cs:fillRef idx="0"/>
+    <cs:effectRef idx="0"/>
+    <cs:fontRef idx="minor">
+      <a:schemeClr val="tx1"/>
+    </cs:fontRef>
+    <cs:spPr>
+      <a:ln w="19050" cap="rnd">
+        <a:solidFill>
+          <a:schemeClr val="phClr"/>
+        </a:solidFill>
+        <a:prstDash val="sysDot"/>
+      </a:ln>
+    </cs:spPr>
+  </cs:trendline>
+  <cs:trendlineLabel>
+    <cs:lnRef idx="0"/>
+    <cs:fillRef idx="0"/>
+    <cs:effectRef idx="0"/>
+    <cs:fontRef idx="minor">
+      <a:schemeClr val="tx1">
+        <a:lumMod val="65000"/>
+        <a:lumOff val="35000"/>
+      </a:schemeClr>
+    </cs:fontRef>
+    <cs:defRPr sz="900" kern="1200"/>
+  </cs:trendlineLabel>
+  <cs:upBar>
+    <cs:lnRef idx="0"/>
+    <cs:fillRef idx="0"/>
+    <cs:effectRef idx="0"/>
+    <cs:fontRef idx="minor">
+      <a:schemeClr val="dk1"/>
+    </cs:fontRef>
+    <cs:spPr>
+      <a:solidFill>
+        <a:schemeClr val="lt1"/>
+      </a:solidFill>
+      <a:ln w="9525">
+        <a:solidFill>
+          <a:schemeClr val="tx1">
+            <a:lumMod val="15000"/>
+            <a:lumOff val="85000"/>
+          </a:schemeClr>
+        </a:solidFill>
+      </a:ln>
+    </cs:spPr>
+  </cs:upBar>
+  <cs:valueAxis>
+    <cs:lnRef idx="0"/>
+    <cs:fillRef idx="0"/>
+    <cs:effectRef idx="0"/>
+    <cs:fontRef idx="minor">
+      <a:schemeClr val="tx1">
+        <a:lumMod val="65000"/>
+        <a:lumOff val="35000"/>
+      </a:schemeClr>
+    </cs:fontRef>
+    <cs:defRPr sz="900" kern="1200"/>
+  </cs:valueAxis>
+  <cs:wall>
+    <cs:lnRef idx="0"/>
+    <cs:fillRef idx="0"/>
+    <cs:effectRef idx="0"/>
+    <cs:fontRef idx="minor">
+      <a:schemeClr val="tx1"/>
+    </cs:fontRef>
+    <cs:spPr>
+      <a:noFill/>
+      <a:ln>
+        <a:noFill/>
+      </a:ln>
+    </cs:spPr>
+  </cs:wall>
+</cs:chartStyle>
+</file>
+
+<file path=ppt/charts/style3.xml><?xml version="1.0" encoding="utf-8"?>
+<cs:chartStyle xmlns:cs="http://schemas.microsoft.com/office/drawing/2012/chartStyle" xmlns:a="http://schemas.openxmlformats.org/drawingml/2006/main" id="332">
+  <cs:axisTitle>
+    <cs:lnRef idx="0"/>
+    <cs:fillRef idx="0"/>
+    <cs:effectRef idx="0"/>
+    <cs:fontRef idx="minor">
+      <a:schemeClr val="tx1">
+        <a:lumMod val="65000"/>
+        <a:lumOff val="35000"/>
+      </a:schemeClr>
+    </cs:fontRef>
+    <cs:defRPr sz="1000" kern="1200"/>
+  </cs:axisTitle>
+  <cs:categoryAxis>
+    <cs:lnRef idx="0"/>
+    <cs:fillRef idx="0"/>
+    <cs:effectRef idx="0"/>
+    <cs:fontRef idx="minor">
+      <a:schemeClr val="tx1">
+        <a:lumMod val="65000"/>
+        <a:lumOff val="35000"/>
+      </a:schemeClr>
+    </cs:fontRef>
+    <cs:spPr>
+      <a:ln w="9525" cap="flat" cmpd="sng" algn="ctr">
+        <a:solidFill>
+          <a:schemeClr val="tx1">
+            <a:lumMod val="15000"/>
+            <a:lumOff val="85000"/>
+          </a:schemeClr>
+        </a:solidFill>
+        <a:round/>
+      </a:ln>
+    </cs:spPr>
+    <cs:defRPr sz="900" kern="1200"/>
+  </cs:categoryAxis>
+  <cs:chartArea mods="allowNoFillOverride allowNoLineOverride">
+    <cs:lnRef idx="0"/>
+    <cs:fillRef idx="0"/>
+    <cs:effectRef idx="0"/>
+    <cs:fontRef idx="minor">
+      <a:schemeClr val="tx1"/>
+    </cs:fontRef>
+    <cs:spPr>
+      <a:solidFill>
+        <a:schemeClr val="bg1"/>
+      </a:solidFill>
+      <a:ln w="9525" cap="flat" cmpd="sng" algn="ctr">
+        <a:solidFill>
+          <a:schemeClr val="tx1">
+            <a:lumMod val="15000"/>
+            <a:lumOff val="85000"/>
+          </a:schemeClr>
+        </a:solidFill>
+        <a:round/>
+      </a:ln>
+    </cs:spPr>
+    <cs:defRPr sz="1000" kern="1200"/>
+  </cs:chartArea>
+  <cs:dataLabel>
+    <cs:lnRef idx="0"/>
+    <cs:fillRef idx="0"/>
+    <cs:effectRef idx="0"/>
+    <cs:fontRef idx="minor">
+      <a:schemeClr val="tx1">
+        <a:lumMod val="75000"/>
+        <a:lumOff val="25000"/>
+      </a:schemeClr>
+    </cs:fontRef>
+    <cs:defRPr sz="900" kern="1200"/>
+  </cs:dataLabel>
+  <cs:dataLabelCallout>
+    <cs:lnRef idx="0"/>
+    <cs:fillRef idx="0"/>
+    <cs:effectRef idx="0"/>
+    <cs:fontRef idx="minor">
+      <a:schemeClr val="dk1">
+        <a:lumMod val="65000"/>
+        <a:lumOff val="35000"/>
+      </a:schemeClr>
+    </cs:fontRef>
+    <cs:spPr>
+      <a:solidFill>
+        <a:schemeClr val="lt1"/>
+      </a:solidFill>
+      <a:ln>
+        <a:solidFill>
+          <a:schemeClr val="dk1">
+            <a:lumMod val="25000"/>
+            <a:lumOff val="75000"/>
+          </a:schemeClr>
+        </a:solidFill>
+      </a:ln>
+    </cs:spPr>
+    <cs:defRPr sz="900" kern="1200"/>
+    <cs:bodyPr rot="0" spcFirstLastPara="1" vertOverflow="clip" horzOverflow="clip" vert="horz" wrap="square" lIns="36576" tIns="18288" rIns="36576" bIns="18288" anchor="ctr" anchorCtr="1">
+      <a:spAutoFit/>
+    </cs:bodyPr>
+  </cs:dataLabelCallout>
+  <cs:dataPoint>
+    <cs:lnRef idx="0"/>
+    <cs:fillRef idx="1">
+      <cs:styleClr val="auto"/>
+    </cs:fillRef>
+    <cs:effectRef idx="0"/>
+    <cs:fontRef idx="minor">
+      <a:schemeClr val="tx1"/>
+    </cs:fontRef>
+  </cs:dataPoint>
+  <cs:dataPoint3D>
+    <cs:lnRef idx="0"/>
+    <cs:fillRef idx="1">
+      <cs:styleClr val="auto"/>
+    </cs:fillRef>
+    <cs:effectRef idx="0"/>
+    <cs:fontRef idx="minor">
+      <a:schemeClr val="tx1"/>
+    </cs:fontRef>
+  </cs:dataPoint3D>
+  <cs:dataPointLine>
+    <cs:lnRef idx="0">
+      <cs:styleClr val="auto"/>
+    </cs:lnRef>
+    <cs:fillRef idx="1"/>
+    <cs:effectRef idx="0"/>
+    <cs:fontRef idx="minor">
+      <a:schemeClr val="tx1"/>
+    </cs:fontRef>
+    <cs:spPr>
+      <a:ln w="28575" cap="rnd">
+        <a:solidFill>
+          <a:schemeClr val="phClr"/>
+        </a:solidFill>
+        <a:round/>
+      </a:ln>
+    </cs:spPr>
+  </cs:dataPointLine>
+  <cs:dataPointMarker>
+    <cs:lnRef idx="0">
+      <cs:styleClr val="auto"/>
+    </cs:lnRef>
+    <cs:fillRef idx="1">
+      <cs:styleClr val="auto"/>
+    </cs:fillRef>
+    <cs:effectRef idx="0"/>
+    <cs:fontRef idx="minor">
+      <a:schemeClr val="tx1"/>
+    </cs:fontRef>
+    <cs:spPr>
+      <a:ln w="9525">
+        <a:solidFill>
+          <a:schemeClr val="phClr"/>
+        </a:solidFill>
+      </a:ln>
+    </cs:spPr>
+  </cs:dataPointMarker>
+  <cs:dataPointMarkerLayout symbol="circle" size="5"/>
+  <cs:dataPointWireframe>
+    <cs:lnRef idx="0">
+      <cs:styleClr val="auto"/>
+    </cs:lnRef>
+    <cs:fillRef idx="1"/>
+    <cs:effectRef idx="0"/>
+    <cs:fontRef idx="minor">
+      <a:schemeClr val="tx1"/>
+    </cs:fontRef>
+    <cs:spPr>
+      <a:ln w="9525" cap="rnd">
+        <a:solidFill>
+          <a:schemeClr val="phClr"/>
+        </a:solidFill>
+        <a:round/>
+      </a:ln>
+    </cs:spPr>
+  </cs:dataPointWireframe>
+  <cs:dataTable>
+    <cs:lnRef idx="0"/>
+    <cs:fillRef idx="0"/>
+    <cs:effectRef idx="0"/>
+    <cs:fontRef idx="minor">
+      <a:schemeClr val="tx1">
+        <a:lumMod val="65000"/>
+        <a:lumOff val="35000"/>
+      </a:schemeClr>
+    </cs:fontRef>
+    <cs:spPr>
+      <a:noFill/>
+      <a:ln w="9525" cap="flat" cmpd="sng" algn="ctr">
+        <a:solidFill>
+          <a:schemeClr val="tx1">
+            <a:lumMod val="15000"/>
+            <a:lumOff val="85000"/>
+          </a:schemeClr>
+        </a:solidFill>
+        <a:round/>
+      </a:ln>
+    </cs:spPr>
+    <cs:defRPr sz="900" kern="1200"/>
+  </cs:dataTable>
+  <cs:downBar>
+    <cs:lnRef idx="0"/>
+    <cs:fillRef idx="0"/>
+    <cs:effectRef idx="0"/>
+    <cs:fontRef idx="minor">
+      <a:schemeClr val="dk1"/>
+    </cs:fontRef>
+    <cs:spPr>
+      <a:solidFill>
+        <a:schemeClr val="dk1">
+          <a:lumMod val="65000"/>
+          <a:lumOff val="35000"/>
+        </a:schemeClr>
+      </a:solidFill>
+      <a:ln w="9525">
+        <a:solidFill>
+          <a:schemeClr val="tx1">
+            <a:lumMod val="65000"/>
+            <a:lumOff val="35000"/>
+          </a:schemeClr>
+        </a:solidFill>
+      </a:ln>
+    </cs:spPr>
+  </cs:downBar>
+  <cs:dropLine>
+    <cs:lnRef idx="0"/>
+    <cs:fillRef idx="0"/>
+    <cs:effectRef idx="0"/>
+    <cs:fontRef idx="minor">
+      <a:schemeClr val="tx1"/>
+    </cs:fontRef>
+    <cs:spPr>
+      <a:ln w="9525" cap="flat" cmpd="sng" algn="ctr">
+        <a:solidFill>
+          <a:schemeClr val="tx1">
+            <a:lumMod val="35000"/>
+            <a:lumOff val="65000"/>
+          </a:schemeClr>
+        </a:solidFill>
+        <a:round/>
+      </a:ln>
+    </cs:spPr>
+  </cs:dropLine>
+  <cs:errorBar>
+    <cs:lnRef idx="0"/>
+    <cs:fillRef idx="0"/>
+    <cs:effectRef idx="0"/>
+    <cs:fontRef idx="minor">
+      <a:schemeClr val="tx1"/>
+    </cs:fontRef>
+    <cs:spPr>
+      <a:ln w="9525" cap="flat" cmpd="sng" algn="ctr">
+        <a:solidFill>
+          <a:schemeClr val="tx1">
+            <a:lumMod val="65000"/>
+            <a:lumOff val="35000"/>
+          </a:schemeClr>
+        </a:solidFill>
+        <a:round/>
+      </a:ln>
+    </cs:spPr>
+  </cs:errorBar>
+  <cs:floor>
+    <cs:lnRef idx="0"/>
+    <cs:fillRef idx="0"/>
+    <cs:effectRef idx="0"/>
+    <cs:fontRef idx="minor">
+      <a:schemeClr val="tx1"/>
+    </cs:fontRef>
+    <cs:spPr>
+      <a:noFill/>
+      <a:ln>
+        <a:noFill/>
+      </a:ln>
+    </cs:spPr>
+  </cs:floor>
+  <cs:gridlineMajor>
+    <cs:lnRef idx="0"/>
+    <cs:fillRef idx="0"/>
+    <cs:effectRef idx="0"/>
+    <cs:fontRef idx="minor">
+      <a:schemeClr val="tx1"/>
+    </cs:fontRef>
+    <cs:spPr>
+      <a:ln w="9525" cap="flat" cmpd="sng" algn="ctr">
+        <a:solidFill>
+          <a:schemeClr val="tx1">
+            <a:lumMod val="15000"/>
+            <a:lumOff val="85000"/>
+          </a:schemeClr>
+        </a:solidFill>
+        <a:round/>
+      </a:ln>
+    </cs:spPr>
+  </cs:gridlineMajor>
+  <cs:gridlineMinor>
+    <cs:lnRef idx="0"/>
+    <cs:fillRef idx="0"/>
+    <cs:effectRef idx="0"/>
+    <cs:fontRef idx="minor">
+      <a:schemeClr val="tx1"/>
+    </cs:fontRef>
+    <cs:spPr>
+      <a:ln w="9525" cap="flat" cmpd="sng" algn="ctr">
+        <a:solidFill>
+          <a:schemeClr val="tx1">
+            <a:lumMod val="5000"/>
+            <a:lumOff val="95000"/>
+          </a:schemeClr>
+        </a:solidFill>
+        <a:round/>
+      </a:ln>
+    </cs:spPr>
+  </cs:gridlineMinor>
+  <cs:hiLoLine>
+    <cs:lnRef idx="0"/>
+    <cs:fillRef idx="0"/>
+    <cs:effectRef idx="0"/>
+    <cs:fontRef idx="minor">
+      <a:schemeClr val="tx1"/>
+    </cs:fontRef>
+    <cs:spPr>
+      <a:ln w="9525" cap="flat" cmpd="sng" algn="ctr">
+        <a:solidFill>
+          <a:schemeClr val="tx1">
+            <a:lumMod val="75000"/>
+            <a:lumOff val="25000"/>
+          </a:schemeClr>
+        </a:solidFill>
+        <a:round/>
+      </a:ln>
+    </cs:spPr>
+  </cs:hiLoLine>
+  <cs:leaderLine>
+    <cs:lnRef idx="0"/>
+    <cs:fillRef idx="0"/>
+    <cs:effectRef idx="0"/>
+    <cs:fontRef idx="minor">
+      <a:schemeClr val="tx1"/>
+    </cs:fontRef>
+    <cs:spPr>
+      <a:ln w="9525" cap="flat" cmpd="sng" algn="ctr">
+        <a:solidFill>
+          <a:schemeClr val="tx1">
+            <a:lumMod val="35000"/>
+            <a:lumOff val="65000"/>
+          </a:schemeClr>
+        </a:solidFill>
+        <a:round/>
+      </a:ln>
+    </cs:spPr>
+  </cs:leaderLine>
+  <cs:legend>
+    <cs:lnRef idx="0"/>
+    <cs:fillRef idx="0"/>
+    <cs:effectRef idx="0"/>
+    <cs:fontRef idx="minor">
+      <a:schemeClr val="tx1">
+        <a:lumMod val="65000"/>
+        <a:lumOff val="35000"/>
+      </a:schemeClr>
+    </cs:fontRef>
+    <cs:defRPr sz="900" kern="1200"/>
+  </cs:legend>
+  <cs:plotArea mods="allowNoFillOverride allowNoLineOverride">
+    <cs:lnRef idx="0"/>
+    <cs:fillRef idx="0"/>
+    <cs:effectRef idx="0"/>
+    <cs:fontRef idx="minor">
+      <a:schemeClr val="tx1"/>
+    </cs:fontRef>
+  </cs:plotArea>
+  <cs:plotArea3D mods="allowNoFillOverride allowNoLineOverride">
+    <cs:lnRef idx="0"/>
+    <cs:fillRef idx="0"/>
+    <cs:effectRef idx="0"/>
+    <cs:fontRef idx="minor">
+      <a:schemeClr val="tx1"/>
+    </cs:fontRef>
+  </cs:plotArea3D>
+  <cs:seriesAxis>
+    <cs:lnRef idx="0"/>
+    <cs:fillRef idx="0"/>
+    <cs:effectRef idx="0"/>
+    <cs:fontRef idx="minor">
+      <a:schemeClr val="tx1">
+        <a:lumMod val="65000"/>
+        <a:lumOff val="35000"/>
+      </a:schemeClr>
+    </cs:fontRef>
+    <cs:defRPr sz="900" kern="1200"/>
+  </cs:seriesAxis>
+  <cs:seriesLine>
+    <cs:lnRef idx="0"/>
+    <cs:fillRef idx="0"/>
+    <cs:effectRef idx="0"/>
+    <cs:fontRef idx="minor">
+      <a:schemeClr val="tx1"/>
+    </cs:fontRef>
+    <cs:spPr>
+      <a:ln w="9525" cap="flat" cmpd="sng" algn="ctr">
+        <a:solidFill>
+          <a:schemeClr val="tx1">
+            <a:lumMod val="35000"/>
+            <a:lumOff val="65000"/>
+          </a:schemeClr>
+        </a:solidFill>
+        <a:round/>
+      </a:ln>
+    </cs:spPr>
+  </cs:seriesLine>
+  <cs:title>
+    <cs:lnRef idx="0"/>
+    <cs:fillRef idx="0"/>
+    <cs:effectRef idx="0"/>
+    <cs:fontRef idx="minor">
+      <a:schemeClr val="tx1">
+        <a:lumMod val="65000"/>
+        <a:lumOff val="35000"/>
+      </a:schemeClr>
+    </cs:fontRef>
+    <cs:defRPr sz="1400" b="0" kern="1200" spc="0" baseline="0"/>
+  </cs:title>
+  <cs:trendline>
+    <cs:lnRef idx="0">
+      <cs:styleClr val="auto"/>
+    </cs:lnRef>
+    <cs:fillRef idx="0"/>
+    <cs:effectRef idx="0"/>
+    <cs:fontRef idx="minor">
+      <a:schemeClr val="tx1"/>
+    </cs:fontRef>
+    <cs:spPr>
+      <a:ln w="19050" cap="rnd">
+        <a:solidFill>
+          <a:schemeClr val="phClr"/>
+        </a:solidFill>
+        <a:prstDash val="sysDot"/>
+      </a:ln>
+    </cs:spPr>
+  </cs:trendline>
+  <cs:trendlineLabel>
+    <cs:lnRef idx="0"/>
+    <cs:fillRef idx="0"/>
+    <cs:effectRef idx="0"/>
+    <cs:fontRef idx="minor">
+      <a:schemeClr val="tx1">
+        <a:lumMod val="65000"/>
+        <a:lumOff val="35000"/>
+      </a:schemeClr>
+    </cs:fontRef>
+    <cs:defRPr sz="900" kern="1200"/>
+  </cs:trendlineLabel>
+  <cs:upBar>
+    <cs:lnRef idx="0"/>
+    <cs:fillRef idx="0"/>
+    <cs:effectRef idx="0"/>
+    <cs:fontRef idx="minor">
+      <a:schemeClr val="dk1"/>
+    </cs:fontRef>
+    <cs:spPr>
+      <a:solidFill>
+        <a:schemeClr val="lt1"/>
+      </a:solidFill>
+      <a:ln w="9525">
+        <a:solidFill>
+          <a:schemeClr val="tx1">
+            <a:lumMod val="15000"/>
+            <a:lumOff val="85000"/>
+          </a:schemeClr>
+        </a:solidFill>
+      </a:ln>
+    </cs:spPr>
+  </cs:upBar>
+  <cs:valueAxis>
+    <cs:lnRef idx="0"/>
+    <cs:fillRef idx="0"/>
+    <cs:effectRef idx="0"/>
+    <cs:fontRef idx="minor">
+      <a:schemeClr val="tx1">
+        <a:lumMod val="65000"/>
+        <a:lumOff val="35000"/>
+      </a:schemeClr>
+    </cs:fontRef>
+    <cs:defRPr sz="900" kern="1200"/>
+  </cs:valueAxis>
+  <cs:wall>
+    <cs:lnRef idx="0"/>
+    <cs:fillRef idx="0"/>
+    <cs:effectRef idx="0"/>
+    <cs:fontRef idx="minor">
+      <a:schemeClr val="tx1"/>
+    </cs:fontRef>
+    <cs:spPr>
+      <a:noFill/>
+      <a:ln>
+        <a:noFill/>
+      </a:ln>
+    </cs:spPr>
+  </cs:wall>
+</cs:chartStyle>
+</file>
+
+<file path=ppt/charts/style4.xml><?xml version="1.0" encoding="utf-8"?>
+<cs:chartStyle xmlns:cs="http://schemas.microsoft.com/office/drawing/2012/chartStyle" xmlns:a="http://schemas.openxmlformats.org/drawingml/2006/main" id="332">
+  <cs:axisTitle>
+    <cs:lnRef idx="0"/>
+    <cs:fillRef idx="0"/>
+    <cs:effectRef idx="0"/>
+    <cs:fontRef idx="minor">
+      <a:schemeClr val="tx1">
+        <a:lumMod val="65000"/>
+        <a:lumOff val="35000"/>
+      </a:schemeClr>
+    </cs:fontRef>
+    <cs:defRPr sz="1000" kern="1200"/>
+  </cs:axisTitle>
+  <cs:categoryAxis>
+    <cs:lnRef idx="0"/>
+    <cs:fillRef idx="0"/>
+    <cs:effectRef idx="0"/>
+    <cs:fontRef idx="minor">
+      <a:schemeClr val="tx1">
+        <a:lumMod val="65000"/>
+        <a:lumOff val="35000"/>
+      </a:schemeClr>
+    </cs:fontRef>
+    <cs:spPr>
+      <a:ln w="9525" cap="flat" cmpd="sng" algn="ctr">
+        <a:solidFill>
+          <a:schemeClr val="tx1">
+            <a:lumMod val="15000"/>
+            <a:lumOff val="85000"/>
+          </a:schemeClr>
+        </a:solidFill>
+        <a:round/>
+      </a:ln>
+    </cs:spPr>
+    <cs:defRPr sz="900" kern="1200"/>
+  </cs:categoryAxis>
+  <cs:chartArea mods="allowNoFillOverride allowNoLineOverride">
+    <cs:lnRef idx="0"/>
+    <cs:fillRef idx="0"/>
+    <cs:effectRef idx="0"/>
+    <cs:fontRef idx="minor">
+      <a:schemeClr val="tx1"/>
+    </cs:fontRef>
+    <cs:spPr>
+      <a:solidFill>
+        <a:schemeClr val="bg1"/>
+      </a:solidFill>
+      <a:ln w="9525" cap="flat" cmpd="sng" algn="ctr">
+        <a:solidFill>
+          <a:schemeClr val="tx1">
+            <a:lumMod val="15000"/>
+            <a:lumOff val="85000"/>
+          </a:schemeClr>
+        </a:solidFill>
+        <a:round/>
+      </a:ln>
+    </cs:spPr>
+    <cs:defRPr sz="1000" kern="1200"/>
+  </cs:chartArea>
+  <cs:dataLabel>
+    <cs:lnRef idx="0"/>
+    <cs:fillRef idx="0"/>
+    <cs:effectRef idx="0"/>
+    <cs:fontRef idx="minor">
+      <a:schemeClr val="tx1">
+        <a:lumMod val="75000"/>
+        <a:lumOff val="25000"/>
+      </a:schemeClr>
+    </cs:fontRef>
+    <cs:defRPr sz="900" kern="1200"/>
+  </cs:dataLabel>
+  <cs:dataLabelCallout>
+    <cs:lnRef idx="0"/>
+    <cs:fillRef idx="0"/>
+    <cs:effectRef idx="0"/>
+    <cs:fontRef idx="minor">
+      <a:schemeClr val="dk1">
+        <a:lumMod val="65000"/>
+        <a:lumOff val="35000"/>
+      </a:schemeClr>
+    </cs:fontRef>
+    <cs:spPr>
+      <a:solidFill>
+        <a:schemeClr val="lt1"/>
+      </a:solidFill>
+      <a:ln>
+        <a:solidFill>
+          <a:schemeClr val="dk1">
+            <a:lumMod val="25000"/>
+            <a:lumOff val="75000"/>
+          </a:schemeClr>
+        </a:solidFill>
+      </a:ln>
+    </cs:spPr>
+    <cs:defRPr sz="900" kern="1200"/>
+    <cs:bodyPr rot="0" spcFirstLastPara="1" vertOverflow="clip" horzOverflow="clip" vert="horz" wrap="square" lIns="36576" tIns="18288" rIns="36576" bIns="18288" anchor="ctr" anchorCtr="1">
+      <a:spAutoFit/>
+    </cs:bodyPr>
+  </cs:dataLabelCallout>
+  <cs:dataPoint>
+    <cs:lnRef idx="0"/>
+    <cs:fillRef idx="1">
+      <cs:styleClr val="auto"/>
+    </cs:fillRef>
+    <cs:effectRef idx="0"/>
+    <cs:fontRef idx="minor">
+      <a:schemeClr val="tx1"/>
+    </cs:fontRef>
+  </cs:dataPoint>
+  <cs:dataPoint3D>
+    <cs:lnRef idx="0"/>
+    <cs:fillRef idx="1">
+      <cs:styleClr val="auto"/>
+    </cs:fillRef>
+    <cs:effectRef idx="0"/>
+    <cs:fontRef idx="minor">
+      <a:schemeClr val="tx1"/>
+    </cs:fontRef>
+  </cs:dataPoint3D>
+  <cs:dataPointLine>
+    <cs:lnRef idx="0">
+      <cs:styleClr val="auto"/>
+    </cs:lnRef>
+    <cs:fillRef idx="1"/>
+    <cs:effectRef idx="0"/>
+    <cs:fontRef idx="minor">
+      <a:schemeClr val="tx1"/>
+    </cs:fontRef>
+    <cs:spPr>
+      <a:ln w="28575" cap="rnd">
+        <a:solidFill>
+          <a:schemeClr val="phClr"/>
+        </a:solidFill>
+        <a:round/>
+      </a:ln>
+    </cs:spPr>
+  </cs:dataPointLine>
+  <cs:dataPointMarker>
+    <cs:lnRef idx="0">
+      <cs:styleClr val="auto"/>
+    </cs:lnRef>
+    <cs:fillRef idx="1">
+      <cs:styleClr val="auto"/>
+    </cs:fillRef>
+    <cs:effectRef idx="0"/>
+    <cs:fontRef idx="minor">
+      <a:schemeClr val="tx1"/>
+    </cs:fontRef>
+    <cs:spPr>
+      <a:ln w="9525">
+        <a:solidFill>
+          <a:schemeClr val="phClr"/>
+        </a:solidFill>
+      </a:ln>
+    </cs:spPr>
+  </cs:dataPointMarker>
+  <cs:dataPointMarkerLayout symbol="circle" size="5"/>
+  <cs:dataPointWireframe>
+    <cs:lnRef idx="0">
+      <cs:styleClr val="auto"/>
+    </cs:lnRef>
+    <cs:fillRef idx="1"/>
+    <cs:effectRef idx="0"/>
+    <cs:fontRef idx="minor">
+      <a:schemeClr val="tx1"/>
+    </cs:fontRef>
+    <cs:spPr>
+      <a:ln w="9525" cap="rnd">
+        <a:solidFill>
+          <a:schemeClr val="phClr"/>
+        </a:solidFill>
+        <a:round/>
+      </a:ln>
+    </cs:spPr>
+  </cs:dataPointWireframe>
+  <cs:dataTable>
+    <cs:lnRef idx="0"/>
+    <cs:fillRef idx="0"/>
+    <cs:effectRef idx="0"/>
+    <cs:fontRef idx="minor">
+      <a:schemeClr val="tx1">
+        <a:lumMod val="65000"/>
+        <a:lumOff val="35000"/>
+      </a:schemeClr>
+    </cs:fontRef>
+    <cs:spPr>
+      <a:noFill/>
+      <a:ln w="9525" cap="flat" cmpd="sng" algn="ctr">
+        <a:solidFill>
+          <a:schemeClr val="tx1">
+            <a:lumMod val="15000"/>
+            <a:lumOff val="85000"/>
+          </a:schemeClr>
+        </a:solidFill>
+        <a:round/>
+      </a:ln>
+    </cs:spPr>
+    <cs:defRPr sz="900" kern="1200"/>
+  </cs:dataTable>
+  <cs:downBar>
+    <cs:lnRef idx="0"/>
+    <cs:fillRef idx="0"/>
+    <cs:effectRef idx="0"/>
+    <cs:fontRef idx="minor">
+      <a:schemeClr val="dk1"/>
+    </cs:fontRef>
+    <cs:spPr>
+      <a:solidFill>
+        <a:schemeClr val="dk1">
+          <a:lumMod val="65000"/>
+          <a:lumOff val="35000"/>
+        </a:schemeClr>
+      </a:solidFill>
+      <a:ln w="9525">
+        <a:solidFill>
+          <a:schemeClr val="tx1">
+            <a:lumMod val="65000"/>
+            <a:lumOff val="35000"/>
+          </a:schemeClr>
+        </a:solidFill>
+      </a:ln>
+    </cs:spPr>
+  </cs:downBar>
+  <cs:dropLine>
+    <cs:lnRef idx="0"/>
+    <cs:fillRef idx="0"/>
+    <cs:effectRef idx="0"/>
+    <cs:fontRef idx="minor">
+      <a:schemeClr val="tx1"/>
+    </cs:fontRef>
+    <cs:spPr>
+      <a:ln w="9525" cap="flat" cmpd="sng" algn="ctr">
+        <a:solidFill>
+          <a:schemeClr val="tx1">
+            <a:lumMod val="35000"/>
+            <a:lumOff val="65000"/>
+          </a:schemeClr>
+        </a:solidFill>
+        <a:round/>
+      </a:ln>
+    </cs:spPr>
+  </cs:dropLine>
+  <cs:errorBar>
+    <cs:lnRef idx="0"/>
+    <cs:fillRef idx="0"/>
+    <cs:effectRef idx="0"/>
+    <cs:fontRef idx="minor">
+      <a:schemeClr val="tx1"/>
+    </cs:fontRef>
+    <cs:spPr>
+      <a:ln w="9525" cap="flat" cmpd="sng" algn="ctr">
+        <a:solidFill>
+          <a:schemeClr val="tx1">
+            <a:lumMod val="65000"/>
+            <a:lumOff val="35000"/>
+          </a:schemeClr>
+        </a:solidFill>
+        <a:round/>
+      </a:ln>
+    </cs:spPr>
+  </cs:errorBar>
+  <cs:floor>
+    <cs:lnRef idx="0"/>
+    <cs:fillRef idx="0"/>
+    <cs:effectRef idx="0"/>
+    <cs:fontRef idx="minor">
+      <a:schemeClr val="tx1"/>
+    </cs:fontRef>
+    <cs:spPr>
+      <a:noFill/>
+      <a:ln>
+        <a:noFill/>
+      </a:ln>
+    </cs:spPr>
+  </cs:floor>
+  <cs:gridlineMajor>
+    <cs:lnRef idx="0"/>
+    <cs:fillRef idx="0"/>
+    <cs:effectRef idx="0"/>
+    <cs:fontRef idx="minor">
+      <a:schemeClr val="tx1"/>
+    </cs:fontRef>
+    <cs:spPr>
+      <a:ln w="9525" cap="flat" cmpd="sng" algn="ctr">
+        <a:solidFill>
+          <a:schemeClr val="tx1">
+            <a:lumMod val="15000"/>
+            <a:lumOff val="85000"/>
+          </a:schemeClr>
+        </a:solidFill>
+        <a:round/>
+      </a:ln>
+    </cs:spPr>
+  </cs:gridlineMajor>
+  <cs:gridlineMinor>
+    <cs:lnRef idx="0"/>
+    <cs:fillRef idx="0"/>
+    <cs:effectRef idx="0"/>
+    <cs:fontRef idx="minor">
+      <a:schemeClr val="tx1"/>
+    </cs:fontRef>
+    <cs:spPr>
+      <a:ln w="9525" cap="flat" cmpd="sng" algn="ctr">
+        <a:solidFill>
+          <a:schemeClr val="tx1">
+            <a:lumMod val="5000"/>
+            <a:lumOff val="95000"/>
+          </a:schemeClr>
+        </a:solidFill>
+        <a:round/>
+      </a:ln>
+    </cs:spPr>
+  </cs:gridlineMinor>
+  <cs:hiLoLine>
+    <cs:lnRef idx="0"/>
+    <cs:fillRef idx="0"/>
+    <cs:effectRef idx="0"/>
+    <cs:fontRef idx="minor">
+      <a:schemeClr val="tx1"/>
+    </cs:fontRef>
+    <cs:spPr>
+      <a:ln w="9525" cap="flat" cmpd="sng" algn="ctr">
+        <a:solidFill>
+          <a:schemeClr val="tx1">
+            <a:lumMod val="75000"/>
+            <a:lumOff val="25000"/>
+          </a:schemeClr>
+        </a:solidFill>
+        <a:round/>
+      </a:ln>
+    </cs:spPr>
+  </cs:hiLoLine>
+  <cs:leaderLine>
+    <cs:lnRef idx="0"/>
+    <cs:fillRef idx="0"/>
+    <cs:effectRef idx="0"/>
+    <cs:fontRef idx="minor">
+      <a:schemeClr val="tx1"/>
+    </cs:fontRef>
+    <cs:spPr>
+      <a:ln w="9525" cap="flat" cmpd="sng" algn="ctr">
+        <a:solidFill>
+          <a:schemeClr val="tx1">
+            <a:lumMod val="35000"/>
+            <a:lumOff val="65000"/>
+          </a:schemeClr>
+        </a:solidFill>
+        <a:round/>
+      </a:ln>
+    </cs:spPr>
+  </cs:leaderLine>
+  <cs:legend>
+    <cs:lnRef idx="0"/>
+    <cs:fillRef idx="0"/>
+    <cs:effectRef idx="0"/>
+    <cs:fontRef idx="minor">
+      <a:schemeClr val="tx1">
+        <a:lumMod val="65000"/>
+        <a:lumOff val="35000"/>
+      </a:schemeClr>
+    </cs:fontRef>
+    <cs:defRPr sz="900" kern="1200"/>
+  </cs:legend>
+  <cs:plotArea mods="allowNoFillOverride allowNoLineOverride">
+    <cs:lnRef idx="0"/>
+    <cs:fillRef idx="0"/>
+    <cs:effectRef idx="0"/>
+    <cs:fontRef idx="minor">
+      <a:schemeClr val="tx1"/>
+    </cs:fontRef>
+  </cs:plotArea>
+  <cs:plotArea3D mods="allowNoFillOverride allowNoLineOverride">
+    <cs:lnRef idx="0"/>
+    <cs:fillRef idx="0"/>
+    <cs:effectRef idx="0"/>
+    <cs:fontRef idx="minor">
+      <a:schemeClr val="tx1"/>
+    </cs:fontRef>
+  </cs:plotArea3D>
+  <cs:seriesAxis>
+    <cs:lnRef idx="0"/>
+    <cs:fillRef idx="0"/>
+    <cs:effectRef idx="0"/>
+    <cs:fontRef idx="minor">
+      <a:schemeClr val="tx1">
+        <a:lumMod val="65000"/>
+        <a:lumOff val="35000"/>
+      </a:schemeClr>
+    </cs:fontRef>
+    <cs:defRPr sz="900" kern="1200"/>
+  </cs:seriesAxis>
+  <cs:seriesLine>
+    <cs:lnRef idx="0"/>
+    <cs:fillRef idx="0"/>
+    <cs:effectRef idx="0"/>
+    <cs:fontRef idx="minor">
+      <a:schemeClr val="tx1"/>
+    </cs:fontRef>
+    <cs:spPr>
+      <a:ln w="9525" cap="flat" cmpd="sng" algn="ctr">
+        <a:solidFill>
+          <a:schemeClr val="tx1">
+            <a:lumMod val="35000"/>
+            <a:lumOff val="65000"/>
+          </a:schemeClr>
+        </a:solidFill>
+        <a:round/>
+      </a:ln>
+    </cs:spPr>
+  </cs:seriesLine>
+  <cs:title>
+    <cs:lnRef idx="0"/>
+    <cs:fillRef idx="0"/>
+    <cs:effectRef idx="0"/>
+    <cs:fontRef idx="minor">
+      <a:schemeClr val="tx1">
+        <a:lumMod val="65000"/>
+        <a:lumOff val="35000"/>
+      </a:schemeClr>
+    </cs:fontRef>
+    <cs:defRPr sz="1400" b="0" kern="1200" spc="0" baseline="0"/>
+  </cs:title>
+  <cs:trendline>
+    <cs:lnRef idx="0">
+      <cs:styleClr val="auto"/>
+    </cs:lnRef>
+    <cs:fillRef idx="0"/>
+    <cs:effectRef idx="0"/>
+    <cs:fontRef idx="minor">
+      <a:schemeClr val="tx1"/>
+    </cs:fontRef>
+    <cs:spPr>
+      <a:ln w="19050" cap="rnd">
+        <a:solidFill>
+          <a:schemeClr val="phClr"/>
+        </a:solidFill>
+        <a:prstDash val="sysDot"/>
+      </a:ln>
+    </cs:spPr>
+  </cs:trendline>
+  <cs:trendlineLabel>
+    <cs:lnRef idx="0"/>
+    <cs:fillRef idx="0"/>
+    <cs:effectRef idx="0"/>
+    <cs:fontRef idx="minor">
+      <a:schemeClr val="tx1">
+        <a:lumMod val="65000"/>
+        <a:lumOff val="35000"/>
+      </a:schemeClr>
+    </cs:fontRef>
+    <cs:defRPr sz="900" kern="1200"/>
+  </cs:trendlineLabel>
+  <cs:upBar>
+    <cs:lnRef idx="0"/>
+    <cs:fillRef idx="0"/>
+    <cs:effectRef idx="0"/>
+    <cs:fontRef idx="minor">
+      <a:schemeClr val="dk1"/>
+    </cs:fontRef>
+    <cs:spPr>
+      <a:solidFill>
+        <a:schemeClr val="lt1"/>
+      </a:solidFill>
+      <a:ln w="9525">
+        <a:solidFill>
+          <a:schemeClr val="tx1">
+            <a:lumMod val="15000"/>
+            <a:lumOff val="85000"/>
+          </a:schemeClr>
+        </a:solidFill>
+      </a:ln>
+    </cs:spPr>
+  </cs:upBar>
+  <cs:valueAxis>
+    <cs:lnRef idx="0"/>
+    <cs:fillRef idx="0"/>
+    <cs:effectRef idx="0"/>
+    <cs:fontRef idx="minor">
+      <a:schemeClr val="tx1">
+        <a:lumMod val="65000"/>
+        <a:lumOff val="35000"/>
+      </a:schemeClr>
+    </cs:fontRef>
+    <cs:defRPr sz="900" kern="1200"/>
+  </cs:valueAxis>
+  <cs:wall>
+    <cs:lnRef idx="0"/>
+    <cs:fillRef idx="0"/>
+    <cs:effectRef idx="0"/>
+    <cs:fontRef idx="minor">
+      <a:schemeClr val="tx1"/>
+    </cs:fontRef>
+    <cs:spPr>
+      <a:noFill/>
+      <a:ln>
+        <a:noFill/>
+      </a:ln>
+    </cs:spPr>
+  </cs:wall>
+</cs:chartStyle>
 </file>
 
 <file path=ppt/handoutMasters/handoutMaster1.xml><?xml version="1.0" encoding="utf-8"?>
@@ -1717,7 +5578,7 @@
           <a:p>
             <a:fld id="{A70AE70C-D509-4E4B-9352-79C3D11520D1}" type="datetimeFigureOut">
               <a:rPr lang="de-DE" smtClean="0"/>
-              <a:t>14.11.2020</a:t>
+              <a:t>15.11.2020</a:t>
             </a:fld>
             <a:endParaRPr lang="de-DE"/>
           </a:p>
@@ -1895,7 +5756,7 @@
           <a:p>
             <a:fld id="{B77602DA-7CEE-4298-AF4B-1C87D65BAB06}" type="datetimeFigureOut">
               <a:rPr lang="de-CH" smtClean="0"/>
-              <a:t>14.11.2020</a:t>
+              <a:t>15.11.2020</a:t>
             </a:fld>
             <a:endParaRPr lang="de-CH" dirty="0"/>
           </a:p>
@@ -2258,6 +6119,933 @@
     <p:extLst>
       <p:ext uri="{BB962C8B-B14F-4D97-AF65-F5344CB8AC3E}">
         <p14:creationId xmlns:p14="http://schemas.microsoft.com/office/powerpoint/2010/main" val="1837473819"/>
+      </p:ext>
+    </p:extLst>
+  </p:cSld>
+  <p:clrMapOvr>
+    <a:masterClrMapping/>
+  </p:clrMapOvr>
+</p:notes>
+</file>
+
+<file path=ppt/notesSlides/notesSlide10.xml><?xml version="1.0" encoding="utf-8"?>
+<p:notes xmlns:a="http://schemas.openxmlformats.org/drawingml/2006/main" xmlns:r="http://schemas.openxmlformats.org/officeDocument/2006/relationships" xmlns:p="http://schemas.openxmlformats.org/presentationml/2006/main">
+  <p:cSld>
+    <p:spTree>
+      <p:nvGrpSpPr>
+        <p:cNvPr id="1" name=""/>
+        <p:cNvGrpSpPr/>
+        <p:nvPr/>
+      </p:nvGrpSpPr>
+      <p:grpSpPr>
+        <a:xfrm>
+          <a:off x="0" y="0"/>
+          <a:ext cx="0" cy="0"/>
+          <a:chOff x="0" y="0"/>
+          <a:chExt cx="0" cy="0"/>
+        </a:xfrm>
+      </p:grpSpPr>
+      <p:sp>
+        <p:nvSpPr>
+          <p:cNvPr id="2" name="Folienbildplatzhalter 1"/>
+          <p:cNvSpPr>
+            <a:spLocks noGrp="1" noRot="1" noChangeAspect="1"/>
+          </p:cNvSpPr>
+          <p:nvPr>
+            <p:ph type="sldImg"/>
+          </p:nvPr>
+        </p:nvSpPr>
+        <p:spPr/>
+      </p:sp>
+      <p:sp>
+        <p:nvSpPr>
+          <p:cNvPr id="3" name="Notizenplatzhalter 2"/>
+          <p:cNvSpPr>
+            <a:spLocks noGrp="1"/>
+          </p:cNvSpPr>
+          <p:nvPr>
+            <p:ph type="body" idx="1"/>
+          </p:nvPr>
+        </p:nvSpPr>
+        <p:spPr/>
+        <p:txBody>
+          <a:bodyPr/>
+          <a:lstStyle/>
+          <a:p>
+            <a:endParaRPr lang="en-GB" dirty="0"/>
+          </a:p>
+        </p:txBody>
+      </p:sp>
+      <p:sp>
+        <p:nvSpPr>
+          <p:cNvPr id="4" name="Fußzeilenplatzhalter 3"/>
+          <p:cNvSpPr>
+            <a:spLocks noGrp="1"/>
+          </p:cNvSpPr>
+          <p:nvPr>
+            <p:ph type="ftr" sz="quarter" idx="4"/>
+          </p:nvPr>
+        </p:nvSpPr>
+        <p:spPr/>
+        <p:txBody>
+          <a:bodyPr/>
+          <a:lstStyle/>
+          <a:p>
+            <a:endParaRPr lang="de-CH" dirty="0"/>
+          </a:p>
+        </p:txBody>
+      </p:sp>
+      <p:sp>
+        <p:nvSpPr>
+          <p:cNvPr id="5" name="Foliennummernplatzhalter 4"/>
+          <p:cNvSpPr>
+            <a:spLocks noGrp="1"/>
+          </p:cNvSpPr>
+          <p:nvPr>
+            <p:ph type="sldNum" sz="quarter" idx="5"/>
+          </p:nvPr>
+        </p:nvSpPr>
+        <p:spPr/>
+        <p:txBody>
+          <a:bodyPr/>
+          <a:lstStyle/>
+          <a:p>
+            <a:fld id="{B2B24C57-7758-4EF8-8A0E-FE171C8C1817}" type="slidenum">
+              <a:rPr lang="de-CH" smtClean="0"/>
+              <a:t>10</a:t>
+            </a:fld>
+            <a:endParaRPr lang="de-CH" dirty="0"/>
+          </a:p>
+        </p:txBody>
+      </p:sp>
+    </p:spTree>
+    <p:extLst>
+      <p:ext uri="{BB962C8B-B14F-4D97-AF65-F5344CB8AC3E}">
+        <p14:creationId xmlns:p14="http://schemas.microsoft.com/office/powerpoint/2010/main" val="2930077725"/>
+      </p:ext>
+    </p:extLst>
+  </p:cSld>
+  <p:clrMapOvr>
+    <a:masterClrMapping/>
+  </p:clrMapOvr>
+</p:notes>
+</file>
+
+<file path=ppt/notesSlides/notesSlide2.xml><?xml version="1.0" encoding="utf-8"?>
+<p:notes xmlns:a="http://schemas.openxmlformats.org/drawingml/2006/main" xmlns:r="http://schemas.openxmlformats.org/officeDocument/2006/relationships" xmlns:p="http://schemas.openxmlformats.org/presentationml/2006/main">
+  <p:cSld>
+    <p:spTree>
+      <p:nvGrpSpPr>
+        <p:cNvPr id="1" name=""/>
+        <p:cNvGrpSpPr/>
+        <p:nvPr/>
+      </p:nvGrpSpPr>
+      <p:grpSpPr>
+        <a:xfrm>
+          <a:off x="0" y="0"/>
+          <a:ext cx="0" cy="0"/>
+          <a:chOff x="0" y="0"/>
+          <a:chExt cx="0" cy="0"/>
+        </a:xfrm>
+      </p:grpSpPr>
+      <p:sp>
+        <p:nvSpPr>
+          <p:cNvPr id="2" name="Folienbildplatzhalter 1"/>
+          <p:cNvSpPr>
+            <a:spLocks noGrp="1" noRot="1" noChangeAspect="1"/>
+          </p:cNvSpPr>
+          <p:nvPr>
+            <p:ph type="sldImg"/>
+          </p:nvPr>
+        </p:nvSpPr>
+        <p:spPr/>
+      </p:sp>
+      <p:sp>
+        <p:nvSpPr>
+          <p:cNvPr id="3" name="Notizenplatzhalter 2"/>
+          <p:cNvSpPr>
+            <a:spLocks noGrp="1"/>
+          </p:cNvSpPr>
+          <p:nvPr>
+            <p:ph type="body" idx="1"/>
+          </p:nvPr>
+        </p:nvSpPr>
+        <p:spPr/>
+        <p:txBody>
+          <a:bodyPr/>
+          <a:lstStyle/>
+          <a:p>
+            <a:endParaRPr lang="en-GB" dirty="0"/>
+          </a:p>
+        </p:txBody>
+      </p:sp>
+      <p:sp>
+        <p:nvSpPr>
+          <p:cNvPr id="4" name="Fußzeilenplatzhalter 3"/>
+          <p:cNvSpPr>
+            <a:spLocks noGrp="1"/>
+          </p:cNvSpPr>
+          <p:nvPr>
+            <p:ph type="ftr" sz="quarter" idx="4"/>
+          </p:nvPr>
+        </p:nvSpPr>
+        <p:spPr/>
+        <p:txBody>
+          <a:bodyPr/>
+          <a:lstStyle/>
+          <a:p>
+            <a:endParaRPr lang="de-CH" dirty="0"/>
+          </a:p>
+        </p:txBody>
+      </p:sp>
+      <p:sp>
+        <p:nvSpPr>
+          <p:cNvPr id="5" name="Foliennummernplatzhalter 4"/>
+          <p:cNvSpPr>
+            <a:spLocks noGrp="1"/>
+          </p:cNvSpPr>
+          <p:nvPr>
+            <p:ph type="sldNum" sz="quarter" idx="5"/>
+          </p:nvPr>
+        </p:nvSpPr>
+        <p:spPr/>
+        <p:txBody>
+          <a:bodyPr/>
+          <a:lstStyle/>
+          <a:p>
+            <a:fld id="{B2B24C57-7758-4EF8-8A0E-FE171C8C1817}" type="slidenum">
+              <a:rPr lang="de-CH" smtClean="0"/>
+              <a:t>2</a:t>
+            </a:fld>
+            <a:endParaRPr lang="de-CH" dirty="0"/>
+          </a:p>
+        </p:txBody>
+      </p:sp>
+    </p:spTree>
+    <p:extLst>
+      <p:ext uri="{BB962C8B-B14F-4D97-AF65-F5344CB8AC3E}">
+        <p14:creationId xmlns:p14="http://schemas.microsoft.com/office/powerpoint/2010/main" val="3683208043"/>
+      </p:ext>
+    </p:extLst>
+  </p:cSld>
+  <p:clrMapOvr>
+    <a:masterClrMapping/>
+  </p:clrMapOvr>
+</p:notes>
+</file>
+
+<file path=ppt/notesSlides/notesSlide3.xml><?xml version="1.0" encoding="utf-8"?>
+<p:notes xmlns:a="http://schemas.openxmlformats.org/drawingml/2006/main" xmlns:r="http://schemas.openxmlformats.org/officeDocument/2006/relationships" xmlns:p="http://schemas.openxmlformats.org/presentationml/2006/main">
+  <p:cSld>
+    <p:spTree>
+      <p:nvGrpSpPr>
+        <p:cNvPr id="1" name=""/>
+        <p:cNvGrpSpPr/>
+        <p:nvPr/>
+      </p:nvGrpSpPr>
+      <p:grpSpPr>
+        <a:xfrm>
+          <a:off x="0" y="0"/>
+          <a:ext cx="0" cy="0"/>
+          <a:chOff x="0" y="0"/>
+          <a:chExt cx="0" cy="0"/>
+        </a:xfrm>
+      </p:grpSpPr>
+      <p:sp>
+        <p:nvSpPr>
+          <p:cNvPr id="2" name="Folienbildplatzhalter 1"/>
+          <p:cNvSpPr>
+            <a:spLocks noGrp="1" noRot="1" noChangeAspect="1"/>
+          </p:cNvSpPr>
+          <p:nvPr>
+            <p:ph type="sldImg"/>
+          </p:nvPr>
+        </p:nvSpPr>
+        <p:spPr/>
+      </p:sp>
+      <p:sp>
+        <p:nvSpPr>
+          <p:cNvPr id="3" name="Notizenplatzhalter 2"/>
+          <p:cNvSpPr>
+            <a:spLocks noGrp="1"/>
+          </p:cNvSpPr>
+          <p:nvPr>
+            <p:ph type="body" idx="1"/>
+          </p:nvPr>
+        </p:nvSpPr>
+        <p:spPr/>
+        <p:txBody>
+          <a:bodyPr/>
+          <a:lstStyle/>
+          <a:p>
+            <a:endParaRPr lang="en-GB" dirty="0"/>
+          </a:p>
+        </p:txBody>
+      </p:sp>
+      <p:sp>
+        <p:nvSpPr>
+          <p:cNvPr id="4" name="Fußzeilenplatzhalter 3"/>
+          <p:cNvSpPr>
+            <a:spLocks noGrp="1"/>
+          </p:cNvSpPr>
+          <p:nvPr>
+            <p:ph type="ftr" sz="quarter" idx="4"/>
+          </p:nvPr>
+        </p:nvSpPr>
+        <p:spPr/>
+        <p:txBody>
+          <a:bodyPr/>
+          <a:lstStyle/>
+          <a:p>
+            <a:endParaRPr lang="de-CH" dirty="0"/>
+          </a:p>
+        </p:txBody>
+      </p:sp>
+      <p:sp>
+        <p:nvSpPr>
+          <p:cNvPr id="5" name="Foliennummernplatzhalter 4"/>
+          <p:cNvSpPr>
+            <a:spLocks noGrp="1"/>
+          </p:cNvSpPr>
+          <p:nvPr>
+            <p:ph type="sldNum" sz="quarter" idx="5"/>
+          </p:nvPr>
+        </p:nvSpPr>
+        <p:spPr/>
+        <p:txBody>
+          <a:bodyPr/>
+          <a:lstStyle/>
+          <a:p>
+            <a:fld id="{B2B24C57-7758-4EF8-8A0E-FE171C8C1817}" type="slidenum">
+              <a:rPr lang="de-CH" smtClean="0"/>
+              <a:t>3</a:t>
+            </a:fld>
+            <a:endParaRPr lang="de-CH" dirty="0"/>
+          </a:p>
+        </p:txBody>
+      </p:sp>
+    </p:spTree>
+    <p:extLst>
+      <p:ext uri="{BB962C8B-B14F-4D97-AF65-F5344CB8AC3E}">
+        <p14:creationId xmlns:p14="http://schemas.microsoft.com/office/powerpoint/2010/main" val="2283760158"/>
+      </p:ext>
+    </p:extLst>
+  </p:cSld>
+  <p:clrMapOvr>
+    <a:masterClrMapping/>
+  </p:clrMapOvr>
+</p:notes>
+</file>
+
+<file path=ppt/notesSlides/notesSlide4.xml><?xml version="1.0" encoding="utf-8"?>
+<p:notes xmlns:a="http://schemas.openxmlformats.org/drawingml/2006/main" xmlns:r="http://schemas.openxmlformats.org/officeDocument/2006/relationships" xmlns:p="http://schemas.openxmlformats.org/presentationml/2006/main">
+  <p:cSld>
+    <p:spTree>
+      <p:nvGrpSpPr>
+        <p:cNvPr id="1" name=""/>
+        <p:cNvGrpSpPr/>
+        <p:nvPr/>
+      </p:nvGrpSpPr>
+      <p:grpSpPr>
+        <a:xfrm>
+          <a:off x="0" y="0"/>
+          <a:ext cx="0" cy="0"/>
+          <a:chOff x="0" y="0"/>
+          <a:chExt cx="0" cy="0"/>
+        </a:xfrm>
+      </p:grpSpPr>
+      <p:sp>
+        <p:nvSpPr>
+          <p:cNvPr id="2" name="Folienbildplatzhalter 1"/>
+          <p:cNvSpPr>
+            <a:spLocks noGrp="1" noRot="1" noChangeAspect="1"/>
+          </p:cNvSpPr>
+          <p:nvPr>
+            <p:ph type="sldImg"/>
+          </p:nvPr>
+        </p:nvSpPr>
+        <p:spPr/>
+      </p:sp>
+      <p:sp>
+        <p:nvSpPr>
+          <p:cNvPr id="3" name="Notizenplatzhalter 2"/>
+          <p:cNvSpPr>
+            <a:spLocks noGrp="1"/>
+          </p:cNvSpPr>
+          <p:nvPr>
+            <p:ph type="body" idx="1"/>
+          </p:nvPr>
+        </p:nvSpPr>
+        <p:spPr/>
+        <p:txBody>
+          <a:bodyPr/>
+          <a:lstStyle/>
+          <a:p>
+            <a:endParaRPr lang="en-GB" dirty="0"/>
+          </a:p>
+        </p:txBody>
+      </p:sp>
+      <p:sp>
+        <p:nvSpPr>
+          <p:cNvPr id="4" name="Fußzeilenplatzhalter 3"/>
+          <p:cNvSpPr>
+            <a:spLocks noGrp="1"/>
+          </p:cNvSpPr>
+          <p:nvPr>
+            <p:ph type="ftr" sz="quarter" idx="4"/>
+          </p:nvPr>
+        </p:nvSpPr>
+        <p:spPr/>
+        <p:txBody>
+          <a:bodyPr/>
+          <a:lstStyle/>
+          <a:p>
+            <a:endParaRPr lang="de-CH" dirty="0"/>
+          </a:p>
+        </p:txBody>
+      </p:sp>
+      <p:sp>
+        <p:nvSpPr>
+          <p:cNvPr id="5" name="Foliennummernplatzhalter 4"/>
+          <p:cNvSpPr>
+            <a:spLocks noGrp="1"/>
+          </p:cNvSpPr>
+          <p:nvPr>
+            <p:ph type="sldNum" sz="quarter" idx="5"/>
+          </p:nvPr>
+        </p:nvSpPr>
+        <p:spPr/>
+        <p:txBody>
+          <a:bodyPr/>
+          <a:lstStyle/>
+          <a:p>
+            <a:fld id="{B2B24C57-7758-4EF8-8A0E-FE171C8C1817}" type="slidenum">
+              <a:rPr lang="de-CH" smtClean="0"/>
+              <a:t>4</a:t>
+            </a:fld>
+            <a:endParaRPr lang="de-CH" dirty="0"/>
+          </a:p>
+        </p:txBody>
+      </p:sp>
+    </p:spTree>
+    <p:extLst>
+      <p:ext uri="{BB962C8B-B14F-4D97-AF65-F5344CB8AC3E}">
+        <p14:creationId xmlns:p14="http://schemas.microsoft.com/office/powerpoint/2010/main" val="377015506"/>
+      </p:ext>
+    </p:extLst>
+  </p:cSld>
+  <p:clrMapOvr>
+    <a:masterClrMapping/>
+  </p:clrMapOvr>
+</p:notes>
+</file>
+
+<file path=ppt/notesSlides/notesSlide5.xml><?xml version="1.0" encoding="utf-8"?>
+<p:notes xmlns:a="http://schemas.openxmlformats.org/drawingml/2006/main" xmlns:r="http://schemas.openxmlformats.org/officeDocument/2006/relationships" xmlns:p="http://schemas.openxmlformats.org/presentationml/2006/main">
+  <p:cSld>
+    <p:spTree>
+      <p:nvGrpSpPr>
+        <p:cNvPr id="1" name=""/>
+        <p:cNvGrpSpPr/>
+        <p:nvPr/>
+      </p:nvGrpSpPr>
+      <p:grpSpPr>
+        <a:xfrm>
+          <a:off x="0" y="0"/>
+          <a:ext cx="0" cy="0"/>
+          <a:chOff x="0" y="0"/>
+          <a:chExt cx="0" cy="0"/>
+        </a:xfrm>
+      </p:grpSpPr>
+      <p:sp>
+        <p:nvSpPr>
+          <p:cNvPr id="2" name="Folienbildplatzhalter 1"/>
+          <p:cNvSpPr>
+            <a:spLocks noGrp="1" noRot="1" noChangeAspect="1"/>
+          </p:cNvSpPr>
+          <p:nvPr>
+            <p:ph type="sldImg"/>
+          </p:nvPr>
+        </p:nvSpPr>
+        <p:spPr/>
+      </p:sp>
+      <p:sp>
+        <p:nvSpPr>
+          <p:cNvPr id="3" name="Notizenplatzhalter 2"/>
+          <p:cNvSpPr>
+            <a:spLocks noGrp="1"/>
+          </p:cNvSpPr>
+          <p:nvPr>
+            <p:ph type="body" idx="1"/>
+          </p:nvPr>
+        </p:nvSpPr>
+        <p:spPr/>
+        <p:txBody>
+          <a:bodyPr/>
+          <a:lstStyle/>
+          <a:p>
+            <a:endParaRPr lang="en-GB" dirty="0"/>
+          </a:p>
+        </p:txBody>
+      </p:sp>
+      <p:sp>
+        <p:nvSpPr>
+          <p:cNvPr id="4" name="Fußzeilenplatzhalter 3"/>
+          <p:cNvSpPr>
+            <a:spLocks noGrp="1"/>
+          </p:cNvSpPr>
+          <p:nvPr>
+            <p:ph type="ftr" sz="quarter" idx="4"/>
+          </p:nvPr>
+        </p:nvSpPr>
+        <p:spPr/>
+        <p:txBody>
+          <a:bodyPr/>
+          <a:lstStyle/>
+          <a:p>
+            <a:endParaRPr lang="de-CH" dirty="0"/>
+          </a:p>
+        </p:txBody>
+      </p:sp>
+      <p:sp>
+        <p:nvSpPr>
+          <p:cNvPr id="5" name="Foliennummernplatzhalter 4"/>
+          <p:cNvSpPr>
+            <a:spLocks noGrp="1"/>
+          </p:cNvSpPr>
+          <p:nvPr>
+            <p:ph type="sldNum" sz="quarter" idx="5"/>
+          </p:nvPr>
+        </p:nvSpPr>
+        <p:spPr/>
+        <p:txBody>
+          <a:bodyPr/>
+          <a:lstStyle/>
+          <a:p>
+            <a:fld id="{B2B24C57-7758-4EF8-8A0E-FE171C8C1817}" type="slidenum">
+              <a:rPr lang="de-CH" smtClean="0"/>
+              <a:t>5</a:t>
+            </a:fld>
+            <a:endParaRPr lang="de-CH" dirty="0"/>
+          </a:p>
+        </p:txBody>
+      </p:sp>
+    </p:spTree>
+    <p:extLst>
+      <p:ext uri="{BB962C8B-B14F-4D97-AF65-F5344CB8AC3E}">
+        <p14:creationId xmlns:p14="http://schemas.microsoft.com/office/powerpoint/2010/main" val="1803530829"/>
+      </p:ext>
+    </p:extLst>
+  </p:cSld>
+  <p:clrMapOvr>
+    <a:masterClrMapping/>
+  </p:clrMapOvr>
+</p:notes>
+</file>
+
+<file path=ppt/notesSlides/notesSlide6.xml><?xml version="1.0" encoding="utf-8"?>
+<p:notes xmlns:a="http://schemas.openxmlformats.org/drawingml/2006/main" xmlns:r="http://schemas.openxmlformats.org/officeDocument/2006/relationships" xmlns:p="http://schemas.openxmlformats.org/presentationml/2006/main">
+  <p:cSld>
+    <p:spTree>
+      <p:nvGrpSpPr>
+        <p:cNvPr id="1" name=""/>
+        <p:cNvGrpSpPr/>
+        <p:nvPr/>
+      </p:nvGrpSpPr>
+      <p:grpSpPr>
+        <a:xfrm>
+          <a:off x="0" y="0"/>
+          <a:ext cx="0" cy="0"/>
+          <a:chOff x="0" y="0"/>
+          <a:chExt cx="0" cy="0"/>
+        </a:xfrm>
+      </p:grpSpPr>
+      <p:sp>
+        <p:nvSpPr>
+          <p:cNvPr id="2" name="Folienbildplatzhalter 1"/>
+          <p:cNvSpPr>
+            <a:spLocks noGrp="1" noRot="1" noChangeAspect="1"/>
+          </p:cNvSpPr>
+          <p:nvPr>
+            <p:ph type="sldImg"/>
+          </p:nvPr>
+        </p:nvSpPr>
+        <p:spPr/>
+      </p:sp>
+      <p:sp>
+        <p:nvSpPr>
+          <p:cNvPr id="3" name="Notizenplatzhalter 2"/>
+          <p:cNvSpPr>
+            <a:spLocks noGrp="1"/>
+          </p:cNvSpPr>
+          <p:nvPr>
+            <p:ph type="body" idx="1"/>
+          </p:nvPr>
+        </p:nvSpPr>
+        <p:spPr/>
+        <p:txBody>
+          <a:bodyPr/>
+          <a:lstStyle/>
+          <a:p>
+            <a:endParaRPr lang="en-GB" dirty="0"/>
+          </a:p>
+        </p:txBody>
+      </p:sp>
+      <p:sp>
+        <p:nvSpPr>
+          <p:cNvPr id="4" name="Fußzeilenplatzhalter 3"/>
+          <p:cNvSpPr>
+            <a:spLocks noGrp="1"/>
+          </p:cNvSpPr>
+          <p:nvPr>
+            <p:ph type="ftr" sz="quarter" idx="4"/>
+          </p:nvPr>
+        </p:nvSpPr>
+        <p:spPr/>
+        <p:txBody>
+          <a:bodyPr/>
+          <a:lstStyle/>
+          <a:p>
+            <a:endParaRPr lang="de-CH" dirty="0"/>
+          </a:p>
+        </p:txBody>
+      </p:sp>
+      <p:sp>
+        <p:nvSpPr>
+          <p:cNvPr id="5" name="Foliennummernplatzhalter 4"/>
+          <p:cNvSpPr>
+            <a:spLocks noGrp="1"/>
+          </p:cNvSpPr>
+          <p:nvPr>
+            <p:ph type="sldNum" sz="quarter" idx="5"/>
+          </p:nvPr>
+        </p:nvSpPr>
+        <p:spPr/>
+        <p:txBody>
+          <a:bodyPr/>
+          <a:lstStyle/>
+          <a:p>
+            <a:fld id="{B2B24C57-7758-4EF8-8A0E-FE171C8C1817}" type="slidenum">
+              <a:rPr lang="de-CH" smtClean="0"/>
+              <a:t>6</a:t>
+            </a:fld>
+            <a:endParaRPr lang="de-CH" dirty="0"/>
+          </a:p>
+        </p:txBody>
+      </p:sp>
+    </p:spTree>
+    <p:extLst>
+      <p:ext uri="{BB962C8B-B14F-4D97-AF65-F5344CB8AC3E}">
+        <p14:creationId xmlns:p14="http://schemas.microsoft.com/office/powerpoint/2010/main" val="3254608533"/>
+      </p:ext>
+    </p:extLst>
+  </p:cSld>
+  <p:clrMapOvr>
+    <a:masterClrMapping/>
+  </p:clrMapOvr>
+</p:notes>
+</file>
+
+<file path=ppt/notesSlides/notesSlide7.xml><?xml version="1.0" encoding="utf-8"?>
+<p:notes xmlns:a="http://schemas.openxmlformats.org/drawingml/2006/main" xmlns:r="http://schemas.openxmlformats.org/officeDocument/2006/relationships" xmlns:p="http://schemas.openxmlformats.org/presentationml/2006/main">
+  <p:cSld>
+    <p:spTree>
+      <p:nvGrpSpPr>
+        <p:cNvPr id="1" name=""/>
+        <p:cNvGrpSpPr/>
+        <p:nvPr/>
+      </p:nvGrpSpPr>
+      <p:grpSpPr>
+        <a:xfrm>
+          <a:off x="0" y="0"/>
+          <a:ext cx="0" cy="0"/>
+          <a:chOff x="0" y="0"/>
+          <a:chExt cx="0" cy="0"/>
+        </a:xfrm>
+      </p:grpSpPr>
+      <p:sp>
+        <p:nvSpPr>
+          <p:cNvPr id="2" name="Folienbildplatzhalter 1"/>
+          <p:cNvSpPr>
+            <a:spLocks noGrp="1" noRot="1" noChangeAspect="1"/>
+          </p:cNvSpPr>
+          <p:nvPr>
+            <p:ph type="sldImg"/>
+          </p:nvPr>
+        </p:nvSpPr>
+        <p:spPr/>
+      </p:sp>
+      <p:sp>
+        <p:nvSpPr>
+          <p:cNvPr id="3" name="Notizenplatzhalter 2"/>
+          <p:cNvSpPr>
+            <a:spLocks noGrp="1"/>
+          </p:cNvSpPr>
+          <p:nvPr>
+            <p:ph type="body" idx="1"/>
+          </p:nvPr>
+        </p:nvSpPr>
+        <p:spPr/>
+        <p:txBody>
+          <a:bodyPr/>
+          <a:lstStyle/>
+          <a:p>
+            <a:endParaRPr lang="en-GB" dirty="0"/>
+          </a:p>
+        </p:txBody>
+      </p:sp>
+      <p:sp>
+        <p:nvSpPr>
+          <p:cNvPr id="4" name="Fußzeilenplatzhalter 3"/>
+          <p:cNvSpPr>
+            <a:spLocks noGrp="1"/>
+          </p:cNvSpPr>
+          <p:nvPr>
+            <p:ph type="ftr" sz="quarter" idx="4"/>
+          </p:nvPr>
+        </p:nvSpPr>
+        <p:spPr/>
+        <p:txBody>
+          <a:bodyPr/>
+          <a:lstStyle/>
+          <a:p>
+            <a:endParaRPr lang="de-CH" dirty="0"/>
+          </a:p>
+        </p:txBody>
+      </p:sp>
+      <p:sp>
+        <p:nvSpPr>
+          <p:cNvPr id="5" name="Foliennummernplatzhalter 4"/>
+          <p:cNvSpPr>
+            <a:spLocks noGrp="1"/>
+          </p:cNvSpPr>
+          <p:nvPr>
+            <p:ph type="sldNum" sz="quarter" idx="5"/>
+          </p:nvPr>
+        </p:nvSpPr>
+        <p:spPr/>
+        <p:txBody>
+          <a:bodyPr/>
+          <a:lstStyle/>
+          <a:p>
+            <a:fld id="{B2B24C57-7758-4EF8-8A0E-FE171C8C1817}" type="slidenum">
+              <a:rPr lang="de-CH" smtClean="0"/>
+              <a:t>7</a:t>
+            </a:fld>
+            <a:endParaRPr lang="de-CH" dirty="0"/>
+          </a:p>
+        </p:txBody>
+      </p:sp>
+    </p:spTree>
+    <p:extLst>
+      <p:ext uri="{BB962C8B-B14F-4D97-AF65-F5344CB8AC3E}">
+        <p14:creationId xmlns:p14="http://schemas.microsoft.com/office/powerpoint/2010/main" val="2231891352"/>
+      </p:ext>
+    </p:extLst>
+  </p:cSld>
+  <p:clrMapOvr>
+    <a:masterClrMapping/>
+  </p:clrMapOvr>
+</p:notes>
+</file>
+
+<file path=ppt/notesSlides/notesSlide8.xml><?xml version="1.0" encoding="utf-8"?>
+<p:notes xmlns:a="http://schemas.openxmlformats.org/drawingml/2006/main" xmlns:r="http://schemas.openxmlformats.org/officeDocument/2006/relationships" xmlns:p="http://schemas.openxmlformats.org/presentationml/2006/main">
+  <p:cSld>
+    <p:spTree>
+      <p:nvGrpSpPr>
+        <p:cNvPr id="1" name=""/>
+        <p:cNvGrpSpPr/>
+        <p:nvPr/>
+      </p:nvGrpSpPr>
+      <p:grpSpPr>
+        <a:xfrm>
+          <a:off x="0" y="0"/>
+          <a:ext cx="0" cy="0"/>
+          <a:chOff x="0" y="0"/>
+          <a:chExt cx="0" cy="0"/>
+        </a:xfrm>
+      </p:grpSpPr>
+      <p:sp>
+        <p:nvSpPr>
+          <p:cNvPr id="2" name="Folienbildplatzhalter 1"/>
+          <p:cNvSpPr>
+            <a:spLocks noGrp="1" noRot="1" noChangeAspect="1"/>
+          </p:cNvSpPr>
+          <p:nvPr>
+            <p:ph type="sldImg"/>
+          </p:nvPr>
+        </p:nvSpPr>
+        <p:spPr/>
+      </p:sp>
+      <p:sp>
+        <p:nvSpPr>
+          <p:cNvPr id="3" name="Notizenplatzhalter 2"/>
+          <p:cNvSpPr>
+            <a:spLocks noGrp="1"/>
+          </p:cNvSpPr>
+          <p:nvPr>
+            <p:ph type="body" idx="1"/>
+          </p:nvPr>
+        </p:nvSpPr>
+        <p:spPr/>
+        <p:txBody>
+          <a:bodyPr/>
+          <a:lstStyle/>
+          <a:p>
+            <a:endParaRPr lang="en-GB" dirty="0"/>
+          </a:p>
+        </p:txBody>
+      </p:sp>
+      <p:sp>
+        <p:nvSpPr>
+          <p:cNvPr id="4" name="Fußzeilenplatzhalter 3"/>
+          <p:cNvSpPr>
+            <a:spLocks noGrp="1"/>
+          </p:cNvSpPr>
+          <p:nvPr>
+            <p:ph type="ftr" sz="quarter" idx="4"/>
+          </p:nvPr>
+        </p:nvSpPr>
+        <p:spPr/>
+        <p:txBody>
+          <a:bodyPr/>
+          <a:lstStyle/>
+          <a:p>
+            <a:endParaRPr lang="de-CH" dirty="0"/>
+          </a:p>
+        </p:txBody>
+      </p:sp>
+      <p:sp>
+        <p:nvSpPr>
+          <p:cNvPr id="5" name="Foliennummernplatzhalter 4"/>
+          <p:cNvSpPr>
+            <a:spLocks noGrp="1"/>
+          </p:cNvSpPr>
+          <p:nvPr>
+            <p:ph type="sldNum" sz="quarter" idx="5"/>
+          </p:nvPr>
+        </p:nvSpPr>
+        <p:spPr/>
+        <p:txBody>
+          <a:bodyPr/>
+          <a:lstStyle/>
+          <a:p>
+            <a:fld id="{B2B24C57-7758-4EF8-8A0E-FE171C8C1817}" type="slidenum">
+              <a:rPr lang="de-CH" smtClean="0"/>
+              <a:t>8</a:t>
+            </a:fld>
+            <a:endParaRPr lang="de-CH" dirty="0"/>
+          </a:p>
+        </p:txBody>
+      </p:sp>
+    </p:spTree>
+    <p:extLst>
+      <p:ext uri="{BB962C8B-B14F-4D97-AF65-F5344CB8AC3E}">
+        <p14:creationId xmlns:p14="http://schemas.microsoft.com/office/powerpoint/2010/main" val="3296695457"/>
+      </p:ext>
+    </p:extLst>
+  </p:cSld>
+  <p:clrMapOvr>
+    <a:masterClrMapping/>
+  </p:clrMapOvr>
+</p:notes>
+</file>
+
+<file path=ppt/notesSlides/notesSlide9.xml><?xml version="1.0" encoding="utf-8"?>
+<p:notes xmlns:a="http://schemas.openxmlformats.org/drawingml/2006/main" xmlns:r="http://schemas.openxmlformats.org/officeDocument/2006/relationships" xmlns:p="http://schemas.openxmlformats.org/presentationml/2006/main">
+  <p:cSld>
+    <p:spTree>
+      <p:nvGrpSpPr>
+        <p:cNvPr id="1" name=""/>
+        <p:cNvGrpSpPr/>
+        <p:nvPr/>
+      </p:nvGrpSpPr>
+      <p:grpSpPr>
+        <a:xfrm>
+          <a:off x="0" y="0"/>
+          <a:ext cx="0" cy="0"/>
+          <a:chOff x="0" y="0"/>
+          <a:chExt cx="0" cy="0"/>
+        </a:xfrm>
+      </p:grpSpPr>
+      <p:sp>
+        <p:nvSpPr>
+          <p:cNvPr id="2" name="Folienbildplatzhalter 1"/>
+          <p:cNvSpPr>
+            <a:spLocks noGrp="1" noRot="1" noChangeAspect="1"/>
+          </p:cNvSpPr>
+          <p:nvPr>
+            <p:ph type="sldImg"/>
+          </p:nvPr>
+        </p:nvSpPr>
+        <p:spPr/>
+      </p:sp>
+      <p:sp>
+        <p:nvSpPr>
+          <p:cNvPr id="3" name="Notizenplatzhalter 2"/>
+          <p:cNvSpPr>
+            <a:spLocks noGrp="1"/>
+          </p:cNvSpPr>
+          <p:nvPr>
+            <p:ph type="body" idx="1"/>
+          </p:nvPr>
+        </p:nvSpPr>
+        <p:spPr/>
+        <p:txBody>
+          <a:bodyPr/>
+          <a:lstStyle/>
+          <a:p>
+            <a:endParaRPr lang="en-GB" dirty="0"/>
+          </a:p>
+        </p:txBody>
+      </p:sp>
+      <p:sp>
+        <p:nvSpPr>
+          <p:cNvPr id="4" name="Fußzeilenplatzhalter 3"/>
+          <p:cNvSpPr>
+            <a:spLocks noGrp="1"/>
+          </p:cNvSpPr>
+          <p:nvPr>
+            <p:ph type="ftr" sz="quarter" idx="4"/>
+          </p:nvPr>
+        </p:nvSpPr>
+        <p:spPr/>
+        <p:txBody>
+          <a:bodyPr/>
+          <a:lstStyle/>
+          <a:p>
+            <a:endParaRPr lang="de-CH" dirty="0"/>
+          </a:p>
+        </p:txBody>
+      </p:sp>
+      <p:sp>
+        <p:nvSpPr>
+          <p:cNvPr id="5" name="Foliennummernplatzhalter 4"/>
+          <p:cNvSpPr>
+            <a:spLocks noGrp="1"/>
+          </p:cNvSpPr>
+          <p:nvPr>
+            <p:ph type="sldNum" sz="quarter" idx="5"/>
+          </p:nvPr>
+        </p:nvSpPr>
+        <p:spPr/>
+        <p:txBody>
+          <a:bodyPr/>
+          <a:lstStyle/>
+          <a:p>
+            <a:fld id="{B2B24C57-7758-4EF8-8A0E-FE171C8C1817}" type="slidenum">
+              <a:rPr lang="de-CH" smtClean="0"/>
+              <a:t>9</a:t>
+            </a:fld>
+            <a:endParaRPr lang="de-CH" dirty="0"/>
+          </a:p>
+        </p:txBody>
+      </p:sp>
+    </p:spTree>
+    <p:extLst>
+      <p:ext uri="{BB962C8B-B14F-4D97-AF65-F5344CB8AC3E}">
+        <p14:creationId xmlns:p14="http://schemas.microsoft.com/office/powerpoint/2010/main" val="439623382"/>
       </p:ext>
     </p:extLst>
   </p:cSld>
@@ -12584,265 +17372,7 @@
 </p:sld>
 </file>
 
-<file path=ppt/slides/slide2.xml><?xml version="1.0" encoding="utf-8"?>
-<p:sld xmlns:a="http://schemas.openxmlformats.org/drawingml/2006/main" xmlns:r="http://schemas.openxmlformats.org/officeDocument/2006/relationships" xmlns:p="http://schemas.openxmlformats.org/presentationml/2006/main">
-  <p:cSld>
-    <p:spTree>
-      <p:nvGrpSpPr>
-        <p:cNvPr id="1" name=""/>
-        <p:cNvGrpSpPr/>
-        <p:nvPr/>
-      </p:nvGrpSpPr>
-      <p:grpSpPr>
-        <a:xfrm>
-          <a:off x="0" y="0"/>
-          <a:ext cx="0" cy="0"/>
-          <a:chOff x="0" y="0"/>
-          <a:chExt cx="0" cy="0"/>
-        </a:xfrm>
-      </p:grpSpPr>
-      <p:sp>
-        <p:nvSpPr>
-          <p:cNvPr id="2" name="Textplatzhalter 1">
-            <a:extLst>
-              <a:ext uri="{FF2B5EF4-FFF2-40B4-BE49-F238E27FC236}">
-                <a16:creationId xmlns:a16="http://schemas.microsoft.com/office/drawing/2014/main" id="{9DF2D2EF-9BA8-411A-8C49-A736BF649E28}"/>
-              </a:ext>
-            </a:extLst>
-          </p:cNvPr>
-          <p:cNvSpPr>
-            <a:spLocks noGrp="1"/>
-          </p:cNvSpPr>
-          <p:nvPr>
-            <p:ph type="body" idx="11"/>
-          </p:nvPr>
-        </p:nvSpPr>
-        <p:spPr/>
-        <p:txBody>
-          <a:bodyPr/>
-          <a:lstStyle/>
-          <a:p>
-            <a:endParaRPr lang="en-GB"/>
-          </a:p>
-        </p:txBody>
-      </p:sp>
-      <p:sp>
-        <p:nvSpPr>
-          <p:cNvPr id="3" name="Titel 2">
-            <a:extLst>
-              <a:ext uri="{FF2B5EF4-FFF2-40B4-BE49-F238E27FC236}">
-                <a16:creationId xmlns:a16="http://schemas.microsoft.com/office/drawing/2014/main" id="{CCF5DF9F-6C58-4F20-BCF9-074E879804AA}"/>
-              </a:ext>
-            </a:extLst>
-          </p:cNvPr>
-          <p:cNvSpPr>
-            <a:spLocks noGrp="1"/>
-          </p:cNvSpPr>
-          <p:nvPr>
-            <p:ph type="title"/>
-          </p:nvPr>
-        </p:nvSpPr>
-        <p:spPr/>
-        <p:txBody>
-          <a:bodyPr/>
-          <a:lstStyle/>
-          <a:p>
-            <a:r>
-              <a:rPr lang="en-GB" dirty="0"/>
-              <a:t>Introduction</a:t>
-            </a:r>
-          </a:p>
-        </p:txBody>
-      </p:sp>
-      <p:sp>
-        <p:nvSpPr>
-          <p:cNvPr id="4" name="Inhaltsplatzhalter 3">
-            <a:extLst>
-              <a:ext uri="{FF2B5EF4-FFF2-40B4-BE49-F238E27FC236}">
-                <a16:creationId xmlns:a16="http://schemas.microsoft.com/office/drawing/2014/main" id="{C31ADC9B-A79E-4EC8-B885-E92E936A3D8E}"/>
-              </a:ext>
-            </a:extLst>
-          </p:cNvPr>
-          <p:cNvSpPr>
-            <a:spLocks noGrp="1"/>
-          </p:cNvSpPr>
-          <p:nvPr>
-            <p:ph idx="1"/>
-          </p:nvPr>
-        </p:nvSpPr>
-        <p:spPr/>
-        <p:txBody>
-          <a:bodyPr/>
-          <a:lstStyle/>
-          <a:p>
-            <a:r>
-              <a:rPr lang="en-GB" dirty="0"/>
-              <a:t>What is normalization?</a:t>
-            </a:r>
-          </a:p>
-          <a:p>
-            <a:r>
-              <a:rPr lang="en-GB" dirty="0"/>
-              <a:t>Why we need normalization?</a:t>
-            </a:r>
-          </a:p>
-          <a:p>
-            <a:r>
-              <a:rPr lang="en-GB" dirty="0"/>
-              <a:t>What are the advantages and contras? </a:t>
-            </a:r>
-          </a:p>
-          <a:p>
-            <a:r>
-              <a:rPr lang="en-GB" dirty="0"/>
-              <a:t>Different Methods?</a:t>
-            </a:r>
-          </a:p>
-          <a:p>
-            <a:pPr marL="0" indent="0">
-              <a:buNone/>
-            </a:pPr>
-            <a:endParaRPr lang="en-GB" dirty="0"/>
-          </a:p>
-        </p:txBody>
-      </p:sp>
-    </p:spTree>
-    <p:extLst>
-      <p:ext uri="{BB962C8B-B14F-4D97-AF65-F5344CB8AC3E}">
-        <p14:creationId xmlns:p14="http://schemas.microsoft.com/office/powerpoint/2010/main" val="3795839589"/>
-      </p:ext>
-    </p:extLst>
-  </p:cSld>
-  <p:clrMapOvr>
-    <a:masterClrMapping/>
-  </p:clrMapOvr>
-</p:sld>
-</file>
-
-<file path=ppt/slides/slide3.xml><?xml version="1.0" encoding="utf-8"?>
-<p:sld xmlns:a="http://schemas.openxmlformats.org/drawingml/2006/main" xmlns:r="http://schemas.openxmlformats.org/officeDocument/2006/relationships" xmlns:p="http://schemas.openxmlformats.org/presentationml/2006/main">
-  <p:cSld>
-    <p:spTree>
-      <p:nvGrpSpPr>
-        <p:cNvPr id="1" name=""/>
-        <p:cNvGrpSpPr/>
-        <p:nvPr/>
-      </p:nvGrpSpPr>
-      <p:grpSpPr>
-        <a:xfrm>
-          <a:off x="0" y="0"/>
-          <a:ext cx="0" cy="0"/>
-          <a:chOff x="0" y="0"/>
-          <a:chExt cx="0" cy="0"/>
-        </a:xfrm>
-      </p:grpSpPr>
-      <p:sp>
-        <p:nvSpPr>
-          <p:cNvPr id="2" name="Textplatzhalter 1">
-            <a:extLst>
-              <a:ext uri="{FF2B5EF4-FFF2-40B4-BE49-F238E27FC236}">
-                <a16:creationId xmlns:a16="http://schemas.microsoft.com/office/drawing/2014/main" id="{A02724B3-7C52-41FA-B41A-4C8EFD48E973}"/>
-              </a:ext>
-            </a:extLst>
-          </p:cNvPr>
-          <p:cNvSpPr>
-            <a:spLocks noGrp="1"/>
-          </p:cNvSpPr>
-          <p:nvPr>
-            <p:ph type="body" idx="11"/>
-          </p:nvPr>
-        </p:nvSpPr>
-        <p:spPr/>
-        <p:txBody>
-          <a:bodyPr/>
-          <a:lstStyle/>
-          <a:p>
-            <a:endParaRPr lang="en-GB"/>
-          </a:p>
-        </p:txBody>
-      </p:sp>
-      <p:sp>
-        <p:nvSpPr>
-          <p:cNvPr id="3" name="Titel 2">
-            <a:extLst>
-              <a:ext uri="{FF2B5EF4-FFF2-40B4-BE49-F238E27FC236}">
-                <a16:creationId xmlns:a16="http://schemas.microsoft.com/office/drawing/2014/main" id="{314A22B0-5D69-48C2-967A-4A637EB1AF7F}"/>
-              </a:ext>
-            </a:extLst>
-          </p:cNvPr>
-          <p:cNvSpPr>
-            <a:spLocks noGrp="1"/>
-          </p:cNvSpPr>
-          <p:nvPr>
-            <p:ph type="title"/>
-          </p:nvPr>
-        </p:nvSpPr>
-        <p:spPr/>
-        <p:txBody>
-          <a:bodyPr/>
-          <a:lstStyle/>
-          <a:p>
-            <a:r>
-              <a:rPr lang="en-GB" dirty="0"/>
-              <a:t>Our Project</a:t>
-            </a:r>
-          </a:p>
-        </p:txBody>
-      </p:sp>
-      <p:sp>
-        <p:nvSpPr>
-          <p:cNvPr id="4" name="Inhaltsplatzhalter 3">
-            <a:extLst>
-              <a:ext uri="{FF2B5EF4-FFF2-40B4-BE49-F238E27FC236}">
-                <a16:creationId xmlns:a16="http://schemas.microsoft.com/office/drawing/2014/main" id="{F8D7353B-DE9F-4B95-96EC-2DD9F2B04E96}"/>
-              </a:ext>
-            </a:extLst>
-          </p:cNvPr>
-          <p:cNvSpPr>
-            <a:spLocks noGrp="1"/>
-          </p:cNvSpPr>
-          <p:nvPr>
-            <p:ph idx="1"/>
-          </p:nvPr>
-        </p:nvSpPr>
-        <p:spPr/>
-        <p:txBody>
-          <a:bodyPr/>
-          <a:lstStyle/>
-          <a:p>
-            <a:r>
-              <a:rPr lang="en-GB" dirty="0"/>
-              <a:t>What have we done so far?</a:t>
-            </a:r>
-          </a:p>
-          <a:p>
-            <a:r>
-              <a:rPr lang="en-GB" dirty="0"/>
-              <a:t>What were the challenges?</a:t>
-            </a:r>
-          </a:p>
-          <a:p>
-            <a:r>
-              <a:rPr lang="en-GB" dirty="0"/>
-              <a:t>You have to sell your project a bit ;) !!!</a:t>
-            </a:r>
-          </a:p>
-        </p:txBody>
-      </p:sp>
-    </p:spTree>
-    <p:extLst>
-      <p:ext uri="{BB962C8B-B14F-4D97-AF65-F5344CB8AC3E}">
-        <p14:creationId xmlns:p14="http://schemas.microsoft.com/office/powerpoint/2010/main" val="2731920850"/>
-      </p:ext>
-    </p:extLst>
-  </p:cSld>
-  <p:clrMapOvr>
-    <a:masterClrMapping/>
-  </p:clrMapOvr>
-</p:sld>
-</file>
-
-<file path=ppt/slides/slide4.xml><?xml version="1.0" encoding="utf-8"?>
+<file path=ppt/slides/slide10.xml><?xml version="1.0" encoding="utf-8"?>
 <p:sld xmlns:a="http://schemas.openxmlformats.org/drawingml/2006/main" xmlns:r="http://schemas.openxmlformats.org/officeDocument/2006/relationships" xmlns:p="http://schemas.openxmlformats.org/presentationml/2006/main">
   <p:cSld>
     <p:spTree>
@@ -12875,12 +17405,24 @@
             <p:ph type="body" idx="11"/>
           </p:nvPr>
         </p:nvSpPr>
-        <p:spPr/>
+        <p:spPr>
+          <a:xfrm>
+            <a:off x="540000" y="680400"/>
+            <a:ext cx="7020000" cy="410369"/>
+          </a:xfrm>
+        </p:spPr>
         <p:txBody>
           <a:bodyPr/>
           <a:lstStyle/>
           <a:p>
-            <a:endParaRPr lang="en-GB"/>
+            <a:r>
+              <a:rPr lang="en-GB" dirty="0" err="1"/>
+              <a:t>Hausdorff</a:t>
+            </a:r>
+            <a:r>
+              <a:rPr lang="en-GB" dirty="0"/>
+              <a:t> Distance Improvement</a:t>
+            </a:r>
           </a:p>
         </p:txBody>
       </p:sp>
@@ -12912,35 +17454,41 @@
           </a:p>
         </p:txBody>
       </p:sp>
-      <p:sp>
-        <p:nvSpPr>
-          <p:cNvPr id="4" name="Inhaltsplatzhalter 3">
+      <p:graphicFrame>
+        <p:nvGraphicFramePr>
+          <p:cNvPr id="7" name="Inhaltsplatzhalter 6">
             <a:extLst>
               <a:ext uri="{FF2B5EF4-FFF2-40B4-BE49-F238E27FC236}">
-                <a16:creationId xmlns:a16="http://schemas.microsoft.com/office/drawing/2014/main" id="{09A5B473-DD00-4CE3-AA1D-015CE70AE56A}"/>
+                <a16:creationId xmlns:a16="http://schemas.microsoft.com/office/drawing/2014/main" id="{66214EDC-0B40-4313-9D72-1122ED4D7264}"/>
               </a:ext>
             </a:extLst>
           </p:cNvPr>
-          <p:cNvSpPr>
-            <a:spLocks noGrp="1"/>
-          </p:cNvSpPr>
+          <p:cNvGraphicFramePr>
+            <a:graphicFrameLocks noGrp="1"/>
+          </p:cNvGraphicFramePr>
           <p:nvPr>
             <p:ph idx="1"/>
+            <p:extLst>
+              <p:ext uri="{D42A27DB-BD31-4B8C-83A1-F6EECF244321}">
+                <p14:modId xmlns:p14="http://schemas.microsoft.com/office/powerpoint/2010/main" val="1930346035"/>
+              </p:ext>
+            </p:extLst>
           </p:nvPr>
-        </p:nvSpPr>
-        <p:spPr/>
-        <p:txBody>
-          <a:bodyPr/>
-          <a:lstStyle/>
-          <a:p>
-            <a:endParaRPr lang="en-GB" dirty="0"/>
-          </a:p>
-        </p:txBody>
-      </p:sp>
+        </p:nvGraphicFramePr>
+        <p:xfrm>
+          <a:off x="539750" y="1276350"/>
+          <a:ext cx="8459788" cy="3527425"/>
+        </p:xfrm>
+        <a:graphic>
+          <a:graphicData uri="http://schemas.openxmlformats.org/drawingml/2006/chart">
+            <c:chart xmlns:c="http://schemas.openxmlformats.org/drawingml/2006/chart" xmlns:r="http://schemas.openxmlformats.org/officeDocument/2006/relationships" r:id="rId3"/>
+          </a:graphicData>
+        </a:graphic>
+      </p:graphicFrame>
     </p:spTree>
     <p:extLst>
       <p:ext uri="{BB962C8B-B14F-4D97-AF65-F5344CB8AC3E}">
-        <p14:creationId xmlns:p14="http://schemas.microsoft.com/office/powerpoint/2010/main" val="442890286"/>
+        <p14:creationId xmlns:p14="http://schemas.microsoft.com/office/powerpoint/2010/main" val="2640667436"/>
       </p:ext>
     </p:extLst>
   </p:cSld>
@@ -12950,7 +17498,7 @@
 </p:sld>
 </file>
 
-<file path=ppt/slides/slide5.xml><?xml version="1.0" encoding="utf-8"?>
+<file path=ppt/slides/slide11.xml><?xml version="1.0" encoding="utf-8"?>
 <p:sld xmlns:a="http://schemas.openxmlformats.org/drawingml/2006/main" xmlns:r="http://schemas.openxmlformats.org/officeDocument/2006/relationships" xmlns:p="http://schemas.openxmlformats.org/presentationml/2006/main">
   <p:cSld>
     <p:spTree>
@@ -13079,12 +17627,8 @@
               <a:buAutoNum type="arabicPeriod"/>
             </a:pPr>
             <a:r>
-              <a:rPr lang="en-US" dirty="0" err="1"/>
-              <a:t>Behaviour</a:t>
-            </a:r>
-            <a:r>
               <a:rPr lang="en-US" dirty="0"/>
-              <a:t> of normalization techniques</a:t>
+              <a:t>Behavior of normalization techniques</a:t>
             </a:r>
           </a:p>
           <a:p>
@@ -13122,7 +17666,7 @@
 </p:sld>
 </file>
 
-<file path=ppt/slides/slide6.xml><?xml version="1.0" encoding="utf-8"?>
+<file path=ppt/slides/slide12.xml><?xml version="1.0" encoding="utf-8"?>
 <p:sld xmlns:a="http://schemas.openxmlformats.org/drawingml/2006/main" xmlns:r="http://schemas.openxmlformats.org/officeDocument/2006/relationships" xmlns:p="http://schemas.openxmlformats.org/presentationml/2006/main">
   <p:cSld>
     <p:spTree>
@@ -13344,6 +17888,1758 @@
     <p:extLst>
       <p:ext uri="{BB962C8B-B14F-4D97-AF65-F5344CB8AC3E}">
         <p14:creationId xmlns:p14="http://schemas.microsoft.com/office/powerpoint/2010/main" val="4040610606"/>
+      </p:ext>
+    </p:extLst>
+  </p:cSld>
+  <p:clrMapOvr>
+    <a:masterClrMapping/>
+  </p:clrMapOvr>
+</p:sld>
+</file>
+
+<file path=ppt/slides/slide2.xml><?xml version="1.0" encoding="utf-8"?>
+<p:sld xmlns:a="http://schemas.openxmlformats.org/drawingml/2006/main" xmlns:r="http://schemas.openxmlformats.org/officeDocument/2006/relationships" xmlns:p="http://schemas.openxmlformats.org/presentationml/2006/main">
+  <p:cSld>
+    <p:spTree>
+      <p:nvGrpSpPr>
+        <p:cNvPr id="1" name=""/>
+        <p:cNvGrpSpPr/>
+        <p:nvPr/>
+      </p:nvGrpSpPr>
+      <p:grpSpPr>
+        <a:xfrm>
+          <a:off x="0" y="0"/>
+          <a:ext cx="0" cy="0"/>
+          <a:chOff x="0" y="0"/>
+          <a:chExt cx="0" cy="0"/>
+        </a:xfrm>
+      </p:grpSpPr>
+      <p:sp>
+        <p:nvSpPr>
+          <p:cNvPr id="2" name="Textplatzhalter 1">
+            <a:extLst>
+              <a:ext uri="{FF2B5EF4-FFF2-40B4-BE49-F238E27FC236}">
+                <a16:creationId xmlns:a16="http://schemas.microsoft.com/office/drawing/2014/main" id="{9DF2D2EF-9BA8-411A-8C49-A736BF649E28}"/>
+              </a:ext>
+            </a:extLst>
+          </p:cNvPr>
+          <p:cNvSpPr>
+            <a:spLocks noGrp="1"/>
+          </p:cNvSpPr>
+          <p:nvPr>
+            <p:ph type="body" idx="11"/>
+          </p:nvPr>
+        </p:nvSpPr>
+        <p:spPr/>
+        <p:txBody>
+          <a:bodyPr/>
+          <a:lstStyle/>
+          <a:p>
+            <a:endParaRPr lang="en-GB"/>
+          </a:p>
+        </p:txBody>
+      </p:sp>
+      <p:sp>
+        <p:nvSpPr>
+          <p:cNvPr id="3" name="Titel 2">
+            <a:extLst>
+              <a:ext uri="{FF2B5EF4-FFF2-40B4-BE49-F238E27FC236}">
+                <a16:creationId xmlns:a16="http://schemas.microsoft.com/office/drawing/2014/main" id="{CCF5DF9F-6C58-4F20-BCF9-074E879804AA}"/>
+              </a:ext>
+            </a:extLst>
+          </p:cNvPr>
+          <p:cNvSpPr>
+            <a:spLocks noGrp="1"/>
+          </p:cNvSpPr>
+          <p:nvPr>
+            <p:ph type="title"/>
+          </p:nvPr>
+        </p:nvSpPr>
+        <p:spPr/>
+        <p:txBody>
+          <a:bodyPr/>
+          <a:lstStyle/>
+          <a:p>
+            <a:r>
+              <a:rPr lang="en-GB" dirty="0"/>
+              <a:t>Introduction</a:t>
+            </a:r>
+          </a:p>
+        </p:txBody>
+      </p:sp>
+      <p:sp>
+        <p:nvSpPr>
+          <p:cNvPr id="4" name="Inhaltsplatzhalter 3">
+            <a:extLst>
+              <a:ext uri="{FF2B5EF4-FFF2-40B4-BE49-F238E27FC236}">
+                <a16:creationId xmlns:a16="http://schemas.microsoft.com/office/drawing/2014/main" id="{C31ADC9B-A79E-4EC8-B885-E92E936A3D8E}"/>
+              </a:ext>
+            </a:extLst>
+          </p:cNvPr>
+          <p:cNvSpPr>
+            <a:spLocks noGrp="1"/>
+          </p:cNvSpPr>
+          <p:nvPr>
+            <p:ph idx="1"/>
+          </p:nvPr>
+        </p:nvSpPr>
+        <p:spPr/>
+        <p:txBody>
+          <a:bodyPr/>
+          <a:lstStyle/>
+          <a:p>
+            <a:pPr marL="0" indent="0">
+              <a:buNone/>
+            </a:pPr>
+            <a:r>
+              <a:rPr lang="en-GB" dirty="0"/>
+              <a:t>MIA Pipeline</a:t>
+            </a:r>
+          </a:p>
+        </p:txBody>
+      </p:sp>
+      <p:pic>
+        <p:nvPicPr>
+          <p:cNvPr id="7" name="Grafik 6">
+            <a:extLst>
+              <a:ext uri="{FF2B5EF4-FFF2-40B4-BE49-F238E27FC236}">
+                <a16:creationId xmlns:a16="http://schemas.microsoft.com/office/drawing/2014/main" id="{8B5EA454-8854-4612-AE83-ED6966CB5420}"/>
+              </a:ext>
+            </a:extLst>
+          </p:cNvPr>
+          <p:cNvPicPr>
+            <a:picLocks noChangeAspect="1"/>
+          </p:cNvPicPr>
+          <p:nvPr/>
+        </p:nvPicPr>
+        <p:blipFill>
+          <a:blip r:embed="rId3"/>
+          <a:stretch>
+            <a:fillRect/>
+          </a:stretch>
+        </p:blipFill>
+        <p:spPr>
+          <a:xfrm>
+            <a:off x="1133872" y="1827085"/>
+            <a:ext cx="6876256" cy="2636015"/>
+          </a:xfrm>
+          <a:prstGeom prst="rect">
+            <a:avLst/>
+          </a:prstGeom>
+        </p:spPr>
+      </p:pic>
+    </p:spTree>
+    <p:extLst>
+      <p:ext uri="{BB962C8B-B14F-4D97-AF65-F5344CB8AC3E}">
+        <p14:creationId xmlns:p14="http://schemas.microsoft.com/office/powerpoint/2010/main" val="3290514780"/>
+      </p:ext>
+    </p:extLst>
+  </p:cSld>
+  <p:clrMapOvr>
+    <a:masterClrMapping/>
+  </p:clrMapOvr>
+</p:sld>
+</file>
+
+<file path=ppt/slides/slide3.xml><?xml version="1.0" encoding="utf-8"?>
+<p:sld xmlns:a="http://schemas.openxmlformats.org/drawingml/2006/main" xmlns:r="http://schemas.openxmlformats.org/officeDocument/2006/relationships" xmlns:p="http://schemas.openxmlformats.org/presentationml/2006/main">
+  <p:cSld>
+    <p:spTree>
+      <p:nvGrpSpPr>
+        <p:cNvPr id="1" name=""/>
+        <p:cNvGrpSpPr/>
+        <p:nvPr/>
+      </p:nvGrpSpPr>
+      <p:grpSpPr>
+        <a:xfrm>
+          <a:off x="0" y="0"/>
+          <a:ext cx="0" cy="0"/>
+          <a:chOff x="0" y="0"/>
+          <a:chExt cx="0" cy="0"/>
+        </a:xfrm>
+      </p:grpSpPr>
+      <p:sp>
+        <p:nvSpPr>
+          <p:cNvPr id="2" name="Textplatzhalter 1">
+            <a:extLst>
+              <a:ext uri="{FF2B5EF4-FFF2-40B4-BE49-F238E27FC236}">
+                <a16:creationId xmlns:a16="http://schemas.microsoft.com/office/drawing/2014/main" id="{9DF2D2EF-9BA8-411A-8C49-A736BF649E28}"/>
+              </a:ext>
+            </a:extLst>
+          </p:cNvPr>
+          <p:cNvSpPr>
+            <a:spLocks noGrp="1"/>
+          </p:cNvSpPr>
+          <p:nvPr>
+            <p:ph type="body" idx="11"/>
+          </p:nvPr>
+        </p:nvSpPr>
+        <p:spPr/>
+        <p:txBody>
+          <a:bodyPr/>
+          <a:lstStyle/>
+          <a:p>
+            <a:endParaRPr lang="en-GB"/>
+          </a:p>
+        </p:txBody>
+      </p:sp>
+      <p:sp>
+        <p:nvSpPr>
+          <p:cNvPr id="3" name="Titel 2">
+            <a:extLst>
+              <a:ext uri="{FF2B5EF4-FFF2-40B4-BE49-F238E27FC236}">
+                <a16:creationId xmlns:a16="http://schemas.microsoft.com/office/drawing/2014/main" id="{CCF5DF9F-6C58-4F20-BCF9-074E879804AA}"/>
+              </a:ext>
+            </a:extLst>
+          </p:cNvPr>
+          <p:cNvSpPr>
+            <a:spLocks noGrp="1"/>
+          </p:cNvSpPr>
+          <p:nvPr>
+            <p:ph type="title"/>
+          </p:nvPr>
+        </p:nvSpPr>
+        <p:spPr/>
+        <p:txBody>
+          <a:bodyPr/>
+          <a:lstStyle/>
+          <a:p>
+            <a:r>
+              <a:rPr lang="en-GB" dirty="0"/>
+              <a:t>Introduction</a:t>
+            </a:r>
+          </a:p>
+        </p:txBody>
+      </p:sp>
+      <p:sp>
+        <p:nvSpPr>
+          <p:cNvPr id="4" name="Inhaltsplatzhalter 3">
+            <a:extLst>
+              <a:ext uri="{FF2B5EF4-FFF2-40B4-BE49-F238E27FC236}">
+                <a16:creationId xmlns:a16="http://schemas.microsoft.com/office/drawing/2014/main" id="{C31ADC9B-A79E-4EC8-B885-E92E936A3D8E}"/>
+              </a:ext>
+            </a:extLst>
+          </p:cNvPr>
+          <p:cNvSpPr>
+            <a:spLocks noGrp="1"/>
+          </p:cNvSpPr>
+          <p:nvPr>
+            <p:ph idx="1"/>
+          </p:nvPr>
+        </p:nvSpPr>
+        <p:spPr/>
+        <p:txBody>
+          <a:bodyPr/>
+          <a:lstStyle/>
+          <a:p>
+            <a:r>
+              <a:rPr lang="en-GB" dirty="0"/>
+              <a:t>What is the purpose of normalization?</a:t>
+            </a:r>
+          </a:p>
+          <a:p>
+            <a:pPr lvl="1"/>
+            <a:r>
+              <a:rPr lang="en-GB" dirty="0"/>
+              <a:t>To</a:t>
+            </a:r>
+            <a:r>
+              <a:rPr lang="en-US" dirty="0"/>
+              <a:t> improve the image quality for comparison</a:t>
+            </a:r>
+          </a:p>
+          <a:p>
+            <a:pPr lvl="1"/>
+            <a:r>
+              <a:rPr lang="en-US" dirty="0"/>
+              <a:t>Normalize </a:t>
+            </a:r>
+            <a:r>
+              <a:rPr lang="en-US"/>
+              <a:t>image information</a:t>
+            </a:r>
+            <a:endParaRPr lang="en-GB" dirty="0"/>
+          </a:p>
+          <a:p>
+            <a:endParaRPr lang="en-GB" dirty="0"/>
+          </a:p>
+          <a:p>
+            <a:r>
+              <a:rPr lang="en-GB" dirty="0"/>
+              <a:t>Simple and effective</a:t>
+            </a:r>
+          </a:p>
+          <a:p>
+            <a:r>
+              <a:rPr lang="en-GB" dirty="0"/>
+              <a:t>Be careful with bias or confound</a:t>
+            </a:r>
+          </a:p>
+          <a:p>
+            <a:pPr marL="0" indent="0">
+              <a:buNone/>
+            </a:pPr>
+            <a:endParaRPr lang="en-GB" dirty="0"/>
+          </a:p>
+        </p:txBody>
+      </p:sp>
+    </p:spTree>
+    <p:extLst>
+      <p:ext uri="{BB962C8B-B14F-4D97-AF65-F5344CB8AC3E}">
+        <p14:creationId xmlns:p14="http://schemas.microsoft.com/office/powerpoint/2010/main" val="3582354095"/>
+      </p:ext>
+    </p:extLst>
+  </p:cSld>
+  <p:clrMapOvr>
+    <a:masterClrMapping/>
+  </p:clrMapOvr>
+</p:sld>
+</file>
+
+<file path=ppt/slides/slide4.xml><?xml version="1.0" encoding="utf-8"?>
+<p:sld xmlns:a="http://schemas.openxmlformats.org/drawingml/2006/main" xmlns:r="http://schemas.openxmlformats.org/officeDocument/2006/relationships" xmlns:p="http://schemas.openxmlformats.org/presentationml/2006/main">
+  <p:cSld>
+    <p:spTree>
+      <p:nvGrpSpPr>
+        <p:cNvPr id="1" name=""/>
+        <p:cNvGrpSpPr/>
+        <p:nvPr/>
+      </p:nvGrpSpPr>
+      <p:grpSpPr>
+        <a:xfrm>
+          <a:off x="0" y="0"/>
+          <a:ext cx="0" cy="0"/>
+          <a:chOff x="0" y="0"/>
+          <a:chExt cx="0" cy="0"/>
+        </a:xfrm>
+      </p:grpSpPr>
+      <p:sp>
+        <p:nvSpPr>
+          <p:cNvPr id="2" name="Textplatzhalter 1">
+            <a:extLst>
+              <a:ext uri="{FF2B5EF4-FFF2-40B4-BE49-F238E27FC236}">
+                <a16:creationId xmlns:a16="http://schemas.microsoft.com/office/drawing/2014/main" id="{A02724B3-7C52-41FA-B41A-4C8EFD48E973}"/>
+              </a:ext>
+            </a:extLst>
+          </p:cNvPr>
+          <p:cNvSpPr>
+            <a:spLocks noGrp="1"/>
+          </p:cNvSpPr>
+          <p:nvPr>
+            <p:ph type="body" idx="11"/>
+          </p:nvPr>
+        </p:nvSpPr>
+        <p:spPr/>
+        <p:txBody>
+          <a:bodyPr/>
+          <a:lstStyle/>
+          <a:p>
+            <a:r>
+              <a:rPr lang="en-GB" dirty="0"/>
+              <a:t>Used Normalizations</a:t>
+            </a:r>
+          </a:p>
+        </p:txBody>
+      </p:sp>
+      <p:sp>
+        <p:nvSpPr>
+          <p:cNvPr id="3" name="Titel 2">
+            <a:extLst>
+              <a:ext uri="{FF2B5EF4-FFF2-40B4-BE49-F238E27FC236}">
+                <a16:creationId xmlns:a16="http://schemas.microsoft.com/office/drawing/2014/main" id="{314A22B0-5D69-48C2-967A-4A637EB1AF7F}"/>
+              </a:ext>
+            </a:extLst>
+          </p:cNvPr>
+          <p:cNvSpPr>
+            <a:spLocks noGrp="1"/>
+          </p:cNvSpPr>
+          <p:nvPr>
+            <p:ph type="title"/>
+          </p:nvPr>
+        </p:nvSpPr>
+        <p:spPr/>
+        <p:txBody>
+          <a:bodyPr/>
+          <a:lstStyle/>
+          <a:p>
+            <a:r>
+              <a:rPr lang="en-GB" dirty="0"/>
+              <a:t>Our Project</a:t>
+            </a:r>
+          </a:p>
+        </p:txBody>
+      </p:sp>
+      <p:sp>
+        <p:nvSpPr>
+          <p:cNvPr id="4" name="Inhaltsplatzhalter 3">
+            <a:extLst>
+              <a:ext uri="{FF2B5EF4-FFF2-40B4-BE49-F238E27FC236}">
+                <a16:creationId xmlns:a16="http://schemas.microsoft.com/office/drawing/2014/main" id="{F8D7353B-DE9F-4B95-96EC-2DD9F2B04E96}"/>
+              </a:ext>
+            </a:extLst>
+          </p:cNvPr>
+          <p:cNvSpPr>
+            <a:spLocks noGrp="1"/>
+          </p:cNvSpPr>
+          <p:nvPr>
+            <p:ph idx="1"/>
+          </p:nvPr>
+        </p:nvSpPr>
+        <p:spPr/>
+        <p:txBody>
+          <a:bodyPr/>
+          <a:lstStyle/>
+          <a:p>
+            <a:r>
+              <a:rPr lang="en-GB" b="1" dirty="0" err="1"/>
+              <a:t>MinMax</a:t>
+            </a:r>
+            <a:endParaRPr lang="en-GB" b="1" dirty="0"/>
+          </a:p>
+          <a:p>
+            <a:pPr marL="0" indent="0">
+              <a:buNone/>
+            </a:pPr>
+            <a:endParaRPr lang="en-GB" dirty="0"/>
+          </a:p>
+          <a:p>
+            <a:r>
+              <a:rPr lang="en-GB" b="1" dirty="0" err="1"/>
+              <a:t>Zscore</a:t>
+            </a:r>
+            <a:endParaRPr lang="en-GB" b="1" dirty="0"/>
+          </a:p>
+          <a:p>
+            <a:endParaRPr lang="en-GB" dirty="0"/>
+          </a:p>
+          <a:p>
+            <a:r>
+              <a:rPr lang="en-GB" b="1" dirty="0"/>
+              <a:t>Histogram Matching</a:t>
+            </a:r>
+          </a:p>
+          <a:p>
+            <a:endParaRPr lang="en-GB" dirty="0"/>
+          </a:p>
+          <a:p>
+            <a:pPr marL="0" indent="0">
+              <a:buNone/>
+            </a:pPr>
+            <a:endParaRPr lang="en-GB" dirty="0"/>
+          </a:p>
+        </p:txBody>
+      </p:sp>
+      <p:graphicFrame>
+        <p:nvGraphicFramePr>
+          <p:cNvPr id="5" name="Objekt 4">
+            <a:extLst>
+              <a:ext uri="{FF2B5EF4-FFF2-40B4-BE49-F238E27FC236}">
+                <a16:creationId xmlns:a16="http://schemas.microsoft.com/office/drawing/2014/main" id="{244702F9-B35E-4BBC-B92C-5AB4BDFF4B6F}"/>
+              </a:ext>
+            </a:extLst>
+          </p:cNvPr>
+          <p:cNvGraphicFramePr>
+            <a:graphicFrameLocks noChangeAspect="1"/>
+          </p:cNvGraphicFramePr>
+          <p:nvPr>
+            <p:extLst>
+              <p:ext uri="{D42A27DB-BD31-4B8C-83A1-F6EECF244321}">
+                <p14:modId xmlns:p14="http://schemas.microsoft.com/office/powerpoint/2010/main" val="982647821"/>
+              </p:ext>
+            </p:extLst>
+          </p:nvPr>
+        </p:nvGraphicFramePr>
+        <p:xfrm>
+          <a:off x="1835696" y="1205755"/>
+          <a:ext cx="1220523" cy="620266"/>
+        </p:xfrm>
+        <a:graphic>
+          <a:graphicData uri="http://schemas.openxmlformats.org/presentationml/2006/ole">
+            <mc:AlternateContent xmlns:mc="http://schemas.openxmlformats.org/markup-compatibility/2006">
+              <mc:Choice xmlns:v="urn:schemas-microsoft-com:vml" Requires="v">
+                <p:oleObj spid="_x0000_s1072" name="Equation" r:id="rId4" imgW="774360" imgH="393480" progId="Equation.DSMT4">
+                  <p:embed/>
+                </p:oleObj>
+              </mc:Choice>
+              <mc:Fallback>
+                <p:oleObj name="Equation" r:id="rId4" imgW="774360" imgH="393480" progId="Equation.DSMT4">
+                  <p:embed/>
+                  <p:pic>
+                    <p:nvPicPr>
+                      <p:cNvPr id="0" name=""/>
+                      <p:cNvPicPr/>
+                      <p:nvPr/>
+                    </p:nvPicPr>
+                    <p:blipFill>
+                      <a:blip r:embed="rId5"/>
+                      <a:stretch>
+                        <a:fillRect/>
+                      </a:stretch>
+                    </p:blipFill>
+                    <p:spPr>
+                      <a:xfrm>
+                        <a:off x="1835696" y="1205755"/>
+                        <a:ext cx="1220523" cy="620266"/>
+                      </a:xfrm>
+                      <a:prstGeom prst="rect">
+                        <a:avLst/>
+                      </a:prstGeom>
+                    </p:spPr>
+                  </p:pic>
+                </p:oleObj>
+              </mc:Fallback>
+            </mc:AlternateContent>
+          </a:graphicData>
+        </a:graphic>
+      </p:graphicFrame>
+      <p:graphicFrame>
+        <p:nvGraphicFramePr>
+          <p:cNvPr id="7" name="Objekt 6">
+            <a:extLst>
+              <a:ext uri="{FF2B5EF4-FFF2-40B4-BE49-F238E27FC236}">
+                <a16:creationId xmlns:a16="http://schemas.microsoft.com/office/drawing/2014/main" id="{52E626AF-0C11-49EC-BC55-B38E2087375D}"/>
+              </a:ext>
+            </a:extLst>
+          </p:cNvPr>
+          <p:cNvGraphicFramePr>
+            <a:graphicFrameLocks noChangeAspect="1"/>
+          </p:cNvGraphicFramePr>
+          <p:nvPr>
+            <p:extLst>
+              <p:ext uri="{D42A27DB-BD31-4B8C-83A1-F6EECF244321}">
+                <p14:modId xmlns:p14="http://schemas.microsoft.com/office/powerpoint/2010/main" val="2007255816"/>
+              </p:ext>
+            </p:extLst>
+          </p:nvPr>
+        </p:nvGraphicFramePr>
+        <p:xfrm>
+          <a:off x="1944688" y="1976438"/>
+          <a:ext cx="1000125" cy="620712"/>
+        </p:xfrm>
+        <a:graphic>
+          <a:graphicData uri="http://schemas.openxmlformats.org/presentationml/2006/ole">
+            <mc:AlternateContent xmlns:mc="http://schemas.openxmlformats.org/markup-compatibility/2006">
+              <mc:Choice xmlns:v="urn:schemas-microsoft-com:vml" Requires="v">
+                <p:oleObj spid="_x0000_s1073" name="Equation" r:id="rId6" imgW="634680" imgH="393480" progId="Equation.DSMT4">
+                  <p:embed/>
+                </p:oleObj>
+              </mc:Choice>
+              <mc:Fallback>
+                <p:oleObj name="Equation" r:id="rId6" imgW="634680" imgH="393480" progId="Equation.DSMT4">
+                  <p:embed/>
+                  <p:pic>
+                    <p:nvPicPr>
+                      <p:cNvPr id="5" name="Objekt 4">
+                        <a:extLst>
+                          <a:ext uri="{FF2B5EF4-FFF2-40B4-BE49-F238E27FC236}">
+                            <a16:creationId xmlns:a16="http://schemas.microsoft.com/office/drawing/2014/main" id="{244702F9-B35E-4BBC-B92C-5AB4BDFF4B6F}"/>
+                          </a:ext>
+                        </a:extLst>
+                      </p:cNvPr>
+                      <p:cNvPicPr/>
+                      <p:nvPr/>
+                    </p:nvPicPr>
+                    <p:blipFill>
+                      <a:blip r:embed="rId7"/>
+                      <a:stretch>
+                        <a:fillRect/>
+                      </a:stretch>
+                    </p:blipFill>
+                    <p:spPr>
+                      <a:xfrm>
+                        <a:off x="1944688" y="1976438"/>
+                        <a:ext cx="1000125" cy="620712"/>
+                      </a:xfrm>
+                      <a:prstGeom prst="rect">
+                        <a:avLst/>
+                      </a:prstGeom>
+                    </p:spPr>
+                  </p:pic>
+                </p:oleObj>
+              </mc:Fallback>
+            </mc:AlternateContent>
+          </a:graphicData>
+        </a:graphic>
+      </p:graphicFrame>
+      <p:pic>
+        <p:nvPicPr>
+          <p:cNvPr id="9" name="Grafik 8">
+            <a:extLst>
+              <a:ext uri="{FF2B5EF4-FFF2-40B4-BE49-F238E27FC236}">
+                <a16:creationId xmlns:a16="http://schemas.microsoft.com/office/drawing/2014/main" id="{73B0D00B-4F46-4295-934E-25BCFF3D0E35}"/>
+              </a:ext>
+            </a:extLst>
+          </p:cNvPr>
+          <p:cNvPicPr>
+            <a:picLocks noChangeAspect="1"/>
+          </p:cNvPicPr>
+          <p:nvPr/>
+        </p:nvPicPr>
+        <p:blipFill rotWithShape="1">
+          <a:blip r:embed="rId8"/>
+          <a:srcRect l="3920"/>
+          <a:stretch/>
+        </p:blipFill>
+        <p:spPr>
+          <a:xfrm>
+            <a:off x="2736912" y="2571750"/>
+            <a:ext cx="5905865" cy="2088232"/>
+          </a:xfrm>
+          <a:prstGeom prst="rect">
+            <a:avLst/>
+          </a:prstGeom>
+        </p:spPr>
+      </p:pic>
+    </p:spTree>
+    <p:extLst>
+      <p:ext uri="{BB962C8B-B14F-4D97-AF65-F5344CB8AC3E}">
+        <p14:creationId xmlns:p14="http://schemas.microsoft.com/office/powerpoint/2010/main" val="2731920850"/>
+      </p:ext>
+    </p:extLst>
+  </p:cSld>
+  <p:clrMapOvr>
+    <a:masterClrMapping/>
+  </p:clrMapOvr>
+</p:sld>
+</file>
+
+<file path=ppt/slides/slide5.xml><?xml version="1.0" encoding="utf-8"?>
+<p:sld xmlns:a="http://schemas.openxmlformats.org/drawingml/2006/main" xmlns:r="http://schemas.openxmlformats.org/officeDocument/2006/relationships" xmlns:p="http://schemas.openxmlformats.org/presentationml/2006/main">
+  <p:cSld>
+    <p:spTree>
+      <p:nvGrpSpPr>
+        <p:cNvPr id="1" name=""/>
+        <p:cNvGrpSpPr/>
+        <p:nvPr/>
+      </p:nvGrpSpPr>
+      <p:grpSpPr>
+        <a:xfrm>
+          <a:off x="0" y="0"/>
+          <a:ext cx="0" cy="0"/>
+          <a:chOff x="0" y="0"/>
+          <a:chExt cx="0" cy="0"/>
+        </a:xfrm>
+      </p:grpSpPr>
+      <p:sp>
+        <p:nvSpPr>
+          <p:cNvPr id="2" name="Textplatzhalter 1">
+            <a:extLst>
+              <a:ext uri="{FF2B5EF4-FFF2-40B4-BE49-F238E27FC236}">
+                <a16:creationId xmlns:a16="http://schemas.microsoft.com/office/drawing/2014/main" id="{A02724B3-7C52-41FA-B41A-4C8EFD48E973}"/>
+              </a:ext>
+            </a:extLst>
+          </p:cNvPr>
+          <p:cNvSpPr>
+            <a:spLocks noGrp="1"/>
+          </p:cNvSpPr>
+          <p:nvPr>
+            <p:ph type="body" idx="11"/>
+          </p:nvPr>
+        </p:nvSpPr>
+        <p:spPr/>
+        <p:txBody>
+          <a:bodyPr/>
+          <a:lstStyle/>
+          <a:p>
+            <a:r>
+              <a:rPr lang="en-GB" dirty="0"/>
+              <a:t>Used Normalizations</a:t>
+            </a:r>
+          </a:p>
+        </p:txBody>
+      </p:sp>
+      <p:sp>
+        <p:nvSpPr>
+          <p:cNvPr id="3" name="Titel 2">
+            <a:extLst>
+              <a:ext uri="{FF2B5EF4-FFF2-40B4-BE49-F238E27FC236}">
+                <a16:creationId xmlns:a16="http://schemas.microsoft.com/office/drawing/2014/main" id="{314A22B0-5D69-48C2-967A-4A637EB1AF7F}"/>
+              </a:ext>
+            </a:extLst>
+          </p:cNvPr>
+          <p:cNvSpPr>
+            <a:spLocks noGrp="1"/>
+          </p:cNvSpPr>
+          <p:nvPr>
+            <p:ph type="title"/>
+          </p:nvPr>
+        </p:nvSpPr>
+        <p:spPr/>
+        <p:txBody>
+          <a:bodyPr/>
+          <a:lstStyle/>
+          <a:p>
+            <a:r>
+              <a:rPr lang="en-GB" dirty="0"/>
+              <a:t>Our Project</a:t>
+            </a:r>
+          </a:p>
+        </p:txBody>
+      </p:sp>
+      <p:sp>
+        <p:nvSpPr>
+          <p:cNvPr id="4" name="Inhaltsplatzhalter 3">
+            <a:extLst>
+              <a:ext uri="{FF2B5EF4-FFF2-40B4-BE49-F238E27FC236}">
+                <a16:creationId xmlns:a16="http://schemas.microsoft.com/office/drawing/2014/main" id="{F8D7353B-DE9F-4B95-96EC-2DD9F2B04E96}"/>
+              </a:ext>
+            </a:extLst>
+          </p:cNvPr>
+          <p:cNvSpPr>
+            <a:spLocks noGrp="1"/>
+          </p:cNvSpPr>
+          <p:nvPr>
+            <p:ph idx="1"/>
+          </p:nvPr>
+        </p:nvSpPr>
+        <p:spPr>
+          <a:xfrm>
+            <a:off x="540000" y="1275605"/>
+            <a:ext cx="8460000" cy="3528392"/>
+          </a:xfrm>
+        </p:spPr>
+        <p:txBody>
+          <a:bodyPr/>
+          <a:lstStyle/>
+          <a:p>
+            <a:r>
+              <a:rPr lang="en-GB" b="1" dirty="0"/>
+              <a:t>Fuzzy C-Means</a:t>
+            </a:r>
+          </a:p>
+          <a:p>
+            <a:pPr marL="0" indent="0">
+              <a:buNone/>
+            </a:pPr>
+            <a:r>
+              <a:rPr lang="en-GB" dirty="0"/>
+              <a:t>Use fuzzy c-means to find a mask for a specified tissue type given a T1w image and it’s brain mask. Create a tissue mask from that T1w image’s FCM tissue mask. Then we can use that tissue mask as input to the </a:t>
+            </a:r>
+            <a:r>
+              <a:rPr lang="en-GB" dirty="0" err="1"/>
+              <a:t>func</a:t>
+            </a:r>
+            <a:r>
+              <a:rPr lang="en-GB" dirty="0"/>
+              <a:t> again, where the tissue mask is used to find an approximate mean of the tissue intensity in another target contrast, and move it to some standard value</a:t>
+            </a:r>
+          </a:p>
+          <a:p>
+            <a:r>
+              <a:rPr lang="en-GB" b="1" dirty="0"/>
+              <a:t>White Stripe</a:t>
+            </a:r>
+            <a:endParaRPr lang="en-GB" dirty="0"/>
+          </a:p>
+          <a:p>
+            <a:pPr marL="0" indent="0">
+              <a:buNone/>
+            </a:pPr>
+            <a:endParaRPr lang="en-GB" dirty="0"/>
+          </a:p>
+        </p:txBody>
+      </p:sp>
+      <p:sp>
+        <p:nvSpPr>
+          <p:cNvPr id="19" name="Rechteck: abgerundete Ecken 18">
+            <a:extLst>
+              <a:ext uri="{FF2B5EF4-FFF2-40B4-BE49-F238E27FC236}">
+                <a16:creationId xmlns:a16="http://schemas.microsoft.com/office/drawing/2014/main" id="{67627338-E201-4D80-B345-D09DA59564C7}"/>
+              </a:ext>
+            </a:extLst>
+          </p:cNvPr>
+          <p:cNvSpPr/>
+          <p:nvPr/>
+        </p:nvSpPr>
+        <p:spPr>
+          <a:xfrm>
+            <a:off x="79471" y="3296093"/>
+            <a:ext cx="1512168" cy="864096"/>
+          </a:xfrm>
+          <a:prstGeom prst="roundRect">
+            <a:avLst/>
+          </a:prstGeom>
+        </p:spPr>
+        <p:style>
+          <a:lnRef idx="2">
+            <a:schemeClr val="accent1">
+              <a:shade val="50000"/>
+            </a:schemeClr>
+          </a:lnRef>
+          <a:fillRef idx="1">
+            <a:schemeClr val="accent1"/>
+          </a:fillRef>
+          <a:effectRef idx="0">
+            <a:schemeClr val="accent1"/>
+          </a:effectRef>
+          <a:fontRef idx="minor">
+            <a:schemeClr val="lt1"/>
+          </a:fontRef>
+        </p:style>
+        <p:txBody>
+          <a:bodyPr rtlCol="0" anchor="ctr"/>
+          <a:lstStyle/>
+          <a:p>
+            <a:pPr algn="ctr"/>
+            <a:r>
+              <a:rPr lang="en-GB" dirty="0"/>
+              <a:t>Image Modality m</a:t>
+            </a:r>
+            <a:r>
+              <a:rPr lang="en-GB" baseline="-25000" dirty="0"/>
+              <a:t>1</a:t>
+            </a:r>
+            <a:endParaRPr lang="en-GB" dirty="0"/>
+          </a:p>
+        </p:txBody>
+      </p:sp>
+      <p:sp>
+        <p:nvSpPr>
+          <p:cNvPr id="20" name="Rechteck: abgerundete Ecken 19">
+            <a:extLst>
+              <a:ext uri="{FF2B5EF4-FFF2-40B4-BE49-F238E27FC236}">
+                <a16:creationId xmlns:a16="http://schemas.microsoft.com/office/drawing/2014/main" id="{985299DB-13E4-4BC7-B5F4-62CA514FBBBF}"/>
+              </a:ext>
+            </a:extLst>
+          </p:cNvPr>
+          <p:cNvSpPr/>
+          <p:nvPr/>
+        </p:nvSpPr>
+        <p:spPr>
+          <a:xfrm>
+            <a:off x="1951231" y="3296093"/>
+            <a:ext cx="1512168" cy="864096"/>
+          </a:xfrm>
+          <a:prstGeom prst="roundRect">
+            <a:avLst/>
+          </a:prstGeom>
+        </p:spPr>
+        <p:style>
+          <a:lnRef idx="2">
+            <a:schemeClr val="accent1">
+              <a:shade val="50000"/>
+            </a:schemeClr>
+          </a:lnRef>
+          <a:fillRef idx="1">
+            <a:schemeClr val="accent1"/>
+          </a:fillRef>
+          <a:effectRef idx="0">
+            <a:schemeClr val="accent1"/>
+          </a:effectRef>
+          <a:fontRef idx="minor">
+            <a:schemeClr val="lt1"/>
+          </a:fontRef>
+        </p:style>
+        <p:txBody>
+          <a:bodyPr rtlCol="0" anchor="ctr"/>
+          <a:lstStyle/>
+          <a:p>
+            <a:pPr algn="ctr"/>
+            <a:r>
+              <a:rPr lang="en-GB" dirty="0"/>
+              <a:t>Histogram Smoothing</a:t>
+            </a:r>
+          </a:p>
+        </p:txBody>
+      </p:sp>
+      <p:sp>
+        <p:nvSpPr>
+          <p:cNvPr id="21" name="Rechteck: abgerundete Ecken 20">
+            <a:extLst>
+              <a:ext uri="{FF2B5EF4-FFF2-40B4-BE49-F238E27FC236}">
+                <a16:creationId xmlns:a16="http://schemas.microsoft.com/office/drawing/2014/main" id="{D2006EF8-604A-4B84-A052-BE53B5F2666B}"/>
+              </a:ext>
+            </a:extLst>
+          </p:cNvPr>
+          <p:cNvSpPr/>
+          <p:nvPr/>
+        </p:nvSpPr>
+        <p:spPr>
+          <a:xfrm>
+            <a:off x="3822991" y="3296093"/>
+            <a:ext cx="1512168" cy="864096"/>
+          </a:xfrm>
+          <a:prstGeom prst="roundRect">
+            <a:avLst/>
+          </a:prstGeom>
+        </p:spPr>
+        <p:style>
+          <a:lnRef idx="2">
+            <a:schemeClr val="accent1">
+              <a:shade val="50000"/>
+            </a:schemeClr>
+          </a:lnRef>
+          <a:fillRef idx="1">
+            <a:schemeClr val="accent1"/>
+          </a:fillRef>
+          <a:effectRef idx="0">
+            <a:schemeClr val="accent1"/>
+          </a:effectRef>
+          <a:fontRef idx="minor">
+            <a:schemeClr val="lt1"/>
+          </a:fontRef>
+        </p:style>
+        <p:txBody>
+          <a:bodyPr rtlCol="0" anchor="ctr"/>
+          <a:lstStyle/>
+          <a:p>
+            <a:pPr algn="ctr"/>
+            <a:r>
+              <a:rPr lang="en-GB" dirty="0"/>
+              <a:t>Peak Extraction</a:t>
+            </a:r>
+          </a:p>
+        </p:txBody>
+      </p:sp>
+      <p:sp>
+        <p:nvSpPr>
+          <p:cNvPr id="22" name="Rechteck: abgerundete Ecken 21">
+            <a:extLst>
+              <a:ext uri="{FF2B5EF4-FFF2-40B4-BE49-F238E27FC236}">
+                <a16:creationId xmlns:a16="http://schemas.microsoft.com/office/drawing/2014/main" id="{77412634-780D-4937-B9D6-DC873463AB6D}"/>
+              </a:ext>
+            </a:extLst>
+          </p:cNvPr>
+          <p:cNvSpPr/>
+          <p:nvPr/>
+        </p:nvSpPr>
+        <p:spPr>
+          <a:xfrm>
+            <a:off x="5652120" y="3291830"/>
+            <a:ext cx="1512168" cy="864096"/>
+          </a:xfrm>
+          <a:prstGeom prst="roundRect">
+            <a:avLst/>
+          </a:prstGeom>
+        </p:spPr>
+        <p:style>
+          <a:lnRef idx="2">
+            <a:schemeClr val="accent1">
+              <a:shade val="50000"/>
+            </a:schemeClr>
+          </a:lnRef>
+          <a:fillRef idx="1">
+            <a:schemeClr val="accent1"/>
+          </a:fillRef>
+          <a:effectRef idx="0">
+            <a:schemeClr val="accent1"/>
+          </a:effectRef>
+          <a:fontRef idx="minor">
+            <a:schemeClr val="lt1"/>
+          </a:fontRef>
+        </p:style>
+        <p:txBody>
+          <a:bodyPr rtlCol="0" anchor="ctr"/>
+          <a:lstStyle/>
+          <a:p>
+            <a:pPr algn="ctr"/>
+            <a:r>
+              <a:rPr lang="en-GB" dirty="0"/>
+              <a:t>Moment Matching</a:t>
+            </a:r>
+          </a:p>
+        </p:txBody>
+      </p:sp>
+      <p:sp>
+        <p:nvSpPr>
+          <p:cNvPr id="23" name="Rechteck: abgerundete Ecken 22">
+            <a:extLst>
+              <a:ext uri="{FF2B5EF4-FFF2-40B4-BE49-F238E27FC236}">
+                <a16:creationId xmlns:a16="http://schemas.microsoft.com/office/drawing/2014/main" id="{2237E8BF-DC54-4120-A25C-010F3618C8D8}"/>
+              </a:ext>
+            </a:extLst>
+          </p:cNvPr>
+          <p:cNvSpPr/>
+          <p:nvPr/>
+        </p:nvSpPr>
+        <p:spPr>
+          <a:xfrm>
+            <a:off x="7523880" y="3291830"/>
+            <a:ext cx="1512168" cy="864096"/>
+          </a:xfrm>
+          <a:prstGeom prst="roundRect">
+            <a:avLst/>
+          </a:prstGeom>
+        </p:spPr>
+        <p:style>
+          <a:lnRef idx="2">
+            <a:schemeClr val="accent1">
+              <a:shade val="50000"/>
+            </a:schemeClr>
+          </a:lnRef>
+          <a:fillRef idx="1">
+            <a:schemeClr val="accent1"/>
+          </a:fillRef>
+          <a:effectRef idx="0">
+            <a:schemeClr val="accent1"/>
+          </a:effectRef>
+          <a:fontRef idx="minor">
+            <a:schemeClr val="lt1"/>
+          </a:fontRef>
+        </p:style>
+        <p:txBody>
+          <a:bodyPr rtlCol="0" anchor="ctr"/>
+          <a:lstStyle/>
+          <a:p>
+            <a:pPr algn="ctr"/>
+            <a:r>
+              <a:rPr lang="en-GB" dirty="0"/>
+              <a:t>Normalized Image</a:t>
+            </a:r>
+            <a:r>
+              <a:rPr lang="en-GB" baseline="-25000" dirty="0"/>
+              <a:t>  </a:t>
+            </a:r>
+            <a:endParaRPr lang="en-GB" dirty="0"/>
+          </a:p>
+        </p:txBody>
+      </p:sp>
+      <p:cxnSp>
+        <p:nvCxnSpPr>
+          <p:cNvPr id="25" name="Gerade Verbindung mit Pfeil 24">
+            <a:extLst>
+              <a:ext uri="{FF2B5EF4-FFF2-40B4-BE49-F238E27FC236}">
+                <a16:creationId xmlns:a16="http://schemas.microsoft.com/office/drawing/2014/main" id="{E5687AC1-31FA-469D-AD47-9BD7A5E24A6D}"/>
+              </a:ext>
+            </a:extLst>
+          </p:cNvPr>
+          <p:cNvCxnSpPr>
+            <a:stCxn id="19" idx="3"/>
+            <a:endCxn id="20" idx="1"/>
+          </p:cNvCxnSpPr>
+          <p:nvPr/>
+        </p:nvCxnSpPr>
+        <p:spPr>
+          <a:xfrm>
+            <a:off x="1591639" y="3728141"/>
+            <a:ext cx="359592" cy="0"/>
+          </a:xfrm>
+          <a:prstGeom prst="straightConnector1">
+            <a:avLst/>
+          </a:prstGeom>
+          <a:ln w="57150">
+            <a:tailEnd type="triangle"/>
+          </a:ln>
+        </p:spPr>
+        <p:style>
+          <a:lnRef idx="1">
+            <a:schemeClr val="accent1"/>
+          </a:lnRef>
+          <a:fillRef idx="0">
+            <a:schemeClr val="accent1"/>
+          </a:fillRef>
+          <a:effectRef idx="0">
+            <a:schemeClr val="accent1"/>
+          </a:effectRef>
+          <a:fontRef idx="minor">
+            <a:schemeClr val="tx1"/>
+          </a:fontRef>
+        </p:style>
+      </p:cxnSp>
+      <p:cxnSp>
+        <p:nvCxnSpPr>
+          <p:cNvPr id="28" name="Gerade Verbindung mit Pfeil 27">
+            <a:extLst>
+              <a:ext uri="{FF2B5EF4-FFF2-40B4-BE49-F238E27FC236}">
+                <a16:creationId xmlns:a16="http://schemas.microsoft.com/office/drawing/2014/main" id="{6DD50589-66CF-4716-80D0-E2696E0940BD}"/>
+              </a:ext>
+            </a:extLst>
+          </p:cNvPr>
+          <p:cNvCxnSpPr/>
+          <p:nvPr/>
+        </p:nvCxnSpPr>
+        <p:spPr>
+          <a:xfrm>
+            <a:off x="3463399" y="3723878"/>
+            <a:ext cx="359592" cy="0"/>
+          </a:xfrm>
+          <a:prstGeom prst="straightConnector1">
+            <a:avLst/>
+          </a:prstGeom>
+          <a:ln w="57150">
+            <a:tailEnd type="triangle"/>
+          </a:ln>
+        </p:spPr>
+        <p:style>
+          <a:lnRef idx="1">
+            <a:schemeClr val="accent1"/>
+          </a:lnRef>
+          <a:fillRef idx="0">
+            <a:schemeClr val="accent1"/>
+          </a:fillRef>
+          <a:effectRef idx="0">
+            <a:schemeClr val="accent1"/>
+          </a:effectRef>
+          <a:fontRef idx="minor">
+            <a:schemeClr val="tx1"/>
+          </a:fontRef>
+        </p:style>
+      </p:cxnSp>
+      <p:cxnSp>
+        <p:nvCxnSpPr>
+          <p:cNvPr id="29" name="Gerade Verbindung mit Pfeil 28">
+            <a:extLst>
+              <a:ext uri="{FF2B5EF4-FFF2-40B4-BE49-F238E27FC236}">
+                <a16:creationId xmlns:a16="http://schemas.microsoft.com/office/drawing/2014/main" id="{59CED7CE-93A1-4E3D-B47E-9841A4DCC560}"/>
+              </a:ext>
+            </a:extLst>
+          </p:cNvPr>
+          <p:cNvCxnSpPr/>
+          <p:nvPr/>
+        </p:nvCxnSpPr>
+        <p:spPr>
+          <a:xfrm>
+            <a:off x="5292528" y="3723878"/>
+            <a:ext cx="359592" cy="0"/>
+          </a:xfrm>
+          <a:prstGeom prst="straightConnector1">
+            <a:avLst/>
+          </a:prstGeom>
+          <a:ln w="57150">
+            <a:tailEnd type="triangle"/>
+          </a:ln>
+        </p:spPr>
+        <p:style>
+          <a:lnRef idx="1">
+            <a:schemeClr val="accent1"/>
+          </a:lnRef>
+          <a:fillRef idx="0">
+            <a:schemeClr val="accent1"/>
+          </a:fillRef>
+          <a:effectRef idx="0">
+            <a:schemeClr val="accent1"/>
+          </a:effectRef>
+          <a:fontRef idx="minor">
+            <a:schemeClr val="tx1"/>
+          </a:fontRef>
+        </p:style>
+      </p:cxnSp>
+      <p:cxnSp>
+        <p:nvCxnSpPr>
+          <p:cNvPr id="30" name="Gerade Verbindung mit Pfeil 29">
+            <a:extLst>
+              <a:ext uri="{FF2B5EF4-FFF2-40B4-BE49-F238E27FC236}">
+                <a16:creationId xmlns:a16="http://schemas.microsoft.com/office/drawing/2014/main" id="{838C6640-E571-450E-90B1-9AB51F03425A}"/>
+              </a:ext>
+            </a:extLst>
+          </p:cNvPr>
+          <p:cNvCxnSpPr/>
+          <p:nvPr/>
+        </p:nvCxnSpPr>
+        <p:spPr>
+          <a:xfrm>
+            <a:off x="7164288" y="3723878"/>
+            <a:ext cx="359592" cy="0"/>
+          </a:xfrm>
+          <a:prstGeom prst="straightConnector1">
+            <a:avLst/>
+          </a:prstGeom>
+          <a:ln w="57150">
+            <a:tailEnd type="triangle"/>
+          </a:ln>
+        </p:spPr>
+        <p:style>
+          <a:lnRef idx="1">
+            <a:schemeClr val="accent1"/>
+          </a:lnRef>
+          <a:fillRef idx="0">
+            <a:schemeClr val="accent1"/>
+          </a:fillRef>
+          <a:effectRef idx="0">
+            <a:schemeClr val="accent1"/>
+          </a:effectRef>
+          <a:fontRef idx="minor">
+            <a:schemeClr val="tx1"/>
+          </a:fontRef>
+        </p:style>
+      </p:cxnSp>
+    </p:spTree>
+    <p:extLst>
+      <p:ext uri="{BB962C8B-B14F-4D97-AF65-F5344CB8AC3E}">
+        <p14:creationId xmlns:p14="http://schemas.microsoft.com/office/powerpoint/2010/main" val="1775769688"/>
+      </p:ext>
+    </p:extLst>
+  </p:cSld>
+  <p:clrMapOvr>
+    <a:masterClrMapping/>
+  </p:clrMapOvr>
+</p:sld>
+</file>
+
+<file path=ppt/slides/slide6.xml><?xml version="1.0" encoding="utf-8"?>
+<p:sld xmlns:a="http://schemas.openxmlformats.org/drawingml/2006/main" xmlns:r="http://schemas.openxmlformats.org/officeDocument/2006/relationships" xmlns:p="http://schemas.openxmlformats.org/presentationml/2006/main">
+  <p:cSld>
+    <p:spTree>
+      <p:nvGrpSpPr>
+        <p:cNvPr id="1" name=""/>
+        <p:cNvGrpSpPr/>
+        <p:nvPr/>
+      </p:nvGrpSpPr>
+      <p:grpSpPr>
+        <a:xfrm>
+          <a:off x="0" y="0"/>
+          <a:ext cx="0" cy="0"/>
+          <a:chOff x="0" y="0"/>
+          <a:chExt cx="0" cy="0"/>
+        </a:xfrm>
+      </p:grpSpPr>
+      <p:sp>
+        <p:nvSpPr>
+          <p:cNvPr id="2" name="Textplatzhalter 1">
+            <a:extLst>
+              <a:ext uri="{FF2B5EF4-FFF2-40B4-BE49-F238E27FC236}">
+                <a16:creationId xmlns:a16="http://schemas.microsoft.com/office/drawing/2014/main" id="{A02724B3-7C52-41FA-B41A-4C8EFD48E973}"/>
+              </a:ext>
+            </a:extLst>
+          </p:cNvPr>
+          <p:cNvSpPr>
+            <a:spLocks noGrp="1"/>
+          </p:cNvSpPr>
+          <p:nvPr>
+            <p:ph type="body" idx="11"/>
+          </p:nvPr>
+        </p:nvSpPr>
+        <p:spPr/>
+        <p:txBody>
+          <a:bodyPr/>
+          <a:lstStyle/>
+          <a:p>
+            <a:r>
+              <a:rPr lang="en-GB" dirty="0"/>
+              <a:t>Used Metrics</a:t>
+            </a:r>
+          </a:p>
+        </p:txBody>
+      </p:sp>
+      <p:sp>
+        <p:nvSpPr>
+          <p:cNvPr id="3" name="Titel 2">
+            <a:extLst>
+              <a:ext uri="{FF2B5EF4-FFF2-40B4-BE49-F238E27FC236}">
+                <a16:creationId xmlns:a16="http://schemas.microsoft.com/office/drawing/2014/main" id="{314A22B0-5D69-48C2-967A-4A637EB1AF7F}"/>
+              </a:ext>
+            </a:extLst>
+          </p:cNvPr>
+          <p:cNvSpPr>
+            <a:spLocks noGrp="1"/>
+          </p:cNvSpPr>
+          <p:nvPr>
+            <p:ph type="title"/>
+          </p:nvPr>
+        </p:nvSpPr>
+        <p:spPr/>
+        <p:txBody>
+          <a:bodyPr/>
+          <a:lstStyle/>
+          <a:p>
+            <a:r>
+              <a:rPr lang="en-GB" dirty="0"/>
+              <a:t>Our Project</a:t>
+            </a:r>
+          </a:p>
+        </p:txBody>
+      </p:sp>
+      <p:sp>
+        <p:nvSpPr>
+          <p:cNvPr id="4" name="Inhaltsplatzhalter 3">
+            <a:extLst>
+              <a:ext uri="{FF2B5EF4-FFF2-40B4-BE49-F238E27FC236}">
+                <a16:creationId xmlns:a16="http://schemas.microsoft.com/office/drawing/2014/main" id="{F8D7353B-DE9F-4B95-96EC-2DD9F2B04E96}"/>
+              </a:ext>
+            </a:extLst>
+          </p:cNvPr>
+          <p:cNvSpPr>
+            <a:spLocks noGrp="1"/>
+          </p:cNvSpPr>
+          <p:nvPr>
+            <p:ph idx="1"/>
+          </p:nvPr>
+        </p:nvSpPr>
+        <p:spPr>
+          <a:xfrm>
+            <a:off x="535311" y="1275606"/>
+            <a:ext cx="8460000" cy="3528392"/>
+          </a:xfrm>
+        </p:spPr>
+        <p:txBody>
+          <a:bodyPr/>
+          <a:lstStyle/>
+          <a:p>
+            <a:r>
+              <a:rPr lang="en-GB" b="1" dirty="0"/>
+              <a:t>Dice</a:t>
+            </a:r>
+          </a:p>
+          <a:p>
+            <a:endParaRPr lang="en-GB" b="1" dirty="0"/>
+          </a:p>
+          <a:p>
+            <a:endParaRPr lang="en-GB" b="1" dirty="0"/>
+          </a:p>
+          <a:p>
+            <a:endParaRPr lang="en-GB" b="1" dirty="0"/>
+          </a:p>
+          <a:p>
+            <a:endParaRPr lang="en-GB" b="1" dirty="0"/>
+          </a:p>
+          <a:p>
+            <a:r>
+              <a:rPr lang="en-GB" b="1" dirty="0" err="1"/>
+              <a:t>Hausdorff</a:t>
+            </a:r>
+            <a:r>
+              <a:rPr lang="en-GB" b="1" dirty="0"/>
+              <a:t>-Distance</a:t>
+            </a:r>
+            <a:endParaRPr lang="en-GB" dirty="0"/>
+          </a:p>
+          <a:p>
+            <a:pPr marL="0" indent="0">
+              <a:buNone/>
+            </a:pPr>
+            <a:endParaRPr lang="en-GB" dirty="0"/>
+          </a:p>
+        </p:txBody>
+      </p:sp>
+      <p:pic>
+        <p:nvPicPr>
+          <p:cNvPr id="5" name="Grafik 4">
+            <a:extLst>
+              <a:ext uri="{FF2B5EF4-FFF2-40B4-BE49-F238E27FC236}">
+                <a16:creationId xmlns:a16="http://schemas.microsoft.com/office/drawing/2014/main" id="{D3AF0D81-999E-4DAC-9965-522243208EFD}"/>
+              </a:ext>
+            </a:extLst>
+          </p:cNvPr>
+          <p:cNvPicPr>
+            <a:picLocks noChangeAspect="1"/>
+          </p:cNvPicPr>
+          <p:nvPr/>
+        </p:nvPicPr>
+        <p:blipFill rotWithShape="1">
+          <a:blip r:embed="rId3" cstate="print">
+            <a:extLst>
+              <a:ext uri="{28A0092B-C50C-407E-A947-70E740481C1C}">
+                <a14:useLocalDpi xmlns:a14="http://schemas.microsoft.com/office/drawing/2010/main" val="0"/>
+              </a:ext>
+            </a:extLst>
+          </a:blip>
+          <a:srcRect b="21637"/>
+          <a:stretch/>
+        </p:blipFill>
+        <p:spPr>
+          <a:xfrm>
+            <a:off x="3275856" y="683485"/>
+            <a:ext cx="2592288" cy="2356317"/>
+          </a:xfrm>
+          <a:prstGeom prst="rect">
+            <a:avLst/>
+          </a:prstGeom>
+        </p:spPr>
+      </p:pic>
+      <p:pic>
+        <p:nvPicPr>
+          <p:cNvPr id="6" name="Grafik 5">
+            <a:extLst>
+              <a:ext uri="{FF2B5EF4-FFF2-40B4-BE49-F238E27FC236}">
+                <a16:creationId xmlns:a16="http://schemas.microsoft.com/office/drawing/2014/main" id="{08CDCFB6-8D7E-45AF-8490-22424E6207C8}"/>
+              </a:ext>
+            </a:extLst>
+          </p:cNvPr>
+          <p:cNvPicPr>
+            <a:picLocks noChangeAspect="1"/>
+          </p:cNvPicPr>
+          <p:nvPr/>
+        </p:nvPicPr>
+        <p:blipFill>
+          <a:blip r:embed="rId4"/>
+          <a:stretch>
+            <a:fillRect/>
+          </a:stretch>
+        </p:blipFill>
+        <p:spPr>
+          <a:xfrm>
+            <a:off x="3419872" y="3052746"/>
+            <a:ext cx="2016224" cy="2089375"/>
+          </a:xfrm>
+          <a:prstGeom prst="rect">
+            <a:avLst/>
+          </a:prstGeom>
+        </p:spPr>
+      </p:pic>
+    </p:spTree>
+    <p:extLst>
+      <p:ext uri="{BB962C8B-B14F-4D97-AF65-F5344CB8AC3E}">
+        <p14:creationId xmlns:p14="http://schemas.microsoft.com/office/powerpoint/2010/main" val="3711386085"/>
+      </p:ext>
+    </p:extLst>
+  </p:cSld>
+  <p:clrMapOvr>
+    <a:masterClrMapping/>
+  </p:clrMapOvr>
+</p:sld>
+</file>
+
+<file path=ppt/slides/slide7.xml><?xml version="1.0" encoding="utf-8"?>
+<p:sld xmlns:a="http://schemas.openxmlformats.org/drawingml/2006/main" xmlns:r="http://schemas.openxmlformats.org/officeDocument/2006/relationships" xmlns:p="http://schemas.openxmlformats.org/presentationml/2006/main">
+  <p:cSld>
+    <p:spTree>
+      <p:nvGrpSpPr>
+        <p:cNvPr id="1" name=""/>
+        <p:cNvGrpSpPr/>
+        <p:nvPr/>
+      </p:nvGrpSpPr>
+      <p:grpSpPr>
+        <a:xfrm>
+          <a:off x="0" y="0"/>
+          <a:ext cx="0" cy="0"/>
+          <a:chOff x="0" y="0"/>
+          <a:chExt cx="0" cy="0"/>
+        </a:xfrm>
+      </p:grpSpPr>
+      <p:sp>
+        <p:nvSpPr>
+          <p:cNvPr id="2" name="Textplatzhalter 1">
+            <a:extLst>
+              <a:ext uri="{FF2B5EF4-FFF2-40B4-BE49-F238E27FC236}">
+                <a16:creationId xmlns:a16="http://schemas.microsoft.com/office/drawing/2014/main" id="{29920D21-08D2-4D42-853C-BF0CABF01184}"/>
+              </a:ext>
+            </a:extLst>
+          </p:cNvPr>
+          <p:cNvSpPr>
+            <a:spLocks noGrp="1"/>
+          </p:cNvSpPr>
+          <p:nvPr>
+            <p:ph type="body" idx="11"/>
+          </p:nvPr>
+        </p:nvSpPr>
+        <p:spPr>
+          <a:xfrm>
+            <a:off x="540000" y="680400"/>
+            <a:ext cx="7020000" cy="410369"/>
+          </a:xfrm>
+        </p:spPr>
+        <p:txBody>
+          <a:bodyPr/>
+          <a:lstStyle/>
+          <a:p>
+            <a:r>
+              <a:rPr lang="en-GB" dirty="0"/>
+              <a:t>Dice Coefficient</a:t>
+            </a:r>
+          </a:p>
+        </p:txBody>
+      </p:sp>
+      <p:sp>
+        <p:nvSpPr>
+          <p:cNvPr id="3" name="Titel 2">
+            <a:extLst>
+              <a:ext uri="{FF2B5EF4-FFF2-40B4-BE49-F238E27FC236}">
+                <a16:creationId xmlns:a16="http://schemas.microsoft.com/office/drawing/2014/main" id="{957B6CB6-22E1-48CC-B21B-DB54150C1026}"/>
+              </a:ext>
+            </a:extLst>
+          </p:cNvPr>
+          <p:cNvSpPr>
+            <a:spLocks noGrp="1"/>
+          </p:cNvSpPr>
+          <p:nvPr>
+            <p:ph type="title"/>
+          </p:nvPr>
+        </p:nvSpPr>
+        <p:spPr/>
+        <p:txBody>
+          <a:bodyPr/>
+          <a:lstStyle/>
+          <a:p>
+            <a:r>
+              <a:rPr lang="en-GB" dirty="0"/>
+              <a:t>Results</a:t>
+            </a:r>
+          </a:p>
+        </p:txBody>
+      </p:sp>
+      <p:graphicFrame>
+        <p:nvGraphicFramePr>
+          <p:cNvPr id="8" name="Inhaltsplatzhalter 7">
+            <a:extLst>
+              <a:ext uri="{FF2B5EF4-FFF2-40B4-BE49-F238E27FC236}">
+                <a16:creationId xmlns:a16="http://schemas.microsoft.com/office/drawing/2014/main" id="{2B0235B0-B769-40E6-B648-548BAC09B128}"/>
+              </a:ext>
+            </a:extLst>
+          </p:cNvPr>
+          <p:cNvGraphicFramePr>
+            <a:graphicFrameLocks noGrp="1"/>
+          </p:cNvGraphicFramePr>
+          <p:nvPr>
+            <p:ph idx="1"/>
+            <p:extLst>
+              <p:ext uri="{D42A27DB-BD31-4B8C-83A1-F6EECF244321}">
+                <p14:modId xmlns:p14="http://schemas.microsoft.com/office/powerpoint/2010/main" val="3467669357"/>
+              </p:ext>
+            </p:extLst>
+          </p:nvPr>
+        </p:nvGraphicFramePr>
+        <p:xfrm>
+          <a:off x="539750" y="1276350"/>
+          <a:ext cx="8459788" cy="3527425"/>
+        </p:xfrm>
+        <a:graphic>
+          <a:graphicData uri="http://schemas.openxmlformats.org/drawingml/2006/chart">
+            <c:chart xmlns:c="http://schemas.openxmlformats.org/drawingml/2006/chart" xmlns:r="http://schemas.openxmlformats.org/officeDocument/2006/relationships" r:id="rId3"/>
+          </a:graphicData>
+        </a:graphic>
+      </p:graphicFrame>
+    </p:spTree>
+    <p:extLst>
+      <p:ext uri="{BB962C8B-B14F-4D97-AF65-F5344CB8AC3E}">
+        <p14:creationId xmlns:p14="http://schemas.microsoft.com/office/powerpoint/2010/main" val="442890286"/>
+      </p:ext>
+    </p:extLst>
+  </p:cSld>
+  <p:clrMapOvr>
+    <a:masterClrMapping/>
+  </p:clrMapOvr>
+</p:sld>
+</file>
+
+<file path=ppt/slides/slide8.xml><?xml version="1.0" encoding="utf-8"?>
+<p:sld xmlns:a="http://schemas.openxmlformats.org/drawingml/2006/main" xmlns:r="http://schemas.openxmlformats.org/officeDocument/2006/relationships" xmlns:p="http://schemas.openxmlformats.org/presentationml/2006/main">
+  <p:cSld>
+    <p:spTree>
+      <p:nvGrpSpPr>
+        <p:cNvPr id="1" name=""/>
+        <p:cNvGrpSpPr/>
+        <p:nvPr/>
+      </p:nvGrpSpPr>
+      <p:grpSpPr>
+        <a:xfrm>
+          <a:off x="0" y="0"/>
+          <a:ext cx="0" cy="0"/>
+          <a:chOff x="0" y="0"/>
+          <a:chExt cx="0" cy="0"/>
+        </a:xfrm>
+      </p:grpSpPr>
+      <p:sp>
+        <p:nvSpPr>
+          <p:cNvPr id="2" name="Textplatzhalter 1">
+            <a:extLst>
+              <a:ext uri="{FF2B5EF4-FFF2-40B4-BE49-F238E27FC236}">
+                <a16:creationId xmlns:a16="http://schemas.microsoft.com/office/drawing/2014/main" id="{29920D21-08D2-4D42-853C-BF0CABF01184}"/>
+              </a:ext>
+            </a:extLst>
+          </p:cNvPr>
+          <p:cNvSpPr>
+            <a:spLocks noGrp="1"/>
+          </p:cNvSpPr>
+          <p:nvPr>
+            <p:ph type="body" idx="11"/>
+          </p:nvPr>
+        </p:nvSpPr>
+        <p:spPr>
+          <a:xfrm>
+            <a:off x="540000" y="680400"/>
+            <a:ext cx="7020000" cy="410369"/>
+          </a:xfrm>
+        </p:spPr>
+        <p:txBody>
+          <a:bodyPr/>
+          <a:lstStyle/>
+          <a:p>
+            <a:r>
+              <a:rPr lang="en-GB" dirty="0"/>
+              <a:t>Dice Coefficient Improvement</a:t>
+            </a:r>
+          </a:p>
+        </p:txBody>
+      </p:sp>
+      <p:sp>
+        <p:nvSpPr>
+          <p:cNvPr id="3" name="Titel 2">
+            <a:extLst>
+              <a:ext uri="{FF2B5EF4-FFF2-40B4-BE49-F238E27FC236}">
+                <a16:creationId xmlns:a16="http://schemas.microsoft.com/office/drawing/2014/main" id="{957B6CB6-22E1-48CC-B21B-DB54150C1026}"/>
+              </a:ext>
+            </a:extLst>
+          </p:cNvPr>
+          <p:cNvSpPr>
+            <a:spLocks noGrp="1"/>
+          </p:cNvSpPr>
+          <p:nvPr>
+            <p:ph type="title"/>
+          </p:nvPr>
+        </p:nvSpPr>
+        <p:spPr/>
+        <p:txBody>
+          <a:bodyPr/>
+          <a:lstStyle/>
+          <a:p>
+            <a:r>
+              <a:rPr lang="en-GB" dirty="0"/>
+              <a:t>Results</a:t>
+            </a:r>
+          </a:p>
+        </p:txBody>
+      </p:sp>
+      <p:graphicFrame>
+        <p:nvGraphicFramePr>
+          <p:cNvPr id="7" name="Inhaltsplatzhalter 6">
+            <a:extLst>
+              <a:ext uri="{FF2B5EF4-FFF2-40B4-BE49-F238E27FC236}">
+                <a16:creationId xmlns:a16="http://schemas.microsoft.com/office/drawing/2014/main" id="{569C24F4-1741-4627-A58B-D383DFE44BDF}"/>
+              </a:ext>
+            </a:extLst>
+          </p:cNvPr>
+          <p:cNvGraphicFramePr>
+            <a:graphicFrameLocks noGrp="1"/>
+          </p:cNvGraphicFramePr>
+          <p:nvPr>
+            <p:ph idx="1"/>
+            <p:extLst>
+              <p:ext uri="{D42A27DB-BD31-4B8C-83A1-F6EECF244321}">
+                <p14:modId xmlns:p14="http://schemas.microsoft.com/office/powerpoint/2010/main" val="15706477"/>
+              </p:ext>
+            </p:extLst>
+          </p:nvPr>
+        </p:nvGraphicFramePr>
+        <p:xfrm>
+          <a:off x="539750" y="1276350"/>
+          <a:ext cx="8459788" cy="3527425"/>
+        </p:xfrm>
+        <a:graphic>
+          <a:graphicData uri="http://schemas.openxmlformats.org/drawingml/2006/chart">
+            <c:chart xmlns:c="http://schemas.openxmlformats.org/drawingml/2006/chart" xmlns:r="http://schemas.openxmlformats.org/officeDocument/2006/relationships" r:id="rId3"/>
+          </a:graphicData>
+        </a:graphic>
+      </p:graphicFrame>
+    </p:spTree>
+    <p:extLst>
+      <p:ext uri="{BB962C8B-B14F-4D97-AF65-F5344CB8AC3E}">
+        <p14:creationId xmlns:p14="http://schemas.microsoft.com/office/powerpoint/2010/main" val="2067210370"/>
+      </p:ext>
+    </p:extLst>
+  </p:cSld>
+  <p:clrMapOvr>
+    <a:masterClrMapping/>
+  </p:clrMapOvr>
+</p:sld>
+</file>
+
+<file path=ppt/slides/slide9.xml><?xml version="1.0" encoding="utf-8"?>
+<p:sld xmlns:a="http://schemas.openxmlformats.org/drawingml/2006/main" xmlns:r="http://schemas.openxmlformats.org/officeDocument/2006/relationships" xmlns:p="http://schemas.openxmlformats.org/presentationml/2006/main">
+  <p:cSld>
+    <p:spTree>
+      <p:nvGrpSpPr>
+        <p:cNvPr id="1" name=""/>
+        <p:cNvGrpSpPr/>
+        <p:nvPr/>
+      </p:nvGrpSpPr>
+      <p:grpSpPr>
+        <a:xfrm>
+          <a:off x="0" y="0"/>
+          <a:ext cx="0" cy="0"/>
+          <a:chOff x="0" y="0"/>
+          <a:chExt cx="0" cy="0"/>
+        </a:xfrm>
+      </p:grpSpPr>
+      <p:sp>
+        <p:nvSpPr>
+          <p:cNvPr id="2" name="Textplatzhalter 1">
+            <a:extLst>
+              <a:ext uri="{FF2B5EF4-FFF2-40B4-BE49-F238E27FC236}">
+                <a16:creationId xmlns:a16="http://schemas.microsoft.com/office/drawing/2014/main" id="{29920D21-08D2-4D42-853C-BF0CABF01184}"/>
+              </a:ext>
+            </a:extLst>
+          </p:cNvPr>
+          <p:cNvSpPr>
+            <a:spLocks noGrp="1"/>
+          </p:cNvSpPr>
+          <p:nvPr>
+            <p:ph type="body" idx="11"/>
+          </p:nvPr>
+        </p:nvSpPr>
+        <p:spPr>
+          <a:xfrm>
+            <a:off x="540000" y="680400"/>
+            <a:ext cx="7020000" cy="410369"/>
+          </a:xfrm>
+        </p:spPr>
+        <p:txBody>
+          <a:bodyPr/>
+          <a:lstStyle/>
+          <a:p>
+            <a:r>
+              <a:rPr lang="en-GB" dirty="0" err="1"/>
+              <a:t>Hausdorff</a:t>
+            </a:r>
+            <a:r>
+              <a:rPr lang="en-GB" dirty="0"/>
+              <a:t> Distance</a:t>
+            </a:r>
+          </a:p>
+        </p:txBody>
+      </p:sp>
+      <p:sp>
+        <p:nvSpPr>
+          <p:cNvPr id="3" name="Titel 2">
+            <a:extLst>
+              <a:ext uri="{FF2B5EF4-FFF2-40B4-BE49-F238E27FC236}">
+                <a16:creationId xmlns:a16="http://schemas.microsoft.com/office/drawing/2014/main" id="{957B6CB6-22E1-48CC-B21B-DB54150C1026}"/>
+              </a:ext>
+            </a:extLst>
+          </p:cNvPr>
+          <p:cNvSpPr>
+            <a:spLocks noGrp="1"/>
+          </p:cNvSpPr>
+          <p:nvPr>
+            <p:ph type="title"/>
+          </p:nvPr>
+        </p:nvSpPr>
+        <p:spPr/>
+        <p:txBody>
+          <a:bodyPr/>
+          <a:lstStyle/>
+          <a:p>
+            <a:r>
+              <a:rPr lang="en-GB" dirty="0"/>
+              <a:t>Results</a:t>
+            </a:r>
+          </a:p>
+        </p:txBody>
+      </p:sp>
+      <p:graphicFrame>
+        <p:nvGraphicFramePr>
+          <p:cNvPr id="8" name="Inhaltsplatzhalter 7">
+            <a:extLst>
+              <a:ext uri="{FF2B5EF4-FFF2-40B4-BE49-F238E27FC236}">
+                <a16:creationId xmlns:a16="http://schemas.microsoft.com/office/drawing/2014/main" id="{5833FB77-9DDE-4DFE-948B-9E7FC9446E65}"/>
+              </a:ext>
+            </a:extLst>
+          </p:cNvPr>
+          <p:cNvGraphicFramePr>
+            <a:graphicFrameLocks noGrp="1"/>
+          </p:cNvGraphicFramePr>
+          <p:nvPr>
+            <p:ph idx="1"/>
+            <p:extLst>
+              <p:ext uri="{D42A27DB-BD31-4B8C-83A1-F6EECF244321}">
+                <p14:modId xmlns:p14="http://schemas.microsoft.com/office/powerpoint/2010/main" val="765212268"/>
+              </p:ext>
+            </p:extLst>
+          </p:nvPr>
+        </p:nvGraphicFramePr>
+        <p:xfrm>
+          <a:off x="539750" y="1276350"/>
+          <a:ext cx="8459788" cy="3527425"/>
+        </p:xfrm>
+        <a:graphic>
+          <a:graphicData uri="http://schemas.openxmlformats.org/drawingml/2006/chart">
+            <c:chart xmlns:c="http://schemas.openxmlformats.org/drawingml/2006/chart" xmlns:r="http://schemas.openxmlformats.org/officeDocument/2006/relationships" r:id="rId3"/>
+          </a:graphicData>
+        </a:graphic>
+      </p:graphicFrame>
+    </p:spTree>
+    <p:extLst>
+      <p:ext uri="{BB962C8B-B14F-4D97-AF65-F5344CB8AC3E}">
+        <p14:creationId xmlns:p14="http://schemas.microsoft.com/office/powerpoint/2010/main" val="313589463"/>
       </p:ext>
     </p:extLst>
   </p:cSld>

--- a/Presentation/Midterm Presentation.pptx
+++ b/Presentation/Midterm Presentation.pptx
@@ -132,6 +132,35 @@
     </p:ext>
   </p:extLst>
 </p:presentation>
+</file>
+
+<file path=ppt/changesInfos/changesInfo1.xml><?xml version="1.0" encoding="utf-8"?>
+<pc:chgInfo xmlns:a="http://schemas.openxmlformats.org/drawingml/2006/main" xmlns:r="http://schemas.openxmlformats.org/officeDocument/2006/relationships" xmlns:ac="http://schemas.microsoft.com/office/drawing/2013/main/command" xmlns:pc="http://schemas.microsoft.com/office/powerpoint/2013/main/command">
+  <pc:docChgLst>
+    <pc:chgData name="Duran, Carolina (STUDENTS)" userId="00319acd-474b-4858-82e1-f60c4af967dd" providerId="ADAL" clId="{AE95F46F-7FAB-4682-9245-B29ABEA9FCDF}"/>
+    <pc:docChg chg="modSld">
+      <pc:chgData name="Duran, Carolina (STUDENTS)" userId="00319acd-474b-4858-82e1-f60c4af967dd" providerId="ADAL" clId="{AE95F46F-7FAB-4682-9245-B29ABEA9FCDF}" dt="2020-11-16T11:28:02.125" v="1" actId="692"/>
+      <pc:docMkLst>
+        <pc:docMk/>
+      </pc:docMkLst>
+      <pc:sldChg chg="modSp">
+        <pc:chgData name="Duran, Carolina (STUDENTS)" userId="00319acd-474b-4858-82e1-f60c4af967dd" providerId="ADAL" clId="{AE95F46F-7FAB-4682-9245-B29ABEA9FCDF}" dt="2020-11-16T11:28:02.125" v="1" actId="692"/>
+        <pc:sldMkLst>
+          <pc:docMk/>
+          <pc:sldMk cId="2640667436" sldId="315"/>
+        </pc:sldMkLst>
+        <pc:graphicFrameChg chg="mod">
+          <ac:chgData name="Duran, Carolina (STUDENTS)" userId="00319acd-474b-4858-82e1-f60c4af967dd" providerId="ADAL" clId="{AE95F46F-7FAB-4682-9245-B29ABEA9FCDF}" dt="2020-11-16T11:28:02.125" v="1" actId="692"/>
+          <ac:graphicFrameMkLst>
+            <pc:docMk/>
+            <pc:sldMk cId="2640667436" sldId="315"/>
+            <ac:graphicFrameMk id="7" creationId="{66214EDC-0B40-4313-9D72-1122ED4D7264}"/>
+          </ac:graphicFrameMkLst>
+        </pc:graphicFrameChg>
+      </pc:sldChg>
+    </pc:docChg>
+  </pc:docChgLst>
+</pc:chgInfo>
 </file>
 
 <file path=ppt/charts/chart1.xml><?xml version="1.0" encoding="utf-8"?>
@@ -2577,7 +2606,7 @@
               <a:solidFill>
                 <a:schemeClr val="accent3"/>
               </a:solidFill>
-              <a:ln w="38100">
+              <a:ln w="63500">
                 <a:solidFill>
                   <a:schemeClr val="accent3"/>
                 </a:solidFill>
@@ -2769,7 +2798,7 @@
               <a:solidFill>
                 <a:schemeClr val="accent5"/>
               </a:solidFill>
-              <a:ln w="38100">
+              <a:ln w="63500">
                 <a:solidFill>
                   <a:schemeClr val="accent5"/>
                 </a:solidFill>
@@ -5578,7 +5607,7 @@
           <a:p>
             <a:fld id="{A70AE70C-D509-4E4B-9352-79C3D11520D1}" type="datetimeFigureOut">
               <a:rPr lang="de-DE" smtClean="0"/>
-              <a:t>15.11.2020</a:t>
+              <a:t>16.11.2020</a:t>
             </a:fld>
             <a:endParaRPr lang="de-DE"/>
           </a:p>
@@ -5756,7 +5785,7 @@
           <a:p>
             <a:fld id="{B77602DA-7CEE-4298-AF4B-1C87D65BAB06}" type="datetimeFigureOut">
               <a:rPr lang="de-CH" smtClean="0"/>
-              <a:t>15.11.2020</a:t>
+              <a:t>16.11.2020</a:t>
             </a:fld>
             <a:endParaRPr lang="de-CH" dirty="0"/>
           </a:p>
@@ -17470,7 +17499,7 @@
             <p:ph idx="1"/>
             <p:extLst>
               <p:ext uri="{D42A27DB-BD31-4B8C-83A1-F6EECF244321}">
-                <p14:modId xmlns:p14="http://schemas.microsoft.com/office/powerpoint/2010/main" val="1930346035"/>
+                <p14:modId xmlns:p14="http://schemas.microsoft.com/office/powerpoint/2010/main" val="3901696675"/>
               </p:ext>
             </p:extLst>
           </p:nvPr>
@@ -18357,7 +18386,7 @@
           <a:graphicData uri="http://schemas.openxmlformats.org/presentationml/2006/ole">
             <mc:AlternateContent xmlns:mc="http://schemas.openxmlformats.org/markup-compatibility/2006">
               <mc:Choice xmlns:v="urn:schemas-microsoft-com:vml" Requires="v">
-                <p:oleObj spid="_x0000_s1072" name="Equation" r:id="rId4" imgW="774360" imgH="393480" progId="Equation.DSMT4">
+                <p:oleObj spid="_x0000_s1026" name="Equation" r:id="rId4" imgW="774360" imgH="393480" progId="Equation.DSMT4">
                   <p:embed/>
                 </p:oleObj>
               </mc:Choice>
@@ -18366,7 +18395,13 @@
                   <p:embed/>
                   <p:pic>
                     <p:nvPicPr>
-                      <p:cNvPr id="0" name=""/>
+                      <p:cNvPr id="5" name="Objekt 4">
+                        <a:extLst>
+                          <a:ext uri="{FF2B5EF4-FFF2-40B4-BE49-F238E27FC236}">
+                            <a16:creationId xmlns:a16="http://schemas.microsoft.com/office/drawing/2014/main" id="{244702F9-B35E-4BBC-B92C-5AB4BDFF4B6F}"/>
+                          </a:ext>
+                        </a:extLst>
+                      </p:cNvPr>
                       <p:cNvPicPr/>
                       <p:nvPr/>
                     </p:nvPicPr>
@@ -18420,7 +18455,7 @@
           <a:graphicData uri="http://schemas.openxmlformats.org/presentationml/2006/ole">
             <mc:AlternateContent xmlns:mc="http://schemas.openxmlformats.org/markup-compatibility/2006">
               <mc:Choice xmlns:v="urn:schemas-microsoft-com:vml" Requires="v">
-                <p:oleObj spid="_x0000_s1073" name="Equation" r:id="rId6" imgW="634680" imgH="393480" progId="Equation.DSMT4">
+                <p:oleObj spid="_x0000_s1027" name="Equation" r:id="rId6" imgW="634680" imgH="393480" progId="Equation.DSMT4">
                   <p:embed/>
                 </p:oleObj>
               </mc:Choice>
@@ -18429,10 +18464,10 @@
                   <p:embed/>
                   <p:pic>
                     <p:nvPicPr>
-                      <p:cNvPr id="5" name="Objekt 4">
+                      <p:cNvPr id="7" name="Objekt 6">
                         <a:extLst>
                           <a:ext uri="{FF2B5EF4-FFF2-40B4-BE49-F238E27FC236}">
-                            <a16:creationId xmlns:a16="http://schemas.microsoft.com/office/drawing/2014/main" id="{244702F9-B35E-4BBC-B92C-5AB4BDFF4B6F}"/>
+                            <a16:creationId xmlns:a16="http://schemas.microsoft.com/office/drawing/2014/main" id="{52E626AF-0C11-49EC-BC55-B38E2087375D}"/>
                           </a:ext>
                         </a:extLst>
                       </p:cNvPr>

--- a/Presentation/Midterm Presentation.pptx
+++ b/Presentation/Midterm Presentation.pptx
@@ -160,6 +160,30 @@
       </pc:sldChg>
     </pc:docChg>
   </pc:docChgLst>
+  <pc:docChgLst>
+    <pc:chgData name="Thomas Buchegger" userId="e9d10f62-fa07-4fc1-9248-edcb138c70e1" providerId="ADAL" clId="{E9D31AD9-BAB2-4385-AC4A-B20BBC9B1C1E}"/>
+    <pc:docChg chg="undo modSld">
+      <pc:chgData name="Thomas Buchegger" userId="e9d10f62-fa07-4fc1-9248-edcb138c70e1" providerId="ADAL" clId="{E9D31AD9-BAB2-4385-AC4A-B20BBC9B1C1E}" dt="2020-11-22T15:53:33.455" v="1" actId="732"/>
+      <pc:docMkLst>
+        <pc:docMk/>
+      </pc:docMkLst>
+      <pc:sldChg chg="modSp">
+        <pc:chgData name="Thomas Buchegger" userId="e9d10f62-fa07-4fc1-9248-edcb138c70e1" providerId="ADAL" clId="{E9D31AD9-BAB2-4385-AC4A-B20BBC9B1C1E}" dt="2020-11-22T15:53:33.455" v="1" actId="732"/>
+        <pc:sldMkLst>
+          <pc:docMk/>
+          <pc:sldMk cId="3711386085" sldId="317"/>
+        </pc:sldMkLst>
+        <pc:picChg chg="mod modCrop">
+          <ac:chgData name="Thomas Buchegger" userId="e9d10f62-fa07-4fc1-9248-edcb138c70e1" providerId="ADAL" clId="{E9D31AD9-BAB2-4385-AC4A-B20BBC9B1C1E}" dt="2020-11-22T15:53:33.455" v="1" actId="732"/>
+          <ac:picMkLst>
+            <pc:docMk/>
+            <pc:sldMk cId="3711386085" sldId="317"/>
+            <ac:picMk id="5" creationId="{D3AF0D81-999E-4DAC-9965-522243208EFD}"/>
+          </ac:picMkLst>
+        </pc:picChg>
+      </pc:sldChg>
+    </pc:docChg>
+  </pc:docChgLst>
 </pc:chgInfo>
 </file>
 
@@ -686,7 +710,7 @@
                 <a:cs typeface="+mn-cs"/>
               </a:defRPr>
             </a:pPr>
-            <a:endParaRPr lang="de-DE"/>
+            <a:endParaRPr lang="en-US"/>
           </a:p>
         </c:txPr>
         <c:crossAx val="454307336"/>
@@ -768,7 +792,7 @@
                   <a:cs typeface="+mn-cs"/>
                 </a:defRPr>
               </a:pPr>
-              <a:endParaRPr lang="de-DE"/>
+              <a:endParaRPr lang="en-US"/>
             </a:p>
           </c:txPr>
         </c:title>
@@ -800,7 +824,7 @@
                 <a:cs typeface="+mn-cs"/>
               </a:defRPr>
             </a:pPr>
-            <a:endParaRPr lang="de-DE"/>
+            <a:endParaRPr lang="en-US"/>
           </a:p>
         </c:txPr>
         <c:crossAx val="454309632"/>
@@ -842,7 +866,7 @@
               <a:cs typeface="+mn-cs"/>
             </a:defRPr>
           </a:pPr>
-          <a:endParaRPr lang="de-DE"/>
+          <a:endParaRPr lang="en-US"/>
         </a:p>
       </c:txPr>
     </c:legend>
@@ -871,7 +895,7 @@
       <a:pPr>
         <a:defRPr/>
       </a:pPr>
-      <a:endParaRPr lang="de-DE"/>
+      <a:endParaRPr lang="en-US"/>
     </a:p>
   </c:txPr>
   <c:externalData r:id="rId3">
@@ -1551,7 +1575,7 @@
                 <a:cs typeface="+mn-cs"/>
               </a:defRPr>
             </a:pPr>
-            <a:endParaRPr lang="de-DE"/>
+            <a:endParaRPr lang="en-US"/>
           </a:p>
         </c:txPr>
         <c:crossAx val="454307336"/>
@@ -1643,7 +1667,7 @@
                   <a:cs typeface="+mn-cs"/>
                 </a:defRPr>
               </a:pPr>
-              <a:endParaRPr lang="de-DE"/>
+              <a:endParaRPr lang="en-US"/>
             </a:p>
           </c:txPr>
         </c:title>
@@ -1672,7 +1696,7 @@
                 <a:cs typeface="+mn-cs"/>
               </a:defRPr>
             </a:pPr>
-            <a:endParaRPr lang="de-DE"/>
+            <a:endParaRPr lang="en-US"/>
           </a:p>
         </c:txPr>
         <c:crossAx val="454309632"/>
@@ -1714,7 +1738,7 @@
               <a:cs typeface="+mn-cs"/>
             </a:defRPr>
           </a:pPr>
-          <a:endParaRPr lang="de-DE"/>
+          <a:endParaRPr lang="en-US"/>
         </a:p>
       </c:txPr>
     </c:legend>
@@ -1750,7 +1774,7 @@
           <a:cs typeface="+mn-cs"/>
         </a:defRPr>
       </a:pPr>
-      <a:endParaRPr lang="de-DE"/>
+      <a:endParaRPr lang="en-US"/>
     </a:p>
   </c:txPr>
   <c:externalData r:id="rId3">
@@ -2258,7 +2282,7 @@
                 <a:cs typeface="+mn-cs"/>
               </a:defRPr>
             </a:pPr>
-            <a:endParaRPr lang="de-DE"/>
+            <a:endParaRPr lang="en-US"/>
           </a:p>
         </c:txPr>
         <c:crossAx val="454307336"/>
@@ -2350,7 +2374,7 @@
                   <a:cs typeface="+mn-cs"/>
                 </a:defRPr>
               </a:pPr>
-              <a:endParaRPr lang="de-DE"/>
+              <a:endParaRPr lang="en-US"/>
             </a:p>
           </c:txPr>
         </c:title>
@@ -2382,7 +2406,7 @@
                 <a:cs typeface="+mn-cs"/>
               </a:defRPr>
             </a:pPr>
-            <a:endParaRPr lang="de-DE"/>
+            <a:endParaRPr lang="en-US"/>
           </a:p>
         </c:txPr>
         <c:crossAx val="454309632"/>
@@ -2424,7 +2448,7 @@
               <a:cs typeface="+mn-cs"/>
             </a:defRPr>
           </a:pPr>
-          <a:endParaRPr lang="de-DE"/>
+          <a:endParaRPr lang="en-US"/>
         </a:p>
       </c:txPr>
     </c:legend>
@@ -2453,7 +2477,7 @@
       <a:pPr>
         <a:defRPr/>
       </a:pPr>
-      <a:endParaRPr lang="de-DE"/>
+      <a:endParaRPr lang="en-US"/>
     </a:p>
   </c:txPr>
   <c:externalData r:id="rId3">
@@ -3133,7 +3157,7 @@
                 <a:cs typeface="+mn-cs"/>
               </a:defRPr>
             </a:pPr>
-            <a:endParaRPr lang="de-DE"/>
+            <a:endParaRPr lang="en-US"/>
           </a:p>
         </c:txPr>
         <c:crossAx val="454307336"/>
@@ -3225,7 +3249,7 @@
                   <a:cs typeface="+mn-cs"/>
                 </a:defRPr>
               </a:pPr>
-              <a:endParaRPr lang="de-DE"/>
+              <a:endParaRPr lang="en-US"/>
             </a:p>
           </c:txPr>
         </c:title>
@@ -3254,7 +3278,7 @@
                 <a:cs typeface="+mn-cs"/>
               </a:defRPr>
             </a:pPr>
-            <a:endParaRPr lang="de-DE"/>
+            <a:endParaRPr lang="en-US"/>
           </a:p>
         </c:txPr>
         <c:crossAx val="454309632"/>
@@ -3296,7 +3320,7 @@
               <a:cs typeface="+mn-cs"/>
             </a:defRPr>
           </a:pPr>
-          <a:endParaRPr lang="de-DE"/>
+          <a:endParaRPr lang="en-US"/>
         </a:p>
       </c:txPr>
     </c:legend>
@@ -3332,7 +3356,7 @@
           <a:cs typeface="+mn-cs"/>
         </a:defRPr>
       </a:pPr>
-      <a:endParaRPr lang="de-DE"/>
+      <a:endParaRPr lang="en-US"/>
     </a:p>
   </c:txPr>
   <c:externalData r:id="rId3">
@@ -5607,7 +5631,7 @@
           <a:p>
             <a:fld id="{A70AE70C-D509-4E4B-9352-79C3D11520D1}" type="datetimeFigureOut">
               <a:rPr lang="de-DE" smtClean="0"/>
-              <a:t>16.11.2020</a:t>
+              <a:t>22.11.2020</a:t>
             </a:fld>
             <a:endParaRPr lang="de-DE"/>
           </a:p>
@@ -5785,7 +5809,7 @@
           <a:p>
             <a:fld id="{B77602DA-7CEE-4298-AF4B-1C87D65BAB06}" type="datetimeFigureOut">
               <a:rPr lang="de-CH" smtClean="0"/>
-              <a:t>16.11.2020</a:t>
+              <a:t>22.11.2020</a:t>
             </a:fld>
             <a:endParaRPr lang="de-CH" dirty="0"/>
           </a:p>
